--- a/Presentation_TER.pptx
+++ b/Presentation_TER.pptx
@@ -5,10 +5,10 @@
     <p:sldMasterId id="2147483754" r:id="rId1"/>
   </p:sldMasterIdLst>
   <p:notesMasterIdLst>
-    <p:notesMasterId r:id="rId13"/>
+    <p:notesMasterId r:id="rId14"/>
   </p:notesMasterIdLst>
   <p:handoutMasterIdLst>
-    <p:handoutMasterId r:id="rId14"/>
+    <p:handoutMasterId r:id="rId15"/>
   </p:handoutMasterIdLst>
   <p:sldIdLst>
     <p:sldId id="256" r:id="rId2"/>
@@ -22,6 +22,7 @@
     <p:sldId id="264" r:id="rId10"/>
     <p:sldId id="265" r:id="rId11"/>
     <p:sldId id="266" r:id="rId12"/>
+    <p:sldId id="267" r:id="rId13"/>
   </p:sldIdLst>
   <p:sldSz cx="9144000" cy="6858000" type="screen4x3"/>
   <p:notesSz cx="6858000" cy="9144000"/>
@@ -5826,17 +5827,6 @@
             </a:rPr>
             <a:t>Introduction</a:t>
           </a:r>
-          <a:endParaRPr lang="fr-FR" sz="2900" b="1" i="1" u="none" dirty="0" smtClean="0">
-            <a:effectLst>
-              <a:outerShdw blurRad="38100" dist="38100" dir="2700000" algn="tl">
-                <a:srgbClr val="000000">
-                  <a:alpha val="43137"/>
-                </a:srgbClr>
-              </a:outerShdw>
-            </a:effectLst>
-            <a:latin typeface="Times New Roman" pitchFamily="18" charset="0"/>
-            <a:cs typeface="Times New Roman" pitchFamily="18" charset="0"/>
-          </a:endParaRPr>
         </a:p>
       </dgm:t>
     </dgm:pt>
@@ -5942,17 +5932,6 @@
             </a:rPr>
             <a:t>Réalisation</a:t>
           </a:r>
-          <a:endParaRPr lang="fr-FR" sz="2900" b="1" i="1" dirty="0" smtClean="0">
-            <a:effectLst>
-              <a:outerShdw blurRad="38100" dist="38100" dir="2700000" algn="tl">
-                <a:srgbClr val="000000">
-                  <a:alpha val="43137"/>
-                </a:srgbClr>
-              </a:outerShdw>
-            </a:effectLst>
-            <a:latin typeface="Times New Roman" pitchFamily="18" charset="0"/>
-            <a:cs typeface="Times New Roman" pitchFamily="18" charset="0"/>
-          </a:endParaRPr>
         </a:p>
       </dgm:t>
     </dgm:pt>
@@ -6000,17 +5979,6 @@
             </a:rPr>
             <a:t>Bilan</a:t>
           </a:r>
-          <a:endParaRPr lang="fr-FR" sz="3200" b="1" i="1" dirty="0" smtClean="0">
-            <a:effectLst>
-              <a:outerShdw blurRad="38100" dist="38100" dir="2700000" algn="tl">
-                <a:srgbClr val="000000">
-                  <a:alpha val="43137"/>
-                </a:srgbClr>
-              </a:outerShdw>
-            </a:effectLst>
-            <a:latin typeface="Times New Roman" pitchFamily="18" charset="0"/>
-            <a:cs typeface="Times New Roman" pitchFamily="18" charset="0"/>
-          </a:endParaRPr>
         </a:p>
       </dgm:t>
     </dgm:pt>
@@ -6148,7 +6116,23 @@
               <a:latin typeface="Times New Roman" pitchFamily="18" charset="0"/>
               <a:cs typeface="Times New Roman" pitchFamily="18" charset="0"/>
             </a:rPr>
-            <a:t>Scripts et peuplement de données</a:t>
+            <a:t>Scripts et </a:t>
+          </a:r>
+          <a:r>
+            <a:rPr lang="fr-FR" sz="2000" b="0" i="0" dirty="0" smtClean="0">
+              <a:effectLst/>
+              <a:latin typeface="Times New Roman" pitchFamily="18" charset="0"/>
+              <a:cs typeface="Times New Roman" pitchFamily="18" charset="0"/>
+            </a:rPr>
+            <a:t>insertion des </a:t>
+          </a:r>
+          <a:r>
+            <a:rPr lang="fr-FR" sz="2000" b="0" i="0" dirty="0" smtClean="0">
+              <a:effectLst/>
+              <a:latin typeface="Times New Roman" pitchFamily="18" charset="0"/>
+              <a:cs typeface="Times New Roman" pitchFamily="18" charset="0"/>
+            </a:rPr>
+            <a:t>données</a:t>
           </a:r>
           <a:endParaRPr lang="fr-FR" sz="2000" b="1" i="1" dirty="0" smtClean="0">
             <a:effectLst>
@@ -6298,7 +6282,15 @@
               <a:latin typeface="Times New Roman" pitchFamily="18" charset="0"/>
               <a:cs typeface="Times New Roman" pitchFamily="18" charset="0"/>
             </a:rPr>
-            <a:t>Base de données et classification</a:t>
+            <a:t>Base de données </a:t>
+          </a:r>
+          <a:r>
+            <a:rPr lang="fr-FR" sz="2000" b="0" i="0" dirty="0" smtClean="0">
+              <a:effectLst/>
+              <a:latin typeface="Times New Roman" pitchFamily="18" charset="0"/>
+              <a:cs typeface="Times New Roman" pitchFamily="18" charset="0"/>
+            </a:rPr>
+            <a:t>(arborescence, classification)</a:t>
           </a:r>
           <a:endParaRPr lang="fr-FR" sz="2000" b="0" i="0" dirty="0">
             <a:effectLst/>
@@ -6344,7 +6336,7 @@
               <a:latin typeface="Times New Roman" pitchFamily="18" charset="0"/>
               <a:cs typeface="Times New Roman" pitchFamily="18" charset="0"/>
             </a:rPr>
-            <a:t>Analyse de texte et résultat</a:t>
+            <a:t>Annotation sémantique</a:t>
           </a:r>
           <a:endParaRPr lang="fr-FR" sz="2000" b="1" i="1" dirty="0" smtClean="0">
             <a:effectLst>
@@ -6852,6 +6844,58 @@
         </a:p>
       </dgm:t>
     </dgm:pt>
+    <dgm:pt modelId="{10F6EE44-B734-4772-B5AD-8AABE171692B}">
+      <dgm:prSet phldrT="[Texte]" custT="1"/>
+      <dgm:spPr/>
+      <dgm:t>
+        <a:bodyPr/>
+        <a:lstStyle/>
+        <a:p>
+          <a:pPr algn="l"/>
+          <a:r>
+            <a:rPr lang="fr-FR" sz="2000" b="0" i="0" dirty="0" smtClean="0">
+              <a:effectLst/>
+              <a:latin typeface="Times New Roman" pitchFamily="18" charset="0"/>
+              <a:cs typeface="Times New Roman" pitchFamily="18" charset="0"/>
+            </a:rPr>
+            <a:t>Analyse sémantique</a:t>
+          </a:r>
+          <a:endParaRPr lang="fr-FR" sz="2000" b="1" i="1" dirty="0" smtClean="0">
+            <a:effectLst>
+              <a:outerShdw blurRad="38100" dist="38100" dir="2700000" algn="tl">
+                <a:srgbClr val="000000">
+                  <a:alpha val="43137"/>
+                </a:srgbClr>
+              </a:outerShdw>
+            </a:effectLst>
+            <a:latin typeface="Times New Roman" pitchFamily="18" charset="0"/>
+            <a:cs typeface="Times New Roman" pitchFamily="18" charset="0"/>
+          </a:endParaRPr>
+        </a:p>
+      </dgm:t>
+    </dgm:pt>
+    <dgm:pt modelId="{A536C539-FA76-4E50-82D8-14A69F4E56CF}" type="parTrans" cxnId="{ABD44CF7-0A0E-4134-B6A5-D96EAA44BF7E}">
+      <dgm:prSet/>
+      <dgm:spPr/>
+      <dgm:t>
+        <a:bodyPr/>
+        <a:lstStyle/>
+        <a:p>
+          <a:endParaRPr lang="fr-FR"/>
+        </a:p>
+      </dgm:t>
+    </dgm:pt>
+    <dgm:pt modelId="{7A000125-E3D0-4347-9935-3F68E6AD6402}" type="sibTrans" cxnId="{ABD44CF7-0A0E-4134-B6A5-D96EAA44BF7E}">
+      <dgm:prSet/>
+      <dgm:spPr/>
+      <dgm:t>
+        <a:bodyPr/>
+        <a:lstStyle/>
+        <a:p>
+          <a:endParaRPr lang="fr-FR"/>
+        </a:p>
+      </dgm:t>
+    </dgm:pt>
     <dgm:pt modelId="{C874069A-6BB3-4018-B72C-47F37400C865}" type="pres">
       <dgm:prSet presAssocID="{B85875FE-4B19-4BF4-B83F-C5897E2A794C}" presName="composite" presStyleCnt="0">
         <dgm:presLayoutVars>
@@ -6922,7 +6966,7 @@
       </dgm:t>
     </dgm:pt>
     <dgm:pt modelId="{31B6F40F-C383-4663-BBDB-30ECD549C2A9}" type="pres">
-      <dgm:prSet presAssocID="{8074303C-C72C-4F0C-8255-5D14193415AB}" presName="pillarX" presStyleLbl="node1" presStyleIdx="2" presStyleCnt="4">
+      <dgm:prSet presAssocID="{8074303C-C72C-4F0C-8255-5D14193415AB}" presName="pillarX" presStyleLbl="node1" presStyleIdx="2" presStyleCnt="4" custScaleX="115052">
         <dgm:presLayoutVars>
           <dgm:bulletEnabled val="1"/>
         </dgm:presLayoutVars>
@@ -6964,51 +7008,53 @@
     </dgm:pt>
   </dgm:ptLst>
   <dgm:cxnLst>
+    <dgm:cxn modelId="{55EBF565-D31D-4C2D-83ED-618974EA8F56}" type="presOf" srcId="{1493EC73-AB00-4ABD-8CB2-59E36D55DD2C}" destId="{37ECAD2B-94C0-4B39-B975-CEE0E3D06B7C}" srcOrd="0" destOrd="1" presId="urn:microsoft.com/office/officeart/2005/8/layout/hList3"/>
+    <dgm:cxn modelId="{59D469DC-69DD-4E08-8DC2-94B45BA7D5E7}" type="presOf" srcId="{5D67343D-5406-47E1-807C-1A6FB217DFDD}" destId="{31B6F40F-C383-4663-BBDB-30ECD549C2A9}" srcOrd="0" destOrd="1" presId="urn:microsoft.com/office/officeart/2005/8/layout/hList3"/>
+    <dgm:cxn modelId="{AC19D9A6-F64B-4310-9B77-E3D6D2A38275}" type="presOf" srcId="{A2E6FE7A-87C8-4A6C-BAD9-38DDAA1E5C2B}" destId="{6A3BDFB1-5AF2-48D4-B58A-DB63768EB872}" srcOrd="0" destOrd="1" presId="urn:microsoft.com/office/officeart/2005/8/layout/hList3"/>
+    <dgm:cxn modelId="{0EBB6852-1558-41C9-BEFD-5399622309F9}" type="presOf" srcId="{3FD6566B-033A-42E7-9CFB-79A0C38CE0B2}" destId="{31B6F40F-C383-4663-BBDB-30ECD549C2A9}" srcOrd="0" destOrd="3" presId="urn:microsoft.com/office/officeart/2005/8/layout/hList3"/>
+    <dgm:cxn modelId="{4DA73056-8D58-4C44-B191-651B39994A21}" srcId="{515D84E1-4E68-4AA5-A897-9655B7BD8E0B}" destId="{DD0C413A-6072-4120-BEB0-1F9B94BF2C5D}" srcOrd="1" destOrd="0" parTransId="{371AB29F-4A9E-4E16-B03A-5F97B9611722}" sibTransId="{77C62EA8-5C10-4FFB-B6C0-943524650E95}"/>
+    <dgm:cxn modelId="{E1003D69-F447-4069-B21C-4F2C4183C386}" srcId="{8074303C-C72C-4F0C-8255-5D14193415AB}" destId="{5D67343D-5406-47E1-807C-1A6FB217DFDD}" srcOrd="0" destOrd="0" parTransId="{DDB87700-C38F-4E33-ADA9-D0D0DB09A937}" sibTransId="{CA4869DD-0F7C-4D6D-9CFF-C22E069A3C54}"/>
+    <dgm:cxn modelId="{FC393441-D078-4946-B5B0-3DD67FA36A57}" srcId="{DD0C413A-6072-4120-BEB0-1F9B94BF2C5D}" destId="{DF68D394-6D77-4F6B-AEA1-3D17232F5AD3}" srcOrd="0" destOrd="0" parTransId="{3BF351A1-EB12-4CE5-8600-DEC0C93F577A}" sibTransId="{958C814C-AB65-4E91-B896-C6C06416A83A}"/>
+    <dgm:cxn modelId="{4D2D7BCB-1906-4AC7-8C8D-96916BAB35D2}" type="presOf" srcId="{BD4F6BE9-A8EF-48E1-A24F-28517379BC64}" destId="{6A3BDFB1-5AF2-48D4-B58A-DB63768EB872}" srcOrd="0" destOrd="2" presId="urn:microsoft.com/office/officeart/2005/8/layout/hList3"/>
+    <dgm:cxn modelId="{266ABADF-4C1E-46B2-9DF8-C3B1256C14B9}" type="presOf" srcId="{4CB1EC1A-2B01-43E1-B003-403459D685F5}" destId="{6A3BDFB1-5AF2-48D4-B58A-DB63768EB872}" srcOrd="0" destOrd="4" presId="urn:microsoft.com/office/officeart/2005/8/layout/hList3"/>
+    <dgm:cxn modelId="{6DC4C5C6-5BBE-4BB8-8AD2-30BF79E4F0D7}" srcId="{8074303C-C72C-4F0C-8255-5D14193415AB}" destId="{3FD6566B-033A-42E7-9CFB-79A0C38CE0B2}" srcOrd="2" destOrd="0" parTransId="{9F6E1CED-08A9-4AA7-BB16-4CD702CA1BBE}" sibTransId="{EB307A27-FC1C-44C0-ABC9-EF1274BCA801}"/>
+    <dgm:cxn modelId="{05F2EE54-F25E-4000-8177-BDDA4C8AB7BC}" srcId="{DD0C413A-6072-4120-BEB0-1F9B94BF2C5D}" destId="{876FA8C1-9236-489E-8EA8-8D196D90EDC2}" srcOrd="1" destOrd="0" parTransId="{53474CA7-2AEB-4D6B-ACCE-F8C03C630669}" sibTransId="{743893C0-64AE-45A9-9ED3-548F34AEE7A4}"/>
+    <dgm:cxn modelId="{95CBF3CF-D3C7-4434-8042-203D559285D3}" type="presOf" srcId="{D0B8056A-0D3F-4A6C-BC22-2059ABDE2C77}" destId="{37ECAD2B-94C0-4B39-B975-CEE0E3D06B7C}" srcOrd="0" destOrd="0" presId="urn:microsoft.com/office/officeart/2005/8/layout/hList3"/>
+    <dgm:cxn modelId="{5CA2C3BF-7280-4E22-A62D-5E6B11980866}" type="presOf" srcId="{876FA8C1-9236-489E-8EA8-8D196D90EDC2}" destId="{4E61A785-689E-4FB4-84C7-D72FFCFAF2EE}" srcOrd="0" destOrd="2" presId="urn:microsoft.com/office/officeart/2005/8/layout/hList3"/>
+    <dgm:cxn modelId="{230FB79A-89D0-443A-B137-7FA2BC38C044}" srcId="{03442614-6379-4D7A-85E4-02307CCA20AF}" destId="{BD4F6BE9-A8EF-48E1-A24F-28517379BC64}" srcOrd="1" destOrd="0" parTransId="{EF33CE4F-4334-417F-9833-9DB6D312D68B}" sibTransId="{F0295177-8FF4-475B-843F-DFEA23F248ED}"/>
+    <dgm:cxn modelId="{FBF0E1EB-20C5-4B75-9143-C71FAFB1D7D1}" type="presOf" srcId="{10F6EE44-B734-4772-B5AD-8AABE171692B}" destId="{31B6F40F-C383-4663-BBDB-30ECD549C2A9}" srcOrd="0" destOrd="4" presId="urn:microsoft.com/office/officeart/2005/8/layout/hList3"/>
+    <dgm:cxn modelId="{58B7D7EC-4EBD-4D1C-919C-1E9D8D1D214E}" type="presOf" srcId="{85014891-7756-4E6C-A458-E05BAFD0AB5C}" destId="{37ECAD2B-94C0-4B39-B975-CEE0E3D06B7C}" srcOrd="0" destOrd="4" presId="urn:microsoft.com/office/officeart/2005/8/layout/hList3"/>
+    <dgm:cxn modelId="{22F46649-E00B-4EF6-AFFB-55C48F68D27A}" type="presOf" srcId="{EF696C50-067B-443F-94D5-85CC123A5DAC}" destId="{4E61A785-689E-4FB4-84C7-D72FFCFAF2EE}" srcOrd="0" destOrd="4" presId="urn:microsoft.com/office/officeart/2005/8/layout/hList3"/>
+    <dgm:cxn modelId="{9EABD09D-45BC-46B8-B7A0-40C818E6B859}" type="presOf" srcId="{41E8AD08-861A-4DB9-84D0-5FC7E82C0280}" destId="{6A3BDFB1-5AF2-48D4-B58A-DB63768EB872}" srcOrd="0" destOrd="3" presId="urn:microsoft.com/office/officeart/2005/8/layout/hList3"/>
+    <dgm:cxn modelId="{243A858C-F2D1-41AF-8FF5-5C63455BC398}" srcId="{03442614-6379-4D7A-85E4-02307CCA20AF}" destId="{A2E6FE7A-87C8-4A6C-BAD9-38DDAA1E5C2B}" srcOrd="0" destOrd="0" parTransId="{870283D9-92CA-4656-81D8-2C9A34BFC41C}" sibTransId="{CEAD23B1-47DA-47EE-81E1-1A8976F1BF39}"/>
+    <dgm:cxn modelId="{0D9A7C5E-E601-4CCE-83D7-E8A9138336C0}" type="presOf" srcId="{B85875FE-4B19-4BF4-B83F-C5897E2A794C}" destId="{C874069A-6BB3-4018-B72C-47F37400C865}" srcOrd="0" destOrd="0" presId="urn:microsoft.com/office/officeart/2005/8/layout/hList3"/>
+    <dgm:cxn modelId="{BA05327B-7573-408D-8A18-2331EE8A8C0E}" srcId="{515D84E1-4E68-4AA5-A897-9655B7BD8E0B}" destId="{03442614-6379-4D7A-85E4-02307CCA20AF}" srcOrd="3" destOrd="0" parTransId="{A368C3D0-490A-4EC8-8AA5-F4E879E01017}" sibTransId="{B6FC52AF-D048-4383-ACC4-EAE0664C2EF7}"/>
     <dgm:cxn modelId="{36F89DEF-68D5-4782-89EA-4DB38304E004}" srcId="{D0B8056A-0D3F-4A6C-BC22-2059ABDE2C77}" destId="{1493EC73-AB00-4ABD-8CB2-59E36D55DD2C}" srcOrd="0" destOrd="0" parTransId="{16B504E4-E117-4AE7-8BEF-60F26F802C78}" sibTransId="{7D87E38E-1A27-4041-A72E-9AFFF785B456}"/>
-    <dgm:cxn modelId="{8E3A4157-4C5B-497D-9345-B48408C90826}" srcId="{D0B8056A-0D3F-4A6C-BC22-2059ABDE2C77}" destId="{C6E2E828-F4C6-43B0-A7D4-F68615A5AC95}" srcOrd="2" destOrd="0" parTransId="{4C6D3415-B4E8-42A5-B6D1-BD21449FB43F}" sibTransId="{F87EC520-5277-4279-B505-1A01CB2A25FE}"/>
-    <dgm:cxn modelId="{DB43647D-B7ED-46BB-934D-01D92289CB99}" type="presOf" srcId="{659D2C90-BD63-4E54-9329-D01B1D8887FC}" destId="{4E61A785-689E-4FB4-84C7-D72FFCFAF2EE}" srcOrd="0" destOrd="3" presId="urn:microsoft.com/office/officeart/2005/8/layout/hList3"/>
-    <dgm:cxn modelId="{124AEFFC-9C2F-41B9-A8B8-F15C0D38A184}" type="presOf" srcId="{DD0C413A-6072-4120-BEB0-1F9B94BF2C5D}" destId="{4E61A785-689E-4FB4-84C7-D72FFCFAF2EE}" srcOrd="0" destOrd="0" presId="urn:microsoft.com/office/officeart/2005/8/layout/hList3"/>
-    <dgm:cxn modelId="{4D2D7BCB-1906-4AC7-8C8D-96916BAB35D2}" type="presOf" srcId="{BD4F6BE9-A8EF-48E1-A24F-28517379BC64}" destId="{6A3BDFB1-5AF2-48D4-B58A-DB63768EB872}" srcOrd="0" destOrd="2" presId="urn:microsoft.com/office/officeart/2005/8/layout/hList3"/>
-    <dgm:cxn modelId="{58B7D7EC-4EBD-4D1C-919C-1E9D8D1D214E}" type="presOf" srcId="{85014891-7756-4E6C-A458-E05BAFD0AB5C}" destId="{37ECAD2B-94C0-4B39-B975-CEE0E3D06B7C}" srcOrd="0" destOrd="4" presId="urn:microsoft.com/office/officeart/2005/8/layout/hList3"/>
-    <dgm:cxn modelId="{BA05327B-7573-408D-8A18-2331EE8A8C0E}" srcId="{515D84E1-4E68-4AA5-A897-9655B7BD8E0B}" destId="{03442614-6379-4D7A-85E4-02307CCA20AF}" srcOrd="3" destOrd="0" parTransId="{A368C3D0-490A-4EC8-8AA5-F4E879E01017}" sibTransId="{B6FC52AF-D048-4383-ACC4-EAE0664C2EF7}"/>
-    <dgm:cxn modelId="{55EBF565-D31D-4C2D-83ED-618974EA8F56}" type="presOf" srcId="{1493EC73-AB00-4ABD-8CB2-59E36D55DD2C}" destId="{37ECAD2B-94C0-4B39-B975-CEE0E3D06B7C}" srcOrd="0" destOrd="1" presId="urn:microsoft.com/office/officeart/2005/8/layout/hList3"/>
-    <dgm:cxn modelId="{6DD3FF7E-66AA-4755-A68A-7D616531BF22}" type="presOf" srcId="{FB05DBE1-865C-4181-A8AC-80CC867B73C7}" destId="{31B6F40F-C383-4663-BBDB-30ECD549C2A9}" srcOrd="0" destOrd="4" presId="urn:microsoft.com/office/officeart/2005/8/layout/hList3"/>
-    <dgm:cxn modelId="{230FB79A-89D0-443A-B137-7FA2BC38C044}" srcId="{03442614-6379-4D7A-85E4-02307CCA20AF}" destId="{BD4F6BE9-A8EF-48E1-A24F-28517379BC64}" srcOrd="1" destOrd="0" parTransId="{EF33CE4F-4334-417F-9833-9DB6D312D68B}" sibTransId="{F0295177-8FF4-475B-843F-DFEA23F248ED}"/>
-    <dgm:cxn modelId="{E1003D69-F447-4069-B21C-4F2C4183C386}" srcId="{8074303C-C72C-4F0C-8255-5D14193415AB}" destId="{5D67343D-5406-47E1-807C-1A6FB217DFDD}" srcOrd="0" destOrd="0" parTransId="{DDB87700-C38F-4E33-ADA9-D0D0DB09A937}" sibTransId="{CA4869DD-0F7C-4D6D-9CFF-C22E069A3C54}"/>
-    <dgm:cxn modelId="{2DB302C0-17EB-434E-96AE-CB90A2D30CEC}" type="presOf" srcId="{515D84E1-4E68-4AA5-A897-9655B7BD8E0B}" destId="{944F5B64-CE64-4B30-BE9C-76A21DFB62B5}" srcOrd="0" destOrd="0" presId="urn:microsoft.com/office/officeart/2005/8/layout/hList3"/>
-    <dgm:cxn modelId="{0050598B-6612-4C40-B477-A5B9D2C9735B}" srcId="{DD0C413A-6072-4120-BEB0-1F9B94BF2C5D}" destId="{659D2C90-BD63-4E54-9329-D01B1D8887FC}" srcOrd="2" destOrd="0" parTransId="{005EFE8B-1F82-4C47-85F3-11683F29D5FD}" sibTransId="{AFC1ED55-18B9-4303-8794-202E82A4CF09}"/>
-    <dgm:cxn modelId="{4DA73056-8D58-4C44-B191-651B39994A21}" srcId="{515D84E1-4E68-4AA5-A897-9655B7BD8E0B}" destId="{DD0C413A-6072-4120-BEB0-1F9B94BF2C5D}" srcOrd="1" destOrd="0" parTransId="{371AB29F-4A9E-4E16-B03A-5F97B9611722}" sibTransId="{77C62EA8-5C10-4FFB-B6C0-943524650E95}"/>
-    <dgm:cxn modelId="{266ABADF-4C1E-46B2-9DF8-C3B1256C14B9}" type="presOf" srcId="{4CB1EC1A-2B01-43E1-B003-403459D685F5}" destId="{6A3BDFB1-5AF2-48D4-B58A-DB63768EB872}" srcOrd="0" destOrd="4" presId="urn:microsoft.com/office/officeart/2005/8/layout/hList3"/>
-    <dgm:cxn modelId="{AC19D9A6-F64B-4310-9B77-E3D6D2A38275}" type="presOf" srcId="{A2E6FE7A-87C8-4A6C-BAD9-38DDAA1E5C2B}" destId="{6A3BDFB1-5AF2-48D4-B58A-DB63768EB872}" srcOrd="0" destOrd="1" presId="urn:microsoft.com/office/officeart/2005/8/layout/hList3"/>
     <dgm:cxn modelId="{41209C64-68F9-42CF-9A8C-E5FEF5CB9D3B}" srcId="{03442614-6379-4D7A-85E4-02307CCA20AF}" destId="{41E8AD08-861A-4DB9-84D0-5FC7E82C0280}" srcOrd="2" destOrd="0" parTransId="{E245CB44-166A-4717-A6A3-F1D4F0B598FF}" sibTransId="{1F3C6266-5403-45E6-9F7B-9BB3EBE48772}"/>
-    <dgm:cxn modelId="{59D469DC-69DD-4E08-8DC2-94B45BA7D5E7}" type="presOf" srcId="{5D67343D-5406-47E1-807C-1A6FB217DFDD}" destId="{31B6F40F-C383-4663-BBDB-30ECD549C2A9}" srcOrd="0" destOrd="1" presId="urn:microsoft.com/office/officeart/2005/8/layout/hList3"/>
-    <dgm:cxn modelId="{95CBF3CF-D3C7-4434-8042-203D559285D3}" type="presOf" srcId="{D0B8056A-0D3F-4A6C-BC22-2059ABDE2C77}" destId="{37ECAD2B-94C0-4B39-B975-CEE0E3D06B7C}" srcOrd="0" destOrd="0" presId="urn:microsoft.com/office/officeart/2005/8/layout/hList3"/>
-    <dgm:cxn modelId="{243A858C-F2D1-41AF-8FF5-5C63455BC398}" srcId="{03442614-6379-4D7A-85E4-02307CCA20AF}" destId="{A2E6FE7A-87C8-4A6C-BAD9-38DDAA1E5C2B}" srcOrd="0" destOrd="0" parTransId="{870283D9-92CA-4656-81D8-2C9A34BFC41C}" sibTransId="{CEAD23B1-47DA-47EE-81E1-1A8976F1BF39}"/>
-    <dgm:cxn modelId="{9C35562E-2612-4595-83C9-F1C26908373E}" type="presOf" srcId="{03442614-6379-4D7A-85E4-02307CCA20AF}" destId="{6A3BDFB1-5AF2-48D4-B58A-DB63768EB872}" srcOrd="0" destOrd="0" presId="urn:microsoft.com/office/officeart/2005/8/layout/hList3"/>
-    <dgm:cxn modelId="{6DC4C5C6-5BBE-4BB8-8AD2-30BF79E4F0D7}" srcId="{8074303C-C72C-4F0C-8255-5D14193415AB}" destId="{3FD6566B-033A-42E7-9CFB-79A0C38CE0B2}" srcOrd="2" destOrd="0" parTransId="{9F6E1CED-08A9-4AA7-BB16-4CD702CA1BBE}" sibTransId="{EB307A27-FC1C-44C0-ABC9-EF1274BCA801}"/>
-    <dgm:cxn modelId="{0EBB6852-1558-41C9-BEFD-5399622309F9}" type="presOf" srcId="{3FD6566B-033A-42E7-9CFB-79A0C38CE0B2}" destId="{31B6F40F-C383-4663-BBDB-30ECD549C2A9}" srcOrd="0" destOrd="3" presId="urn:microsoft.com/office/officeart/2005/8/layout/hList3"/>
-    <dgm:cxn modelId="{9EABD09D-45BC-46B8-B7A0-40C818E6B859}" type="presOf" srcId="{41E8AD08-861A-4DB9-84D0-5FC7E82C0280}" destId="{6A3BDFB1-5AF2-48D4-B58A-DB63768EB872}" srcOrd="0" destOrd="3" presId="urn:microsoft.com/office/officeart/2005/8/layout/hList3"/>
-    <dgm:cxn modelId="{7154AB4E-590C-4EF6-BE79-19D9BF9473A6}" srcId="{03442614-6379-4D7A-85E4-02307CCA20AF}" destId="{4CB1EC1A-2B01-43E1-B003-403459D685F5}" srcOrd="3" destOrd="0" parTransId="{4A2CCFC8-72C2-435D-80E6-FBB8BCC6F78C}" sibTransId="{3DF0D03E-421D-4C08-B5AF-AFF6F07CCBB2}"/>
-    <dgm:cxn modelId="{4FD15388-407E-4192-A153-C19CB733D0CC}" srcId="{D0B8056A-0D3F-4A6C-BC22-2059ABDE2C77}" destId="{513860CD-A931-431A-8E3C-2796FC255204}" srcOrd="4" destOrd="0" parTransId="{B0A84878-4502-4D9C-AAEF-F5AF473E00DC}" sibTransId="{1C3BA36A-6378-4459-A765-A1B10044A820}"/>
-    <dgm:cxn modelId="{0D9A7C5E-E601-4CCE-83D7-E8A9138336C0}" type="presOf" srcId="{B85875FE-4B19-4BF4-B83F-C5897E2A794C}" destId="{C874069A-6BB3-4018-B72C-47F37400C865}" srcOrd="0" destOrd="0" presId="urn:microsoft.com/office/officeart/2005/8/layout/hList3"/>
-    <dgm:cxn modelId="{5DA91CB2-8084-475B-A84F-1CF856A5700A}" type="presOf" srcId="{2BF6C3B7-D3BC-477A-916E-0ADF738D0AC2}" destId="{37ECAD2B-94C0-4B39-B975-CEE0E3D06B7C}" srcOrd="0" destOrd="2" presId="urn:microsoft.com/office/officeart/2005/8/layout/hList3"/>
-    <dgm:cxn modelId="{CEC97E24-E213-4DAD-B8F4-946FD484AF68}" srcId="{515D84E1-4E68-4AA5-A897-9655B7BD8E0B}" destId="{8074303C-C72C-4F0C-8255-5D14193415AB}" srcOrd="2" destOrd="0" parTransId="{3AC7D449-7F85-450E-B381-BE98F011BD18}" sibTransId="{185466C6-9D21-41AE-8E18-78DDA3368DC8}"/>
-    <dgm:cxn modelId="{05F2EE54-F25E-4000-8177-BDDA4C8AB7BC}" srcId="{DD0C413A-6072-4120-BEB0-1F9B94BF2C5D}" destId="{876FA8C1-9236-489E-8EA8-8D196D90EDC2}" srcOrd="1" destOrd="0" parTransId="{53474CA7-2AEB-4D6B-ACCE-F8C03C630669}" sibTransId="{743893C0-64AE-45A9-9ED3-548F34AEE7A4}"/>
-    <dgm:cxn modelId="{EFB62985-6B8D-4F3C-A68E-F23B653C054C}" type="presOf" srcId="{B8E23AB0-4E59-4AA3-BB2F-11CF2C785F61}" destId="{31B6F40F-C383-4663-BBDB-30ECD549C2A9}" srcOrd="0" destOrd="2" presId="urn:microsoft.com/office/officeart/2005/8/layout/hList3"/>
-    <dgm:cxn modelId="{FC393441-D078-4946-B5B0-3DD67FA36A57}" srcId="{DD0C413A-6072-4120-BEB0-1F9B94BF2C5D}" destId="{DF68D394-6D77-4F6B-AEA1-3D17232F5AD3}" srcOrd="0" destOrd="0" parTransId="{3BF351A1-EB12-4CE5-8600-DEC0C93F577A}" sibTransId="{958C814C-AB65-4E91-B896-C6C06416A83A}"/>
-    <dgm:cxn modelId="{E086AA08-E9F4-4580-8AEE-4880322CB0C9}" type="presOf" srcId="{DF68D394-6D77-4F6B-AEA1-3D17232F5AD3}" destId="{4E61A785-689E-4FB4-84C7-D72FFCFAF2EE}" srcOrd="0" destOrd="1" presId="urn:microsoft.com/office/officeart/2005/8/layout/hList3"/>
-    <dgm:cxn modelId="{3F82652B-4306-4601-BB09-2884C684256B}" srcId="{515D84E1-4E68-4AA5-A897-9655B7BD8E0B}" destId="{D0B8056A-0D3F-4A6C-BC22-2059ABDE2C77}" srcOrd="0" destOrd="0" parTransId="{2133EE3F-5332-4E8C-80CC-4DC7427113BF}" sibTransId="{EB95D190-59AE-458A-A03F-3E7D95952653}"/>
-    <dgm:cxn modelId="{8F87BA72-89E3-4FF8-B5B8-45155EC3F8D8}" type="presOf" srcId="{C6E2E828-F4C6-43B0-A7D4-F68615A5AC95}" destId="{37ECAD2B-94C0-4B39-B975-CEE0E3D06B7C}" srcOrd="0" destOrd="3" presId="urn:microsoft.com/office/officeart/2005/8/layout/hList3"/>
-    <dgm:cxn modelId="{5D732997-E702-4120-8EE9-09CBDCF2E107}" srcId="{8074303C-C72C-4F0C-8255-5D14193415AB}" destId="{B8E23AB0-4E59-4AA3-BB2F-11CF2C785F61}" srcOrd="1" destOrd="0" parTransId="{F0BAB47F-3A8F-4E5B-9D41-5676216527D2}" sibTransId="{AA24D932-F464-4334-AA0C-EE90ABE23676}"/>
-    <dgm:cxn modelId="{5CA2C3BF-7280-4E22-A62D-5E6B11980866}" type="presOf" srcId="{876FA8C1-9236-489E-8EA8-8D196D90EDC2}" destId="{4E61A785-689E-4FB4-84C7-D72FFCFAF2EE}" srcOrd="0" destOrd="2" presId="urn:microsoft.com/office/officeart/2005/8/layout/hList3"/>
+    <dgm:cxn modelId="{3AA45597-12BD-4FC0-B440-F250F299A174}" srcId="{B85875FE-4B19-4BF4-B83F-C5897E2A794C}" destId="{515D84E1-4E68-4AA5-A897-9655B7BD8E0B}" srcOrd="0" destOrd="0" parTransId="{ED755247-7281-4267-96A0-CF566D0EF811}" sibTransId="{7C3CB2E8-D94C-41C2-B386-8FEC46263352}"/>
     <dgm:cxn modelId="{D23D5980-7935-405F-9F2C-76F1AD10D516}" type="presOf" srcId="{513860CD-A931-431A-8E3C-2796FC255204}" destId="{37ECAD2B-94C0-4B39-B975-CEE0E3D06B7C}" srcOrd="0" destOrd="5" presId="urn:microsoft.com/office/officeart/2005/8/layout/hList3"/>
     <dgm:cxn modelId="{DAF6E6D9-F14E-452C-957F-FCC6C81CEA3B}" type="presOf" srcId="{8074303C-C72C-4F0C-8255-5D14193415AB}" destId="{31B6F40F-C383-4663-BBDB-30ECD549C2A9}" srcOrd="0" destOrd="0" presId="urn:microsoft.com/office/officeart/2005/8/layout/hList3"/>
-    <dgm:cxn modelId="{1082F308-EEDF-49E1-AFA7-0DA3EE5002F3}" srcId="{8074303C-C72C-4F0C-8255-5D14193415AB}" destId="{FB05DBE1-865C-4181-A8AC-80CC867B73C7}" srcOrd="3" destOrd="0" parTransId="{81FC32F1-9D3D-47C3-A80D-86C2194F9114}" sibTransId="{661FCF04-C1BB-4403-9764-76A3D2D4A173}"/>
+    <dgm:cxn modelId="{8E3A4157-4C5B-497D-9345-B48408C90826}" srcId="{D0B8056A-0D3F-4A6C-BC22-2059ABDE2C77}" destId="{C6E2E828-F4C6-43B0-A7D4-F68615A5AC95}" srcOrd="2" destOrd="0" parTransId="{4C6D3415-B4E8-42A5-B6D1-BD21449FB43F}" sibTransId="{F87EC520-5277-4279-B505-1A01CB2A25FE}"/>
     <dgm:cxn modelId="{BA076AF4-372C-4344-A6F1-7EB1F21D91EB}" srcId="{D0B8056A-0D3F-4A6C-BC22-2059ABDE2C77}" destId="{2BF6C3B7-D3BC-477A-916E-0ADF738D0AC2}" srcOrd="1" destOrd="0" parTransId="{0C96F1F7-FAD8-4425-B5D1-6776D2B7C10F}" sibTransId="{24A3BD9B-0670-4537-A398-BC1EDA798631}"/>
-    <dgm:cxn modelId="{22F46649-E00B-4EF6-AFFB-55C48F68D27A}" type="presOf" srcId="{EF696C50-067B-443F-94D5-85CC123A5DAC}" destId="{4E61A785-689E-4FB4-84C7-D72FFCFAF2EE}" srcOrd="0" destOrd="4" presId="urn:microsoft.com/office/officeart/2005/8/layout/hList3"/>
-    <dgm:cxn modelId="{3AA45597-12BD-4FC0-B440-F250F299A174}" srcId="{B85875FE-4B19-4BF4-B83F-C5897E2A794C}" destId="{515D84E1-4E68-4AA5-A897-9655B7BD8E0B}" srcOrd="0" destOrd="0" parTransId="{ED755247-7281-4267-96A0-CF566D0EF811}" sibTransId="{7C3CB2E8-D94C-41C2-B386-8FEC46263352}"/>
+    <dgm:cxn modelId="{E086AA08-E9F4-4580-8AEE-4880322CB0C9}" type="presOf" srcId="{DF68D394-6D77-4F6B-AEA1-3D17232F5AD3}" destId="{4E61A785-689E-4FB4-84C7-D72FFCFAF2EE}" srcOrd="0" destOrd="1" presId="urn:microsoft.com/office/officeart/2005/8/layout/hList3"/>
+    <dgm:cxn modelId="{124AEFFC-9C2F-41B9-A8B8-F15C0D38A184}" type="presOf" srcId="{DD0C413A-6072-4120-BEB0-1F9B94BF2C5D}" destId="{4E61A785-689E-4FB4-84C7-D72FFCFAF2EE}" srcOrd="0" destOrd="0" presId="urn:microsoft.com/office/officeart/2005/8/layout/hList3"/>
+    <dgm:cxn modelId="{3F82652B-4306-4601-BB09-2884C684256B}" srcId="{515D84E1-4E68-4AA5-A897-9655B7BD8E0B}" destId="{D0B8056A-0D3F-4A6C-BC22-2059ABDE2C77}" srcOrd="0" destOrd="0" parTransId="{2133EE3F-5332-4E8C-80CC-4DC7427113BF}" sibTransId="{EB95D190-59AE-458A-A03F-3E7D95952653}"/>
+    <dgm:cxn modelId="{4FD15388-407E-4192-A153-C19CB733D0CC}" srcId="{D0B8056A-0D3F-4A6C-BC22-2059ABDE2C77}" destId="{513860CD-A931-431A-8E3C-2796FC255204}" srcOrd="4" destOrd="0" parTransId="{B0A84878-4502-4D9C-AAEF-F5AF473E00DC}" sibTransId="{1C3BA36A-6378-4459-A765-A1B10044A820}"/>
+    <dgm:cxn modelId="{8F87BA72-89E3-4FF8-B5B8-45155EC3F8D8}" type="presOf" srcId="{C6E2E828-F4C6-43B0-A7D4-F68615A5AC95}" destId="{37ECAD2B-94C0-4B39-B975-CEE0E3D06B7C}" srcOrd="0" destOrd="3" presId="urn:microsoft.com/office/officeart/2005/8/layout/hList3"/>
+    <dgm:cxn modelId="{0050598B-6612-4C40-B477-A5B9D2C9735B}" srcId="{DD0C413A-6072-4120-BEB0-1F9B94BF2C5D}" destId="{659D2C90-BD63-4E54-9329-D01B1D8887FC}" srcOrd="2" destOrd="0" parTransId="{005EFE8B-1F82-4C47-85F3-11683F29D5FD}" sibTransId="{AFC1ED55-18B9-4303-8794-202E82A4CF09}"/>
+    <dgm:cxn modelId="{CEC97E24-E213-4DAD-B8F4-946FD484AF68}" srcId="{515D84E1-4E68-4AA5-A897-9655B7BD8E0B}" destId="{8074303C-C72C-4F0C-8255-5D14193415AB}" srcOrd="2" destOrd="0" parTransId="{3AC7D449-7F85-450E-B381-BE98F011BD18}" sibTransId="{185466C6-9D21-41AE-8E18-78DDA3368DC8}"/>
+    <dgm:cxn modelId="{1082F308-EEDF-49E1-AFA7-0DA3EE5002F3}" srcId="{8074303C-C72C-4F0C-8255-5D14193415AB}" destId="{FB05DBE1-865C-4181-A8AC-80CC867B73C7}" srcOrd="4" destOrd="0" parTransId="{81FC32F1-9D3D-47C3-A80D-86C2194F9114}" sibTransId="{661FCF04-C1BB-4403-9764-76A3D2D4A173}"/>
+    <dgm:cxn modelId="{5DA91CB2-8084-475B-A84F-1CF856A5700A}" type="presOf" srcId="{2BF6C3B7-D3BC-477A-916E-0ADF738D0AC2}" destId="{37ECAD2B-94C0-4B39-B975-CEE0E3D06B7C}" srcOrd="0" destOrd="2" presId="urn:microsoft.com/office/officeart/2005/8/layout/hList3"/>
+    <dgm:cxn modelId="{6DD3FF7E-66AA-4755-A68A-7D616531BF22}" type="presOf" srcId="{FB05DBE1-865C-4181-A8AC-80CC867B73C7}" destId="{31B6F40F-C383-4663-BBDB-30ECD549C2A9}" srcOrd="0" destOrd="5" presId="urn:microsoft.com/office/officeart/2005/8/layout/hList3"/>
+    <dgm:cxn modelId="{5D732997-E702-4120-8EE9-09CBDCF2E107}" srcId="{8074303C-C72C-4F0C-8255-5D14193415AB}" destId="{B8E23AB0-4E59-4AA3-BB2F-11CF2C785F61}" srcOrd="1" destOrd="0" parTransId="{F0BAB47F-3A8F-4E5B-9D41-5676216527D2}" sibTransId="{AA24D932-F464-4334-AA0C-EE90ABE23676}"/>
+    <dgm:cxn modelId="{9C35562E-2612-4595-83C9-F1C26908373E}" type="presOf" srcId="{03442614-6379-4D7A-85E4-02307CCA20AF}" destId="{6A3BDFB1-5AF2-48D4-B58A-DB63768EB872}" srcOrd="0" destOrd="0" presId="urn:microsoft.com/office/officeart/2005/8/layout/hList3"/>
     <dgm:cxn modelId="{D6067472-5C50-4BA2-AD83-3676515C7EFF}" srcId="{D0B8056A-0D3F-4A6C-BC22-2059ABDE2C77}" destId="{85014891-7756-4E6C-A458-E05BAFD0AB5C}" srcOrd="3" destOrd="0" parTransId="{20F07F22-5FA8-4630-B65A-70D4F1821FF8}" sibTransId="{8269D8E3-11F1-4855-878A-AB921F3F227A}"/>
+    <dgm:cxn modelId="{EFB62985-6B8D-4F3C-A68E-F23B653C054C}" type="presOf" srcId="{B8E23AB0-4E59-4AA3-BB2F-11CF2C785F61}" destId="{31B6F40F-C383-4663-BBDB-30ECD549C2A9}" srcOrd="0" destOrd="2" presId="urn:microsoft.com/office/officeart/2005/8/layout/hList3"/>
+    <dgm:cxn modelId="{ABD44CF7-0A0E-4134-B6A5-D96EAA44BF7E}" srcId="{8074303C-C72C-4F0C-8255-5D14193415AB}" destId="{10F6EE44-B734-4772-B5AD-8AABE171692B}" srcOrd="3" destOrd="0" parTransId="{A536C539-FA76-4E50-82D8-14A69F4E56CF}" sibTransId="{7A000125-E3D0-4347-9935-3F68E6AD6402}"/>
+    <dgm:cxn modelId="{2DB302C0-17EB-434E-96AE-CB90A2D30CEC}" type="presOf" srcId="{515D84E1-4E68-4AA5-A897-9655B7BD8E0B}" destId="{944F5B64-CE64-4B30-BE9C-76A21DFB62B5}" srcOrd="0" destOrd="0" presId="urn:microsoft.com/office/officeart/2005/8/layout/hList3"/>
+    <dgm:cxn modelId="{7154AB4E-590C-4EF6-BE79-19D9BF9473A6}" srcId="{03442614-6379-4D7A-85E4-02307CCA20AF}" destId="{4CB1EC1A-2B01-43E1-B003-403459D685F5}" srcOrd="3" destOrd="0" parTransId="{4A2CCFC8-72C2-435D-80E6-FBB8BCC6F78C}" sibTransId="{3DF0D03E-421D-4C08-B5AF-AFF6F07CCBB2}"/>
     <dgm:cxn modelId="{A3239240-10F0-4A54-92B9-5879B541C3EF}" srcId="{DD0C413A-6072-4120-BEB0-1F9B94BF2C5D}" destId="{EF696C50-067B-443F-94D5-85CC123A5DAC}" srcOrd="3" destOrd="0" parTransId="{4F06547F-AAE1-4DBA-98B5-9FEE1D3ACB0D}" sibTransId="{187783AF-AAB3-445A-9C13-C5ABB4417EB9}"/>
+    <dgm:cxn modelId="{DB43647D-B7ED-46BB-934D-01D92289CB99}" type="presOf" srcId="{659D2C90-BD63-4E54-9329-D01B1D8887FC}" destId="{4E61A785-689E-4FB4-84C7-D72FFCFAF2EE}" srcOrd="0" destOrd="3" presId="urn:microsoft.com/office/officeart/2005/8/layout/hList3"/>
     <dgm:cxn modelId="{4853E05E-CA21-4B7D-870A-529529A0C487}" type="presParOf" srcId="{C874069A-6BB3-4018-B72C-47F37400C865}" destId="{944F5B64-CE64-4B30-BE9C-76A21DFB62B5}" srcOrd="0" destOrd="0" presId="urn:microsoft.com/office/officeart/2005/8/layout/hList3"/>
     <dgm:cxn modelId="{3FF222EB-E6A1-4626-A635-33A05E7561AD}" type="presParOf" srcId="{C874069A-6BB3-4018-B72C-47F37400C865}" destId="{8763CCEE-4A1A-4172-8C4E-F22B5B190A68}" srcOrd="1" destOrd="0" presId="urn:microsoft.com/office/officeart/2005/8/layout/hList3"/>
     <dgm:cxn modelId="{A558C47D-FCBD-491E-8BC6-5A0D1E5A563B}" type="presParOf" srcId="{8763CCEE-4A1A-4172-8C4E-F22B5B190A68}" destId="{37ECAD2B-94C0-4B39-B975-CEE0E3D06B7C}" srcOrd="0" destOrd="0" presId="urn:microsoft.com/office/officeart/2005/8/layout/hList3"/>
@@ -7297,6 +7343,13 @@
         </dgm:presLayoutVars>
       </dgm:prSet>
       <dgm:spPr/>
+      <dgm:t>
+        <a:bodyPr/>
+        <a:lstStyle/>
+        <a:p>
+          <a:endParaRPr lang="fr-FR"/>
+        </a:p>
+      </dgm:t>
     </dgm:pt>
     <dgm:pt modelId="{830188CD-C31B-497A-AD43-A3663354A65A}" type="pres">
       <dgm:prSet presAssocID="{72BAF60F-68F9-4B8F-BDDD-F359D872F248}" presName="parentLin" presStyleCnt="0"/>
@@ -7305,6 +7358,13 @@
     <dgm:pt modelId="{7EE0C0AE-65B1-493E-96E5-C035B1B488D3}" type="pres">
       <dgm:prSet presAssocID="{72BAF60F-68F9-4B8F-BDDD-F359D872F248}" presName="parentLeftMargin" presStyleLbl="node1" presStyleIdx="0" presStyleCnt="1"/>
       <dgm:spPr/>
+      <dgm:t>
+        <a:bodyPr/>
+        <a:lstStyle/>
+        <a:p>
+          <a:endParaRPr lang="fr-FR"/>
+        </a:p>
+      </dgm:t>
     </dgm:pt>
     <dgm:pt modelId="{DB6FEB13-66D7-4776-BBD7-DCD649DD1704}" type="pres">
       <dgm:prSet presAssocID="{72BAF60F-68F9-4B8F-BDDD-F359D872F248}" presName="parentText" presStyleLbl="node1" presStyleIdx="0" presStyleCnt="1" custScaleX="64222" custScaleY="40939">
@@ -7314,6 +7374,13 @@
         </dgm:presLayoutVars>
       </dgm:prSet>
       <dgm:spPr/>
+      <dgm:t>
+        <a:bodyPr/>
+        <a:lstStyle/>
+        <a:p>
+          <a:endParaRPr lang="fr-FR"/>
+        </a:p>
+      </dgm:t>
     </dgm:pt>
     <dgm:pt modelId="{60491021-5092-41BC-A39F-99A5F6DC9A55}" type="pres">
       <dgm:prSet presAssocID="{72BAF60F-68F9-4B8F-BDDD-F359D872F248}" presName="negativeSpace" presStyleCnt="0"/>
@@ -7336,22 +7403,22 @@
     </dgm:pt>
   </dgm:ptLst>
   <dgm:cxnLst>
+    <dgm:cxn modelId="{85A132B0-246C-4C1D-A20B-EA8D8F6411BF}" srcId="{35A8747A-F7AF-4D43-AB41-090962421331}" destId="{72BAF60F-68F9-4B8F-BDDD-F359D872F248}" srcOrd="0" destOrd="0" parTransId="{B79B8A3F-EA71-4A3E-98F7-C73E216FCCE9}" sibTransId="{E990126B-0C5E-4492-8C90-2D0B4B8813CA}"/>
+    <dgm:cxn modelId="{230CD439-154C-4439-9EB9-10A78F080563}" srcId="{72BAF60F-68F9-4B8F-BDDD-F359D872F248}" destId="{25D4F175-8D89-4E23-9224-69B48F3D8B44}" srcOrd="1" destOrd="0" parTransId="{ABED1137-DFC7-4339-9518-143FD2365F23}" sibTransId="{D2A473F2-20CB-47FC-AE02-EB7CFE9AA924}"/>
+    <dgm:cxn modelId="{07358547-885A-4ACE-A7A8-542E127FE588}" type="presOf" srcId="{25D4F175-8D89-4E23-9224-69B48F3D8B44}" destId="{5E3F82BA-50E1-4569-BCE6-728E8FF1F927}" srcOrd="0" destOrd="1" presId="urn:microsoft.com/office/officeart/2005/8/layout/list1"/>
+    <dgm:cxn modelId="{D0A64CD5-3960-44E9-BA8E-C11EBB67C00F}" type="presOf" srcId="{72BAF60F-68F9-4B8F-BDDD-F359D872F248}" destId="{DB6FEB13-66D7-4776-BBD7-DCD649DD1704}" srcOrd="1" destOrd="0" presId="urn:microsoft.com/office/officeart/2005/8/layout/list1"/>
+    <dgm:cxn modelId="{294D5499-1E88-418D-96C6-4FE791114C38}" type="presOf" srcId="{5AF332BC-FE41-483F-AB67-5271915CFE01}" destId="{5E3F82BA-50E1-4569-BCE6-728E8FF1F927}" srcOrd="0" destOrd="2" presId="urn:microsoft.com/office/officeart/2005/8/layout/list1"/>
+    <dgm:cxn modelId="{098709A6-E2DF-4E33-93C9-1F3C7A6C8273}" type="presOf" srcId="{35A8747A-F7AF-4D43-AB41-090962421331}" destId="{6E6FFCBC-2DE3-4468-A35C-E7E007E7E189}" srcOrd="0" destOrd="0" presId="urn:microsoft.com/office/officeart/2005/8/layout/list1"/>
+    <dgm:cxn modelId="{1A09F1F0-57A9-4E0D-9718-F4A1F8FF5485}" type="presOf" srcId="{02213F94-2BB6-4E89-890D-94F42DF7AF01}" destId="{5E3F82BA-50E1-4569-BCE6-728E8FF1F927}" srcOrd="0" destOrd="3" presId="urn:microsoft.com/office/officeart/2005/8/layout/list1"/>
+    <dgm:cxn modelId="{8791BFFF-E538-49F5-ABEF-745AFD06C4CC}" type="presOf" srcId="{72BAF60F-68F9-4B8F-BDDD-F359D872F248}" destId="{7EE0C0AE-65B1-493E-96E5-C035B1B488D3}" srcOrd="0" destOrd="0" presId="urn:microsoft.com/office/officeart/2005/8/layout/list1"/>
+    <dgm:cxn modelId="{362ED861-0A0E-4671-9AFB-FD7919FFF1F8}" srcId="{72BAF60F-68F9-4B8F-BDDD-F359D872F248}" destId="{D7B2D0BD-29D1-4B61-BE16-834EDBA6D253}" srcOrd="4" destOrd="0" parTransId="{6411546B-F447-4C5B-B0CA-048D2F89B8DC}" sibTransId="{14EE888B-B67A-49F3-9763-2D1FB188F52C}"/>
+    <dgm:cxn modelId="{0493E407-B265-47D4-8985-4087BF6E6336}" srcId="{72BAF60F-68F9-4B8F-BDDD-F359D872F248}" destId="{02213F94-2BB6-4E89-890D-94F42DF7AF01}" srcOrd="3" destOrd="0" parTransId="{ED552F4B-E137-4711-929A-090B1C703C05}" sibTransId="{71BF3DF0-A6C8-4ABF-A377-01594DCC0172}"/>
+    <dgm:cxn modelId="{0FF04C6E-5651-45F7-8B9D-6A11CAEE6BEA}" type="presOf" srcId="{758BEA10-854D-493E-A12F-499E6F5FFC0F}" destId="{5E3F82BA-50E1-4569-BCE6-728E8FF1F927}" srcOrd="0" destOrd="5" presId="urn:microsoft.com/office/officeart/2005/8/layout/list1"/>
+    <dgm:cxn modelId="{25375640-2546-4F8D-9C2A-C8A4BFBB9B26}" srcId="{72BAF60F-68F9-4B8F-BDDD-F359D872F248}" destId="{5AF332BC-FE41-483F-AB67-5271915CFE01}" srcOrd="2" destOrd="0" parTransId="{1914086D-DD7C-48F2-8769-0511413F5477}" sibTransId="{D8F3A69B-271D-43CE-8179-606AF286D9A3}"/>
+    <dgm:cxn modelId="{D7ADA10B-30E5-438A-A2AA-436C1063599E}" srcId="{72BAF60F-68F9-4B8F-BDDD-F359D872F248}" destId="{758BEA10-854D-493E-A12F-499E6F5FFC0F}" srcOrd="5" destOrd="0" parTransId="{9F4F13C6-2E04-4494-B0E4-9D9ACA49AE20}" sibTransId="{A8DF4327-0C2B-402F-B6C2-FD4FB336F03A}"/>
     <dgm:cxn modelId="{5DD8083E-4C1F-4DDF-9D75-53E35D9B431E}" type="presOf" srcId="{D7B2D0BD-29D1-4B61-BE16-834EDBA6D253}" destId="{5E3F82BA-50E1-4569-BCE6-728E8FF1F927}" srcOrd="0" destOrd="4" presId="urn:microsoft.com/office/officeart/2005/8/layout/list1"/>
-    <dgm:cxn modelId="{D7ADA10B-30E5-438A-A2AA-436C1063599E}" srcId="{72BAF60F-68F9-4B8F-BDDD-F359D872F248}" destId="{758BEA10-854D-493E-A12F-499E6F5FFC0F}" srcOrd="5" destOrd="0" parTransId="{9F4F13C6-2E04-4494-B0E4-9D9ACA49AE20}" sibTransId="{A8DF4327-0C2B-402F-B6C2-FD4FB336F03A}"/>
-    <dgm:cxn modelId="{098709A6-E2DF-4E33-93C9-1F3C7A6C8273}" type="presOf" srcId="{35A8747A-F7AF-4D43-AB41-090962421331}" destId="{6E6FFCBC-2DE3-4468-A35C-E7E007E7E189}" srcOrd="0" destOrd="0" presId="urn:microsoft.com/office/officeart/2005/8/layout/list1"/>
     <dgm:cxn modelId="{5A3AD486-5E12-46B4-B0A3-EA766B934D26}" type="presOf" srcId="{FDCCF3D5-EE8C-4EEA-9696-536AAFC2F2EC}" destId="{5E3F82BA-50E1-4569-BCE6-728E8FF1F927}" srcOrd="0" destOrd="0" presId="urn:microsoft.com/office/officeart/2005/8/layout/list1"/>
-    <dgm:cxn modelId="{0FF04C6E-5651-45F7-8B9D-6A11CAEE6BEA}" type="presOf" srcId="{758BEA10-854D-493E-A12F-499E6F5FFC0F}" destId="{5E3F82BA-50E1-4569-BCE6-728E8FF1F927}" srcOrd="0" destOrd="5" presId="urn:microsoft.com/office/officeart/2005/8/layout/list1"/>
-    <dgm:cxn modelId="{230CD439-154C-4439-9EB9-10A78F080563}" srcId="{72BAF60F-68F9-4B8F-BDDD-F359D872F248}" destId="{25D4F175-8D89-4E23-9224-69B48F3D8B44}" srcOrd="1" destOrd="0" parTransId="{ABED1137-DFC7-4339-9518-143FD2365F23}" sibTransId="{D2A473F2-20CB-47FC-AE02-EB7CFE9AA924}"/>
-    <dgm:cxn modelId="{8791BFFF-E538-49F5-ABEF-745AFD06C4CC}" type="presOf" srcId="{72BAF60F-68F9-4B8F-BDDD-F359D872F248}" destId="{7EE0C0AE-65B1-493E-96E5-C035B1B488D3}" srcOrd="0" destOrd="0" presId="urn:microsoft.com/office/officeart/2005/8/layout/list1"/>
-    <dgm:cxn modelId="{D0A64CD5-3960-44E9-BA8E-C11EBB67C00F}" type="presOf" srcId="{72BAF60F-68F9-4B8F-BDDD-F359D872F248}" destId="{DB6FEB13-66D7-4776-BBD7-DCD649DD1704}" srcOrd="1" destOrd="0" presId="urn:microsoft.com/office/officeart/2005/8/layout/list1"/>
-    <dgm:cxn modelId="{85A132B0-246C-4C1D-A20B-EA8D8F6411BF}" srcId="{35A8747A-F7AF-4D43-AB41-090962421331}" destId="{72BAF60F-68F9-4B8F-BDDD-F359D872F248}" srcOrd="0" destOrd="0" parTransId="{B79B8A3F-EA71-4A3E-98F7-C73E216FCCE9}" sibTransId="{E990126B-0C5E-4492-8C90-2D0B4B8813CA}"/>
-    <dgm:cxn modelId="{0493E407-B265-47D4-8985-4087BF6E6336}" srcId="{72BAF60F-68F9-4B8F-BDDD-F359D872F248}" destId="{02213F94-2BB6-4E89-890D-94F42DF7AF01}" srcOrd="3" destOrd="0" parTransId="{ED552F4B-E137-4711-929A-090B1C703C05}" sibTransId="{71BF3DF0-A6C8-4ABF-A377-01594DCC0172}"/>
-    <dgm:cxn modelId="{07358547-885A-4ACE-A7A8-542E127FE588}" type="presOf" srcId="{25D4F175-8D89-4E23-9224-69B48F3D8B44}" destId="{5E3F82BA-50E1-4569-BCE6-728E8FF1F927}" srcOrd="0" destOrd="1" presId="urn:microsoft.com/office/officeart/2005/8/layout/list1"/>
-    <dgm:cxn modelId="{362ED861-0A0E-4671-9AFB-FD7919FFF1F8}" srcId="{72BAF60F-68F9-4B8F-BDDD-F359D872F248}" destId="{D7B2D0BD-29D1-4B61-BE16-834EDBA6D253}" srcOrd="4" destOrd="0" parTransId="{6411546B-F447-4C5B-B0CA-048D2F89B8DC}" sibTransId="{14EE888B-B67A-49F3-9763-2D1FB188F52C}"/>
-    <dgm:cxn modelId="{294D5499-1E88-418D-96C6-4FE791114C38}" type="presOf" srcId="{5AF332BC-FE41-483F-AB67-5271915CFE01}" destId="{5E3F82BA-50E1-4569-BCE6-728E8FF1F927}" srcOrd="0" destOrd="2" presId="urn:microsoft.com/office/officeart/2005/8/layout/list1"/>
-    <dgm:cxn modelId="{25375640-2546-4F8D-9C2A-C8A4BFBB9B26}" srcId="{72BAF60F-68F9-4B8F-BDDD-F359D872F248}" destId="{5AF332BC-FE41-483F-AB67-5271915CFE01}" srcOrd="2" destOrd="0" parTransId="{1914086D-DD7C-48F2-8769-0511413F5477}" sibTransId="{D8F3A69B-271D-43CE-8179-606AF286D9A3}"/>
     <dgm:cxn modelId="{E100C1F8-4C5E-40B3-96D1-0C060A5443DC}" srcId="{72BAF60F-68F9-4B8F-BDDD-F359D872F248}" destId="{FDCCF3D5-EE8C-4EEA-9696-536AAFC2F2EC}" srcOrd="0" destOrd="0" parTransId="{E50775DA-A151-4C75-AD42-3E663AA82BC4}" sibTransId="{95FE6F74-9E26-4FF4-BDB1-A3275FB9B16B}"/>
-    <dgm:cxn modelId="{1A09F1F0-57A9-4E0D-9718-F4A1F8FF5485}" type="presOf" srcId="{02213F94-2BB6-4E89-890D-94F42DF7AF01}" destId="{5E3F82BA-50E1-4569-BCE6-728E8FF1F927}" srcOrd="0" destOrd="3" presId="urn:microsoft.com/office/officeart/2005/8/layout/list1"/>
     <dgm:cxn modelId="{1D50306E-144D-45E0-B6DD-15795FBB9572}" type="presParOf" srcId="{6E6FFCBC-2DE3-4468-A35C-E7E007E7E189}" destId="{830188CD-C31B-497A-AD43-A3663354A65A}" srcOrd="0" destOrd="0" presId="urn:microsoft.com/office/officeart/2005/8/layout/list1"/>
     <dgm:cxn modelId="{D97C8CBF-B277-4134-8102-FAE167C03CE3}" type="presParOf" srcId="{830188CD-C31B-497A-AD43-A3663354A65A}" destId="{7EE0C0AE-65B1-493E-96E5-C035B1B488D3}" srcOrd="0" destOrd="0" presId="urn:microsoft.com/office/officeart/2005/8/layout/list1"/>
     <dgm:cxn modelId="{9361A5B3-E15E-4463-8CDA-AC1C94B8EC36}" type="presParOf" srcId="{830188CD-C31B-497A-AD43-A3663354A65A}" destId="{DB6FEB13-66D7-4776-BBD7-DCD649DD1704}" srcOrd="1" destOrd="0" presId="urn:microsoft.com/office/officeart/2005/8/layout/list1"/>
@@ -7613,6 +7680,13 @@
         </dgm:presLayoutVars>
       </dgm:prSet>
       <dgm:spPr/>
+      <dgm:t>
+        <a:bodyPr/>
+        <a:lstStyle/>
+        <a:p>
+          <a:endParaRPr lang="fr-FR"/>
+        </a:p>
+      </dgm:t>
     </dgm:pt>
     <dgm:pt modelId="{FDCF5D6C-AD04-4DAF-B760-8CC1898D5210}" type="pres">
       <dgm:prSet presAssocID="{72BAF60F-68F9-4B8F-BDDD-F359D872F248}" presName="linNode" presStyleCnt="0"/>
@@ -7625,6 +7699,13 @@
         </dgm:presLayoutVars>
       </dgm:prSet>
       <dgm:spPr/>
+      <dgm:t>
+        <a:bodyPr/>
+        <a:lstStyle/>
+        <a:p>
+          <a:endParaRPr lang="fr-FR"/>
+        </a:p>
+      </dgm:t>
     </dgm:pt>
     <dgm:pt modelId="{A5EEC333-4F57-45ED-90BD-91337368C74A}" type="pres">
       <dgm:prSet presAssocID="{72BAF60F-68F9-4B8F-BDDD-F359D872F248}" presName="childShp" presStyleLbl="bgAccFollowNode1" presStyleIdx="0" presStyleCnt="1">
@@ -7644,18 +7725,18 @@
   </dgm:ptLst>
   <dgm:cxnLst>
     <dgm:cxn modelId="{D7ADA10B-30E5-438A-A2AA-436C1063599E}" srcId="{72BAF60F-68F9-4B8F-BDDD-F359D872F248}" destId="{758BEA10-854D-493E-A12F-499E6F5FFC0F}" srcOrd="0" destOrd="0" parTransId="{9F4F13C6-2E04-4494-B0E4-9D9ACA49AE20}" sibTransId="{A8DF4327-0C2B-402F-B6C2-FD4FB336F03A}"/>
-    <dgm:cxn modelId="{ECA0F49A-C11F-4DBA-ACC5-A3495221E189}" type="presOf" srcId="{C8FAA133-D510-4865-A819-E3BBE32ED765}" destId="{A5EEC333-4F57-45ED-90BD-91337368C74A}" srcOrd="0" destOrd="3" presId="urn:microsoft.com/office/officeart/2005/8/layout/vList6"/>
-    <dgm:cxn modelId="{F79DC5CE-D892-44AC-908D-F92F66E96B5B}" type="presOf" srcId="{35A8747A-F7AF-4D43-AB41-090962421331}" destId="{8AE28FBC-1AA2-4D5A-8B84-65CB3A1ED02E}" srcOrd="0" destOrd="0" presId="urn:microsoft.com/office/officeart/2005/8/layout/vList6"/>
-    <dgm:cxn modelId="{771BD19F-5887-4530-88FF-6495BB2DC17C}" srcId="{72BAF60F-68F9-4B8F-BDDD-F359D872F248}" destId="{C8038F3D-23D7-42F6-AB6A-9128C6C83DB0}" srcOrd="1" destOrd="0" parTransId="{5F95A32A-0CC5-476E-A0E5-145F02CF94C4}" sibTransId="{F8F9EBC6-6077-4483-BD8D-A7C21EAF57DC}"/>
-    <dgm:cxn modelId="{05311E3E-C672-4E97-8959-E9F5C137B166}" type="presOf" srcId="{758BEA10-854D-493E-A12F-499E6F5FFC0F}" destId="{A5EEC333-4F57-45ED-90BD-91337368C74A}" srcOrd="0" destOrd="0" presId="urn:microsoft.com/office/officeart/2005/8/layout/vList6"/>
+    <dgm:cxn modelId="{03FCAA02-6C87-480F-B762-DFCEB8B455AA}" type="presOf" srcId="{C8038F3D-23D7-42F6-AB6A-9128C6C83DB0}" destId="{A5EEC333-4F57-45ED-90BD-91337368C74A}" srcOrd="0" destOrd="4" presId="urn:microsoft.com/office/officeart/2005/8/layout/vList6"/>
     <dgm:cxn modelId="{3477D256-A8BD-4694-83FF-F36F42F3D469}" type="presOf" srcId="{23B6A08A-8A6B-488B-99DD-BCAD01BDBD3E}" destId="{A5EEC333-4F57-45ED-90BD-91337368C74A}" srcOrd="0" destOrd="1" presId="urn:microsoft.com/office/officeart/2005/8/layout/vList6"/>
     <dgm:cxn modelId="{A0FD978F-FCAB-4715-BDC1-5C1BD591BA24}" srcId="{758BEA10-854D-493E-A12F-499E6F5FFC0F}" destId="{23B6A08A-8A6B-488B-99DD-BCAD01BDBD3E}" srcOrd="0" destOrd="0" parTransId="{5AE7147B-E438-4791-A5E1-217BBB4F55F1}" sibTransId="{BAB2C6FF-398A-4FFD-8107-0990B51E46DC}"/>
     <dgm:cxn modelId="{FDC2748C-A2ED-4B46-BDA4-898E09DD7980}" type="presOf" srcId="{04E15DB9-D1C7-4135-BD22-300CBFEFE8C2}" destId="{A5EEC333-4F57-45ED-90BD-91337368C74A}" srcOrd="0" destOrd="2" presId="urn:microsoft.com/office/officeart/2005/8/layout/vList6"/>
+    <dgm:cxn modelId="{05311E3E-C672-4E97-8959-E9F5C137B166}" type="presOf" srcId="{758BEA10-854D-493E-A12F-499E6F5FFC0F}" destId="{A5EEC333-4F57-45ED-90BD-91337368C74A}" srcOrd="0" destOrd="0" presId="urn:microsoft.com/office/officeart/2005/8/layout/vList6"/>
+    <dgm:cxn modelId="{F0546EFC-A28D-438F-A7C3-713F10019DA0}" type="presOf" srcId="{72BAF60F-68F9-4B8F-BDDD-F359D872F248}" destId="{230845A9-B4C0-4C14-B05D-84061B62626C}" srcOrd="0" destOrd="0" presId="urn:microsoft.com/office/officeart/2005/8/layout/vList6"/>
+    <dgm:cxn modelId="{902B771A-74C6-43F7-9050-A236EE741F1C}" srcId="{758BEA10-854D-493E-A12F-499E6F5FFC0F}" destId="{C8FAA133-D510-4865-A819-E3BBE32ED765}" srcOrd="2" destOrd="0" parTransId="{B78DC5AE-B143-489F-B097-0904B5082CB0}" sibTransId="{E040D379-703E-47EC-9FDE-1A6A76D2A6DD}"/>
+    <dgm:cxn modelId="{771BD19F-5887-4530-88FF-6495BB2DC17C}" srcId="{72BAF60F-68F9-4B8F-BDDD-F359D872F248}" destId="{C8038F3D-23D7-42F6-AB6A-9128C6C83DB0}" srcOrd="1" destOrd="0" parTransId="{5F95A32A-0CC5-476E-A0E5-145F02CF94C4}" sibTransId="{F8F9EBC6-6077-4483-BD8D-A7C21EAF57DC}"/>
+    <dgm:cxn modelId="{F79DC5CE-D892-44AC-908D-F92F66E96B5B}" type="presOf" srcId="{35A8747A-F7AF-4D43-AB41-090962421331}" destId="{8AE28FBC-1AA2-4D5A-8B84-65CB3A1ED02E}" srcOrd="0" destOrd="0" presId="urn:microsoft.com/office/officeart/2005/8/layout/vList6"/>
+    <dgm:cxn modelId="{05CCFF83-37C9-4FD2-8576-7F1A325B701D}" srcId="{758BEA10-854D-493E-A12F-499E6F5FFC0F}" destId="{04E15DB9-D1C7-4135-BD22-300CBFEFE8C2}" srcOrd="1" destOrd="0" parTransId="{57B63DD3-88A7-45CD-9EAE-90B6F1942BFA}" sibTransId="{634B49CD-6A3B-4972-9B6F-730B260ABB14}"/>
+    <dgm:cxn modelId="{ECA0F49A-C11F-4DBA-ACC5-A3495221E189}" type="presOf" srcId="{C8FAA133-D510-4865-A819-E3BBE32ED765}" destId="{A5EEC333-4F57-45ED-90BD-91337368C74A}" srcOrd="0" destOrd="3" presId="urn:microsoft.com/office/officeart/2005/8/layout/vList6"/>
     <dgm:cxn modelId="{85A132B0-246C-4C1D-A20B-EA8D8F6411BF}" srcId="{35A8747A-F7AF-4D43-AB41-090962421331}" destId="{72BAF60F-68F9-4B8F-BDDD-F359D872F248}" srcOrd="0" destOrd="0" parTransId="{B79B8A3F-EA71-4A3E-98F7-C73E216FCCE9}" sibTransId="{E990126B-0C5E-4492-8C90-2D0B4B8813CA}"/>
-    <dgm:cxn modelId="{902B771A-74C6-43F7-9050-A236EE741F1C}" srcId="{758BEA10-854D-493E-A12F-499E6F5FFC0F}" destId="{C8FAA133-D510-4865-A819-E3BBE32ED765}" srcOrd="2" destOrd="0" parTransId="{B78DC5AE-B143-489F-B097-0904B5082CB0}" sibTransId="{E040D379-703E-47EC-9FDE-1A6A76D2A6DD}"/>
-    <dgm:cxn modelId="{03FCAA02-6C87-480F-B762-DFCEB8B455AA}" type="presOf" srcId="{C8038F3D-23D7-42F6-AB6A-9128C6C83DB0}" destId="{A5EEC333-4F57-45ED-90BD-91337368C74A}" srcOrd="0" destOrd="4" presId="urn:microsoft.com/office/officeart/2005/8/layout/vList6"/>
-    <dgm:cxn modelId="{05CCFF83-37C9-4FD2-8576-7F1A325B701D}" srcId="{758BEA10-854D-493E-A12F-499E6F5FFC0F}" destId="{04E15DB9-D1C7-4135-BD22-300CBFEFE8C2}" srcOrd="1" destOrd="0" parTransId="{57B63DD3-88A7-45CD-9EAE-90B6F1942BFA}" sibTransId="{634B49CD-6A3B-4972-9B6F-730B260ABB14}"/>
-    <dgm:cxn modelId="{F0546EFC-A28D-438F-A7C3-713F10019DA0}" type="presOf" srcId="{72BAF60F-68F9-4B8F-BDDD-F359D872F248}" destId="{230845A9-B4C0-4C14-B05D-84061B62626C}" srcOrd="0" destOrd="0" presId="urn:microsoft.com/office/officeart/2005/8/layout/vList6"/>
     <dgm:cxn modelId="{833DEEC0-BB22-4D40-8F9C-0ED48C18A6C9}" type="presParOf" srcId="{8AE28FBC-1AA2-4D5A-8B84-65CB3A1ED02E}" destId="{FDCF5D6C-AD04-4DAF-B760-8CC1898D5210}" srcOrd="0" destOrd="0" presId="urn:microsoft.com/office/officeart/2005/8/layout/vList6"/>
     <dgm:cxn modelId="{F83B4013-B43D-452B-961B-974C3C1C5D39}" type="presParOf" srcId="{FDCF5D6C-AD04-4DAF-B760-8CC1898D5210}" destId="{230845A9-B4C0-4C14-B05D-84061B62626C}" srcOrd="0" destOrd="0" presId="urn:microsoft.com/office/officeart/2005/8/layout/vList6"/>
     <dgm:cxn modelId="{2E920B4D-03A5-40E3-8EED-E0B38EF2CC83}" type="presParOf" srcId="{FDCF5D6C-AD04-4DAF-B760-8CC1898D5210}" destId="{A5EEC333-4F57-45ED-90BD-91337368C74A}" srcOrd="1" destOrd="0" presId="urn:microsoft.com/office/officeart/2005/8/layout/vList6"/>
@@ -7823,6 +7904,13 @@
         </dgm:presLayoutVars>
       </dgm:prSet>
       <dgm:spPr/>
+      <dgm:t>
+        <a:bodyPr/>
+        <a:lstStyle/>
+        <a:p>
+          <a:endParaRPr lang="fr-FR"/>
+        </a:p>
+      </dgm:t>
     </dgm:pt>
     <dgm:pt modelId="{C374CD15-DB1F-4515-8648-929A5D470A9A}" type="pres">
       <dgm:prSet presAssocID="{A26FD6D2-8A82-45FF-B4DA-6A9541D6B815}" presName="parSpace" presStyleCnt="0"/>
@@ -7845,8 +7933,8 @@
     </dgm:pt>
   </dgm:ptLst>
   <dgm:cxnLst>
+    <dgm:cxn modelId="{E08D08F2-7450-4026-BE45-260ADA880B1D}" type="presOf" srcId="{2A187A3A-2B02-4E59-B8F1-CEC37F24D01C}" destId="{189763AC-3303-4035-B461-074BB9E7E331}" srcOrd="0" destOrd="0" presId="urn:microsoft.com/office/officeart/2005/8/layout/hChevron3"/>
     <dgm:cxn modelId="{FF7D59C3-9257-4D7F-A1AF-4CA17A22ED6B}" srcId="{CD7A898F-190D-4583-A8AE-E7C47D262E2A}" destId="{FA6FF1E7-9628-46D6-8141-71A5DD157FBB}" srcOrd="0" destOrd="0" parTransId="{E0AC4045-1B34-47FD-995E-0E3BF97D728F}" sibTransId="{1210937B-2AC9-4FBD-97DE-C5B120B4E51A}"/>
-    <dgm:cxn modelId="{E08D08F2-7450-4026-BE45-260ADA880B1D}" type="presOf" srcId="{2A187A3A-2B02-4E59-B8F1-CEC37F24D01C}" destId="{189763AC-3303-4035-B461-074BB9E7E331}" srcOrd="0" destOrd="0" presId="urn:microsoft.com/office/officeart/2005/8/layout/hChevron3"/>
     <dgm:cxn modelId="{E6B11BBD-E309-40CD-B981-DEAA7B4FE305}" type="presOf" srcId="{FA6FF1E7-9628-46D6-8141-71A5DD157FBB}" destId="{F243F2EB-1B57-4D45-8839-A86B938D03C8}" srcOrd="0" destOrd="0" presId="urn:microsoft.com/office/officeart/2005/8/layout/hChevron3"/>
     <dgm:cxn modelId="{DCABA6A4-EDE2-47B0-ABE3-58313E4FC0AC}" type="presOf" srcId="{CD7A898F-190D-4583-A8AE-E7C47D262E2A}" destId="{3131DE55-C171-4C98-B9CE-BF6F4D483524}" srcOrd="0" destOrd="0" presId="urn:microsoft.com/office/officeart/2005/8/layout/hChevron3"/>
     <dgm:cxn modelId="{CC5CC6F2-45BF-4822-9F8C-DF4D6FE6ACAF}" srcId="{CD7A898F-190D-4583-A8AE-E7C47D262E2A}" destId="{2A187A3A-2B02-4E59-B8F1-CEC37F24D01C}" srcOrd="2" destOrd="0" parTransId="{E9548AEF-937B-48E7-B781-0E60494B09A7}" sibTransId="{3E4A1DEE-FAB5-4B5A-8EBD-82448CEE2C68}"/>
@@ -8231,6 +8319,13 @@
         </dgm:presLayoutVars>
       </dgm:prSet>
       <dgm:spPr/>
+      <dgm:t>
+        <a:bodyPr/>
+        <a:lstStyle/>
+        <a:p>
+          <a:endParaRPr lang="fr-FR"/>
+        </a:p>
+      </dgm:t>
     </dgm:pt>
     <dgm:pt modelId="{DC0788E6-222F-4817-8B24-BB6B31AA8E48}" type="pres">
       <dgm:prSet presAssocID="{D22FCD3B-446A-4C93-8C8D-CC9CB759F967}" presName="comp" presStyleCnt="0"/>
@@ -8397,8 +8492,8 @@
     <dgm:cxn modelId="{DBB250F2-4D53-42CD-82C7-DDB1279B1B8C}" srcId="{D22FCD3B-446A-4C93-8C8D-CC9CB759F967}" destId="{63F4BE1A-BC30-453C-80D9-CA39B636665D}" srcOrd="0" destOrd="0" parTransId="{8AAD0D4D-A2E9-4ED6-A52A-7F16F4D15E42}" sibTransId="{86171545-1C3B-48EA-ABBB-DB94C3AD5197}"/>
     <dgm:cxn modelId="{89DF48EF-4FF0-4C8B-BCA9-E02C93F92EB6}" type="presOf" srcId="{D22FCD3B-446A-4C93-8C8D-CC9CB759F967}" destId="{14F908B9-FBB2-4C92-AF96-786D41221268}" srcOrd="0" destOrd="0" presId="urn:microsoft.com/office/officeart/2005/8/layout/vList4"/>
     <dgm:cxn modelId="{28FBFB02-9862-47B7-BE6D-2474D59883B5}" type="presOf" srcId="{BF379648-8C1F-4C32-B938-63360C0B4639}" destId="{C4B3ACC1-94FE-4B84-AB8B-4F794DAB5F46}" srcOrd="0" destOrd="1" presId="urn:microsoft.com/office/officeart/2005/8/layout/vList4"/>
+    <dgm:cxn modelId="{B74F6ECC-5E1D-483C-B20E-7316F320F882}" type="presOf" srcId="{63F4BE1A-BC30-453C-80D9-CA39B636665D}" destId="{14F908B9-FBB2-4C92-AF96-786D41221268}" srcOrd="0" destOrd="1" presId="urn:microsoft.com/office/officeart/2005/8/layout/vList4"/>
     <dgm:cxn modelId="{194C32F2-7ACF-4DCB-8DE2-314EC7B1760F}" type="presOf" srcId="{01E6F016-9675-448F-B20B-9FFF35C8E35C}" destId="{9D15E1DF-6846-44ED-A442-BC3563EA643C}" srcOrd="0" destOrd="0" presId="urn:microsoft.com/office/officeart/2005/8/layout/vList4"/>
-    <dgm:cxn modelId="{B74F6ECC-5E1D-483C-B20E-7316F320F882}" type="presOf" srcId="{63F4BE1A-BC30-453C-80D9-CA39B636665D}" destId="{14F908B9-FBB2-4C92-AF96-786D41221268}" srcOrd="0" destOrd="1" presId="urn:microsoft.com/office/officeart/2005/8/layout/vList4"/>
     <dgm:cxn modelId="{CA37B447-5461-47A8-A01B-C2715AD27898}" type="presOf" srcId="{BB480EA0-E3EF-4544-B7B1-F46864972F7E}" destId="{FE16B0CC-22F8-467E-88C0-381B11689D5C}" srcOrd="0" destOrd="1" presId="urn:microsoft.com/office/officeart/2005/8/layout/vList4"/>
     <dgm:cxn modelId="{5EF1721A-5239-49A6-81B1-187FD2E3172B}" type="presOf" srcId="{80CB5C2B-EF20-432A-A35B-42D07229F14A}" destId="{C4B3ACC1-94FE-4B84-AB8B-4F794DAB5F46}" srcOrd="0" destOrd="0" presId="urn:microsoft.com/office/officeart/2005/8/layout/vList4"/>
     <dgm:cxn modelId="{026AD060-C72E-4094-82A4-BA9B55517DC6}" srcId="{01E6F016-9675-448F-B20B-9FFF35C8E35C}" destId="{D22FCD3B-446A-4C93-8C8D-CC9CB759F967}" srcOrd="0" destOrd="0" parTransId="{538DB421-74F4-4A75-BEF5-218254BA2B1C}" sibTransId="{CDE05BF5-ECD9-4943-8CA3-51157E4453A7}"/>
@@ -8796,6 +8891,13 @@
         </dgm:presLayoutVars>
       </dgm:prSet>
       <dgm:spPr/>
+      <dgm:t>
+        <a:bodyPr/>
+        <a:lstStyle/>
+        <a:p>
+          <a:endParaRPr lang="fr-FR"/>
+        </a:p>
+      </dgm:t>
     </dgm:pt>
     <dgm:pt modelId="{87E2872E-08EB-4804-B4EB-3629D69C7223}" type="pres">
       <dgm:prSet presAssocID="{42A1D919-2FB3-4C84-9D58-46061D547DEB}" presName="cycle" presStyleCnt="0"/>
@@ -8830,6 +8932,13 @@
     <dgm:pt modelId="{1E6578C3-826D-4CA8-B0AE-4EDF32C20061}" type="pres">
       <dgm:prSet presAssocID="{2B230047-CFD6-4B00-AE50-F888D6045B41}" presName="Name25" presStyleLbl="parChTrans1D1" presStyleIdx="0" presStyleCnt="3"/>
       <dgm:spPr/>
+      <dgm:t>
+        <a:bodyPr/>
+        <a:lstStyle/>
+        <a:p>
+          <a:endParaRPr lang="fr-FR"/>
+        </a:p>
+      </dgm:t>
     </dgm:pt>
     <dgm:pt modelId="{26F8C8CE-447E-4288-BCD1-3B7C279F3B20}" type="pres">
       <dgm:prSet presAssocID="{89B2988F-2ECF-42F8-9D79-799E223B1C02}" presName="node" presStyleCnt="0"/>
@@ -8869,6 +8978,13 @@
     <dgm:pt modelId="{A347B539-FD69-4D29-AD8E-B96F25078287}" type="pres">
       <dgm:prSet presAssocID="{83003FF1-EDB2-4187-B445-D8F9A9550D01}" presName="Name25" presStyleLbl="parChTrans1D1" presStyleIdx="1" presStyleCnt="3"/>
       <dgm:spPr/>
+      <dgm:t>
+        <a:bodyPr/>
+        <a:lstStyle/>
+        <a:p>
+          <a:endParaRPr lang="fr-FR"/>
+        </a:p>
+      </dgm:t>
     </dgm:pt>
     <dgm:pt modelId="{D870135B-4253-49EF-B712-D2B2E77D772C}" type="pres">
       <dgm:prSet presAssocID="{0A581CF5-2A45-4F13-AAA3-D135B22A461B}" presName="node" presStyleCnt="0"/>
@@ -8882,6 +8998,13 @@
         </dgm:presLayoutVars>
       </dgm:prSet>
       <dgm:spPr/>
+      <dgm:t>
+        <a:bodyPr/>
+        <a:lstStyle/>
+        <a:p>
+          <a:endParaRPr lang="fr-FR"/>
+        </a:p>
+      </dgm:t>
     </dgm:pt>
     <dgm:pt modelId="{F4D637F8-CAC2-45D5-A925-357761F3580E}" type="pres">
       <dgm:prSet presAssocID="{0A581CF5-2A45-4F13-AAA3-D135B22A461B}" presName="childNode" presStyleLbl="revTx" presStyleIdx="1" presStyleCnt="3">
@@ -8901,6 +9024,13 @@
     <dgm:pt modelId="{5C8C6414-44CB-4009-AE15-8C421E1040BF}" type="pres">
       <dgm:prSet presAssocID="{14177983-D9FD-4FEF-BB11-8F2D1D552B9F}" presName="Name25" presStyleLbl="parChTrans1D1" presStyleIdx="2" presStyleCnt="3"/>
       <dgm:spPr/>
+      <dgm:t>
+        <a:bodyPr/>
+        <a:lstStyle/>
+        <a:p>
+          <a:endParaRPr lang="fr-FR"/>
+        </a:p>
+      </dgm:t>
     </dgm:pt>
     <dgm:pt modelId="{F3B0871E-584E-4BE9-9551-DE3C7146B148}" type="pres">
       <dgm:prSet presAssocID="{0FA0F218-1ED6-419C-B7C4-123D20B6DE24}" presName="node" presStyleCnt="0"/>
@@ -8914,6 +9044,13 @@
         </dgm:presLayoutVars>
       </dgm:prSet>
       <dgm:spPr/>
+      <dgm:t>
+        <a:bodyPr/>
+        <a:lstStyle/>
+        <a:p>
+          <a:endParaRPr lang="fr-FR"/>
+        </a:p>
+      </dgm:t>
     </dgm:pt>
     <dgm:pt modelId="{4E4975EA-6A6C-4754-AED2-A0370143D406}" type="pres">
       <dgm:prSet presAssocID="{0FA0F218-1ED6-419C-B7C4-123D20B6DE24}" presName="childNode" presStyleLbl="revTx" presStyleIdx="2" presStyleCnt="3">
@@ -8932,28 +9069,28 @@
     </dgm:pt>
   </dgm:ptLst>
   <dgm:cxnLst>
+    <dgm:cxn modelId="{714A384C-441C-44EB-B43A-051E770B39EE}" type="presOf" srcId="{83003FF1-EDB2-4187-B445-D8F9A9550D01}" destId="{A347B539-FD69-4D29-AD8E-B96F25078287}" srcOrd="0" destOrd="0" presId="urn:microsoft.com/office/officeart/2005/8/layout/radial2"/>
     <dgm:cxn modelId="{91C24D6D-58BF-4A44-B44C-0C582635DD80}" srcId="{0FA0F218-1ED6-419C-B7C4-123D20B6DE24}" destId="{93DE63A0-58A7-41F9-8957-0116666B272A}" srcOrd="1" destOrd="0" parTransId="{AEFAB967-185C-4654-A3AE-514A9DC59F1D}" sibTransId="{8542EE94-7A53-437D-BAA1-15B6C529F2AB}"/>
+    <dgm:cxn modelId="{0C3A56AF-5108-430B-9FC6-5D733C717859}" type="presOf" srcId="{93DE63A0-58A7-41F9-8957-0116666B272A}" destId="{4E4975EA-6A6C-4754-AED2-A0370143D406}" srcOrd="0" destOrd="1" presId="urn:microsoft.com/office/officeart/2005/8/layout/radial2"/>
+    <dgm:cxn modelId="{6723A552-3D0D-4E6E-899E-09CA479D2C3C}" srcId="{0A581CF5-2A45-4F13-AAA3-D135B22A461B}" destId="{19B568E9-BEF9-4AF1-BFD8-B7C69885BC4A}" srcOrd="1" destOrd="0" parTransId="{889593BB-7ABA-482B-9968-4EF78F130782}" sibTransId="{4FEC0ECA-206F-4EE0-AF29-6D7BDF75DCC9}"/>
+    <dgm:cxn modelId="{2F75C76A-D768-4057-801B-59557F178ECA}" srcId="{42A1D919-2FB3-4C84-9D58-46061D547DEB}" destId="{0A581CF5-2A45-4F13-AAA3-D135B22A461B}" srcOrd="1" destOrd="0" parTransId="{83003FF1-EDB2-4187-B445-D8F9A9550D01}" sibTransId="{1DB22905-089C-4CF5-A62B-CB34864DC58B}"/>
+    <dgm:cxn modelId="{D5DC5845-5E10-4E36-851A-86EED692F2A5}" type="presOf" srcId="{D58D62B3-E9C5-48EC-8803-4D4A4F01E7B2}" destId="{7817CEA2-7F56-4857-86DE-6FB318CCB659}" srcOrd="0" destOrd="0" presId="urn:microsoft.com/office/officeart/2005/8/layout/radial2"/>
+    <dgm:cxn modelId="{B5DAA18F-5716-4DD2-BAC4-AA1172F9FD62}" type="presOf" srcId="{2B230047-CFD6-4B00-AE50-F888D6045B41}" destId="{1E6578C3-826D-4CA8-B0AE-4EDF32C20061}" srcOrd="0" destOrd="0" presId="urn:microsoft.com/office/officeart/2005/8/layout/radial2"/>
+    <dgm:cxn modelId="{7D984AAD-4387-4044-8B22-9FB87D62734E}" type="presOf" srcId="{0FA0F218-1ED6-419C-B7C4-123D20B6DE24}" destId="{F35749CB-D72A-42B7-93E3-4033C5326DF0}" srcOrd="0" destOrd="0" presId="urn:microsoft.com/office/officeart/2005/8/layout/radial2"/>
+    <dgm:cxn modelId="{4FECDC69-BB27-4DFC-BCB2-0F257F37FE5C}" srcId="{89B2988F-2ECF-42F8-9D79-799E223B1C02}" destId="{D58D62B3-E9C5-48EC-8803-4D4A4F01E7B2}" srcOrd="0" destOrd="0" parTransId="{3B636F23-5552-44D0-9B0C-0B9D25AA2AE7}" sibTransId="{EF1CBEB2-EF9B-4144-985F-4C981B08EC09}"/>
+    <dgm:cxn modelId="{7FE140E1-10F6-4122-BF68-66FE59237880}" type="presOf" srcId="{8603DAD9-F235-48BA-B2A2-C5AD50C741F5}" destId="{F4D637F8-CAC2-45D5-A925-357761F3580E}" srcOrd="0" destOrd="0" presId="urn:microsoft.com/office/officeart/2005/8/layout/radial2"/>
+    <dgm:cxn modelId="{4C3DBBA4-526F-4CD1-8038-A03977FF3B4D}" type="presOf" srcId="{42A1D919-2FB3-4C84-9D58-46061D547DEB}" destId="{FC9E2319-D721-4722-AA52-1EB7D58F533E}" srcOrd="0" destOrd="0" presId="urn:microsoft.com/office/officeart/2005/8/layout/radial2"/>
+    <dgm:cxn modelId="{5EB0C5D5-407B-4840-8BEC-3FF1FBB966B0}" type="presOf" srcId="{19B568E9-BEF9-4AF1-BFD8-B7C69885BC4A}" destId="{F4D637F8-CAC2-45D5-A925-357761F3580E}" srcOrd="0" destOrd="1" presId="urn:microsoft.com/office/officeart/2005/8/layout/radial2"/>
+    <dgm:cxn modelId="{12185271-9EC5-4F35-A52E-8A4D8065D53D}" type="presOf" srcId="{14177983-D9FD-4FEF-BB11-8F2D1D552B9F}" destId="{5C8C6414-44CB-4009-AE15-8C421E1040BF}" srcOrd="0" destOrd="0" presId="urn:microsoft.com/office/officeart/2005/8/layout/radial2"/>
     <dgm:cxn modelId="{B68929A1-AA4C-492B-BFA6-A802BE745075}" type="presOf" srcId="{89B2988F-2ECF-42F8-9D79-799E223B1C02}" destId="{06B75B65-F355-4B78-AB00-778D15A23454}" srcOrd="0" destOrd="0" presId="urn:microsoft.com/office/officeart/2005/8/layout/radial2"/>
-    <dgm:cxn modelId="{D1A5DE49-5385-4C9B-AE7C-B18143C26DF4}" srcId="{42A1D919-2FB3-4C84-9D58-46061D547DEB}" destId="{0FA0F218-1ED6-419C-B7C4-123D20B6DE24}" srcOrd="2" destOrd="0" parTransId="{14177983-D9FD-4FEF-BB11-8F2D1D552B9F}" sibTransId="{A2EE8361-E7C6-481F-B0C3-151E842482D6}"/>
-    <dgm:cxn modelId="{4C3DBBA4-526F-4CD1-8038-A03977FF3B4D}" type="presOf" srcId="{42A1D919-2FB3-4C84-9D58-46061D547DEB}" destId="{FC9E2319-D721-4722-AA52-1EB7D58F533E}" srcOrd="0" destOrd="0" presId="urn:microsoft.com/office/officeart/2005/8/layout/radial2"/>
-    <dgm:cxn modelId="{6723A552-3D0D-4E6E-899E-09CA479D2C3C}" srcId="{0A581CF5-2A45-4F13-AAA3-D135B22A461B}" destId="{19B568E9-BEF9-4AF1-BFD8-B7C69885BC4A}" srcOrd="1" destOrd="0" parTransId="{889593BB-7ABA-482B-9968-4EF78F130782}" sibTransId="{4FEC0ECA-206F-4EE0-AF29-6D7BDF75DCC9}"/>
-    <dgm:cxn modelId="{0C3A56AF-5108-430B-9FC6-5D733C717859}" type="presOf" srcId="{93DE63A0-58A7-41F9-8957-0116666B272A}" destId="{4E4975EA-6A6C-4754-AED2-A0370143D406}" srcOrd="0" destOrd="1" presId="urn:microsoft.com/office/officeart/2005/8/layout/radial2"/>
-    <dgm:cxn modelId="{12185271-9EC5-4F35-A52E-8A4D8065D53D}" type="presOf" srcId="{14177983-D9FD-4FEF-BB11-8F2D1D552B9F}" destId="{5C8C6414-44CB-4009-AE15-8C421E1040BF}" srcOrd="0" destOrd="0" presId="urn:microsoft.com/office/officeart/2005/8/layout/radial2"/>
-    <dgm:cxn modelId="{7FE140E1-10F6-4122-BF68-66FE59237880}" type="presOf" srcId="{8603DAD9-F235-48BA-B2A2-C5AD50C741F5}" destId="{F4D637F8-CAC2-45D5-A925-357761F3580E}" srcOrd="0" destOrd="0" presId="urn:microsoft.com/office/officeart/2005/8/layout/radial2"/>
     <dgm:cxn modelId="{1A9E2A25-8395-4038-80EB-DE5DEEBCC8B2}" srcId="{42A1D919-2FB3-4C84-9D58-46061D547DEB}" destId="{89B2988F-2ECF-42F8-9D79-799E223B1C02}" srcOrd="0" destOrd="0" parTransId="{2B230047-CFD6-4B00-AE50-F888D6045B41}" sibTransId="{239AB890-B164-453B-B42B-0B07A3AD3FDF}"/>
     <dgm:cxn modelId="{2D65DF30-760C-4BA9-8D0D-04A1B183E12F}" srcId="{89B2988F-2ECF-42F8-9D79-799E223B1C02}" destId="{0D96F4CB-65BD-4D1F-8F30-6F200352899F}" srcOrd="1" destOrd="0" parTransId="{CA621585-388C-42F5-A94B-83DBA488FB54}" sibTransId="{CEC3BBAA-BDBB-4EFA-930D-A0C9A98B4424}"/>
+    <dgm:cxn modelId="{5898277B-DE60-4AFD-B448-C6ACA12FDA2B}" type="presOf" srcId="{E5D241DB-9D1C-46AE-B636-EAF4394C7373}" destId="{4E4975EA-6A6C-4754-AED2-A0370143D406}" srcOrd="0" destOrd="0" presId="urn:microsoft.com/office/officeart/2005/8/layout/radial2"/>
+    <dgm:cxn modelId="{C8F73516-5E8A-47C1-BA0C-83F94656C058}" type="presOf" srcId="{0A581CF5-2A45-4F13-AAA3-D135B22A461B}" destId="{D599B075-F844-4873-AE3B-713063A99C9B}" srcOrd="0" destOrd="0" presId="urn:microsoft.com/office/officeart/2005/8/layout/radial2"/>
+    <dgm:cxn modelId="{5E7682E8-F29D-4034-A9C2-79A05C8711C3}" srcId="{0A581CF5-2A45-4F13-AAA3-D135B22A461B}" destId="{8603DAD9-F235-48BA-B2A2-C5AD50C741F5}" srcOrd="0" destOrd="0" parTransId="{D1DF5057-6021-438D-AEE6-0BA6FBBF59BC}" sibTransId="{917B3C74-0D09-446B-B26B-C98ADB9AAB92}"/>
+    <dgm:cxn modelId="{D1A5DE49-5385-4C9B-AE7C-B18143C26DF4}" srcId="{42A1D919-2FB3-4C84-9D58-46061D547DEB}" destId="{0FA0F218-1ED6-419C-B7C4-123D20B6DE24}" srcOrd="2" destOrd="0" parTransId="{14177983-D9FD-4FEF-BB11-8F2D1D552B9F}" sibTransId="{A2EE8361-E7C6-481F-B0C3-151E842482D6}"/>
+    <dgm:cxn modelId="{A8BE3A08-1A31-4DD0-BB4A-58ECE8DB011C}" type="presOf" srcId="{0D96F4CB-65BD-4D1F-8F30-6F200352899F}" destId="{7817CEA2-7F56-4857-86DE-6FB318CCB659}" srcOrd="0" destOrd="1" presId="urn:microsoft.com/office/officeart/2005/8/layout/radial2"/>
     <dgm:cxn modelId="{28915E36-0FBB-4614-AE0A-618145333C92}" srcId="{0FA0F218-1ED6-419C-B7C4-123D20B6DE24}" destId="{E5D241DB-9D1C-46AE-B636-EAF4394C7373}" srcOrd="0" destOrd="0" parTransId="{EA4F353E-C053-4256-81EC-B3B1D44133EA}" sibTransId="{3F5AB538-20B6-48E3-B316-9B2D7FF6D2AF}"/>
-    <dgm:cxn modelId="{2F75C76A-D768-4057-801B-59557F178ECA}" srcId="{42A1D919-2FB3-4C84-9D58-46061D547DEB}" destId="{0A581CF5-2A45-4F13-AAA3-D135B22A461B}" srcOrd="1" destOrd="0" parTransId="{83003FF1-EDB2-4187-B445-D8F9A9550D01}" sibTransId="{1DB22905-089C-4CF5-A62B-CB34864DC58B}"/>
-    <dgm:cxn modelId="{5898277B-DE60-4AFD-B448-C6ACA12FDA2B}" type="presOf" srcId="{E5D241DB-9D1C-46AE-B636-EAF4394C7373}" destId="{4E4975EA-6A6C-4754-AED2-A0370143D406}" srcOrd="0" destOrd="0" presId="urn:microsoft.com/office/officeart/2005/8/layout/radial2"/>
-    <dgm:cxn modelId="{5EB0C5D5-407B-4840-8BEC-3FF1FBB966B0}" type="presOf" srcId="{19B568E9-BEF9-4AF1-BFD8-B7C69885BC4A}" destId="{F4D637F8-CAC2-45D5-A925-357761F3580E}" srcOrd="0" destOrd="1" presId="urn:microsoft.com/office/officeart/2005/8/layout/radial2"/>
-    <dgm:cxn modelId="{7D984AAD-4387-4044-8B22-9FB87D62734E}" type="presOf" srcId="{0FA0F218-1ED6-419C-B7C4-123D20B6DE24}" destId="{F35749CB-D72A-42B7-93E3-4033C5326DF0}" srcOrd="0" destOrd="0" presId="urn:microsoft.com/office/officeart/2005/8/layout/radial2"/>
-    <dgm:cxn modelId="{4FECDC69-BB27-4DFC-BCB2-0F257F37FE5C}" srcId="{89B2988F-2ECF-42F8-9D79-799E223B1C02}" destId="{D58D62B3-E9C5-48EC-8803-4D4A4F01E7B2}" srcOrd="0" destOrd="0" parTransId="{3B636F23-5552-44D0-9B0C-0B9D25AA2AE7}" sibTransId="{EF1CBEB2-EF9B-4144-985F-4C981B08EC09}"/>
-    <dgm:cxn modelId="{5E7682E8-F29D-4034-A9C2-79A05C8711C3}" srcId="{0A581CF5-2A45-4F13-AAA3-D135B22A461B}" destId="{8603DAD9-F235-48BA-B2A2-C5AD50C741F5}" srcOrd="0" destOrd="0" parTransId="{D1DF5057-6021-438D-AEE6-0BA6FBBF59BC}" sibTransId="{917B3C74-0D09-446B-B26B-C98ADB9AAB92}"/>
-    <dgm:cxn modelId="{714A384C-441C-44EB-B43A-051E770B39EE}" type="presOf" srcId="{83003FF1-EDB2-4187-B445-D8F9A9550D01}" destId="{A347B539-FD69-4D29-AD8E-B96F25078287}" srcOrd="0" destOrd="0" presId="urn:microsoft.com/office/officeart/2005/8/layout/radial2"/>
-    <dgm:cxn modelId="{D5DC5845-5E10-4E36-851A-86EED692F2A5}" type="presOf" srcId="{D58D62B3-E9C5-48EC-8803-4D4A4F01E7B2}" destId="{7817CEA2-7F56-4857-86DE-6FB318CCB659}" srcOrd="0" destOrd="0" presId="urn:microsoft.com/office/officeart/2005/8/layout/radial2"/>
-    <dgm:cxn modelId="{A8BE3A08-1A31-4DD0-BB4A-58ECE8DB011C}" type="presOf" srcId="{0D96F4CB-65BD-4D1F-8F30-6F200352899F}" destId="{7817CEA2-7F56-4857-86DE-6FB318CCB659}" srcOrd="0" destOrd="1" presId="urn:microsoft.com/office/officeart/2005/8/layout/radial2"/>
-    <dgm:cxn modelId="{B5DAA18F-5716-4DD2-BAC4-AA1172F9FD62}" type="presOf" srcId="{2B230047-CFD6-4B00-AE50-F888D6045B41}" destId="{1E6578C3-826D-4CA8-B0AE-4EDF32C20061}" srcOrd="0" destOrd="0" presId="urn:microsoft.com/office/officeart/2005/8/layout/radial2"/>
-    <dgm:cxn modelId="{C8F73516-5E8A-47C1-BA0C-83F94656C058}" type="presOf" srcId="{0A581CF5-2A45-4F13-AAA3-D135B22A461B}" destId="{D599B075-F844-4873-AE3B-713063A99C9B}" srcOrd="0" destOrd="0" presId="urn:microsoft.com/office/officeart/2005/8/layout/radial2"/>
     <dgm:cxn modelId="{5D82353F-B2A7-41AE-8030-6B281AF0F250}" type="presParOf" srcId="{FC9E2319-D721-4722-AA52-1EB7D58F533E}" destId="{87E2872E-08EB-4804-B4EB-3629D69C7223}" srcOrd="0" destOrd="0" presId="urn:microsoft.com/office/officeart/2005/8/layout/radial2"/>
     <dgm:cxn modelId="{2429732A-A42C-4E37-A1A3-9AC58C2EFE91}" type="presParOf" srcId="{87E2872E-08EB-4804-B4EB-3629D69C7223}" destId="{A2EDAC7D-DAA6-45DC-AA25-978A74EB495A}" srcOrd="0" destOrd="0" presId="urn:microsoft.com/office/officeart/2005/8/layout/radial2"/>
     <dgm:cxn modelId="{9A9E59D1-B762-4B85-AB07-C6F12BAFF3ED}" type="presParOf" srcId="{A2EDAC7D-DAA6-45DC-AA25-978A74EB495A}" destId="{46DFAA5D-A8B3-4AA5-93CC-8BEF8E5CF32D}" srcOrd="0" destOrd="0" presId="urn:microsoft.com/office/officeart/2005/8/layout/radial2"/>
@@ -9157,6 +9294,13 @@
         </dgm:presLayoutVars>
       </dgm:prSet>
       <dgm:spPr/>
+      <dgm:t>
+        <a:bodyPr/>
+        <a:lstStyle/>
+        <a:p>
+          <a:endParaRPr lang="fr-FR"/>
+        </a:p>
+      </dgm:t>
     </dgm:pt>
     <dgm:pt modelId="{D51E92DE-BD5B-4BC6-BB25-01131EDBEB70}" type="pres">
       <dgm:prSet presAssocID="{46F3D9C4-F967-49F4-A247-B50228AEFB2E}" presName="parentText" presStyleLbl="node1" presStyleIdx="0" presStyleCnt="1" custScaleX="92004" custScaleY="95313">
@@ -9191,15 +9335,15 @@
     </dgm:pt>
   </dgm:ptLst>
   <dgm:cxnLst>
-    <dgm:cxn modelId="{C4107141-E690-4B04-8490-54DC3AAC954E}" srcId="{46F3D9C4-F967-49F4-A247-B50228AEFB2E}" destId="{8978ECF3-8CDF-432F-B283-0470D007848A}" srcOrd="1" destOrd="0" parTransId="{A0E79C0D-EA4C-4261-9493-0D8E36664D23}" sibTransId="{75747662-83BA-4388-ABC3-C1853C4F5E1A}"/>
+    <dgm:cxn modelId="{A0475CD5-43C2-4DDC-9D63-C54DC9886252}" type="presOf" srcId="{8978ECF3-8CDF-432F-B283-0470D007848A}" destId="{7B624B09-8E69-482D-9748-AC456A3F7363}" srcOrd="0" destOrd="1" presId="urn:microsoft.com/office/officeart/2005/8/layout/vList2"/>
+    <dgm:cxn modelId="{76D76898-E16A-4579-B853-A11BA3F53AAA}" type="presOf" srcId="{C9982A4A-FAEE-47EF-BE14-B696DD2067F7}" destId="{7B624B09-8E69-482D-9748-AC456A3F7363}" srcOrd="0" destOrd="0" presId="urn:microsoft.com/office/officeart/2005/8/layout/vList2"/>
     <dgm:cxn modelId="{B81DE808-FA13-4FAA-BF3D-C78CBA710EB5}" type="presOf" srcId="{6A82A114-1E1B-45EB-B600-BEEB77A119DB}" destId="{7B624B09-8E69-482D-9748-AC456A3F7363}" srcOrd="0" destOrd="2" presId="urn:microsoft.com/office/officeart/2005/8/layout/vList2"/>
-    <dgm:cxn modelId="{00AD2C59-8C6C-45F9-9E09-B791342111CE}" type="presOf" srcId="{48D65490-FAC8-43A7-BEC1-2989CB868A4A}" destId="{2CF67579-38C1-4D00-A9AF-907E03B4D5A8}" srcOrd="0" destOrd="0" presId="urn:microsoft.com/office/officeart/2005/8/layout/vList2"/>
-    <dgm:cxn modelId="{76D76898-E16A-4579-B853-A11BA3F53AAA}" type="presOf" srcId="{C9982A4A-FAEE-47EF-BE14-B696DD2067F7}" destId="{7B624B09-8E69-482D-9748-AC456A3F7363}" srcOrd="0" destOrd="0" presId="urn:microsoft.com/office/officeart/2005/8/layout/vList2"/>
     <dgm:cxn modelId="{91EEF0F9-983B-47AA-83F9-64359066D56D}" type="presOf" srcId="{46F3D9C4-F967-49F4-A247-B50228AEFB2E}" destId="{D51E92DE-BD5B-4BC6-BB25-01131EDBEB70}" srcOrd="0" destOrd="0" presId="urn:microsoft.com/office/officeart/2005/8/layout/vList2"/>
-    <dgm:cxn modelId="{42134E9F-104A-402F-AA27-02EE1B2C0D7F}" srcId="{46F3D9C4-F967-49F4-A247-B50228AEFB2E}" destId="{C9982A4A-FAEE-47EF-BE14-B696DD2067F7}" srcOrd="0" destOrd="0" parTransId="{ABA07DF2-43EE-469E-A5F0-74D4F64B3F3C}" sibTransId="{FE07BA7E-AC9C-492E-BBD7-A9F59ACE0B0F}"/>
-    <dgm:cxn modelId="{A0475CD5-43C2-4DDC-9D63-C54DC9886252}" type="presOf" srcId="{8978ECF3-8CDF-432F-B283-0470D007848A}" destId="{7B624B09-8E69-482D-9748-AC456A3F7363}" srcOrd="0" destOrd="1" presId="urn:microsoft.com/office/officeart/2005/8/layout/vList2"/>
     <dgm:cxn modelId="{7C9264D5-AF94-4446-AEC5-6EE785C77D8D}" srcId="{48D65490-FAC8-43A7-BEC1-2989CB868A4A}" destId="{46F3D9C4-F967-49F4-A247-B50228AEFB2E}" srcOrd="0" destOrd="0" parTransId="{8B629CAB-CFB7-4434-B0D0-A68CCA6877D1}" sibTransId="{D7603DF7-1DD8-4F96-BFCB-6BE78D87BE56}"/>
     <dgm:cxn modelId="{F1E6DA12-F62A-4536-9106-277AAE62C245}" srcId="{46F3D9C4-F967-49F4-A247-B50228AEFB2E}" destId="{6A82A114-1E1B-45EB-B600-BEEB77A119DB}" srcOrd="2" destOrd="0" parTransId="{C6616989-8F40-4047-8784-F7D822A23BB2}" sibTransId="{C02B3338-9485-40AD-B679-C30A5FE63182}"/>
+    <dgm:cxn modelId="{00AD2C59-8C6C-45F9-9E09-B791342111CE}" type="presOf" srcId="{48D65490-FAC8-43A7-BEC1-2989CB868A4A}" destId="{2CF67579-38C1-4D00-A9AF-907E03B4D5A8}" srcOrd="0" destOrd="0" presId="urn:microsoft.com/office/officeart/2005/8/layout/vList2"/>
+    <dgm:cxn modelId="{C4107141-E690-4B04-8490-54DC3AAC954E}" srcId="{46F3D9C4-F967-49F4-A247-B50228AEFB2E}" destId="{8978ECF3-8CDF-432F-B283-0470D007848A}" srcOrd="1" destOrd="0" parTransId="{A0E79C0D-EA4C-4261-9493-0D8E36664D23}" sibTransId="{75747662-83BA-4388-ABC3-C1853C4F5E1A}"/>
+    <dgm:cxn modelId="{42134E9F-104A-402F-AA27-02EE1B2C0D7F}" srcId="{46F3D9C4-F967-49F4-A247-B50228AEFB2E}" destId="{C9982A4A-FAEE-47EF-BE14-B696DD2067F7}" srcOrd="0" destOrd="0" parTransId="{ABA07DF2-43EE-469E-A5F0-74D4F64B3F3C}" sibTransId="{FE07BA7E-AC9C-492E-BBD7-A9F59ACE0B0F}"/>
     <dgm:cxn modelId="{413D31DE-244A-48A5-B7C8-E324FD814325}" type="presParOf" srcId="{2CF67579-38C1-4D00-A9AF-907E03B4D5A8}" destId="{D51E92DE-BD5B-4BC6-BB25-01131EDBEB70}" srcOrd="0" destOrd="0" presId="urn:microsoft.com/office/officeart/2005/8/layout/vList2"/>
     <dgm:cxn modelId="{95EFF69B-2D8F-4954-8485-59870E4AB499}" type="presParOf" srcId="{2CF67579-38C1-4D00-A9AF-907E03B4D5A8}" destId="{7B624B09-8E69-482D-9748-AC456A3F7363}" srcOrd="1" destOrd="0" presId="urn:microsoft.com/office/officeart/2005/8/layout/vList2"/>
   </dgm:cxnLst>
@@ -9309,8 +9453,8 @@
       </dsp:nvSpPr>
       <dsp:spPr>
         <a:xfrm>
-          <a:off x="1414" y="1564492"/>
-          <a:ext cx="2183393" cy="3285433"/>
+          <a:off x="709" y="1564492"/>
+          <a:ext cx="2102450" cy="3285433"/>
         </a:xfrm>
         <a:prstGeom prst="rect">
           <a:avLst/>
@@ -9382,17 +9526,6 @@
             </a:rPr>
             <a:t>Introduction</a:t>
           </a:r>
-          <a:endParaRPr lang="fr-FR" sz="2900" b="1" i="1" u="none" kern="1200" dirty="0" smtClean="0">
-            <a:effectLst>
-              <a:outerShdw blurRad="38100" dist="38100" dir="2700000" algn="tl">
-                <a:srgbClr val="000000">
-                  <a:alpha val="43137"/>
-                </a:srgbClr>
-              </a:outerShdw>
-            </a:effectLst>
-            <a:latin typeface="Times New Roman" pitchFamily="18" charset="0"/>
-            <a:cs typeface="Times New Roman" pitchFamily="18" charset="0"/>
-          </a:endParaRPr>
         </a:p>
         <a:p>
           <a:pPr marL="228600" lvl="1" indent="-228600" algn="ctr" defTabSz="889000">
@@ -9549,8 +9682,8 @@
         </a:p>
       </dsp:txBody>
       <dsp:txXfrm>
-        <a:off x="1414" y="1564492"/>
-        <a:ext cx="2183393" cy="3285433"/>
+        <a:off x="709" y="1564492"/>
+        <a:ext cx="2102450" cy="3285433"/>
       </dsp:txXfrm>
     </dsp:sp>
     <dsp:sp modelId="{4E61A785-689E-4FB4-84C7-D72FFCFAF2EE}">
@@ -9560,8 +9693,8 @@
       </dsp:nvSpPr>
       <dsp:spPr>
         <a:xfrm>
-          <a:off x="2184808" y="1564492"/>
-          <a:ext cx="2183393" cy="3285433"/>
+          <a:off x="2103160" y="1564492"/>
+          <a:ext cx="2102450" cy="3285433"/>
         </a:xfrm>
         <a:prstGeom prst="rect">
           <a:avLst/>
@@ -9737,7 +9870,15 @@
               <a:latin typeface="Times New Roman" pitchFamily="18" charset="0"/>
               <a:cs typeface="Times New Roman" pitchFamily="18" charset="0"/>
             </a:rPr>
-            <a:t>Base de données et classification</a:t>
+            <a:t>Base de données </a:t>
+          </a:r>
+          <a:r>
+            <a:rPr lang="fr-FR" sz="2000" b="0" i="0" kern="1200" dirty="0" smtClean="0">
+              <a:effectLst/>
+              <a:latin typeface="Times New Roman" pitchFamily="18" charset="0"/>
+              <a:cs typeface="Times New Roman" pitchFamily="18" charset="0"/>
+            </a:rPr>
+            <a:t>(arborescence, classification)</a:t>
           </a:r>
           <a:endParaRPr lang="fr-FR" sz="2000" b="0" i="0" kern="1200" dirty="0">
             <a:effectLst/>
@@ -9747,8 +9888,8 @@
         </a:p>
       </dsp:txBody>
       <dsp:txXfrm>
-        <a:off x="2184808" y="1564492"/>
-        <a:ext cx="2183393" cy="3285433"/>
+        <a:off x="2103160" y="1564492"/>
+        <a:ext cx="2102450" cy="3285433"/>
       </dsp:txXfrm>
     </dsp:sp>
     <dsp:sp modelId="{31B6F40F-C383-4663-BBDB-30ECD549C2A9}">
@@ -9758,8 +9899,8 @@
       </dsp:nvSpPr>
       <dsp:spPr>
         <a:xfrm>
-          <a:off x="4368202" y="1564492"/>
-          <a:ext cx="2183393" cy="3285433"/>
+          <a:off x="4205610" y="1564492"/>
+          <a:ext cx="2418911" cy="3285433"/>
         </a:xfrm>
         <a:prstGeom prst="rect">
           <a:avLst/>
@@ -9831,17 +9972,6 @@
             </a:rPr>
             <a:t>Réalisation</a:t>
           </a:r>
-          <a:endParaRPr lang="fr-FR" sz="2900" b="1" i="1" kern="1200" dirty="0" smtClean="0">
-            <a:effectLst>
-              <a:outerShdw blurRad="38100" dist="38100" dir="2700000" algn="tl">
-                <a:srgbClr val="000000">
-                  <a:alpha val="43137"/>
-                </a:srgbClr>
-              </a:outerShdw>
-            </a:effectLst>
-            <a:latin typeface="Times New Roman" pitchFamily="18" charset="0"/>
-            <a:cs typeface="Times New Roman" pitchFamily="18" charset="0"/>
-          </a:endParaRPr>
         </a:p>
         <a:p>
           <a:pPr marL="228600" lvl="1" indent="-228600" algn="ctr" defTabSz="889000">
@@ -9887,7 +10017,23 @@
               <a:latin typeface="Times New Roman" pitchFamily="18" charset="0"/>
               <a:cs typeface="Times New Roman" pitchFamily="18" charset="0"/>
             </a:rPr>
-            <a:t>Scripts et peuplement de données</a:t>
+            <a:t>Scripts et </a:t>
+          </a:r>
+          <a:r>
+            <a:rPr lang="fr-FR" sz="2000" b="0" i="0" kern="1200" dirty="0" smtClean="0">
+              <a:effectLst/>
+              <a:latin typeface="Times New Roman" pitchFamily="18" charset="0"/>
+              <a:cs typeface="Times New Roman" pitchFamily="18" charset="0"/>
+            </a:rPr>
+            <a:t>insertion des </a:t>
+          </a:r>
+          <a:r>
+            <a:rPr lang="fr-FR" sz="2000" b="0" i="0" kern="1200" dirty="0" smtClean="0">
+              <a:effectLst/>
+              <a:latin typeface="Times New Roman" pitchFamily="18" charset="0"/>
+              <a:cs typeface="Times New Roman" pitchFamily="18" charset="0"/>
+            </a:rPr>
+            <a:t>données</a:t>
           </a:r>
           <a:endParaRPr lang="fr-FR" sz="2000" b="1" i="1" kern="1200" dirty="0" smtClean="0">
             <a:effectLst>
@@ -9920,7 +10066,40 @@
               <a:latin typeface="Times New Roman" pitchFamily="18" charset="0"/>
               <a:cs typeface="Times New Roman" pitchFamily="18" charset="0"/>
             </a:rPr>
-            <a:t>Analyse de texte et résultat</a:t>
+            <a:t>Annotation sémantique</a:t>
+          </a:r>
+          <a:endParaRPr lang="fr-FR" sz="2000" b="1" i="1" kern="1200" dirty="0" smtClean="0">
+            <a:effectLst>
+              <a:outerShdw blurRad="38100" dist="38100" dir="2700000" algn="tl">
+                <a:srgbClr val="000000">
+                  <a:alpha val="43137"/>
+                </a:srgbClr>
+              </a:outerShdw>
+            </a:effectLst>
+            <a:latin typeface="Times New Roman" pitchFamily="18" charset="0"/>
+            <a:cs typeface="Times New Roman" pitchFamily="18" charset="0"/>
+          </a:endParaRPr>
+        </a:p>
+        <a:p>
+          <a:pPr marL="228600" lvl="1" indent="-228600" algn="l" defTabSz="889000">
+            <a:lnSpc>
+              <a:spcPct val="90000"/>
+            </a:lnSpc>
+            <a:spcBef>
+              <a:spcPct val="0"/>
+            </a:spcBef>
+            <a:spcAft>
+              <a:spcPct val="15000"/>
+            </a:spcAft>
+            <a:buChar char="••"/>
+          </a:pPr>
+          <a:r>
+            <a:rPr lang="fr-FR" sz="2000" b="0" i="0" kern="1200" dirty="0" smtClean="0">
+              <a:effectLst/>
+              <a:latin typeface="Times New Roman" pitchFamily="18" charset="0"/>
+              <a:cs typeface="Times New Roman" pitchFamily="18" charset="0"/>
+            </a:rPr>
+            <a:t>Analyse sémantique</a:t>
           </a:r>
           <a:endParaRPr lang="fr-FR" sz="2000" b="1" i="1" kern="1200" dirty="0" smtClean="0">
             <a:effectLst>
@@ -9969,8 +10148,8 @@
         </a:p>
       </dsp:txBody>
       <dsp:txXfrm>
-        <a:off x="4368202" y="1564492"/>
-        <a:ext cx="2183393" cy="3285433"/>
+        <a:off x="4205610" y="1564492"/>
+        <a:ext cx="2418911" cy="3285433"/>
       </dsp:txXfrm>
     </dsp:sp>
     <dsp:sp modelId="{6A3BDFB1-5AF2-48D4-B58A-DB63768EB872}">
@@ -9980,8 +10159,8 @@
       </dsp:nvSpPr>
       <dsp:spPr>
         <a:xfrm>
-          <a:off x="6551595" y="1564492"/>
-          <a:ext cx="1948111" cy="3285433"/>
+          <a:off x="6624521" y="1564492"/>
+          <a:ext cx="1875890" cy="3285433"/>
         </a:xfrm>
         <a:prstGeom prst="rect">
           <a:avLst/>
@@ -10053,17 +10232,6 @@
             </a:rPr>
             <a:t>Bilan</a:t>
           </a:r>
-          <a:endParaRPr lang="fr-FR" sz="3200" b="1" i="1" kern="1200" dirty="0" smtClean="0">
-            <a:effectLst>
-              <a:outerShdw blurRad="38100" dist="38100" dir="2700000" algn="tl">
-                <a:srgbClr val="000000">
-                  <a:alpha val="43137"/>
-                </a:srgbClr>
-              </a:outerShdw>
-            </a:effectLst>
-            <a:latin typeface="Times New Roman" pitchFamily="18" charset="0"/>
-            <a:cs typeface="Times New Roman" pitchFamily="18" charset="0"/>
-          </a:endParaRPr>
         </a:p>
         <a:p>
           <a:pPr marL="228600" lvl="1" indent="-228600" algn="ctr" defTabSz="1111250">
@@ -10183,8 +10351,8 @@
         </a:p>
       </dsp:txBody>
       <dsp:txXfrm>
-        <a:off x="6551595" y="1564492"/>
-        <a:ext cx="1948111" cy="3285433"/>
+        <a:off x="6624521" y="1564492"/>
+        <a:ext cx="1875890" cy="3285433"/>
       </dsp:txXfrm>
     </dsp:sp>
     <dsp:sp modelId="{E7879EC9-8BB1-4F0B-9537-730E957194BC}">
@@ -25831,7 +25999,7 @@
                 <a:latin typeface="Times New Roman" pitchFamily="18" charset="0"/>
                 <a:cs typeface="Times New Roman" pitchFamily="18" charset="0"/>
               </a:rPr>
-              <a:t>Base de données et arborescence</a:t>
+              <a:t>Arborescence</a:t>
             </a:r>
             <a:endParaRPr lang="fr-FR" dirty="0"/>
           </a:p>
@@ -25852,11 +26020,11 @@
           <a:bodyPr/>
           <a:lstStyle/>
           <a:p>
-            <a:fld id="{F19C1B1D-A7C4-9E4C-8A70-3C6F57E929CF}" type="datetime1">
-              <a:rPr lang="fr-FR" smtClean="0"/>
-              <a:t>01/06/2015</a:t>
-            </a:fld>
-            <a:endParaRPr lang="fr-FR"/>
+            <a:r>
+              <a:rPr lang="fr-FR" dirty="0" smtClean="0"/>
+              <a:t>03/06/2015</a:t>
+            </a:r>
+            <a:endParaRPr lang="fr-FR" dirty="0"/>
           </a:p>
         </p:txBody>
       </p:sp>
@@ -26034,15 +26202,6 @@
               </a:rPr>
               <a:t>intervallaire </a:t>
             </a:r>
-            <a:endParaRPr lang="fr-FR" b="1" i="1" dirty="0">
-              <a:effectLst>
-                <a:outerShdw blurRad="38100" dist="38100" dir="2700000" algn="tl">
-                  <a:srgbClr val="000000">
-                    <a:alpha val="43137"/>
-                  </a:srgbClr>
-                </a:outerShdw>
-              </a:effectLst>
-            </a:endParaRPr>
           </a:p>
         </p:txBody>
       </p:sp>
@@ -26337,10 +26496,184 @@
           </a:p>
         </p:txBody>
       </p:sp>
+    </p:spTree>
+    <p:extLst>
+      <p:ext uri="{BB962C8B-B14F-4D97-AF65-F5344CB8AC3E}">
+        <p14:creationId xmlns:p14="http://schemas.microsoft.com/office/powerpoint/2010/main" val="2297700651"/>
+      </p:ext>
+    </p:extLst>
+  </p:cSld>
+  <p:clrMapOvr>
+    <a:masterClrMapping/>
+  </p:clrMapOvr>
+  <p:timing>
+    <p:tnLst>
+      <p:par>
+        <p:cTn id="1" dur="indefinite" restart="never" nodeType="tmRoot"/>
+      </p:par>
+    </p:tnLst>
+  </p:timing>
+</p:sld>
+</file>
+
+<file path=ppt/slides/slide12.xml><?xml version="1.0" encoding="utf-8"?>
+<p:sld xmlns:a="http://schemas.openxmlformats.org/drawingml/2006/main" xmlns:r="http://schemas.openxmlformats.org/officeDocument/2006/relationships" xmlns:p="http://schemas.openxmlformats.org/presentationml/2006/main">
+  <p:cSld>
+    <p:spTree>
+      <p:nvGrpSpPr>
+        <p:cNvPr id="1" name=""/>
+        <p:cNvGrpSpPr/>
+        <p:nvPr/>
+      </p:nvGrpSpPr>
+      <p:grpSpPr>
+        <a:xfrm>
+          <a:off x="0" y="0"/>
+          <a:ext cx="0" cy="0"/>
+          <a:chOff x="0" y="0"/>
+          <a:chExt cx="0" cy="0"/>
+        </a:xfrm>
+      </p:grpSpPr>
+      <p:sp>
+        <p:nvSpPr>
+          <p:cNvPr id="2" name="Titre 1"/>
+          <p:cNvSpPr>
+            <a:spLocks noGrp="1"/>
+          </p:cNvSpPr>
+          <p:nvPr>
+            <p:ph type="title"/>
+          </p:nvPr>
+        </p:nvSpPr>
+        <p:spPr/>
+        <p:txBody>
+          <a:bodyPr>
+            <a:normAutofit/>
+          </a:bodyPr>
+          <a:lstStyle/>
+          <a:p>
+            <a:pPr lvl="0"/>
+            <a:r>
+              <a:rPr lang="fr-FR" sz="2800" b="0" dirty="0" smtClean="0">
+                <a:latin typeface="Times New Roman" pitchFamily="18" charset="0"/>
+                <a:cs typeface="Times New Roman" pitchFamily="18" charset="0"/>
+              </a:rPr>
+              <a:t>Annotation sémantique</a:t>
+            </a:r>
+            <a:endParaRPr lang="fr-FR" dirty="0"/>
+          </a:p>
+        </p:txBody>
+      </p:sp>
+      <p:sp>
+        <p:nvSpPr>
+          <p:cNvPr id="4" name="Espace réservé de la date 3"/>
+          <p:cNvSpPr>
+            <a:spLocks noGrp="1"/>
+          </p:cNvSpPr>
+          <p:nvPr>
+            <p:ph type="dt" sz="half" idx="10"/>
+          </p:nvPr>
+        </p:nvSpPr>
+        <p:spPr/>
+        <p:txBody>
+          <a:bodyPr/>
+          <a:lstStyle/>
+          <a:p>
+            <a:fld id="{F19C1B1D-A7C4-9E4C-8A70-3C6F57E929CF}" type="datetime1">
+              <a:rPr lang="fr-FR" smtClean="0"/>
+              <a:t>01/06/2015</a:t>
+            </a:fld>
+            <a:endParaRPr lang="fr-FR"/>
+          </a:p>
+        </p:txBody>
+      </p:sp>
+      <p:sp>
+        <p:nvSpPr>
+          <p:cNvPr id="6" name="Espace réservé du numéro de diapositive 5"/>
+          <p:cNvSpPr>
+            <a:spLocks noGrp="1"/>
+          </p:cNvSpPr>
+          <p:nvPr>
+            <p:ph type="sldNum" sz="quarter" idx="12"/>
+          </p:nvPr>
+        </p:nvSpPr>
+        <p:spPr/>
+        <p:txBody>
+          <a:bodyPr/>
+          <a:lstStyle/>
+          <a:p>
+            <a:fld id="{93843418-5D8F-0D41-BCF8-8D9702B58111}" type="slidenum">
+              <a:rPr lang="fr-FR" smtClean="0"/>
+              <a:t>12</a:t>
+            </a:fld>
+            <a:endParaRPr lang="fr-FR"/>
+          </a:p>
+        </p:txBody>
+      </p:sp>
+      <p:sp>
+        <p:nvSpPr>
+          <p:cNvPr id="7" name="Espace réservé du pied de page 4"/>
+          <p:cNvSpPr>
+            <a:spLocks noGrp="1"/>
+          </p:cNvSpPr>
+          <p:nvPr>
+            <p:ph type="ftr" sz="quarter" idx="11"/>
+          </p:nvPr>
+        </p:nvSpPr>
+        <p:spPr>
+          <a:xfrm>
+            <a:off x="2152513" y="6008"/>
+            <a:ext cx="4110414" cy="565492"/>
+          </a:xfrm>
+        </p:spPr>
+        <p:txBody>
+          <a:bodyPr/>
+          <a:lstStyle/>
+          <a:p>
+            <a:pPr algn="ctr"/>
+            <a:r>
+              <a:rPr lang="fr-FR" i="1" dirty="0" smtClean="0">
+                <a:effectLst>
+                  <a:outerShdw blurRad="38100" dist="38100" dir="2700000" algn="tl">
+                    <a:srgbClr val="000000">
+                      <a:alpha val="43137"/>
+                    </a:srgbClr>
+                  </a:outerShdw>
+                </a:effectLst>
+              </a:rPr>
+              <a:t>Sémantique et langue naturelle</a:t>
+            </a:r>
+          </a:p>
+          <a:p>
+            <a:pPr algn="ctr"/>
+            <a:r>
+              <a:rPr lang="fr-FR" i="1" dirty="0" err="1" smtClean="0">
+                <a:effectLst>
+                  <a:outerShdw blurRad="38100" dist="38100" dir="2700000" algn="tl">
+                    <a:srgbClr val="000000">
+                      <a:alpha val="43137"/>
+                    </a:srgbClr>
+                  </a:outerShdw>
+                </a:effectLst>
+              </a:rPr>
+              <a:t>Realisation</a:t>
+            </a:r>
+            <a:endParaRPr lang="fr-FR" i="1" dirty="0">
+              <a:effectLst>
+                <a:outerShdw blurRad="38100" dist="38100" dir="2700000" algn="tl">
+                  <a:srgbClr val="000000">
+                    <a:alpha val="43137"/>
+                  </a:srgbClr>
+                </a:outerShdw>
+              </a:effectLst>
+            </a:endParaRPr>
+          </a:p>
+        </p:txBody>
+      </p:sp>
       <p:pic>
         <p:nvPicPr>
-          <p:cNvPr id="10" name="Image 9" descr="C:\xampp\htdocs\ProjetTER\Docs\mcd_last.png"/>
-          <p:cNvPicPr/>
+          <p:cNvPr id="1026" name="Picture 2"/>
+          <p:cNvPicPr>
+            <a:picLocks noChangeAspect="1" noChangeArrowheads="1"/>
+          </p:cNvPicPr>
           <p:nvPr/>
         </p:nvPicPr>
         <p:blipFill>
@@ -26358,8 +26691,8 @@
         </p:blipFill>
         <p:spPr bwMode="auto">
           <a:xfrm>
-            <a:off x="3989373" y="1417638"/>
-            <a:ext cx="5028720" cy="3196366"/>
+            <a:off x="1530618" y="1954395"/>
+            <a:ext cx="6276975" cy="1638300"/>
           </a:xfrm>
           <a:prstGeom prst="rect">
             <a:avLst/>
@@ -26368,12 +26701,177 @@
           <a:ln>
             <a:noFill/>
           </a:ln>
+          <a:effectLst/>
+          <a:extLst>
+            <a:ext uri="{909E8E84-426E-40DD-AFC4-6F175D3DCCD1}">
+              <a14:hiddenFill xmlns:a14="http://schemas.microsoft.com/office/drawing/2010/main">
+                <a:solidFill>
+                  <a:schemeClr val="accent1"/>
+                </a:solidFill>
+              </a14:hiddenFill>
+            </a:ext>
+            <a:ext uri="{91240B29-F687-4F45-9708-019B960494DF}">
+              <a14:hiddenLine xmlns:a14="http://schemas.microsoft.com/office/drawing/2010/main" w="9525">
+                <a:solidFill>
+                  <a:schemeClr val="tx1"/>
+                </a:solidFill>
+                <a:miter lim="800000"/>
+                <a:headEnd/>
+                <a:tailEnd/>
+              </a14:hiddenLine>
+            </a:ext>
+            <a:ext uri="{AF507438-7753-43E0-B8FC-AC1667EBCBE1}">
+              <a14:hiddenEffects xmlns:a14="http://schemas.microsoft.com/office/drawing/2010/main">
+                <a:effectLst>
+                  <a:outerShdw dist="35921" dir="2700000" algn="ctr" rotWithShape="0">
+                    <a:schemeClr val="bg2"/>
+                  </a:outerShdw>
+                </a:effectLst>
+              </a14:hiddenEffects>
+            </a:ext>
+          </a:extLst>
         </p:spPr>
       </p:pic>
+      <p:sp>
+        <p:nvSpPr>
+          <p:cNvPr id="3" name="ZoneTexte 2"/>
+          <p:cNvSpPr txBox="1"/>
+          <p:nvPr/>
+        </p:nvSpPr>
+        <p:spPr>
+          <a:xfrm>
+            <a:off x="2257678" y="1417638"/>
+            <a:ext cx="3935886" cy="369332"/>
+          </a:xfrm>
+          <a:prstGeom prst="rect">
+            <a:avLst/>
+          </a:prstGeom>
+          <a:noFill/>
+        </p:spPr>
+        <p:txBody>
+          <a:bodyPr wrap="none" rtlCol="0">
+            <a:spAutoFit/>
+          </a:bodyPr>
+          <a:lstStyle/>
+          <a:p>
+            <a:r>
+              <a:rPr lang="fr-FR" b="1" dirty="0" smtClean="0">
+                <a:effectLst>
+                  <a:outerShdw blurRad="38100" dist="38100" dir="2700000" algn="tl">
+                    <a:srgbClr val="000000">
+                      <a:alpha val="43137"/>
+                    </a:srgbClr>
+                  </a:outerShdw>
+                </a:effectLst>
+              </a:rPr>
+              <a:t>Exemple : </a:t>
+            </a:r>
+            <a:r>
+              <a:rPr lang="fr-FR" dirty="0" smtClean="0"/>
+              <a:t>Le chien aboie à coté du chat.</a:t>
+            </a:r>
+            <a:endParaRPr lang="fr-FR" dirty="0"/>
+          </a:p>
+        </p:txBody>
+      </p:sp>
+      <p:pic>
+        <p:nvPicPr>
+          <p:cNvPr id="1029" name="Picture 5"/>
+          <p:cNvPicPr>
+            <a:picLocks noChangeAspect="1" noChangeArrowheads="1"/>
+          </p:cNvPicPr>
+          <p:nvPr/>
+        </p:nvPicPr>
+        <p:blipFill>
+          <a:blip r:embed="rId3">
+            <a:extLst>
+              <a:ext uri="{28A0092B-C50C-407E-A947-70E740481C1C}">
+                <a14:useLocalDpi xmlns:a14="http://schemas.microsoft.com/office/drawing/2010/main" val="0"/>
+              </a:ext>
+            </a:extLst>
+          </a:blip>
+          <a:srcRect/>
+          <a:stretch>
+            <a:fillRect/>
+          </a:stretch>
+        </p:blipFill>
+        <p:spPr bwMode="auto">
+          <a:xfrm>
+            <a:off x="0" y="4307913"/>
+            <a:ext cx="9124950" cy="1190625"/>
+          </a:xfrm>
+          <a:prstGeom prst="rect">
+            <a:avLst/>
+          </a:prstGeom>
+          <a:noFill/>
+          <a:ln>
+            <a:noFill/>
+          </a:ln>
+          <a:effectLst/>
+          <a:extLst>
+            <a:ext uri="{909E8E84-426E-40DD-AFC4-6F175D3DCCD1}">
+              <a14:hiddenFill xmlns:a14="http://schemas.microsoft.com/office/drawing/2010/main">
+                <a:solidFill>
+                  <a:schemeClr val="accent1"/>
+                </a:solidFill>
+              </a14:hiddenFill>
+            </a:ext>
+            <a:ext uri="{91240B29-F687-4F45-9708-019B960494DF}">
+              <a14:hiddenLine xmlns:a14="http://schemas.microsoft.com/office/drawing/2010/main" w="9525">
+                <a:solidFill>
+                  <a:schemeClr val="tx1"/>
+                </a:solidFill>
+                <a:miter lim="800000"/>
+                <a:headEnd/>
+                <a:tailEnd/>
+              </a14:hiddenLine>
+            </a:ext>
+            <a:ext uri="{AF507438-7753-43E0-B8FC-AC1667EBCBE1}">
+              <a14:hiddenEffects xmlns:a14="http://schemas.microsoft.com/office/drawing/2010/main">
+                <a:effectLst>
+                  <a:outerShdw dist="35921" dir="2700000" algn="ctr" rotWithShape="0">
+                    <a:schemeClr val="bg2"/>
+                  </a:outerShdw>
+                </a:effectLst>
+              </a14:hiddenEffects>
+            </a:ext>
+          </a:extLst>
+        </p:spPr>
+      </p:pic>
+      <p:sp>
+        <p:nvSpPr>
+          <p:cNvPr id="5" name="ZoneTexte 4"/>
+          <p:cNvSpPr txBox="1"/>
+          <p:nvPr/>
+        </p:nvSpPr>
+        <p:spPr>
+          <a:xfrm>
+            <a:off x="137565" y="3867993"/>
+            <a:ext cx="7670028" cy="369332"/>
+          </a:xfrm>
+          <a:prstGeom prst="rect">
+            <a:avLst/>
+          </a:prstGeom>
+          <a:noFill/>
+        </p:spPr>
+        <p:txBody>
+          <a:bodyPr wrap="square" rtlCol="0">
+            <a:spAutoFit/>
+          </a:bodyPr>
+          <a:lstStyle/>
+          <a:p>
+            <a:r>
+              <a:rPr lang="fr-FR" dirty="0" smtClean="0"/>
+              <a:t>L’application reconnait instantanément les mots du domaine animal ! </a:t>
+            </a:r>
+            <a:endParaRPr lang="fr-FR" dirty="0"/>
+          </a:p>
+        </p:txBody>
+      </p:sp>
     </p:spTree>
     <p:extLst>
       <p:ext uri="{BB962C8B-B14F-4D97-AF65-F5344CB8AC3E}">
-        <p14:creationId xmlns:p14="http://schemas.microsoft.com/office/powerpoint/2010/main" val="2297700651"/>
+        <p14:creationId xmlns:p14="http://schemas.microsoft.com/office/powerpoint/2010/main" val="3009493668"/>
       </p:ext>
     </p:extLst>
   </p:cSld>
@@ -26520,7 +27018,7 @@
           <p:nvPr>
             <p:extLst>
               <p:ext uri="{D42A27DB-BD31-4B8C-83A1-F6EECF244321}">
-                <p14:modId xmlns:p14="http://schemas.microsoft.com/office/powerpoint/2010/main" val="1209530688"/>
+                <p14:modId xmlns:p14="http://schemas.microsoft.com/office/powerpoint/2010/main" val="1936143295"/>
               </p:ext>
             </p:extLst>
           </p:nvPr>
@@ -26616,11 +27114,11 @@
           <a:bodyPr/>
           <a:lstStyle/>
           <a:p>
-            <a:fld id="{F19C1B1D-A7C4-9E4C-8A70-3C6F57E929CF}" type="datetime1">
-              <a:rPr lang="fr-FR" smtClean="0"/>
-              <a:t>01/06/2015</a:t>
-            </a:fld>
-            <a:endParaRPr lang="fr-FR"/>
+            <a:r>
+              <a:rPr lang="fr-FR" dirty="0" smtClean="0"/>
+              <a:t>03/06/2015</a:t>
+            </a:r>
+            <a:endParaRPr lang="fr-FR" dirty="0"/>
           </a:p>
         </p:txBody>
       </p:sp>
@@ -26781,11 +27279,11 @@
           <a:bodyPr/>
           <a:lstStyle/>
           <a:p>
-            <a:fld id="{F19C1B1D-A7C4-9E4C-8A70-3C6F57E929CF}" type="datetime1">
-              <a:rPr lang="fr-FR" smtClean="0"/>
-              <a:t>01/06/2015</a:t>
-            </a:fld>
-            <a:endParaRPr lang="fr-FR"/>
+            <a:r>
+              <a:rPr lang="fr-FR" dirty="0" smtClean="0"/>
+              <a:t>03/06/2015</a:t>
+            </a:r>
+            <a:endParaRPr lang="fr-FR" dirty="0"/>
           </a:p>
         </p:txBody>
       </p:sp>
@@ -26946,11 +27444,11 @@
           <a:bodyPr/>
           <a:lstStyle/>
           <a:p>
-            <a:fld id="{F19C1B1D-A7C4-9E4C-8A70-3C6F57E929CF}" type="datetime1">
-              <a:rPr lang="fr-FR" smtClean="0"/>
-              <a:t>01/06/2015</a:t>
-            </a:fld>
-            <a:endParaRPr lang="fr-FR"/>
+            <a:r>
+              <a:rPr lang="fr-FR" dirty="0" smtClean="0"/>
+              <a:t>03/06/2015</a:t>
+            </a:r>
+            <a:endParaRPr lang="fr-FR" dirty="0"/>
           </a:p>
         </p:txBody>
       </p:sp>
@@ -27287,11 +27785,11 @@
           <a:bodyPr/>
           <a:lstStyle/>
           <a:p>
-            <a:fld id="{F19C1B1D-A7C4-9E4C-8A70-3C6F57E929CF}" type="datetime1">
-              <a:rPr lang="fr-FR" smtClean="0"/>
-              <a:t>01/06/2015</a:t>
-            </a:fld>
-            <a:endParaRPr lang="fr-FR"/>
+            <a:r>
+              <a:rPr lang="fr-FR" dirty="0" smtClean="0"/>
+              <a:t>03/06/2015</a:t>
+            </a:r>
+            <a:endParaRPr lang="fr-FR" dirty="0"/>
           </a:p>
         </p:txBody>
       </p:sp>
@@ -27481,11 +27979,11 @@
           <a:bodyPr/>
           <a:lstStyle/>
           <a:p>
-            <a:fld id="{F19C1B1D-A7C4-9E4C-8A70-3C6F57E929CF}" type="datetime1">
-              <a:rPr lang="fr-FR" smtClean="0"/>
-              <a:t>01/06/2015</a:t>
-            </a:fld>
-            <a:endParaRPr lang="fr-FR"/>
+            <a:r>
+              <a:rPr lang="fr-FR" dirty="0" smtClean="0"/>
+              <a:t>03/06/2015</a:t>
+            </a:r>
+            <a:endParaRPr lang="fr-FR" dirty="0"/>
           </a:p>
         </p:txBody>
       </p:sp>
@@ -27715,11 +28213,11 @@
           <a:bodyPr/>
           <a:lstStyle/>
           <a:p>
-            <a:fld id="{F19C1B1D-A7C4-9E4C-8A70-3C6F57E929CF}" type="datetime1">
-              <a:rPr lang="fr-FR" smtClean="0"/>
-              <a:t>01/06/2015</a:t>
-            </a:fld>
-            <a:endParaRPr lang="fr-FR"/>
+            <a:r>
+              <a:rPr lang="fr-FR" dirty="0" smtClean="0"/>
+              <a:t>03/06/2015</a:t>
+            </a:r>
+            <a:endParaRPr lang="fr-FR" dirty="0"/>
           </a:p>
         </p:txBody>
       </p:sp>
@@ -27996,14 +28494,14 @@
                 <a:latin typeface="Times New Roman" pitchFamily="18" charset="0"/>
                 <a:cs typeface="Times New Roman" pitchFamily="18" charset="0"/>
               </a:rPr>
-              <a:t>Base de données </a:t>
+              <a:t>Base de </a:t>
             </a:r>
             <a:r>
-              <a:rPr lang="fr-FR" sz="2800" b="0" dirty="0">
+              <a:rPr lang="fr-FR" sz="2800" b="0" dirty="0" smtClean="0">
                 <a:latin typeface="Times New Roman" pitchFamily="18" charset="0"/>
                 <a:cs typeface="Times New Roman" pitchFamily="18" charset="0"/>
               </a:rPr>
-              <a:t>et arborescence</a:t>
+              <a:t>données</a:t>
             </a:r>
             <a:endParaRPr lang="fr-FR" dirty="0"/>
           </a:p>
@@ -28024,11 +28522,11 @@
           <a:bodyPr/>
           <a:lstStyle/>
           <a:p>
-            <a:fld id="{F19C1B1D-A7C4-9E4C-8A70-3C6F57E929CF}" type="datetime1">
-              <a:rPr lang="fr-FR" smtClean="0"/>
-              <a:t>01/06/2015</a:t>
-            </a:fld>
-            <a:endParaRPr lang="fr-FR"/>
+            <a:r>
+              <a:rPr lang="fr-FR" dirty="0" smtClean="0"/>
+              <a:t>03/06/2015</a:t>
+            </a:r>
+            <a:endParaRPr lang="fr-FR" dirty="0"/>
           </a:p>
         </p:txBody>
       </p:sp>

--- a/Presentation_TER.pptx
+++ b/Presentation_TER.pptx
@@ -5,10 +5,10 @@
     <p:sldMasterId id="2147483754" r:id="rId1"/>
   </p:sldMasterIdLst>
   <p:notesMasterIdLst>
-    <p:notesMasterId r:id="rId14"/>
+    <p:notesMasterId r:id="rId18"/>
   </p:notesMasterIdLst>
   <p:handoutMasterIdLst>
-    <p:handoutMasterId r:id="rId15"/>
+    <p:handoutMasterId r:id="rId19"/>
   </p:handoutMasterIdLst>
   <p:sldIdLst>
     <p:sldId id="256" r:id="rId2"/>
@@ -23,6 +23,10 @@
     <p:sldId id="265" r:id="rId11"/>
     <p:sldId id="266" r:id="rId12"/>
     <p:sldId id="267" r:id="rId13"/>
+    <p:sldId id="268" r:id="rId14"/>
+    <p:sldId id="269" r:id="rId15"/>
+    <p:sldId id="270" r:id="rId16"/>
+    <p:sldId id="271" r:id="rId17"/>
   </p:sldIdLst>
   <p:sldSz cx="9144000" cy="6858000" type="screen4x3"/>
   <p:notesSz cx="6858000" cy="9144000"/>
@@ -5707,6 +5711,813 @@
     <dgm:fillClrLst meth="repeat">
       <a:schemeClr val="accent2">
         <a:tint val="40000"/>
+      </a:schemeClr>
+    </dgm:fillClrLst>
+    <dgm:linClrLst meth="repeat">
+      <a:schemeClr val="lt1"/>
+    </dgm:linClrLst>
+    <dgm:effectClrLst/>
+    <dgm:txLinClrLst/>
+    <dgm:txFillClrLst meth="repeat">
+      <a:schemeClr val="dk1"/>
+    </dgm:txFillClrLst>
+    <dgm:txEffectClrLst/>
+  </dgm:styleLbl>
+  <dgm:styleLbl name="revTx">
+    <dgm:fillClrLst meth="repeat">
+      <a:schemeClr val="lt1">
+        <a:alpha val="0"/>
+      </a:schemeClr>
+    </dgm:fillClrLst>
+    <dgm:linClrLst meth="repeat">
+      <a:schemeClr val="dk1">
+        <a:alpha val="0"/>
+      </a:schemeClr>
+    </dgm:linClrLst>
+    <dgm:effectClrLst/>
+    <dgm:txLinClrLst/>
+    <dgm:txFillClrLst meth="repeat">
+      <a:schemeClr val="tx1"/>
+    </dgm:txFillClrLst>
+    <dgm:txEffectClrLst/>
+  </dgm:styleLbl>
+</dgm:colorsDef>
+</file>
+
+<file path=ppt/diagrams/colors8.xml><?xml version="1.0" encoding="utf-8"?>
+<dgm:colorsDef xmlns:dgm="http://schemas.openxmlformats.org/drawingml/2006/diagram" xmlns:a="http://schemas.openxmlformats.org/drawingml/2006/main" uniqueId="urn:microsoft.com/office/officeart/2005/8/colors/accent0_1">
+  <dgm:title val=""/>
+  <dgm:desc val=""/>
+  <dgm:catLst>
+    <dgm:cat type="mainScheme" pri="10100"/>
+  </dgm:catLst>
+  <dgm:styleLbl name="node0">
+    <dgm:fillClrLst meth="repeat">
+      <a:schemeClr val="lt1"/>
+    </dgm:fillClrLst>
+    <dgm:linClrLst meth="repeat">
+      <a:schemeClr val="dk1">
+        <a:shade val="80000"/>
+      </a:schemeClr>
+    </dgm:linClrLst>
+    <dgm:effectClrLst/>
+    <dgm:txLinClrLst/>
+    <dgm:txFillClrLst meth="repeat">
+      <a:schemeClr val="dk1"/>
+    </dgm:txFillClrLst>
+    <dgm:txEffectClrLst/>
+  </dgm:styleLbl>
+  <dgm:styleLbl name="node1">
+    <dgm:fillClrLst meth="repeat">
+      <a:schemeClr val="lt1"/>
+    </dgm:fillClrLst>
+    <dgm:linClrLst meth="repeat">
+      <a:schemeClr val="dk1">
+        <a:shade val="80000"/>
+      </a:schemeClr>
+    </dgm:linClrLst>
+    <dgm:effectClrLst/>
+    <dgm:txLinClrLst/>
+    <dgm:txFillClrLst meth="repeat">
+      <a:schemeClr val="dk1"/>
+    </dgm:txFillClrLst>
+    <dgm:txEffectClrLst/>
+  </dgm:styleLbl>
+  <dgm:styleLbl name="alignNode1">
+    <dgm:fillClrLst meth="repeat">
+      <a:schemeClr val="lt1"/>
+    </dgm:fillClrLst>
+    <dgm:linClrLst meth="repeat">
+      <a:schemeClr val="dk1">
+        <a:shade val="80000"/>
+      </a:schemeClr>
+    </dgm:linClrLst>
+    <dgm:effectClrLst/>
+    <dgm:txLinClrLst/>
+    <dgm:txFillClrLst meth="repeat">
+      <a:schemeClr val="dk1"/>
+    </dgm:txFillClrLst>
+    <dgm:txEffectClrLst/>
+  </dgm:styleLbl>
+  <dgm:styleLbl name="lnNode1">
+    <dgm:fillClrLst meth="repeat">
+      <a:schemeClr val="lt1"/>
+    </dgm:fillClrLst>
+    <dgm:linClrLst meth="repeat">
+      <a:schemeClr val="dk1">
+        <a:shade val="80000"/>
+      </a:schemeClr>
+    </dgm:linClrLst>
+    <dgm:effectClrLst/>
+    <dgm:txLinClrLst/>
+    <dgm:txFillClrLst meth="repeat">
+      <a:schemeClr val="dk1"/>
+    </dgm:txFillClrLst>
+    <dgm:txEffectClrLst/>
+  </dgm:styleLbl>
+  <dgm:styleLbl name="vennNode1">
+    <dgm:fillClrLst meth="repeat">
+      <a:schemeClr val="lt1">
+        <a:alpha val="50000"/>
+      </a:schemeClr>
+    </dgm:fillClrLst>
+    <dgm:linClrLst meth="repeat">
+      <a:schemeClr val="dk1">
+        <a:shade val="80000"/>
+      </a:schemeClr>
+    </dgm:linClrLst>
+    <dgm:effectClrLst/>
+    <dgm:txLinClrLst/>
+    <dgm:txFillClrLst/>
+    <dgm:txEffectClrLst/>
+  </dgm:styleLbl>
+  <dgm:styleLbl name="node2">
+    <dgm:fillClrLst meth="repeat">
+      <a:schemeClr val="lt1"/>
+    </dgm:fillClrLst>
+    <dgm:linClrLst meth="repeat">
+      <a:schemeClr val="dk1">
+        <a:shade val="80000"/>
+      </a:schemeClr>
+    </dgm:linClrLst>
+    <dgm:effectClrLst/>
+    <dgm:txLinClrLst/>
+    <dgm:txFillClrLst meth="repeat">
+      <a:schemeClr val="dk1"/>
+    </dgm:txFillClrLst>
+    <dgm:txEffectClrLst/>
+  </dgm:styleLbl>
+  <dgm:styleLbl name="node3">
+    <dgm:fillClrLst meth="repeat">
+      <a:schemeClr val="lt1"/>
+    </dgm:fillClrLst>
+    <dgm:linClrLst meth="repeat">
+      <a:schemeClr val="dk1">
+        <a:shade val="80000"/>
+      </a:schemeClr>
+    </dgm:linClrLst>
+    <dgm:effectClrLst/>
+    <dgm:txLinClrLst/>
+    <dgm:txFillClrLst meth="repeat">
+      <a:schemeClr val="dk1"/>
+    </dgm:txFillClrLst>
+    <dgm:txEffectClrLst/>
+  </dgm:styleLbl>
+  <dgm:styleLbl name="node4">
+    <dgm:fillClrLst meth="repeat">
+      <a:schemeClr val="lt1"/>
+    </dgm:fillClrLst>
+    <dgm:linClrLst meth="repeat">
+      <a:schemeClr val="dk1">
+        <a:shade val="80000"/>
+      </a:schemeClr>
+    </dgm:linClrLst>
+    <dgm:effectClrLst/>
+    <dgm:txLinClrLst/>
+    <dgm:txFillClrLst meth="repeat">
+      <a:schemeClr val="dk1"/>
+    </dgm:txFillClrLst>
+    <dgm:txEffectClrLst/>
+  </dgm:styleLbl>
+  <dgm:styleLbl name="fgImgPlace1">
+    <dgm:fillClrLst meth="repeat">
+      <a:schemeClr val="dk1">
+        <a:tint val="40000"/>
+      </a:schemeClr>
+    </dgm:fillClrLst>
+    <dgm:linClrLst meth="repeat">
+      <a:schemeClr val="dk1">
+        <a:shade val="80000"/>
+      </a:schemeClr>
+    </dgm:linClrLst>
+    <dgm:effectClrLst/>
+    <dgm:txLinClrLst/>
+    <dgm:txFillClrLst meth="repeat">
+      <a:schemeClr val="lt1"/>
+    </dgm:txFillClrLst>
+    <dgm:txEffectClrLst/>
+  </dgm:styleLbl>
+  <dgm:styleLbl name="alignImgPlace1">
+    <dgm:fillClrLst meth="repeat">
+      <a:schemeClr val="dk1">
+        <a:tint val="40000"/>
+      </a:schemeClr>
+    </dgm:fillClrLst>
+    <dgm:linClrLst meth="repeat">
+      <a:schemeClr val="dk1">
+        <a:shade val="80000"/>
+      </a:schemeClr>
+    </dgm:linClrLst>
+    <dgm:effectClrLst/>
+    <dgm:txLinClrLst/>
+    <dgm:txFillClrLst meth="repeat">
+      <a:schemeClr val="lt1"/>
+    </dgm:txFillClrLst>
+    <dgm:txEffectClrLst/>
+  </dgm:styleLbl>
+  <dgm:styleLbl name="bgImgPlace1">
+    <dgm:fillClrLst meth="repeat">
+      <a:schemeClr val="dk1">
+        <a:tint val="40000"/>
+      </a:schemeClr>
+    </dgm:fillClrLst>
+    <dgm:linClrLst meth="repeat">
+      <a:schemeClr val="dk1">
+        <a:shade val="80000"/>
+      </a:schemeClr>
+    </dgm:linClrLst>
+    <dgm:effectClrLst/>
+    <dgm:txLinClrLst/>
+    <dgm:txFillClrLst meth="repeat">
+      <a:schemeClr val="lt1"/>
+    </dgm:txFillClrLst>
+    <dgm:txEffectClrLst/>
+  </dgm:styleLbl>
+  <dgm:styleLbl name="sibTrans2D1">
+    <dgm:fillClrLst meth="repeat">
+      <a:schemeClr val="dk1">
+        <a:tint val="60000"/>
+      </a:schemeClr>
+    </dgm:fillClrLst>
+    <dgm:linClrLst meth="repeat">
+      <a:schemeClr val="dk1">
+        <a:tint val="60000"/>
+      </a:schemeClr>
+    </dgm:linClrLst>
+    <dgm:effectClrLst/>
+    <dgm:txLinClrLst/>
+    <dgm:txFillClrLst meth="repeat">
+      <a:schemeClr val="dk1"/>
+    </dgm:txFillClrLst>
+    <dgm:txEffectClrLst/>
+  </dgm:styleLbl>
+  <dgm:styleLbl name="fgSibTrans2D1">
+    <dgm:fillClrLst meth="repeat">
+      <a:schemeClr val="dk1">
+        <a:tint val="60000"/>
+      </a:schemeClr>
+    </dgm:fillClrLst>
+    <dgm:linClrLst meth="repeat">
+      <a:schemeClr val="dk1">
+        <a:tint val="60000"/>
+      </a:schemeClr>
+    </dgm:linClrLst>
+    <dgm:effectClrLst/>
+    <dgm:txLinClrLst/>
+    <dgm:txFillClrLst meth="repeat">
+      <a:schemeClr val="dk1"/>
+    </dgm:txFillClrLst>
+    <dgm:txEffectClrLst/>
+  </dgm:styleLbl>
+  <dgm:styleLbl name="bgSibTrans2D1">
+    <dgm:fillClrLst meth="repeat">
+      <a:schemeClr val="dk1">
+        <a:tint val="60000"/>
+      </a:schemeClr>
+    </dgm:fillClrLst>
+    <dgm:linClrLst meth="repeat">
+      <a:schemeClr val="dk1">
+        <a:tint val="60000"/>
+      </a:schemeClr>
+    </dgm:linClrLst>
+    <dgm:effectClrLst/>
+    <dgm:txLinClrLst/>
+    <dgm:txFillClrLst meth="repeat">
+      <a:schemeClr val="dk1"/>
+    </dgm:txFillClrLst>
+    <dgm:txEffectClrLst/>
+  </dgm:styleLbl>
+  <dgm:styleLbl name="sibTrans1D1">
+    <dgm:fillClrLst meth="repeat">
+      <a:schemeClr val="dk1"/>
+    </dgm:fillClrLst>
+    <dgm:linClrLst meth="repeat">
+      <a:schemeClr val="dk1"/>
+    </dgm:linClrLst>
+    <dgm:effectClrLst/>
+    <dgm:txLinClrLst/>
+    <dgm:txFillClrLst meth="repeat">
+      <a:schemeClr val="tx1"/>
+    </dgm:txFillClrLst>
+    <dgm:txEffectClrLst/>
+  </dgm:styleLbl>
+  <dgm:styleLbl name="callout">
+    <dgm:fillClrLst meth="repeat">
+      <a:schemeClr val="dk1"/>
+    </dgm:fillClrLst>
+    <dgm:linClrLst meth="repeat">
+      <a:schemeClr val="dk1"/>
+    </dgm:linClrLst>
+    <dgm:effectClrLst/>
+    <dgm:txLinClrLst/>
+    <dgm:txFillClrLst meth="repeat">
+      <a:schemeClr val="tx1"/>
+    </dgm:txFillClrLst>
+    <dgm:txEffectClrLst/>
+  </dgm:styleLbl>
+  <dgm:styleLbl name="asst0">
+    <dgm:fillClrLst meth="repeat">
+      <a:schemeClr val="lt1"/>
+    </dgm:fillClrLst>
+    <dgm:linClrLst meth="repeat">
+      <a:schemeClr val="dk1">
+        <a:shade val="80000"/>
+      </a:schemeClr>
+    </dgm:linClrLst>
+    <dgm:effectClrLst/>
+    <dgm:txLinClrLst/>
+    <dgm:txFillClrLst meth="repeat">
+      <a:schemeClr val="dk1"/>
+    </dgm:txFillClrLst>
+    <dgm:txEffectClrLst/>
+  </dgm:styleLbl>
+  <dgm:styleLbl name="asst1">
+    <dgm:fillClrLst meth="repeat">
+      <a:schemeClr val="lt1"/>
+    </dgm:fillClrLst>
+    <dgm:linClrLst meth="repeat">
+      <a:schemeClr val="dk1">
+        <a:shade val="80000"/>
+      </a:schemeClr>
+    </dgm:linClrLst>
+    <dgm:effectClrLst/>
+    <dgm:txLinClrLst/>
+    <dgm:txFillClrLst meth="repeat">
+      <a:schemeClr val="dk1"/>
+    </dgm:txFillClrLst>
+    <dgm:txEffectClrLst/>
+  </dgm:styleLbl>
+  <dgm:styleLbl name="asst2">
+    <dgm:fillClrLst meth="repeat">
+      <a:schemeClr val="lt1"/>
+    </dgm:fillClrLst>
+    <dgm:linClrLst meth="repeat">
+      <a:schemeClr val="dk1">
+        <a:shade val="80000"/>
+      </a:schemeClr>
+    </dgm:linClrLst>
+    <dgm:effectClrLst/>
+    <dgm:txLinClrLst/>
+    <dgm:txFillClrLst meth="repeat">
+      <a:schemeClr val="dk1"/>
+    </dgm:txFillClrLst>
+    <dgm:txEffectClrLst/>
+  </dgm:styleLbl>
+  <dgm:styleLbl name="asst3">
+    <dgm:fillClrLst meth="repeat">
+      <a:schemeClr val="lt1"/>
+    </dgm:fillClrLst>
+    <dgm:linClrLst meth="repeat">
+      <a:schemeClr val="dk1">
+        <a:shade val="80000"/>
+      </a:schemeClr>
+    </dgm:linClrLst>
+    <dgm:effectClrLst/>
+    <dgm:txLinClrLst/>
+    <dgm:txFillClrLst meth="repeat">
+      <a:schemeClr val="dk1"/>
+    </dgm:txFillClrLst>
+    <dgm:txEffectClrLst/>
+  </dgm:styleLbl>
+  <dgm:styleLbl name="asst4">
+    <dgm:fillClrLst meth="repeat">
+      <a:schemeClr val="lt1"/>
+    </dgm:fillClrLst>
+    <dgm:linClrLst meth="repeat">
+      <a:schemeClr val="dk1">
+        <a:shade val="80000"/>
+      </a:schemeClr>
+    </dgm:linClrLst>
+    <dgm:effectClrLst/>
+    <dgm:txLinClrLst/>
+    <dgm:txFillClrLst meth="repeat">
+      <a:schemeClr val="dk1"/>
+    </dgm:txFillClrLst>
+    <dgm:txEffectClrLst/>
+  </dgm:styleLbl>
+  <dgm:styleLbl name="parChTrans2D1">
+    <dgm:fillClrLst meth="repeat">
+      <a:schemeClr val="dk1">
+        <a:tint val="60000"/>
+      </a:schemeClr>
+    </dgm:fillClrLst>
+    <dgm:linClrLst meth="repeat">
+      <a:schemeClr val="dk1">
+        <a:tint val="60000"/>
+      </a:schemeClr>
+    </dgm:linClrLst>
+    <dgm:effectClrLst/>
+    <dgm:txLinClrLst/>
+    <dgm:txFillClrLst/>
+    <dgm:txEffectClrLst/>
+  </dgm:styleLbl>
+  <dgm:styleLbl name="parChTrans2D2">
+    <dgm:fillClrLst meth="repeat">
+      <a:schemeClr val="dk1"/>
+    </dgm:fillClrLst>
+    <dgm:linClrLst meth="repeat">
+      <a:schemeClr val="dk1"/>
+    </dgm:linClrLst>
+    <dgm:effectClrLst/>
+    <dgm:txLinClrLst/>
+    <dgm:txFillClrLst/>
+    <dgm:txEffectClrLst/>
+  </dgm:styleLbl>
+  <dgm:styleLbl name="parChTrans2D3">
+    <dgm:fillClrLst meth="repeat">
+      <a:schemeClr val="dk1"/>
+    </dgm:fillClrLst>
+    <dgm:linClrLst meth="repeat">
+      <a:schemeClr val="dk1"/>
+    </dgm:linClrLst>
+    <dgm:effectClrLst/>
+    <dgm:txLinClrLst/>
+    <dgm:txFillClrLst/>
+    <dgm:txEffectClrLst/>
+  </dgm:styleLbl>
+  <dgm:styleLbl name="parChTrans2D4">
+    <dgm:fillClrLst meth="repeat">
+      <a:schemeClr val="dk1"/>
+    </dgm:fillClrLst>
+    <dgm:linClrLst meth="repeat">
+      <a:schemeClr val="dk1"/>
+    </dgm:linClrLst>
+    <dgm:effectClrLst/>
+    <dgm:txLinClrLst/>
+    <dgm:txFillClrLst meth="repeat">
+      <a:schemeClr val="lt1"/>
+    </dgm:txFillClrLst>
+    <dgm:txEffectClrLst/>
+  </dgm:styleLbl>
+  <dgm:styleLbl name="parChTrans1D1">
+    <dgm:fillClrLst meth="repeat">
+      <a:schemeClr val="dk1"/>
+    </dgm:fillClrLst>
+    <dgm:linClrLst meth="repeat">
+      <a:schemeClr val="dk1">
+        <a:shade val="60000"/>
+      </a:schemeClr>
+    </dgm:linClrLst>
+    <dgm:effectClrLst/>
+    <dgm:txLinClrLst/>
+    <dgm:txFillClrLst meth="repeat">
+      <a:schemeClr val="tx1"/>
+    </dgm:txFillClrLst>
+    <dgm:txEffectClrLst/>
+  </dgm:styleLbl>
+  <dgm:styleLbl name="parChTrans1D2">
+    <dgm:fillClrLst meth="repeat">
+      <a:schemeClr val="dk1"/>
+    </dgm:fillClrLst>
+    <dgm:linClrLst meth="repeat">
+      <a:schemeClr val="dk1">
+        <a:shade val="60000"/>
+      </a:schemeClr>
+    </dgm:linClrLst>
+    <dgm:effectClrLst/>
+    <dgm:txLinClrLst/>
+    <dgm:txFillClrLst meth="repeat">
+      <a:schemeClr val="tx1"/>
+    </dgm:txFillClrLst>
+    <dgm:txEffectClrLst/>
+  </dgm:styleLbl>
+  <dgm:styleLbl name="parChTrans1D3">
+    <dgm:fillClrLst meth="repeat">
+      <a:schemeClr val="dk1"/>
+    </dgm:fillClrLst>
+    <dgm:linClrLst meth="repeat">
+      <a:schemeClr val="dk1">
+        <a:shade val="80000"/>
+      </a:schemeClr>
+    </dgm:linClrLst>
+    <dgm:effectClrLst/>
+    <dgm:txLinClrLst/>
+    <dgm:txFillClrLst meth="repeat">
+      <a:schemeClr val="tx1"/>
+    </dgm:txFillClrLst>
+    <dgm:txEffectClrLst/>
+  </dgm:styleLbl>
+  <dgm:styleLbl name="parChTrans1D4">
+    <dgm:fillClrLst meth="repeat">
+      <a:schemeClr val="dk1"/>
+    </dgm:fillClrLst>
+    <dgm:linClrLst meth="repeat">
+      <a:schemeClr val="dk1">
+        <a:shade val="80000"/>
+      </a:schemeClr>
+    </dgm:linClrLst>
+    <dgm:effectClrLst/>
+    <dgm:txLinClrLst/>
+    <dgm:txFillClrLst meth="repeat">
+      <a:schemeClr val="tx1"/>
+    </dgm:txFillClrLst>
+    <dgm:txEffectClrLst/>
+  </dgm:styleLbl>
+  <dgm:styleLbl name="fgAcc1">
+    <dgm:fillClrLst meth="repeat">
+      <a:schemeClr val="dk1">
+        <a:alpha val="90000"/>
+        <a:tint val="40000"/>
+      </a:schemeClr>
+    </dgm:fillClrLst>
+    <dgm:linClrLst meth="repeat">
+      <a:schemeClr val="dk1"/>
+    </dgm:linClrLst>
+    <dgm:effectClrLst/>
+    <dgm:txLinClrLst/>
+    <dgm:txFillClrLst meth="repeat">
+      <a:schemeClr val="dk1"/>
+    </dgm:txFillClrLst>
+    <dgm:txEffectClrLst/>
+  </dgm:styleLbl>
+  <dgm:styleLbl name="conFgAcc1">
+    <dgm:fillClrLst meth="repeat">
+      <a:schemeClr val="dk1">
+        <a:alpha val="90000"/>
+        <a:tint val="40000"/>
+      </a:schemeClr>
+    </dgm:fillClrLst>
+    <dgm:linClrLst meth="repeat">
+      <a:schemeClr val="dk1"/>
+    </dgm:linClrLst>
+    <dgm:effectClrLst/>
+    <dgm:txLinClrLst/>
+    <dgm:txFillClrLst meth="repeat">
+      <a:schemeClr val="dk1"/>
+    </dgm:txFillClrLst>
+    <dgm:txEffectClrLst/>
+  </dgm:styleLbl>
+  <dgm:styleLbl name="alignAcc1">
+    <dgm:fillClrLst meth="repeat">
+      <a:schemeClr val="dk1">
+        <a:alpha val="90000"/>
+        <a:tint val="40000"/>
+      </a:schemeClr>
+    </dgm:fillClrLst>
+    <dgm:linClrLst meth="repeat">
+      <a:schemeClr val="dk1"/>
+    </dgm:linClrLst>
+    <dgm:effectClrLst/>
+    <dgm:txLinClrLst/>
+    <dgm:txFillClrLst meth="repeat">
+      <a:schemeClr val="dk1"/>
+    </dgm:txFillClrLst>
+    <dgm:txEffectClrLst/>
+  </dgm:styleLbl>
+  <dgm:styleLbl name="trAlignAcc1">
+    <dgm:fillClrLst meth="repeat">
+      <a:schemeClr val="dk1">
+        <a:alpha val="40000"/>
+        <a:tint val="40000"/>
+      </a:schemeClr>
+    </dgm:fillClrLst>
+    <dgm:linClrLst meth="repeat">
+      <a:schemeClr val="dk1"/>
+    </dgm:linClrLst>
+    <dgm:effectClrLst/>
+    <dgm:txLinClrLst/>
+    <dgm:txFillClrLst meth="repeat">
+      <a:schemeClr val="dk1"/>
+    </dgm:txFillClrLst>
+    <dgm:txEffectClrLst/>
+  </dgm:styleLbl>
+  <dgm:styleLbl name="bgAcc1">
+    <dgm:fillClrLst meth="repeat">
+      <a:schemeClr val="dk1">
+        <a:alpha val="90000"/>
+        <a:tint val="40000"/>
+      </a:schemeClr>
+    </dgm:fillClrLst>
+    <dgm:linClrLst meth="repeat">
+      <a:schemeClr val="dk1"/>
+    </dgm:linClrLst>
+    <dgm:effectClrLst/>
+    <dgm:txLinClrLst/>
+    <dgm:txFillClrLst meth="repeat">
+      <a:schemeClr val="dk1"/>
+    </dgm:txFillClrLst>
+    <dgm:txEffectClrLst/>
+  </dgm:styleLbl>
+  <dgm:styleLbl name="solidFgAcc1">
+    <dgm:fillClrLst meth="repeat">
+      <a:schemeClr val="lt1"/>
+    </dgm:fillClrLst>
+    <dgm:linClrLst meth="repeat">
+      <a:schemeClr val="dk1"/>
+    </dgm:linClrLst>
+    <dgm:effectClrLst/>
+    <dgm:txLinClrLst/>
+    <dgm:txFillClrLst meth="repeat">
+      <a:schemeClr val="dk1"/>
+    </dgm:txFillClrLst>
+    <dgm:txEffectClrLst/>
+  </dgm:styleLbl>
+  <dgm:styleLbl name="solidAlignAcc1">
+    <dgm:fillClrLst meth="repeat">
+      <a:schemeClr val="lt1"/>
+    </dgm:fillClrLst>
+    <dgm:linClrLst meth="repeat">
+      <a:schemeClr val="dk1"/>
+    </dgm:linClrLst>
+    <dgm:effectClrLst/>
+    <dgm:txLinClrLst/>
+    <dgm:txFillClrLst meth="repeat">
+      <a:schemeClr val="dk1"/>
+    </dgm:txFillClrLst>
+    <dgm:txEffectClrLst/>
+  </dgm:styleLbl>
+  <dgm:styleLbl name="solidBgAcc1">
+    <dgm:fillClrLst meth="repeat">
+      <a:schemeClr val="lt1"/>
+    </dgm:fillClrLst>
+    <dgm:linClrLst meth="repeat">
+      <a:schemeClr val="dk1"/>
+    </dgm:linClrLst>
+    <dgm:effectClrLst/>
+    <dgm:txLinClrLst/>
+    <dgm:txFillClrLst meth="repeat">
+      <a:schemeClr val="dk1"/>
+    </dgm:txFillClrLst>
+    <dgm:txEffectClrLst/>
+  </dgm:styleLbl>
+  <dgm:styleLbl name="fgAccFollowNode1">
+    <dgm:fillClrLst meth="repeat">
+      <a:schemeClr val="lt1">
+        <a:alpha val="90000"/>
+        <a:tint val="40000"/>
+      </a:schemeClr>
+    </dgm:fillClrLst>
+    <dgm:linClrLst meth="repeat">
+      <a:schemeClr val="dk1">
+        <a:alpha val="90000"/>
+      </a:schemeClr>
+    </dgm:linClrLst>
+    <dgm:effectClrLst/>
+    <dgm:txLinClrLst/>
+    <dgm:txFillClrLst meth="repeat">
+      <a:schemeClr val="dk1"/>
+    </dgm:txFillClrLst>
+    <dgm:txEffectClrLst/>
+  </dgm:styleLbl>
+  <dgm:styleLbl name="alignAccFollowNode1">
+    <dgm:fillClrLst meth="repeat">
+      <a:schemeClr val="lt1">
+        <a:alpha val="90000"/>
+        <a:tint val="40000"/>
+      </a:schemeClr>
+    </dgm:fillClrLst>
+    <dgm:linClrLst meth="repeat">
+      <a:schemeClr val="dk1">
+        <a:alpha val="90000"/>
+      </a:schemeClr>
+    </dgm:linClrLst>
+    <dgm:effectClrLst/>
+    <dgm:txLinClrLst/>
+    <dgm:txFillClrLst meth="repeat">
+      <a:schemeClr val="dk1"/>
+    </dgm:txFillClrLst>
+    <dgm:txEffectClrLst/>
+  </dgm:styleLbl>
+  <dgm:styleLbl name="bgAccFollowNode1">
+    <dgm:fillClrLst meth="repeat">
+      <a:schemeClr val="lt1">
+        <a:alpha val="90000"/>
+        <a:tint val="40000"/>
+      </a:schemeClr>
+    </dgm:fillClrLst>
+    <dgm:linClrLst meth="repeat">
+      <a:schemeClr val="dk1">
+        <a:alpha val="90000"/>
+      </a:schemeClr>
+    </dgm:linClrLst>
+    <dgm:effectClrLst/>
+    <dgm:txLinClrLst/>
+    <dgm:txFillClrLst meth="repeat">
+      <a:schemeClr val="dk1"/>
+    </dgm:txFillClrLst>
+    <dgm:txEffectClrLst/>
+  </dgm:styleLbl>
+  <dgm:styleLbl name="fgAcc0">
+    <dgm:fillClrLst meth="repeat">
+      <a:schemeClr val="dk1">
+        <a:alpha val="90000"/>
+        <a:tint val="40000"/>
+      </a:schemeClr>
+    </dgm:fillClrLst>
+    <dgm:linClrLst meth="repeat">
+      <a:schemeClr val="dk1"/>
+    </dgm:linClrLst>
+    <dgm:effectClrLst/>
+    <dgm:txLinClrLst/>
+    <dgm:txFillClrLst meth="repeat">
+      <a:schemeClr val="dk1"/>
+    </dgm:txFillClrLst>
+    <dgm:txEffectClrLst/>
+  </dgm:styleLbl>
+  <dgm:styleLbl name="fgAcc2">
+    <dgm:fillClrLst meth="repeat">
+      <a:schemeClr val="dk1">
+        <a:alpha val="90000"/>
+        <a:tint val="40000"/>
+      </a:schemeClr>
+    </dgm:fillClrLst>
+    <dgm:linClrLst meth="repeat">
+      <a:schemeClr val="dk1"/>
+    </dgm:linClrLst>
+    <dgm:effectClrLst/>
+    <dgm:txLinClrLst/>
+    <dgm:txFillClrLst meth="repeat">
+      <a:schemeClr val="dk1"/>
+    </dgm:txFillClrLst>
+    <dgm:txEffectClrLst/>
+  </dgm:styleLbl>
+  <dgm:styleLbl name="fgAcc3">
+    <dgm:fillClrLst meth="repeat">
+      <a:schemeClr val="dk1">
+        <a:alpha val="90000"/>
+        <a:tint val="40000"/>
+      </a:schemeClr>
+    </dgm:fillClrLst>
+    <dgm:linClrLst meth="repeat">
+      <a:schemeClr val="dk1"/>
+    </dgm:linClrLst>
+    <dgm:effectClrLst/>
+    <dgm:txLinClrLst/>
+    <dgm:txFillClrLst meth="repeat">
+      <a:schemeClr val="dk1"/>
+    </dgm:txFillClrLst>
+    <dgm:txEffectClrLst/>
+  </dgm:styleLbl>
+  <dgm:styleLbl name="fgAcc4">
+    <dgm:fillClrLst meth="repeat">
+      <a:schemeClr val="dk1">
+        <a:alpha val="90000"/>
+        <a:tint val="40000"/>
+      </a:schemeClr>
+    </dgm:fillClrLst>
+    <dgm:linClrLst meth="repeat">
+      <a:schemeClr val="dk1"/>
+    </dgm:linClrLst>
+    <dgm:effectClrLst/>
+    <dgm:txLinClrLst/>
+    <dgm:txFillClrLst meth="repeat">
+      <a:schemeClr val="dk1"/>
+    </dgm:txFillClrLst>
+    <dgm:txEffectClrLst/>
+  </dgm:styleLbl>
+  <dgm:styleLbl name="bgShp">
+    <dgm:fillClrLst meth="repeat">
+      <a:schemeClr val="dk1">
+        <a:tint val="40000"/>
+      </a:schemeClr>
+    </dgm:fillClrLst>
+    <dgm:linClrLst meth="repeat">
+      <a:schemeClr val="dk1"/>
+    </dgm:linClrLst>
+    <dgm:effectClrLst/>
+    <dgm:txLinClrLst/>
+    <dgm:txFillClrLst meth="repeat">
+      <a:schemeClr val="dk1"/>
+    </dgm:txFillClrLst>
+    <dgm:txEffectClrLst/>
+  </dgm:styleLbl>
+  <dgm:styleLbl name="dkBgShp">
+    <dgm:fillClrLst meth="repeat">
+      <a:schemeClr val="dk1">
+        <a:shade val="80000"/>
+      </a:schemeClr>
+    </dgm:fillClrLst>
+    <dgm:linClrLst meth="repeat">
+      <a:schemeClr val="dk1"/>
+    </dgm:linClrLst>
+    <dgm:effectClrLst/>
+    <dgm:txLinClrLst/>
+    <dgm:txFillClrLst meth="repeat">
+      <a:schemeClr val="lt1"/>
+    </dgm:txFillClrLst>
+    <dgm:txEffectClrLst/>
+  </dgm:styleLbl>
+  <dgm:styleLbl name="trBgShp">
+    <dgm:fillClrLst meth="repeat">
+      <a:schemeClr val="dk1">
+        <a:tint val="50000"/>
+        <a:alpha val="40000"/>
+      </a:schemeClr>
+    </dgm:fillClrLst>
+    <dgm:linClrLst meth="repeat">
+      <a:schemeClr val="dk1"/>
+    </dgm:linClrLst>
+    <dgm:effectClrLst/>
+    <dgm:txLinClrLst/>
+    <dgm:txFillClrLst meth="repeat">
+      <a:schemeClr val="lt1"/>
+    </dgm:txFillClrLst>
+    <dgm:txEffectClrLst/>
+  </dgm:styleLbl>
+  <dgm:styleLbl name="fgShp">
+    <dgm:fillClrLst meth="repeat">
+      <a:schemeClr val="dk1">
+        <a:tint val="60000"/>
       </a:schemeClr>
     </dgm:fillClrLst>
     <dgm:linClrLst meth="repeat">
@@ -6116,23 +6927,7 @@
               <a:latin typeface="Times New Roman" pitchFamily="18" charset="0"/>
               <a:cs typeface="Times New Roman" pitchFamily="18" charset="0"/>
             </a:rPr>
-            <a:t>Scripts et </a:t>
-          </a:r>
-          <a:r>
-            <a:rPr lang="fr-FR" sz="2000" b="0" i="0" dirty="0" smtClean="0">
-              <a:effectLst/>
-              <a:latin typeface="Times New Roman" pitchFamily="18" charset="0"/>
-              <a:cs typeface="Times New Roman" pitchFamily="18" charset="0"/>
-            </a:rPr>
-            <a:t>insertion des </a:t>
-          </a:r>
-          <a:r>
-            <a:rPr lang="fr-FR" sz="2000" b="0" i="0" dirty="0" smtClean="0">
-              <a:effectLst/>
-              <a:latin typeface="Times New Roman" pitchFamily="18" charset="0"/>
-              <a:cs typeface="Times New Roman" pitchFamily="18" charset="0"/>
-            </a:rPr>
-            <a:t>données</a:t>
+            <a:t>Scripts et insertion des données</a:t>
           </a:r>
           <a:endParaRPr lang="fr-FR" sz="2000" b="1" i="1" dirty="0" smtClean="0">
             <a:effectLst>
@@ -6282,15 +7077,7 @@
               <a:latin typeface="Times New Roman" pitchFamily="18" charset="0"/>
               <a:cs typeface="Times New Roman" pitchFamily="18" charset="0"/>
             </a:rPr>
-            <a:t>Base de données </a:t>
-          </a:r>
-          <a:r>
-            <a:rPr lang="fr-FR" sz="2000" b="0" i="0" dirty="0" smtClean="0">
-              <a:effectLst/>
-              <a:latin typeface="Times New Roman" pitchFamily="18" charset="0"/>
-              <a:cs typeface="Times New Roman" pitchFamily="18" charset="0"/>
-            </a:rPr>
-            <a:t>(arborescence, classification)</a:t>
+            <a:t>Base de données (arborescence, classification)</a:t>
           </a:r>
           <a:endParaRPr lang="fr-FR" sz="2000" b="0" i="0" dirty="0">
             <a:effectLst/>
@@ -6388,7 +7175,7 @@
               <a:latin typeface="Times New Roman" pitchFamily="18" charset="0"/>
               <a:cs typeface="Times New Roman" pitchFamily="18" charset="0"/>
             </a:rPr>
-            <a:t>Optimisation futures</a:t>
+            <a:t>Difficultés et optimisations</a:t>
           </a:r>
           <a:endParaRPr lang="fr-FR" sz="2000" b="1" i="1" dirty="0" smtClean="0">
             <a:effectLst>
@@ -6896,6 +7683,74 @@
         </a:p>
       </dgm:t>
     </dgm:pt>
+    <dgm:pt modelId="{250DDC81-30C6-42DE-BDB1-5DCDF309578D}">
+      <dgm:prSet phldrT="[Texte]" custT="1"/>
+      <dgm:spPr/>
+      <dgm:t>
+        <a:bodyPr/>
+        <a:lstStyle/>
+        <a:p>
+          <a:pPr algn="l"/>
+          <a:r>
+            <a:rPr lang="fr-FR" sz="2000" b="0" i="0" dirty="0" smtClean="0">
+              <a:effectLst/>
+              <a:latin typeface="Times New Roman" pitchFamily="18" charset="0"/>
+              <a:cs typeface="Times New Roman" pitchFamily="18" charset="0"/>
+            </a:rPr>
+            <a:t>Questions / Réponses</a:t>
+          </a:r>
+          <a:endParaRPr lang="fr-FR" sz="2000" b="1" i="1" dirty="0" smtClean="0">
+            <a:effectLst>
+              <a:outerShdw blurRad="38100" dist="38100" dir="2700000" algn="tl">
+                <a:srgbClr val="000000">
+                  <a:alpha val="43137"/>
+                </a:srgbClr>
+              </a:outerShdw>
+            </a:effectLst>
+            <a:latin typeface="Times New Roman" pitchFamily="18" charset="0"/>
+            <a:cs typeface="Times New Roman" pitchFamily="18" charset="0"/>
+          </a:endParaRPr>
+        </a:p>
+      </dgm:t>
+    </dgm:pt>
+    <dgm:pt modelId="{42337676-36A3-4B6F-A538-EBE1A66F409F}" type="parTrans" cxnId="{9F07F969-CD7F-4CF7-BF0E-968D8154E87A}">
+      <dgm:prSet/>
+      <dgm:spPr/>
+    </dgm:pt>
+    <dgm:pt modelId="{C675765B-F074-4432-9927-07E77871C01C}" type="sibTrans" cxnId="{9F07F969-CD7F-4CF7-BF0E-968D8154E87A}">
+      <dgm:prSet/>
+      <dgm:spPr/>
+    </dgm:pt>
+    <dgm:pt modelId="{E8EB499E-00D1-4FB1-842F-0086E1830402}">
+      <dgm:prSet phldrT="[Texte]" custT="1"/>
+      <dgm:spPr/>
+      <dgm:t>
+        <a:bodyPr/>
+        <a:lstStyle/>
+        <a:p>
+          <a:pPr algn="l"/>
+          <a:endParaRPr lang="fr-FR" sz="2000" b="1" i="1" dirty="0" smtClean="0">
+            <a:effectLst>
+              <a:outerShdw blurRad="38100" dist="38100" dir="2700000" algn="tl">
+                <a:srgbClr val="000000">
+                  <a:alpha val="43137"/>
+                </a:srgbClr>
+              </a:outerShdw>
+            </a:effectLst>
+            <a:latin typeface="Times New Roman" pitchFamily="18" charset="0"/>
+            <a:cs typeface="Times New Roman" pitchFamily="18" charset="0"/>
+          </a:endParaRPr>
+        </a:p>
+      </dgm:t>
+    </dgm:pt>
+    <dgm:pt modelId="{0035171F-73A7-4073-A995-D1B68A512813}" type="parTrans" cxnId="{A08DCFD2-9AB8-48D1-918D-D29F1879BF21}">
+      <dgm:prSet/>
+      <dgm:spPr/>
+    </dgm:pt>
+    <dgm:pt modelId="{2CD1B00B-931B-43FB-9F9C-D3F897232000}" type="sibTrans" cxnId="{A08DCFD2-9AB8-48D1-918D-D29F1879BF21}">
+      <dgm:prSet/>
+      <dgm:spPr/>
+    </dgm:pt>
     <dgm:pt modelId="{C874069A-6BB3-4018-B72C-47F37400C865}" type="pres">
       <dgm:prSet presAssocID="{B85875FE-4B19-4BF4-B83F-C5897E2A794C}" presName="composite" presStyleCnt="0">
         <dgm:presLayoutVars>
@@ -7010,6 +7865,7 @@
   <dgm:cxnLst>
     <dgm:cxn modelId="{55EBF565-D31D-4C2D-83ED-618974EA8F56}" type="presOf" srcId="{1493EC73-AB00-4ABD-8CB2-59E36D55DD2C}" destId="{37ECAD2B-94C0-4B39-B975-CEE0E3D06B7C}" srcOrd="0" destOrd="1" presId="urn:microsoft.com/office/officeart/2005/8/layout/hList3"/>
     <dgm:cxn modelId="{59D469DC-69DD-4E08-8DC2-94B45BA7D5E7}" type="presOf" srcId="{5D67343D-5406-47E1-807C-1A6FB217DFDD}" destId="{31B6F40F-C383-4663-BBDB-30ECD549C2A9}" srcOrd="0" destOrd="1" presId="urn:microsoft.com/office/officeart/2005/8/layout/hList3"/>
+    <dgm:cxn modelId="{9F07F969-CD7F-4CF7-BF0E-968D8154E87A}" srcId="{03442614-6379-4D7A-85E4-02307CCA20AF}" destId="{250DDC81-30C6-42DE-BDB1-5DCDF309578D}" srcOrd="5" destOrd="0" parTransId="{42337676-36A3-4B6F-A538-EBE1A66F409F}" sibTransId="{C675765B-F074-4432-9927-07E77871C01C}"/>
     <dgm:cxn modelId="{AC19D9A6-F64B-4310-9B77-E3D6D2A38275}" type="presOf" srcId="{A2E6FE7A-87C8-4A6C-BAD9-38DDAA1E5C2B}" destId="{6A3BDFB1-5AF2-48D4-B58A-DB63768EB872}" srcOrd="0" destOrd="1" presId="urn:microsoft.com/office/officeart/2005/8/layout/hList3"/>
     <dgm:cxn modelId="{0EBB6852-1558-41C9-BEFD-5399622309F9}" type="presOf" srcId="{3FD6566B-033A-42E7-9CFB-79A0C38CE0B2}" destId="{31B6F40F-C383-4663-BBDB-30ECD549C2A9}" srcOrd="0" destOrd="3" presId="urn:microsoft.com/office/officeart/2005/8/layout/hList3"/>
     <dgm:cxn modelId="{4DA73056-8D58-4C44-B191-651B39994A21}" srcId="{515D84E1-4E68-4AA5-A897-9655B7BD8E0B}" destId="{DD0C413A-6072-4120-BEB0-1F9B94BF2C5D}" srcOrd="1" destOrd="0" parTransId="{371AB29F-4A9E-4E16-B03A-5F97B9611722}" sibTransId="{77C62EA8-5C10-4FFB-B6C0-943524650E95}"/>
@@ -7018,16 +7874,19 @@
     <dgm:cxn modelId="{4D2D7BCB-1906-4AC7-8C8D-96916BAB35D2}" type="presOf" srcId="{BD4F6BE9-A8EF-48E1-A24F-28517379BC64}" destId="{6A3BDFB1-5AF2-48D4-B58A-DB63768EB872}" srcOrd="0" destOrd="2" presId="urn:microsoft.com/office/officeart/2005/8/layout/hList3"/>
     <dgm:cxn modelId="{266ABADF-4C1E-46B2-9DF8-C3B1256C14B9}" type="presOf" srcId="{4CB1EC1A-2B01-43E1-B003-403459D685F5}" destId="{6A3BDFB1-5AF2-48D4-B58A-DB63768EB872}" srcOrd="0" destOrd="4" presId="urn:microsoft.com/office/officeart/2005/8/layout/hList3"/>
     <dgm:cxn modelId="{6DC4C5C6-5BBE-4BB8-8AD2-30BF79E4F0D7}" srcId="{8074303C-C72C-4F0C-8255-5D14193415AB}" destId="{3FD6566B-033A-42E7-9CFB-79A0C38CE0B2}" srcOrd="2" destOrd="0" parTransId="{9F6E1CED-08A9-4AA7-BB16-4CD702CA1BBE}" sibTransId="{EB307A27-FC1C-44C0-ABC9-EF1274BCA801}"/>
+    <dgm:cxn modelId="{202029DD-B883-43F2-ADC7-8C9030585F8B}" type="presOf" srcId="{250DDC81-30C6-42DE-BDB1-5DCDF309578D}" destId="{6A3BDFB1-5AF2-48D4-B58A-DB63768EB872}" srcOrd="0" destOrd="6" presId="urn:microsoft.com/office/officeart/2005/8/layout/hList3"/>
     <dgm:cxn modelId="{05F2EE54-F25E-4000-8177-BDDA4C8AB7BC}" srcId="{DD0C413A-6072-4120-BEB0-1F9B94BF2C5D}" destId="{876FA8C1-9236-489E-8EA8-8D196D90EDC2}" srcOrd="1" destOrd="0" parTransId="{53474CA7-2AEB-4D6B-ACCE-F8C03C630669}" sibTransId="{743893C0-64AE-45A9-9ED3-548F34AEE7A4}"/>
     <dgm:cxn modelId="{95CBF3CF-D3C7-4434-8042-203D559285D3}" type="presOf" srcId="{D0B8056A-0D3F-4A6C-BC22-2059ABDE2C77}" destId="{37ECAD2B-94C0-4B39-B975-CEE0E3D06B7C}" srcOrd="0" destOrd="0" presId="urn:microsoft.com/office/officeart/2005/8/layout/hList3"/>
     <dgm:cxn modelId="{5CA2C3BF-7280-4E22-A62D-5E6B11980866}" type="presOf" srcId="{876FA8C1-9236-489E-8EA8-8D196D90EDC2}" destId="{4E61A785-689E-4FB4-84C7-D72FFCFAF2EE}" srcOrd="0" destOrd="2" presId="urn:microsoft.com/office/officeart/2005/8/layout/hList3"/>
     <dgm:cxn modelId="{230FB79A-89D0-443A-B137-7FA2BC38C044}" srcId="{03442614-6379-4D7A-85E4-02307CCA20AF}" destId="{BD4F6BE9-A8EF-48E1-A24F-28517379BC64}" srcOrd="1" destOrd="0" parTransId="{EF33CE4F-4334-417F-9833-9DB6D312D68B}" sibTransId="{F0295177-8FF4-475B-843F-DFEA23F248ED}"/>
     <dgm:cxn modelId="{FBF0E1EB-20C5-4B75-9143-C71FAFB1D7D1}" type="presOf" srcId="{10F6EE44-B734-4772-B5AD-8AABE171692B}" destId="{31B6F40F-C383-4663-BBDB-30ECD549C2A9}" srcOrd="0" destOrd="4" presId="urn:microsoft.com/office/officeart/2005/8/layout/hList3"/>
     <dgm:cxn modelId="{58B7D7EC-4EBD-4D1C-919C-1E9D8D1D214E}" type="presOf" srcId="{85014891-7756-4E6C-A458-E05BAFD0AB5C}" destId="{37ECAD2B-94C0-4B39-B975-CEE0E3D06B7C}" srcOrd="0" destOrd="4" presId="urn:microsoft.com/office/officeart/2005/8/layout/hList3"/>
+    <dgm:cxn modelId="{A08DCFD2-9AB8-48D1-918D-D29F1879BF21}" srcId="{03442614-6379-4D7A-85E4-02307CCA20AF}" destId="{E8EB499E-00D1-4FB1-842F-0086E1830402}" srcOrd="4" destOrd="0" parTransId="{0035171F-73A7-4073-A995-D1B68A512813}" sibTransId="{2CD1B00B-931B-43FB-9F9C-D3F897232000}"/>
     <dgm:cxn modelId="{22F46649-E00B-4EF6-AFFB-55C48F68D27A}" type="presOf" srcId="{EF696C50-067B-443F-94D5-85CC123A5DAC}" destId="{4E61A785-689E-4FB4-84C7-D72FFCFAF2EE}" srcOrd="0" destOrd="4" presId="urn:microsoft.com/office/officeart/2005/8/layout/hList3"/>
     <dgm:cxn modelId="{9EABD09D-45BC-46B8-B7A0-40C818E6B859}" type="presOf" srcId="{41E8AD08-861A-4DB9-84D0-5FC7E82C0280}" destId="{6A3BDFB1-5AF2-48D4-B58A-DB63768EB872}" srcOrd="0" destOrd="3" presId="urn:microsoft.com/office/officeart/2005/8/layout/hList3"/>
     <dgm:cxn modelId="{243A858C-F2D1-41AF-8FF5-5C63455BC398}" srcId="{03442614-6379-4D7A-85E4-02307CCA20AF}" destId="{A2E6FE7A-87C8-4A6C-BAD9-38DDAA1E5C2B}" srcOrd="0" destOrd="0" parTransId="{870283D9-92CA-4656-81D8-2C9A34BFC41C}" sibTransId="{CEAD23B1-47DA-47EE-81E1-1A8976F1BF39}"/>
     <dgm:cxn modelId="{0D9A7C5E-E601-4CCE-83D7-E8A9138336C0}" type="presOf" srcId="{B85875FE-4B19-4BF4-B83F-C5897E2A794C}" destId="{C874069A-6BB3-4018-B72C-47F37400C865}" srcOrd="0" destOrd="0" presId="urn:microsoft.com/office/officeart/2005/8/layout/hList3"/>
+    <dgm:cxn modelId="{0BBE80BD-3116-4E33-B66F-D9394AC58C30}" type="presOf" srcId="{E8EB499E-00D1-4FB1-842F-0086E1830402}" destId="{6A3BDFB1-5AF2-48D4-B58A-DB63768EB872}" srcOrd="0" destOrd="5" presId="urn:microsoft.com/office/officeart/2005/8/layout/hList3"/>
     <dgm:cxn modelId="{BA05327B-7573-408D-8A18-2331EE8A8C0E}" srcId="{515D84E1-4E68-4AA5-A897-9655B7BD8E0B}" destId="{03442614-6379-4D7A-85E4-02307CCA20AF}" srcOrd="3" destOrd="0" parTransId="{A368C3D0-490A-4EC8-8AA5-F4E879E01017}" sibTransId="{B6FC52AF-D048-4383-ACC4-EAE0664C2EF7}"/>
     <dgm:cxn modelId="{36F89DEF-68D5-4782-89EA-4DB38304E004}" srcId="{D0B8056A-0D3F-4A6C-BC22-2059ABDE2C77}" destId="{1493EC73-AB00-4ABD-8CB2-59E36D55DD2C}" srcOrd="0" destOrd="0" parTransId="{16B504E4-E117-4AE7-8BEF-60F26F802C78}" sibTransId="{7D87E38E-1A27-4041-A72E-9AFFF785B456}"/>
     <dgm:cxn modelId="{41209C64-68F9-42CF-9A8C-E5FEF5CB9D3B}" srcId="{03442614-6379-4D7A-85E4-02307CCA20AF}" destId="{41E8AD08-861A-4DB9-84D0-5FC7E82C0280}" srcOrd="2" destOrd="0" parTransId="{E245CB44-166A-4717-A6A3-F1D4F0B598FF}" sibTransId="{1F3C6266-5403-45E6-9F7B-9BB3EBE48772}"/>
@@ -7729,8 +8588,8 @@
     <dgm:cxn modelId="{3477D256-A8BD-4694-83FF-F36F42F3D469}" type="presOf" srcId="{23B6A08A-8A6B-488B-99DD-BCAD01BDBD3E}" destId="{A5EEC333-4F57-45ED-90BD-91337368C74A}" srcOrd="0" destOrd="1" presId="urn:microsoft.com/office/officeart/2005/8/layout/vList6"/>
     <dgm:cxn modelId="{A0FD978F-FCAB-4715-BDC1-5C1BD591BA24}" srcId="{758BEA10-854D-493E-A12F-499E6F5FFC0F}" destId="{23B6A08A-8A6B-488B-99DD-BCAD01BDBD3E}" srcOrd="0" destOrd="0" parTransId="{5AE7147B-E438-4791-A5E1-217BBB4F55F1}" sibTransId="{BAB2C6FF-398A-4FFD-8107-0990B51E46DC}"/>
     <dgm:cxn modelId="{FDC2748C-A2ED-4B46-BDA4-898E09DD7980}" type="presOf" srcId="{04E15DB9-D1C7-4135-BD22-300CBFEFE8C2}" destId="{A5EEC333-4F57-45ED-90BD-91337368C74A}" srcOrd="0" destOrd="2" presId="urn:microsoft.com/office/officeart/2005/8/layout/vList6"/>
+    <dgm:cxn modelId="{F0546EFC-A28D-438F-A7C3-713F10019DA0}" type="presOf" srcId="{72BAF60F-68F9-4B8F-BDDD-F359D872F248}" destId="{230845A9-B4C0-4C14-B05D-84061B62626C}" srcOrd="0" destOrd="0" presId="urn:microsoft.com/office/officeart/2005/8/layout/vList6"/>
     <dgm:cxn modelId="{05311E3E-C672-4E97-8959-E9F5C137B166}" type="presOf" srcId="{758BEA10-854D-493E-A12F-499E6F5FFC0F}" destId="{A5EEC333-4F57-45ED-90BD-91337368C74A}" srcOrd="0" destOrd="0" presId="urn:microsoft.com/office/officeart/2005/8/layout/vList6"/>
-    <dgm:cxn modelId="{F0546EFC-A28D-438F-A7C3-713F10019DA0}" type="presOf" srcId="{72BAF60F-68F9-4B8F-BDDD-F359D872F248}" destId="{230845A9-B4C0-4C14-B05D-84061B62626C}" srcOrd="0" destOrd="0" presId="urn:microsoft.com/office/officeart/2005/8/layout/vList6"/>
     <dgm:cxn modelId="{902B771A-74C6-43F7-9050-A236EE741F1C}" srcId="{758BEA10-854D-493E-A12F-499E6F5FFC0F}" destId="{C8FAA133-D510-4865-A819-E3BBE32ED765}" srcOrd="2" destOrd="0" parTransId="{B78DC5AE-B143-489F-B097-0904B5082CB0}" sibTransId="{E040D379-703E-47EC-9FDE-1A6A76D2A6DD}"/>
     <dgm:cxn modelId="{771BD19F-5887-4530-88FF-6495BB2DC17C}" srcId="{72BAF60F-68F9-4B8F-BDDD-F359D872F248}" destId="{C8038F3D-23D7-42F6-AB6A-9128C6C83DB0}" srcOrd="1" destOrd="0" parTransId="{5F95A32A-0CC5-476E-A0E5-145F02CF94C4}" sibTransId="{F8F9EBC6-6077-4483-BD8D-A7C21EAF57DC}"/>
     <dgm:cxn modelId="{F79DC5CE-D892-44AC-908D-F92F66E96B5B}" type="presOf" srcId="{35A8747A-F7AF-4D43-AB41-090962421331}" destId="{8AE28FBC-1AA2-4D5A-8B84-65CB3A1ED02E}" srcOrd="0" destOrd="0" presId="urn:microsoft.com/office/officeart/2005/8/layout/vList6"/>
@@ -9357,6 +10216,308 @@
 </dgm:dataModel>
 </file>
 
+<file path=ppt/diagrams/data8.xml><?xml version="1.0" encoding="utf-8"?>
+<dgm:dataModel xmlns:dgm="http://schemas.openxmlformats.org/drawingml/2006/diagram" xmlns:a="http://schemas.openxmlformats.org/drawingml/2006/main">
+  <dgm:ptLst>
+    <dgm:pt modelId="{098EE6AC-C2CE-4F9E-A9FD-3C64907B2FE9}" type="doc">
+      <dgm:prSet loTypeId="urn:microsoft.com/office/officeart/2005/8/layout/arrow2" loCatId="process" qsTypeId="urn:microsoft.com/office/officeart/2005/8/quickstyle/simple1" qsCatId="simple" csTypeId="urn:microsoft.com/office/officeart/2005/8/colors/accent0_1" csCatId="mainScheme" phldr="1"/>
+      <dgm:spPr/>
+    </dgm:pt>
+    <dgm:pt modelId="{D5949151-0910-47BF-A46D-3B9F5A48B26C}">
+      <dgm:prSet phldrT="[Texte]"/>
+      <dgm:spPr/>
+      <dgm:t>
+        <a:bodyPr/>
+        <a:lstStyle/>
+        <a:p>
+          <a:pPr algn="ctr"/>
+          <a:r>
+            <a:rPr lang="fr-FR" b="1" cap="none" spc="0" dirty="0" smtClean="0">
+              <a:ln w="50800"/>
+              <a:effectLst/>
+            </a:rPr>
+            <a:t>Très nombreuses possibilités avec le TAL </a:t>
+          </a:r>
+          <a:endParaRPr lang="fr-FR" b="1" cap="none" spc="0" dirty="0">
+            <a:ln w="50800"/>
+            <a:effectLst/>
+          </a:endParaRPr>
+        </a:p>
+      </dgm:t>
+    </dgm:pt>
+    <dgm:pt modelId="{EE73FD2C-96F8-43EE-9476-03F58B8F43CA}" type="parTrans" cxnId="{2349296E-4323-40D0-8935-7372DBD53188}">
+      <dgm:prSet/>
+      <dgm:spPr/>
+      <dgm:t>
+        <a:bodyPr/>
+        <a:lstStyle/>
+        <a:p>
+          <a:endParaRPr lang="fr-FR"/>
+        </a:p>
+      </dgm:t>
+    </dgm:pt>
+    <dgm:pt modelId="{7920FF1E-30D3-435D-AC1D-EA1155327622}" type="sibTrans" cxnId="{2349296E-4323-40D0-8935-7372DBD53188}">
+      <dgm:prSet/>
+      <dgm:spPr/>
+      <dgm:t>
+        <a:bodyPr/>
+        <a:lstStyle/>
+        <a:p>
+          <a:endParaRPr lang="fr-FR"/>
+        </a:p>
+      </dgm:t>
+    </dgm:pt>
+    <dgm:pt modelId="{040D10F7-7E6A-43CA-BA07-2D9628296D34}">
+      <dgm:prSet phldrT="[Texte]"/>
+      <dgm:spPr/>
+      <dgm:t>
+        <a:bodyPr/>
+        <a:lstStyle/>
+        <a:p>
+          <a:pPr algn="ctr"/>
+          <a:r>
+            <a:rPr lang="fr-FR" b="1" cap="none" spc="0" dirty="0" smtClean="0">
+              <a:ln w="50800"/>
+              <a:effectLst/>
+            </a:rPr>
+            <a:t>Gestion de projet et applications des méthodes apprises</a:t>
+          </a:r>
+          <a:endParaRPr lang="fr-FR" b="1" cap="none" spc="0" dirty="0" smtClean="0">
+            <a:ln w="50800"/>
+            <a:effectLst/>
+          </a:endParaRPr>
+        </a:p>
+      </dgm:t>
+    </dgm:pt>
+    <dgm:pt modelId="{4F97F703-5790-40D5-A5EB-546472CC0735}" type="parTrans" cxnId="{96ACFCD0-CDBB-4CFF-9092-BF6FF8E98B54}">
+      <dgm:prSet/>
+      <dgm:spPr/>
+      <dgm:t>
+        <a:bodyPr/>
+        <a:lstStyle/>
+        <a:p>
+          <a:endParaRPr lang="fr-FR"/>
+        </a:p>
+      </dgm:t>
+    </dgm:pt>
+    <dgm:pt modelId="{25D57272-1ADC-495F-A8B1-96AA14210B01}" type="sibTrans" cxnId="{96ACFCD0-CDBB-4CFF-9092-BF6FF8E98B54}">
+      <dgm:prSet/>
+      <dgm:spPr/>
+      <dgm:t>
+        <a:bodyPr/>
+        <a:lstStyle/>
+        <a:p>
+          <a:endParaRPr lang="fr-FR"/>
+        </a:p>
+      </dgm:t>
+    </dgm:pt>
+    <dgm:pt modelId="{3ECA0D95-C29D-4278-8047-C19A5E721C13}">
+      <dgm:prSet phldrT="[Texte]"/>
+      <dgm:spPr/>
+      <dgm:t>
+        <a:bodyPr/>
+        <a:lstStyle/>
+        <a:p>
+          <a:pPr algn="ctr"/>
+          <a:r>
+            <a:rPr lang="fr-FR" b="1" cap="none" spc="0" dirty="0" smtClean="0">
+              <a:ln w="50800"/>
+              <a:effectLst/>
+            </a:rPr>
+            <a:t>Bonne expérience et projet intéressant</a:t>
+          </a:r>
+          <a:endParaRPr lang="fr-FR" b="1" cap="none" spc="0" dirty="0">
+            <a:ln w="50800"/>
+            <a:effectLst/>
+          </a:endParaRPr>
+        </a:p>
+      </dgm:t>
+    </dgm:pt>
+    <dgm:pt modelId="{FEB4857E-EAC3-4ECA-947A-C7E77960AF4C}" type="parTrans" cxnId="{B67AFE28-D6FD-478E-A8EF-9B96DA93FF48}">
+      <dgm:prSet/>
+      <dgm:spPr/>
+      <dgm:t>
+        <a:bodyPr/>
+        <a:lstStyle/>
+        <a:p>
+          <a:endParaRPr lang="fr-FR"/>
+        </a:p>
+      </dgm:t>
+    </dgm:pt>
+    <dgm:pt modelId="{13DCD248-B053-4895-AF6F-61BD779620B6}" type="sibTrans" cxnId="{B67AFE28-D6FD-478E-A8EF-9B96DA93FF48}">
+      <dgm:prSet/>
+      <dgm:spPr/>
+      <dgm:t>
+        <a:bodyPr/>
+        <a:lstStyle/>
+        <a:p>
+          <a:endParaRPr lang="fr-FR"/>
+        </a:p>
+      </dgm:t>
+    </dgm:pt>
+    <dgm:pt modelId="{EEFF7A9D-8AB3-48FD-B259-38D69C5553FD}">
+      <dgm:prSet phldrT="[Texte]"/>
+      <dgm:spPr/>
+      <dgm:t>
+        <a:bodyPr/>
+        <a:lstStyle/>
+        <a:p>
+          <a:pPr algn="ctr"/>
+          <a:endParaRPr lang="fr-FR" b="1" cap="none" spc="0" dirty="0">
+            <a:ln w="50800"/>
+            <a:effectLst/>
+          </a:endParaRPr>
+        </a:p>
+      </dgm:t>
+    </dgm:pt>
+    <dgm:pt modelId="{5BA7E7F4-4279-48BF-8828-CD10CB737AB8}" type="parTrans" cxnId="{8490A41F-6150-411E-82F2-DAC1C7C96B94}">
+      <dgm:prSet/>
+      <dgm:spPr/>
+      <dgm:t>
+        <a:bodyPr/>
+        <a:lstStyle/>
+        <a:p>
+          <a:endParaRPr lang="fr-FR"/>
+        </a:p>
+      </dgm:t>
+    </dgm:pt>
+    <dgm:pt modelId="{006DDA0A-CEBE-41F1-BA36-3CAF020CCF06}" type="sibTrans" cxnId="{8490A41F-6150-411E-82F2-DAC1C7C96B94}">
+      <dgm:prSet/>
+      <dgm:spPr/>
+      <dgm:t>
+        <a:bodyPr/>
+        <a:lstStyle/>
+        <a:p>
+          <a:endParaRPr lang="fr-FR"/>
+        </a:p>
+      </dgm:t>
+    </dgm:pt>
+    <dgm:pt modelId="{B51E6C07-469F-4677-A821-F71F2671DA51}" type="pres">
+      <dgm:prSet presAssocID="{098EE6AC-C2CE-4F9E-A9FD-3C64907B2FE9}" presName="arrowDiagram" presStyleCnt="0">
+        <dgm:presLayoutVars>
+          <dgm:chMax val="5"/>
+          <dgm:dir/>
+          <dgm:resizeHandles val="exact"/>
+        </dgm:presLayoutVars>
+      </dgm:prSet>
+      <dgm:spPr/>
+    </dgm:pt>
+    <dgm:pt modelId="{DE9BB5CF-DA70-4209-A33B-F7B02E4462FA}" type="pres">
+      <dgm:prSet presAssocID="{098EE6AC-C2CE-4F9E-A9FD-3C64907B2FE9}" presName="arrow" presStyleLbl="bgShp" presStyleIdx="0" presStyleCnt="1" custScaleX="134782"/>
+      <dgm:spPr/>
+    </dgm:pt>
+    <dgm:pt modelId="{7A7C0ACA-3139-4850-9156-2B325B4B37A9}" type="pres">
+      <dgm:prSet presAssocID="{098EE6AC-C2CE-4F9E-A9FD-3C64907B2FE9}" presName="arrowDiagram4" presStyleCnt="0"/>
+      <dgm:spPr/>
+    </dgm:pt>
+    <dgm:pt modelId="{53600868-B03F-4398-9FD3-6E28ABDFDCFF}" type="pres">
+      <dgm:prSet presAssocID="{D5949151-0910-47BF-A46D-3B9F5A48B26C}" presName="bullet4a" presStyleLbl="node1" presStyleIdx="0" presStyleCnt="4"/>
+      <dgm:spPr/>
+    </dgm:pt>
+    <dgm:pt modelId="{A49D5F9B-3A19-4941-82A5-829827A7792C}" type="pres">
+      <dgm:prSet presAssocID="{D5949151-0910-47BF-A46D-3B9F5A48B26C}" presName="textBox4a" presStyleLbl="revTx" presStyleIdx="0" presStyleCnt="4">
+        <dgm:presLayoutVars>
+          <dgm:bulletEnabled val="1"/>
+        </dgm:presLayoutVars>
+      </dgm:prSet>
+      <dgm:spPr/>
+      <dgm:t>
+        <a:bodyPr/>
+        <a:lstStyle/>
+        <a:p>
+          <a:endParaRPr lang="fr-FR"/>
+        </a:p>
+      </dgm:t>
+    </dgm:pt>
+    <dgm:pt modelId="{2182B079-8537-483E-B15D-04DCA256F767}" type="pres">
+      <dgm:prSet presAssocID="{040D10F7-7E6A-43CA-BA07-2D9628296D34}" presName="bullet4b" presStyleLbl="node1" presStyleIdx="1" presStyleCnt="4"/>
+      <dgm:spPr/>
+    </dgm:pt>
+    <dgm:pt modelId="{51BA803F-379A-4CF5-B775-F9011077766B}" type="pres">
+      <dgm:prSet presAssocID="{040D10F7-7E6A-43CA-BA07-2D9628296D34}" presName="textBox4b" presStyleLbl="revTx" presStyleIdx="1" presStyleCnt="4">
+        <dgm:presLayoutVars>
+          <dgm:bulletEnabled val="1"/>
+        </dgm:presLayoutVars>
+      </dgm:prSet>
+      <dgm:spPr/>
+      <dgm:t>
+        <a:bodyPr/>
+        <a:lstStyle/>
+        <a:p>
+          <a:endParaRPr lang="fr-FR"/>
+        </a:p>
+      </dgm:t>
+    </dgm:pt>
+    <dgm:pt modelId="{57A5E769-A117-4DEB-A87A-B62FB634E1E4}" type="pres">
+      <dgm:prSet presAssocID="{3ECA0D95-C29D-4278-8047-C19A5E721C13}" presName="bullet4c" presStyleLbl="node1" presStyleIdx="2" presStyleCnt="4"/>
+      <dgm:spPr/>
+    </dgm:pt>
+    <dgm:pt modelId="{87B6E6CA-D00B-48CA-B1BB-57D6816B8AA3}" type="pres">
+      <dgm:prSet presAssocID="{3ECA0D95-C29D-4278-8047-C19A5E721C13}" presName="textBox4c" presStyleLbl="revTx" presStyleIdx="2" presStyleCnt="4">
+        <dgm:presLayoutVars>
+          <dgm:bulletEnabled val="1"/>
+        </dgm:presLayoutVars>
+      </dgm:prSet>
+      <dgm:spPr/>
+      <dgm:t>
+        <a:bodyPr/>
+        <a:lstStyle/>
+        <a:p>
+          <a:endParaRPr lang="fr-FR"/>
+        </a:p>
+      </dgm:t>
+    </dgm:pt>
+    <dgm:pt modelId="{ED8AA4DD-773E-4036-8344-F6E6EA209418}" type="pres">
+      <dgm:prSet presAssocID="{EEFF7A9D-8AB3-48FD-B259-38D69C5553FD}" presName="bullet4d" presStyleLbl="node1" presStyleIdx="3" presStyleCnt="4"/>
+      <dgm:spPr/>
+    </dgm:pt>
+    <dgm:pt modelId="{581B5264-1349-406E-A4C7-F974022EDCA9}" type="pres">
+      <dgm:prSet presAssocID="{EEFF7A9D-8AB3-48FD-B259-38D69C5553FD}" presName="textBox4d" presStyleLbl="revTx" presStyleIdx="3" presStyleCnt="4">
+        <dgm:presLayoutVars>
+          <dgm:bulletEnabled val="1"/>
+        </dgm:presLayoutVars>
+      </dgm:prSet>
+      <dgm:spPr/>
+      <dgm:t>
+        <a:bodyPr/>
+        <a:lstStyle/>
+        <a:p>
+          <a:endParaRPr lang="fr-FR"/>
+        </a:p>
+      </dgm:t>
+    </dgm:pt>
+  </dgm:ptLst>
+  <dgm:cxnLst>
+    <dgm:cxn modelId="{28C0F686-2FAF-474C-9B33-42EB953744E9}" type="presOf" srcId="{D5949151-0910-47BF-A46D-3B9F5A48B26C}" destId="{A49D5F9B-3A19-4941-82A5-829827A7792C}" srcOrd="0" destOrd="0" presId="urn:microsoft.com/office/officeart/2005/8/layout/arrow2"/>
+    <dgm:cxn modelId="{8490A41F-6150-411E-82F2-DAC1C7C96B94}" srcId="{098EE6AC-C2CE-4F9E-A9FD-3C64907B2FE9}" destId="{EEFF7A9D-8AB3-48FD-B259-38D69C5553FD}" srcOrd="3" destOrd="0" parTransId="{5BA7E7F4-4279-48BF-8828-CD10CB737AB8}" sibTransId="{006DDA0A-CEBE-41F1-BA36-3CAF020CCF06}"/>
+    <dgm:cxn modelId="{72AF5094-1829-43A5-89C6-7D5573C57F34}" type="presOf" srcId="{EEFF7A9D-8AB3-48FD-B259-38D69C5553FD}" destId="{581B5264-1349-406E-A4C7-F974022EDCA9}" srcOrd="0" destOrd="0" presId="urn:microsoft.com/office/officeart/2005/8/layout/arrow2"/>
+    <dgm:cxn modelId="{B67AFE28-D6FD-478E-A8EF-9B96DA93FF48}" srcId="{098EE6AC-C2CE-4F9E-A9FD-3C64907B2FE9}" destId="{3ECA0D95-C29D-4278-8047-C19A5E721C13}" srcOrd="2" destOrd="0" parTransId="{FEB4857E-EAC3-4ECA-947A-C7E77960AF4C}" sibTransId="{13DCD248-B053-4895-AF6F-61BD779620B6}"/>
+    <dgm:cxn modelId="{D37C0EBE-8775-4A61-BC58-4A10FC2EB375}" type="presOf" srcId="{098EE6AC-C2CE-4F9E-A9FD-3C64907B2FE9}" destId="{B51E6C07-469F-4677-A821-F71F2671DA51}" srcOrd="0" destOrd="0" presId="urn:microsoft.com/office/officeart/2005/8/layout/arrow2"/>
+    <dgm:cxn modelId="{96ACFCD0-CDBB-4CFF-9092-BF6FF8E98B54}" srcId="{098EE6AC-C2CE-4F9E-A9FD-3C64907B2FE9}" destId="{040D10F7-7E6A-43CA-BA07-2D9628296D34}" srcOrd="1" destOrd="0" parTransId="{4F97F703-5790-40D5-A5EB-546472CC0735}" sibTransId="{25D57272-1ADC-495F-A8B1-96AA14210B01}"/>
+    <dgm:cxn modelId="{F8A63EC5-2226-400F-9676-2827D8565F07}" type="presOf" srcId="{3ECA0D95-C29D-4278-8047-C19A5E721C13}" destId="{87B6E6CA-D00B-48CA-B1BB-57D6816B8AA3}" srcOrd="0" destOrd="0" presId="urn:microsoft.com/office/officeart/2005/8/layout/arrow2"/>
+    <dgm:cxn modelId="{2349296E-4323-40D0-8935-7372DBD53188}" srcId="{098EE6AC-C2CE-4F9E-A9FD-3C64907B2FE9}" destId="{D5949151-0910-47BF-A46D-3B9F5A48B26C}" srcOrd="0" destOrd="0" parTransId="{EE73FD2C-96F8-43EE-9476-03F58B8F43CA}" sibTransId="{7920FF1E-30D3-435D-AC1D-EA1155327622}"/>
+    <dgm:cxn modelId="{4DF69B46-4BDE-4708-ADF4-7763EA70E518}" type="presOf" srcId="{040D10F7-7E6A-43CA-BA07-2D9628296D34}" destId="{51BA803F-379A-4CF5-B775-F9011077766B}" srcOrd="0" destOrd="0" presId="urn:microsoft.com/office/officeart/2005/8/layout/arrow2"/>
+    <dgm:cxn modelId="{73A8098D-77BB-4730-8370-DFBE8A2A5B35}" type="presParOf" srcId="{B51E6C07-469F-4677-A821-F71F2671DA51}" destId="{DE9BB5CF-DA70-4209-A33B-F7B02E4462FA}" srcOrd="0" destOrd="0" presId="urn:microsoft.com/office/officeart/2005/8/layout/arrow2"/>
+    <dgm:cxn modelId="{0920DEA6-5D29-4155-8FCA-DB1698D93F81}" type="presParOf" srcId="{B51E6C07-469F-4677-A821-F71F2671DA51}" destId="{7A7C0ACA-3139-4850-9156-2B325B4B37A9}" srcOrd="1" destOrd="0" presId="urn:microsoft.com/office/officeart/2005/8/layout/arrow2"/>
+    <dgm:cxn modelId="{B5E270A8-3380-4E99-807A-6E2F6C554C23}" type="presParOf" srcId="{7A7C0ACA-3139-4850-9156-2B325B4B37A9}" destId="{53600868-B03F-4398-9FD3-6E28ABDFDCFF}" srcOrd="0" destOrd="0" presId="urn:microsoft.com/office/officeart/2005/8/layout/arrow2"/>
+    <dgm:cxn modelId="{37615A62-BB09-42AC-B4A0-5BF7FEDE1DD5}" type="presParOf" srcId="{7A7C0ACA-3139-4850-9156-2B325B4B37A9}" destId="{A49D5F9B-3A19-4941-82A5-829827A7792C}" srcOrd="1" destOrd="0" presId="urn:microsoft.com/office/officeart/2005/8/layout/arrow2"/>
+    <dgm:cxn modelId="{D3F02FAF-694B-4474-BF9A-F9F5FD20C5EC}" type="presParOf" srcId="{7A7C0ACA-3139-4850-9156-2B325B4B37A9}" destId="{2182B079-8537-483E-B15D-04DCA256F767}" srcOrd="2" destOrd="0" presId="urn:microsoft.com/office/officeart/2005/8/layout/arrow2"/>
+    <dgm:cxn modelId="{E370B8F8-FFEE-46F7-8B84-1D2A6968AB28}" type="presParOf" srcId="{7A7C0ACA-3139-4850-9156-2B325B4B37A9}" destId="{51BA803F-379A-4CF5-B775-F9011077766B}" srcOrd="3" destOrd="0" presId="urn:microsoft.com/office/officeart/2005/8/layout/arrow2"/>
+    <dgm:cxn modelId="{FAA9D1F1-ABD5-4E0C-85F7-55192FC54D92}" type="presParOf" srcId="{7A7C0ACA-3139-4850-9156-2B325B4B37A9}" destId="{57A5E769-A117-4DEB-A87A-B62FB634E1E4}" srcOrd="4" destOrd="0" presId="urn:microsoft.com/office/officeart/2005/8/layout/arrow2"/>
+    <dgm:cxn modelId="{8D3CEFD2-EB92-4305-A411-34EC032D7CD4}" type="presParOf" srcId="{7A7C0ACA-3139-4850-9156-2B325B4B37A9}" destId="{87B6E6CA-D00B-48CA-B1BB-57D6816B8AA3}" srcOrd="5" destOrd="0" presId="urn:microsoft.com/office/officeart/2005/8/layout/arrow2"/>
+    <dgm:cxn modelId="{2B04CF85-4479-430A-BECE-5ADAD87DC4BB}" type="presParOf" srcId="{7A7C0ACA-3139-4850-9156-2B325B4B37A9}" destId="{ED8AA4DD-773E-4036-8344-F6E6EA209418}" srcOrd="6" destOrd="0" presId="urn:microsoft.com/office/officeart/2005/8/layout/arrow2"/>
+    <dgm:cxn modelId="{2C13A402-2602-4127-B925-1929F9BE1D62}" type="presParOf" srcId="{7A7C0ACA-3139-4850-9156-2B325B4B37A9}" destId="{581B5264-1349-406E-A4C7-F974022EDCA9}" srcOrd="7" destOrd="0" presId="urn:microsoft.com/office/officeart/2005/8/layout/arrow2"/>
+  </dgm:cxnLst>
+  <dgm:bg/>
+  <dgm:whole/>
+  <dgm:extLst>
+    <a:ext uri="http://schemas.microsoft.com/office/drawing/2008/diagram">
+      <dsp:dataModelExt xmlns:dsp="http://schemas.microsoft.com/office/drawing/2008/diagram" relId="rId6" minVer="http://schemas.openxmlformats.org/drawingml/2006/diagram"/>
+    </a:ext>
+  </dgm:extLst>
+</dgm:dataModel>
+</file>
+
 <file path=ppt/diagrams/drawing1.xml><?xml version="1.0" encoding="utf-8"?>
 <dsp:drawing xmlns:dgm="http://schemas.openxmlformats.org/drawingml/2006/diagram" xmlns:dsp="http://schemas.microsoft.com/office/drawing/2008/diagram" xmlns:a="http://schemas.openxmlformats.org/drawingml/2006/main">
   <dsp:spTree>
@@ -9870,15 +11031,7 @@
               <a:latin typeface="Times New Roman" pitchFamily="18" charset="0"/>
               <a:cs typeface="Times New Roman" pitchFamily="18" charset="0"/>
             </a:rPr>
-            <a:t>Base de données </a:t>
-          </a:r>
-          <a:r>
-            <a:rPr lang="fr-FR" sz="2000" b="0" i="0" kern="1200" dirty="0" smtClean="0">
-              <a:effectLst/>
-              <a:latin typeface="Times New Roman" pitchFamily="18" charset="0"/>
-              <a:cs typeface="Times New Roman" pitchFamily="18" charset="0"/>
-            </a:rPr>
-            <a:t>(arborescence, classification)</a:t>
+            <a:t>Base de données (arborescence, classification)</a:t>
           </a:r>
           <a:endParaRPr lang="fr-FR" sz="2000" b="0" i="0" kern="1200" dirty="0">
             <a:effectLst/>
@@ -10017,23 +11170,7 @@
               <a:latin typeface="Times New Roman" pitchFamily="18" charset="0"/>
               <a:cs typeface="Times New Roman" pitchFamily="18" charset="0"/>
             </a:rPr>
-            <a:t>Scripts et </a:t>
-          </a:r>
-          <a:r>
-            <a:rPr lang="fr-FR" sz="2000" b="0" i="0" kern="1200" dirty="0" smtClean="0">
-              <a:effectLst/>
-              <a:latin typeface="Times New Roman" pitchFamily="18" charset="0"/>
-              <a:cs typeface="Times New Roman" pitchFamily="18" charset="0"/>
-            </a:rPr>
-            <a:t>insertion des </a:t>
-          </a:r>
-          <a:r>
-            <a:rPr lang="fr-FR" sz="2000" b="0" i="0" kern="1200" dirty="0" smtClean="0">
-              <a:effectLst/>
-              <a:latin typeface="Times New Roman" pitchFamily="18" charset="0"/>
-              <a:cs typeface="Times New Roman" pitchFamily="18" charset="0"/>
-            </a:rPr>
-            <a:t>données</a:t>
+            <a:t>Scripts et insertion des données</a:t>
           </a:r>
           <a:endParaRPr lang="fr-FR" sz="2000" b="1" i="1" kern="1200" dirty="0" smtClean="0">
             <a:effectLst>
@@ -10132,7 +11269,7 @@
               <a:latin typeface="Times New Roman" pitchFamily="18" charset="0"/>
               <a:cs typeface="Times New Roman" pitchFamily="18" charset="0"/>
             </a:rPr>
-            <a:t>Optimisation futures</a:t>
+            <a:t>Difficultés et optimisations</a:t>
           </a:r>
           <a:endParaRPr lang="fr-FR" sz="2000" b="1" i="1" kern="1200" dirty="0" smtClean="0">
             <a:effectLst>
@@ -10336,6 +11473,64 @@
               <a:cs typeface="Times New Roman" pitchFamily="18" charset="0"/>
             </a:rPr>
             <a:t>Conclusion</a:t>
+          </a:r>
+          <a:endParaRPr lang="fr-FR" sz="2000" b="1" i="1" kern="1200" dirty="0" smtClean="0">
+            <a:effectLst>
+              <a:outerShdw blurRad="38100" dist="38100" dir="2700000" algn="tl">
+                <a:srgbClr val="000000">
+                  <a:alpha val="43137"/>
+                </a:srgbClr>
+              </a:outerShdw>
+            </a:effectLst>
+            <a:latin typeface="Times New Roman" pitchFamily="18" charset="0"/>
+            <a:cs typeface="Times New Roman" pitchFamily="18" charset="0"/>
+          </a:endParaRPr>
+        </a:p>
+        <a:p>
+          <a:pPr marL="228600" lvl="1" indent="-228600" algn="l" defTabSz="889000">
+            <a:lnSpc>
+              <a:spcPct val="90000"/>
+            </a:lnSpc>
+            <a:spcBef>
+              <a:spcPct val="0"/>
+            </a:spcBef>
+            <a:spcAft>
+              <a:spcPct val="15000"/>
+            </a:spcAft>
+            <a:buChar char="••"/>
+          </a:pPr>
+          <a:endParaRPr lang="fr-FR" sz="2000" b="1" i="1" kern="1200" dirty="0" smtClean="0">
+            <a:effectLst>
+              <a:outerShdw blurRad="38100" dist="38100" dir="2700000" algn="tl">
+                <a:srgbClr val="000000">
+                  <a:alpha val="43137"/>
+                </a:srgbClr>
+              </a:outerShdw>
+            </a:effectLst>
+            <a:latin typeface="Times New Roman" pitchFamily="18" charset="0"/>
+            <a:cs typeface="Times New Roman" pitchFamily="18" charset="0"/>
+          </a:endParaRPr>
+        </a:p>
+        <a:p>
+          <a:pPr marL="228600" lvl="1" indent="-228600" algn="l" defTabSz="889000">
+            <a:lnSpc>
+              <a:spcPct val="90000"/>
+            </a:lnSpc>
+            <a:spcBef>
+              <a:spcPct val="0"/>
+            </a:spcBef>
+            <a:spcAft>
+              <a:spcPct val="15000"/>
+            </a:spcAft>
+            <a:buChar char="••"/>
+          </a:pPr>
+          <a:r>
+            <a:rPr lang="fr-FR" sz="2000" b="0" i="0" kern="1200" dirty="0" smtClean="0">
+              <a:effectLst/>
+              <a:latin typeface="Times New Roman" pitchFamily="18" charset="0"/>
+              <a:cs typeface="Times New Roman" pitchFamily="18" charset="0"/>
+            </a:rPr>
+            <a:t>Questions / Réponses</a:t>
           </a:r>
           <a:endParaRPr lang="fr-FR" sz="2000" b="1" i="1" kern="1200" dirty="0" smtClean="0">
             <a:effectLst>
@@ -12704,6 +13899,518 @@
 </dsp:drawing>
 </file>
 
+<file path=ppt/diagrams/drawing8.xml><?xml version="1.0" encoding="utf-8"?>
+<dsp:drawing xmlns:dgm="http://schemas.openxmlformats.org/drawingml/2006/diagram" xmlns:dsp="http://schemas.microsoft.com/office/drawing/2008/diagram" xmlns:a="http://schemas.openxmlformats.org/drawingml/2006/main">
+  <dsp:spTree>
+    <dsp:nvGrpSpPr>
+      <dsp:cNvPr id="0" name=""/>
+      <dsp:cNvGrpSpPr/>
+    </dsp:nvGrpSpPr>
+    <dsp:grpSpPr/>
+    <dsp:sp modelId="{DE9BB5CF-DA70-4209-A33B-F7B02E4462FA}">
+      <dsp:nvSpPr>
+        <dsp:cNvPr id="0" name=""/>
+        <dsp:cNvSpPr/>
+      </dsp:nvSpPr>
+      <dsp:spPr>
+        <a:xfrm>
+          <a:off x="-449369" y="0"/>
+          <a:ext cx="8541665" cy="3960871"/>
+        </a:xfrm>
+        <a:prstGeom prst="swooshArrow">
+          <a:avLst>
+            <a:gd name="adj1" fmla="val 25000"/>
+            <a:gd name="adj2" fmla="val 25000"/>
+          </a:avLst>
+        </a:prstGeom>
+        <a:solidFill>
+          <a:schemeClr val="dk1">
+            <a:tint val="40000"/>
+            <a:hueOff val="0"/>
+            <a:satOff val="0"/>
+            <a:lumOff val="0"/>
+            <a:alphaOff val="0"/>
+          </a:schemeClr>
+        </a:solidFill>
+        <a:ln>
+          <a:noFill/>
+        </a:ln>
+        <a:effectLst/>
+      </dsp:spPr>
+      <dsp:style>
+        <a:lnRef idx="0">
+          <a:scrgbClr r="0" g="0" b="0"/>
+        </a:lnRef>
+        <a:fillRef idx="1">
+          <a:scrgbClr r="0" g="0" b="0"/>
+        </a:fillRef>
+        <a:effectRef idx="0">
+          <a:scrgbClr r="0" g="0" b="0"/>
+        </a:effectRef>
+        <a:fontRef idx="minor"/>
+      </dsp:style>
+    </dsp:sp>
+    <dsp:sp modelId="{53600868-B03F-4398-9FD3-6E28ABDFDCFF}">
+      <dsp:nvSpPr>
+        <dsp:cNvPr id="0" name=""/>
+        <dsp:cNvSpPr/>
+      </dsp:nvSpPr>
+      <dsp:spPr>
+        <a:xfrm>
+          <a:off x="1276999" y="2945303"/>
+          <a:ext cx="145760" cy="145760"/>
+        </a:xfrm>
+        <a:prstGeom prst="ellipse">
+          <a:avLst/>
+        </a:prstGeom>
+        <a:solidFill>
+          <a:schemeClr val="lt1">
+            <a:hueOff val="0"/>
+            <a:satOff val="0"/>
+            <a:lumOff val="0"/>
+            <a:alphaOff val="0"/>
+          </a:schemeClr>
+        </a:solidFill>
+        <a:ln w="25400" cap="flat" cmpd="sng" algn="ctr">
+          <a:solidFill>
+            <a:schemeClr val="dk1">
+              <a:shade val="80000"/>
+              <a:hueOff val="0"/>
+              <a:satOff val="0"/>
+              <a:lumOff val="0"/>
+              <a:alphaOff val="0"/>
+            </a:schemeClr>
+          </a:solidFill>
+          <a:prstDash val="solid"/>
+        </a:ln>
+        <a:effectLst/>
+      </dsp:spPr>
+      <dsp:style>
+        <a:lnRef idx="2">
+          <a:scrgbClr r="0" g="0" b="0"/>
+        </a:lnRef>
+        <a:fillRef idx="1">
+          <a:scrgbClr r="0" g="0" b="0"/>
+        </a:fillRef>
+        <a:effectRef idx="0">
+          <a:scrgbClr r="0" g="0" b="0"/>
+        </a:effectRef>
+        <a:fontRef idx="minor">
+          <a:schemeClr val="lt1"/>
+        </a:fontRef>
+      </dsp:style>
+    </dsp:sp>
+    <dsp:sp modelId="{A49D5F9B-3A19-4941-82A5-829827A7792C}">
+      <dsp:nvSpPr>
+        <dsp:cNvPr id="0" name=""/>
+        <dsp:cNvSpPr/>
+      </dsp:nvSpPr>
+      <dsp:spPr>
+        <a:xfrm>
+          <a:off x="1349879" y="3018183"/>
+          <a:ext cx="1083694" cy="942687"/>
+        </a:xfrm>
+        <a:prstGeom prst="rect">
+          <a:avLst/>
+        </a:prstGeom>
+        <a:noFill/>
+        <a:ln>
+          <a:noFill/>
+        </a:ln>
+        <a:effectLst/>
+      </dsp:spPr>
+      <dsp:style>
+        <a:lnRef idx="0">
+          <a:scrgbClr r="0" g="0" b="0"/>
+        </a:lnRef>
+        <a:fillRef idx="0">
+          <a:scrgbClr r="0" g="0" b="0"/>
+        </a:fillRef>
+        <a:effectRef idx="0">
+          <a:scrgbClr r="0" g="0" b="0"/>
+        </a:effectRef>
+        <a:fontRef idx="minor"/>
+      </dsp:style>
+      <dsp:txBody>
+        <a:bodyPr spcFirstLastPara="0" vert="horz" wrap="square" lIns="77235" tIns="0" rIns="0" bIns="0" numCol="1" spcCol="1270" anchor="t" anchorCtr="0">
+          <a:noAutofit/>
+        </a:bodyPr>
+        <a:lstStyle/>
+        <a:p>
+          <a:pPr lvl="0" algn="ctr" defTabSz="666750">
+            <a:lnSpc>
+              <a:spcPct val="90000"/>
+            </a:lnSpc>
+            <a:spcBef>
+              <a:spcPct val="0"/>
+            </a:spcBef>
+            <a:spcAft>
+              <a:spcPct val="35000"/>
+            </a:spcAft>
+          </a:pPr>
+          <a:r>
+            <a:rPr lang="fr-FR" sz="1500" b="1" kern="1200" cap="none" spc="0" dirty="0" smtClean="0">
+              <a:ln w="50800"/>
+              <a:effectLst/>
+            </a:rPr>
+            <a:t>Très nombreuses possibilités avec le TAL </a:t>
+          </a:r>
+          <a:endParaRPr lang="fr-FR" sz="1500" b="1" kern="1200" cap="none" spc="0" dirty="0">
+            <a:ln w="50800"/>
+            <a:effectLst/>
+          </a:endParaRPr>
+        </a:p>
+      </dsp:txBody>
+      <dsp:txXfrm>
+        <a:off x="1349879" y="3018183"/>
+        <a:ext cx="1083694" cy="942687"/>
+      </dsp:txXfrm>
+    </dsp:sp>
+    <dsp:sp modelId="{2182B079-8537-483E-B15D-04DCA256F767}">
+      <dsp:nvSpPr>
+        <dsp:cNvPr id="0" name=""/>
+        <dsp:cNvSpPr/>
+      </dsp:nvSpPr>
+      <dsp:spPr>
+        <a:xfrm>
+          <a:off x="2306826" y="2024005"/>
+          <a:ext cx="253495" cy="253495"/>
+        </a:xfrm>
+        <a:prstGeom prst="ellipse">
+          <a:avLst/>
+        </a:prstGeom>
+        <a:solidFill>
+          <a:schemeClr val="lt1">
+            <a:hueOff val="0"/>
+            <a:satOff val="0"/>
+            <a:lumOff val="0"/>
+            <a:alphaOff val="0"/>
+          </a:schemeClr>
+        </a:solidFill>
+        <a:ln w="25400" cap="flat" cmpd="sng" algn="ctr">
+          <a:solidFill>
+            <a:schemeClr val="dk1">
+              <a:shade val="80000"/>
+              <a:hueOff val="0"/>
+              <a:satOff val="0"/>
+              <a:lumOff val="0"/>
+              <a:alphaOff val="0"/>
+            </a:schemeClr>
+          </a:solidFill>
+          <a:prstDash val="solid"/>
+        </a:ln>
+        <a:effectLst/>
+      </dsp:spPr>
+      <dsp:style>
+        <a:lnRef idx="2">
+          <a:scrgbClr r="0" g="0" b="0"/>
+        </a:lnRef>
+        <a:fillRef idx="1">
+          <a:scrgbClr r="0" g="0" b="0"/>
+        </a:fillRef>
+        <a:effectRef idx="0">
+          <a:scrgbClr r="0" g="0" b="0"/>
+        </a:effectRef>
+        <a:fontRef idx="minor">
+          <a:schemeClr val="lt1"/>
+        </a:fontRef>
+      </dsp:style>
+    </dsp:sp>
+    <dsp:sp modelId="{51BA803F-379A-4CF5-B775-F9011077766B}">
+      <dsp:nvSpPr>
+        <dsp:cNvPr id="0" name=""/>
+        <dsp:cNvSpPr/>
+      </dsp:nvSpPr>
+      <dsp:spPr>
+        <a:xfrm>
+          <a:off x="2433574" y="2150752"/>
+          <a:ext cx="1330852" cy="1810118"/>
+        </a:xfrm>
+        <a:prstGeom prst="rect">
+          <a:avLst/>
+        </a:prstGeom>
+        <a:noFill/>
+        <a:ln>
+          <a:noFill/>
+        </a:ln>
+        <a:effectLst/>
+      </dsp:spPr>
+      <dsp:style>
+        <a:lnRef idx="0">
+          <a:scrgbClr r="0" g="0" b="0"/>
+        </a:lnRef>
+        <a:fillRef idx="0">
+          <a:scrgbClr r="0" g="0" b="0"/>
+        </a:fillRef>
+        <a:effectRef idx="0">
+          <a:scrgbClr r="0" g="0" b="0"/>
+        </a:effectRef>
+        <a:fontRef idx="minor"/>
+      </dsp:style>
+      <dsp:txBody>
+        <a:bodyPr spcFirstLastPara="0" vert="horz" wrap="square" lIns="134322" tIns="0" rIns="0" bIns="0" numCol="1" spcCol="1270" anchor="t" anchorCtr="0">
+          <a:noAutofit/>
+        </a:bodyPr>
+        <a:lstStyle/>
+        <a:p>
+          <a:pPr lvl="0" algn="ctr" defTabSz="666750">
+            <a:lnSpc>
+              <a:spcPct val="90000"/>
+            </a:lnSpc>
+            <a:spcBef>
+              <a:spcPct val="0"/>
+            </a:spcBef>
+            <a:spcAft>
+              <a:spcPct val="35000"/>
+            </a:spcAft>
+          </a:pPr>
+          <a:r>
+            <a:rPr lang="fr-FR" sz="1500" b="1" kern="1200" cap="none" spc="0" dirty="0" smtClean="0">
+              <a:ln w="50800"/>
+              <a:effectLst/>
+            </a:rPr>
+            <a:t>Gestion de projet et applications des méthodes apprises</a:t>
+          </a:r>
+          <a:endParaRPr lang="fr-FR" sz="1500" b="1" kern="1200" cap="none" spc="0" dirty="0" smtClean="0">
+            <a:ln w="50800"/>
+            <a:effectLst/>
+          </a:endParaRPr>
+        </a:p>
+      </dsp:txBody>
+      <dsp:txXfrm>
+        <a:off x="2433574" y="2150752"/>
+        <a:ext cx="1330852" cy="1810118"/>
+      </dsp:txXfrm>
+    </dsp:sp>
+    <dsp:sp modelId="{57A5E769-A117-4DEB-A87A-B62FB634E1E4}">
+      <dsp:nvSpPr>
+        <dsp:cNvPr id="0" name=""/>
+        <dsp:cNvSpPr/>
+      </dsp:nvSpPr>
+      <dsp:spPr>
+        <a:xfrm>
+          <a:off x="3621835" y="1345111"/>
+          <a:ext cx="335881" cy="335881"/>
+        </a:xfrm>
+        <a:prstGeom prst="ellipse">
+          <a:avLst/>
+        </a:prstGeom>
+        <a:solidFill>
+          <a:schemeClr val="lt1">
+            <a:hueOff val="0"/>
+            <a:satOff val="0"/>
+            <a:lumOff val="0"/>
+            <a:alphaOff val="0"/>
+          </a:schemeClr>
+        </a:solidFill>
+        <a:ln w="25400" cap="flat" cmpd="sng" algn="ctr">
+          <a:solidFill>
+            <a:schemeClr val="dk1">
+              <a:shade val="80000"/>
+              <a:hueOff val="0"/>
+              <a:satOff val="0"/>
+              <a:lumOff val="0"/>
+              <a:alphaOff val="0"/>
+            </a:schemeClr>
+          </a:solidFill>
+          <a:prstDash val="solid"/>
+        </a:ln>
+        <a:effectLst/>
+      </dsp:spPr>
+      <dsp:style>
+        <a:lnRef idx="2">
+          <a:scrgbClr r="0" g="0" b="0"/>
+        </a:lnRef>
+        <a:fillRef idx="1">
+          <a:scrgbClr r="0" g="0" b="0"/>
+        </a:fillRef>
+        <a:effectRef idx="0">
+          <a:scrgbClr r="0" g="0" b="0"/>
+        </a:effectRef>
+        <a:fontRef idx="minor">
+          <a:schemeClr val="lt1"/>
+        </a:fontRef>
+      </dsp:style>
+    </dsp:sp>
+    <dsp:sp modelId="{87B6E6CA-D00B-48CA-B1BB-57D6816B8AA3}">
+      <dsp:nvSpPr>
+        <dsp:cNvPr id="0" name=""/>
+        <dsp:cNvSpPr/>
+      </dsp:nvSpPr>
+      <dsp:spPr>
+        <a:xfrm>
+          <a:off x="3789776" y="1513052"/>
+          <a:ext cx="1330852" cy="2447818"/>
+        </a:xfrm>
+        <a:prstGeom prst="rect">
+          <a:avLst/>
+        </a:prstGeom>
+        <a:noFill/>
+        <a:ln>
+          <a:noFill/>
+        </a:ln>
+        <a:effectLst/>
+      </dsp:spPr>
+      <dsp:style>
+        <a:lnRef idx="0">
+          <a:scrgbClr r="0" g="0" b="0"/>
+        </a:lnRef>
+        <a:fillRef idx="0">
+          <a:scrgbClr r="0" g="0" b="0"/>
+        </a:fillRef>
+        <a:effectRef idx="0">
+          <a:scrgbClr r="0" g="0" b="0"/>
+        </a:effectRef>
+        <a:fontRef idx="minor"/>
+      </dsp:style>
+      <dsp:txBody>
+        <a:bodyPr spcFirstLastPara="0" vert="horz" wrap="square" lIns="177977" tIns="0" rIns="0" bIns="0" numCol="1" spcCol="1270" anchor="t" anchorCtr="0">
+          <a:noAutofit/>
+        </a:bodyPr>
+        <a:lstStyle/>
+        <a:p>
+          <a:pPr lvl="0" algn="ctr" defTabSz="666750">
+            <a:lnSpc>
+              <a:spcPct val="90000"/>
+            </a:lnSpc>
+            <a:spcBef>
+              <a:spcPct val="0"/>
+            </a:spcBef>
+            <a:spcAft>
+              <a:spcPct val="35000"/>
+            </a:spcAft>
+          </a:pPr>
+          <a:r>
+            <a:rPr lang="fr-FR" sz="1500" b="1" kern="1200" cap="none" spc="0" dirty="0" smtClean="0">
+              <a:ln w="50800"/>
+              <a:effectLst/>
+            </a:rPr>
+            <a:t>Bonne expérience et projet intéressant</a:t>
+          </a:r>
+          <a:endParaRPr lang="fr-FR" sz="1500" b="1" kern="1200" cap="none" spc="0" dirty="0">
+            <a:ln w="50800"/>
+            <a:effectLst/>
+          </a:endParaRPr>
+        </a:p>
+      </dsp:txBody>
+      <dsp:txXfrm>
+        <a:off x="3789776" y="1513052"/>
+        <a:ext cx="1330852" cy="2447818"/>
+      </dsp:txXfrm>
+    </dsp:sp>
+    <dsp:sp modelId="{ED8AA4DD-773E-4036-8344-F6E6EA209418}">
+      <dsp:nvSpPr>
+        <dsp:cNvPr id="0" name=""/>
+        <dsp:cNvSpPr/>
+      </dsp:nvSpPr>
+      <dsp:spPr>
+        <a:xfrm>
+          <a:off x="5054086" y="895949"/>
+          <a:ext cx="449954" cy="449954"/>
+        </a:xfrm>
+        <a:prstGeom prst="ellipse">
+          <a:avLst/>
+        </a:prstGeom>
+        <a:solidFill>
+          <a:schemeClr val="lt1">
+            <a:hueOff val="0"/>
+            <a:satOff val="0"/>
+            <a:lumOff val="0"/>
+            <a:alphaOff val="0"/>
+          </a:schemeClr>
+        </a:solidFill>
+        <a:ln w="25400" cap="flat" cmpd="sng" algn="ctr">
+          <a:solidFill>
+            <a:schemeClr val="dk1">
+              <a:shade val="80000"/>
+              <a:hueOff val="0"/>
+              <a:satOff val="0"/>
+              <a:lumOff val="0"/>
+              <a:alphaOff val="0"/>
+            </a:schemeClr>
+          </a:solidFill>
+          <a:prstDash val="solid"/>
+        </a:ln>
+        <a:effectLst/>
+      </dsp:spPr>
+      <dsp:style>
+        <a:lnRef idx="2">
+          <a:scrgbClr r="0" g="0" b="0"/>
+        </a:lnRef>
+        <a:fillRef idx="1">
+          <a:scrgbClr r="0" g="0" b="0"/>
+        </a:fillRef>
+        <a:effectRef idx="0">
+          <a:scrgbClr r="0" g="0" b="0"/>
+        </a:effectRef>
+        <a:fontRef idx="minor">
+          <a:schemeClr val="lt1"/>
+        </a:fontRef>
+      </dsp:style>
+    </dsp:sp>
+    <dsp:sp modelId="{581B5264-1349-406E-A4C7-F974022EDCA9}">
+      <dsp:nvSpPr>
+        <dsp:cNvPr id="0" name=""/>
+        <dsp:cNvSpPr/>
+      </dsp:nvSpPr>
+      <dsp:spPr>
+        <a:xfrm>
+          <a:off x="5279064" y="1120926"/>
+          <a:ext cx="1330852" cy="2839944"/>
+        </a:xfrm>
+        <a:prstGeom prst="rect">
+          <a:avLst/>
+        </a:prstGeom>
+        <a:noFill/>
+        <a:ln>
+          <a:noFill/>
+        </a:ln>
+        <a:effectLst/>
+      </dsp:spPr>
+      <dsp:style>
+        <a:lnRef idx="0">
+          <a:scrgbClr r="0" g="0" b="0"/>
+        </a:lnRef>
+        <a:fillRef idx="0">
+          <a:scrgbClr r="0" g="0" b="0"/>
+        </a:fillRef>
+        <a:effectRef idx="0">
+          <a:scrgbClr r="0" g="0" b="0"/>
+        </a:effectRef>
+        <a:fontRef idx="minor"/>
+      </dsp:style>
+      <dsp:txBody>
+        <a:bodyPr spcFirstLastPara="0" vert="horz" wrap="square" lIns="238422" tIns="0" rIns="0" bIns="0" numCol="1" spcCol="1270" anchor="t" anchorCtr="0">
+          <a:noAutofit/>
+        </a:bodyPr>
+        <a:lstStyle/>
+        <a:p>
+          <a:pPr lvl="0" algn="ctr" defTabSz="666750">
+            <a:lnSpc>
+              <a:spcPct val="90000"/>
+            </a:lnSpc>
+            <a:spcBef>
+              <a:spcPct val="0"/>
+            </a:spcBef>
+            <a:spcAft>
+              <a:spcPct val="35000"/>
+            </a:spcAft>
+          </a:pPr>
+          <a:endParaRPr lang="fr-FR" sz="1500" b="1" kern="1200" cap="none" spc="0" dirty="0">
+            <a:ln w="50800"/>
+            <a:effectLst/>
+          </a:endParaRPr>
+        </a:p>
+      </dsp:txBody>
+      <dsp:txXfrm>
+        <a:off x="5279064" y="1120926"/>
+        <a:ext cx="1330852" cy="2839944"/>
+      </dsp:txXfrm>
+    </dsp:sp>
+  </dsp:spTree>
+</dsp:drawing>
+</file>
+
 <file path=ppt/diagrams/layout1.xml><?xml version="1.0" encoding="utf-8"?>
 <dgm:layoutDef xmlns:dgm="http://schemas.openxmlformats.org/drawingml/2006/diagram" xmlns:a="http://schemas.openxmlformats.org/drawingml/2006/main" uniqueId="urn:microsoft.com/office/officeart/2005/8/layout/hList3">
   <dgm:title val=""/>
@@ -14319,6 +16026,1651 @@
 </dgm:layoutDef>
 </file>
 
+<file path=ppt/diagrams/layout8.xml><?xml version="1.0" encoding="utf-8"?>
+<dgm:layoutDef xmlns:dgm="http://schemas.openxmlformats.org/drawingml/2006/diagram" xmlns:a="http://schemas.openxmlformats.org/drawingml/2006/main" uniqueId="urn:microsoft.com/office/officeart/2005/8/layout/arrow2">
+  <dgm:title val=""/>
+  <dgm:desc val=""/>
+  <dgm:catLst>
+    <dgm:cat type="process" pri="23000"/>
+  </dgm:catLst>
+  <dgm:sampData useDef="1">
+    <dgm:dataModel>
+      <dgm:ptLst/>
+      <dgm:bg/>
+      <dgm:whole/>
+    </dgm:dataModel>
+  </dgm:sampData>
+  <dgm:styleData>
+    <dgm:dataModel>
+      <dgm:ptLst>
+        <dgm:pt modelId="0" type="doc"/>
+        <dgm:pt modelId="1"/>
+        <dgm:pt modelId="2"/>
+      </dgm:ptLst>
+      <dgm:cxnLst>
+        <dgm:cxn modelId="3" srcId="0" destId="1" srcOrd="0" destOrd="0"/>
+        <dgm:cxn modelId="4" srcId="0" destId="2" srcOrd="1" destOrd="0"/>
+      </dgm:cxnLst>
+      <dgm:bg/>
+      <dgm:whole/>
+    </dgm:dataModel>
+  </dgm:styleData>
+  <dgm:clrData>
+    <dgm:dataModel>
+      <dgm:ptLst>
+        <dgm:pt modelId="0" type="doc"/>
+        <dgm:pt modelId="1"/>
+        <dgm:pt modelId="2"/>
+        <dgm:pt modelId="3"/>
+        <dgm:pt modelId="4"/>
+      </dgm:ptLst>
+      <dgm:cxnLst>
+        <dgm:cxn modelId="5" srcId="0" destId="1" srcOrd="0" destOrd="0"/>
+        <dgm:cxn modelId="6" srcId="0" destId="2" srcOrd="1" destOrd="0"/>
+        <dgm:cxn modelId="7" srcId="0" destId="3" srcOrd="2" destOrd="0"/>
+        <dgm:cxn modelId="8" srcId="0" destId="4" srcOrd="3" destOrd="0"/>
+      </dgm:cxnLst>
+      <dgm:bg/>
+      <dgm:whole/>
+    </dgm:dataModel>
+  </dgm:clrData>
+  <dgm:layoutNode name="arrowDiagram">
+    <dgm:varLst>
+      <dgm:chMax val="5"/>
+      <dgm:dir/>
+      <dgm:resizeHandles val="exact"/>
+    </dgm:varLst>
+    <dgm:alg type="composite">
+      <dgm:param type="ar" val="1.6"/>
+    </dgm:alg>
+    <dgm:shape xmlns:r="http://schemas.openxmlformats.org/officeDocument/2006/relationships" r:blip="">
+      <dgm:adjLst/>
+    </dgm:shape>
+    <dgm:presOf/>
+    <dgm:constrLst>
+      <dgm:constr type="l" for="ch" forName="arrow"/>
+      <dgm:constr type="t" for="ch" forName="arrow"/>
+      <dgm:constr type="w" for="ch" forName="arrow" refType="w"/>
+      <dgm:constr type="h" for="ch" forName="arrow" refType="h"/>
+      <dgm:constr type="ctrX" for="ch" forName="arrowDiagram1" refType="w" fact="0.5"/>
+      <dgm:constr type="ctrY" for="ch" forName="arrowDiagram1" refType="h" fact="0.5"/>
+      <dgm:constr type="w" for="ch" forName="arrowDiagram1" refType="w"/>
+      <dgm:constr type="h" for="ch" forName="arrowDiagram1" refType="h"/>
+      <dgm:constr type="ctrX" for="ch" forName="arrowDiagram2" refType="w" fact="0.5"/>
+      <dgm:constr type="ctrY" for="ch" forName="arrowDiagram2" refType="h" fact="0.5"/>
+      <dgm:constr type="w" for="ch" forName="arrowDiagram2" refType="w"/>
+      <dgm:constr type="h" for="ch" forName="arrowDiagram2" refType="h"/>
+      <dgm:constr type="ctrX" for="ch" forName="arrowDiagram3" refType="w" fact="0.5"/>
+      <dgm:constr type="ctrY" for="ch" forName="arrowDiagram3" refType="h" fact="0.5"/>
+      <dgm:constr type="w" for="ch" forName="arrowDiagram3" refType="w"/>
+      <dgm:constr type="h" for="ch" forName="arrowDiagram3" refType="h"/>
+      <dgm:constr type="ctrX" for="ch" forName="arrowDiagram4" refType="w" fact="0.5"/>
+      <dgm:constr type="ctrY" for="ch" forName="arrowDiagram4" refType="h" fact="0.5"/>
+      <dgm:constr type="w" for="ch" forName="arrowDiagram4" refType="w"/>
+      <dgm:constr type="h" for="ch" forName="arrowDiagram4" refType="h"/>
+      <dgm:constr type="ctrX" for="ch" forName="arrowDiagram5" refType="w" fact="0.5"/>
+      <dgm:constr type="ctrY" for="ch" forName="arrowDiagram5" refType="h" fact="0.5"/>
+      <dgm:constr type="w" for="ch" forName="arrowDiagram5" refType="w"/>
+      <dgm:constr type="h" for="ch" forName="arrowDiagram5" refType="h"/>
+    </dgm:constrLst>
+    <dgm:ruleLst/>
+    <dgm:choose name="Name0">
+      <dgm:if name="Name1" axis="ch" ptType="node" func="cnt" op="gte" val="1">
+        <dgm:layoutNode name="arrow" styleLbl="bgShp">
+          <dgm:alg type="sp"/>
+          <dgm:shape xmlns:r="http://schemas.openxmlformats.org/officeDocument/2006/relationships" type="swooshArrow" r:blip="">
+            <dgm:adjLst>
+              <dgm:adj idx="2" val="0.25"/>
+            </dgm:adjLst>
+          </dgm:shape>
+          <dgm:presOf/>
+          <dgm:constrLst/>
+          <dgm:ruleLst/>
+        </dgm:layoutNode>
+        <dgm:choose name="Name2">
+          <dgm:if name="Name3" axis="ch" ptType="node" func="cnt" op="lt" val="1"/>
+          <dgm:if name="Name4" axis="ch" ptType="node" func="cnt" op="equ" val="1">
+            <dgm:layoutNode name="arrowDiagram1">
+              <dgm:varLst>
+                <dgm:bulletEnabled val="1"/>
+              </dgm:varLst>
+              <dgm:alg type="composite">
+                <dgm:param type="vertAlign" val="none"/>
+                <dgm:param type="horzAlign" val="none"/>
+              </dgm:alg>
+              <dgm:shape xmlns:r="http://schemas.openxmlformats.org/officeDocument/2006/relationships" r:blip="">
+                <dgm:adjLst/>
+              </dgm:shape>
+              <dgm:presOf/>
+              <dgm:constrLst>
+                <dgm:constr type="ctrX" for="ch" forName="bullet1" refType="w" fact="0.8"/>
+                <dgm:constr type="ctrY" for="ch" forName="bullet1" refType="h" fact="0.262"/>
+                <dgm:constr type="w" for="ch" forName="bullet1" refType="w" fact="0.074"/>
+                <dgm:constr type="h" for="ch" forName="bullet1" refType="w" refFor="ch" refForName="bullet1"/>
+                <dgm:constr type="r" for="ch" forName="textBox1" refType="ctrX" refFor="ch" refForName="bullet1"/>
+                <dgm:constr type="t" for="ch" forName="textBox1" refType="ctrY" refFor="ch" refForName="bullet1"/>
+                <dgm:constr type="w" for="ch" forName="textBox1" refType="w" fact="0.4"/>
+                <dgm:constr type="h" for="ch" forName="textBox1" refType="h" fact="0.738"/>
+                <dgm:constr type="userA" refType="h" refFor="ch" refForName="bullet1" fact="0.53"/>
+                <dgm:constr type="rMarg" for="ch" forName="textBox1" refType="userA" fact="2.834"/>
+                <dgm:constr type="primFontSz" for="ch" ptType="node" op="equ" val="65"/>
+              </dgm:constrLst>
+              <dgm:ruleLst/>
+              <dgm:forEach name="Name5" axis="ch" ptType="node" cnt="1">
+                <dgm:layoutNode name="bullet1" styleLbl="node1">
+                  <dgm:alg type="sp"/>
+                  <dgm:shape xmlns:r="http://schemas.openxmlformats.org/officeDocument/2006/relationships" type="ellipse" r:blip="">
+                    <dgm:adjLst/>
+                  </dgm:shape>
+                  <dgm:presOf/>
+                  <dgm:constrLst/>
+                  <dgm:ruleLst/>
+                </dgm:layoutNode>
+                <dgm:layoutNode name="textBox1" styleLbl="revTx">
+                  <dgm:varLst>
+                    <dgm:bulletEnabled val="1"/>
+                  </dgm:varLst>
+                  <dgm:alg type="tx">
+                    <dgm:param type="txAnchorVert" val="t"/>
+                    <dgm:param type="parTxLTRAlign" val="r"/>
+                    <dgm:param type="parTxRTLAlign" val="r"/>
+                  </dgm:alg>
+                  <dgm:shape xmlns:r="http://schemas.openxmlformats.org/officeDocument/2006/relationships" type="round2DiagRect" r:blip="">
+                    <dgm:adjLst/>
+                  </dgm:shape>
+                  <dgm:presOf axis="desOrSelf" ptType="node"/>
+                  <dgm:constrLst>
+                    <dgm:constr type="lMarg"/>
+                    <dgm:constr type="tMarg"/>
+                    <dgm:constr type="bMarg"/>
+                  </dgm:constrLst>
+                  <dgm:ruleLst>
+                    <dgm:rule type="primFontSz" val="5" fact="NaN" max="NaN"/>
+                  </dgm:ruleLst>
+                </dgm:layoutNode>
+              </dgm:forEach>
+            </dgm:layoutNode>
+          </dgm:if>
+          <dgm:if name="Name6" axis="ch" ptType="node" func="cnt" op="equ" val="2">
+            <dgm:layoutNode name="arrowDiagram2">
+              <dgm:alg type="composite">
+                <dgm:param type="vertAlign" val="none"/>
+                <dgm:param type="horzAlign" val="none"/>
+              </dgm:alg>
+              <dgm:shape xmlns:r="http://schemas.openxmlformats.org/officeDocument/2006/relationships" r:blip="">
+                <dgm:adjLst/>
+              </dgm:shape>
+              <dgm:presOf/>
+              <dgm:choose name="Name7">
+                <dgm:if name="Name8" func="var" arg="dir" op="equ" val="norm">
+                  <dgm:constrLst>
+                    <dgm:constr type="ctrX" for="ch" forName="bullet2a" refType="w" fact="0.25"/>
+                    <dgm:constr type="ctrY" for="ch" forName="bullet2a" refType="h" fact="0.573"/>
+                    <dgm:constr type="w" for="ch" forName="bullet2a" refType="w" fact="0.035"/>
+                    <dgm:constr type="h" for="ch" forName="bullet2a" refType="w" refFor="ch" refForName="bullet2a"/>
+                    <dgm:constr type="l" for="ch" forName="textBox2a" refType="ctrX" refFor="ch" refForName="bullet2a"/>
+                    <dgm:constr type="t" for="ch" forName="textBox2a" refType="ctrY" refFor="ch" refForName="bullet2a"/>
+                    <dgm:constr type="w" for="ch" forName="textBox2a" refType="w" fact="0.325"/>
+                    <dgm:constr type="h" for="ch" forName="textBox2a" refType="h" fact="0.427"/>
+                    <dgm:constr type="userA" refType="h" refFor="ch" refForName="bullet2a" fact="0.53"/>
+                    <dgm:constr type="lMarg" for="ch" forName="textBox2a" refType="userA" fact="2.834"/>
+                    <dgm:constr type="ctrX" for="ch" forName="bullet2b" refType="w" fact="0.585"/>
+                    <dgm:constr type="ctrY" for="ch" forName="bullet2b" refType="h" fact="0.338"/>
+                    <dgm:constr type="w" for="ch" forName="bullet2b" refType="w" fact="0.06"/>
+                    <dgm:constr type="h" for="ch" forName="bullet2b" refType="w" refFor="ch" refForName="bullet2b"/>
+                    <dgm:constr type="l" for="ch" forName="textBox2b" refType="ctrX" refFor="ch" refForName="bullet2b"/>
+                    <dgm:constr type="t" for="ch" forName="textBox2b" refType="ctrY" refFor="ch" refForName="bullet2b"/>
+                    <dgm:constr type="w" for="ch" forName="textBox2b" refType="w" fact="0.325"/>
+                    <dgm:constr type="h" for="ch" forName="textBox2b" refType="h" fact="0.662"/>
+                    <dgm:constr type="userB" refType="h" refFor="ch" refForName="bullet2b" fact="0.53"/>
+                    <dgm:constr type="lMarg" for="ch" forName="textBox2b" refType="userB" fact="2.834"/>
+                    <dgm:constr type="primFontSz" for="ch" ptType="node" op="equ" val="65"/>
+                  </dgm:constrLst>
+                </dgm:if>
+                <dgm:else name="Name9">
+                  <dgm:constrLst>
+                    <dgm:constr type="ctrX" for="ch" forName="bullet2a" refType="w" fact="0.25"/>
+                    <dgm:constr type="ctrY" for="ch" forName="bullet2a" refType="h" fact="0.573"/>
+                    <dgm:constr type="w" for="ch" forName="bullet2a" refType="w" fact="0.035"/>
+                    <dgm:constr type="h" for="ch" forName="bullet2a" refType="w" refFor="ch" refForName="bullet2a"/>
+                    <dgm:constr type="r" for="ch" forName="textBox2a" refType="ctrX" refFor="ch" refForName="bullet2a"/>
+                    <dgm:constr type="b" for="ch" forName="textBox2a" refType="ctrY" refFor="ch" refForName="bullet2a"/>
+                    <dgm:constr type="w" for="ch" forName="textBox2a" refType="w" fact="0.25"/>
+                    <dgm:constr type="h" for="ch" forName="textBox2a" refType="h" fact="0.573"/>
+                    <dgm:constr type="userA" refType="h" refFor="ch" refForName="bullet2a" fact="0.53"/>
+                    <dgm:constr type="rMarg" for="ch" forName="textBox2a" refType="userA" fact="2.834"/>
+                    <dgm:constr type="ctrX" for="ch" forName="bullet2b" refType="w" fact="0.585"/>
+                    <dgm:constr type="ctrY" for="ch" forName="bullet2b" refType="h" fact="0.338"/>
+                    <dgm:constr type="w" for="ch" forName="bullet2b" refType="w" fact="0.06"/>
+                    <dgm:constr type="h" for="ch" forName="bullet2b" refType="w" refFor="ch" refForName="bullet2b"/>
+                    <dgm:constr type="r" for="ch" forName="textBox2b" refType="ctrX" refFor="ch" refForName="bullet2b"/>
+                    <dgm:constr type="b" for="ch" forName="textBox2b" refType="ctrY" refFor="ch" refForName="bullet2b"/>
+                    <dgm:constr type="w" for="ch" forName="textBox2b" refType="w" fact="0.28"/>
+                    <dgm:constr type="h" for="ch" forName="textBox2b" refType="h" fact="0.338"/>
+                    <dgm:constr type="userB" refType="h" refFor="ch" refForName="bullet2b" fact="0.53"/>
+                    <dgm:constr type="rMarg" for="ch" forName="textBox2b" refType="userB" fact="2.834"/>
+                    <dgm:constr type="primFontSz" for="ch" ptType="node" op="equ" val="65"/>
+                  </dgm:constrLst>
+                </dgm:else>
+              </dgm:choose>
+              <dgm:ruleLst/>
+              <dgm:forEach name="Name10" axis="ch" ptType="node" cnt="1">
+                <dgm:layoutNode name="bullet2a" styleLbl="node1">
+                  <dgm:alg type="sp"/>
+                  <dgm:shape xmlns:r="http://schemas.openxmlformats.org/officeDocument/2006/relationships" type="ellipse" r:blip="">
+                    <dgm:adjLst/>
+                  </dgm:shape>
+                  <dgm:presOf/>
+                  <dgm:constrLst/>
+                  <dgm:ruleLst/>
+                </dgm:layoutNode>
+                <dgm:layoutNode name="textBox2a" styleLbl="revTx">
+                  <dgm:varLst>
+                    <dgm:bulletEnabled val="1"/>
+                  </dgm:varLst>
+                  <dgm:choose name="Name11">
+                    <dgm:if name="Name12" func="var" arg="dir" op="equ" val="norm">
+                      <dgm:choose name="Name13">
+                        <dgm:if name="Name14" axis="root des" ptType="all node" func="maxDepth" op="gt" val="1">
+                          <dgm:alg type="tx">
+                            <dgm:param type="txAnchorVert" val="t"/>
+                            <dgm:param type="parTxLTRAlign" val="l"/>
+                            <dgm:param type="parTxRTLAlign" val="r"/>
+                          </dgm:alg>
+                        </dgm:if>
+                        <dgm:else name="Name15">
+                          <dgm:alg type="tx">
+                            <dgm:param type="txAnchorVert" val="t"/>
+                            <dgm:param type="parTxLTRAlign" val="l"/>
+                            <dgm:param type="parTxRTLAlign" val="l"/>
+                          </dgm:alg>
+                        </dgm:else>
+                      </dgm:choose>
+                    </dgm:if>
+                    <dgm:else name="Name16">
+                      <dgm:choose name="Name17">
+                        <dgm:if name="Name18" axis="root des" ptType="all node" func="maxDepth" op="gt" val="1">
+                          <dgm:alg type="tx">
+                            <dgm:param type="txAnchorVert" val="b"/>
+                            <dgm:param type="txAnchorVertCh" val="b"/>
+                            <dgm:param type="parTxLTRAlign" val="l"/>
+                            <dgm:param type="parTxRTLAlign" val="r"/>
+                          </dgm:alg>
+                        </dgm:if>
+                        <dgm:else name="Name19">
+                          <dgm:alg type="tx">
+                            <dgm:param type="txAnchorVert" val="b"/>
+                            <dgm:param type="parTxLTRAlign" val="r"/>
+                            <dgm:param type="parTxRTLAlign" val="r"/>
+                          </dgm:alg>
+                        </dgm:else>
+                      </dgm:choose>
+                    </dgm:else>
+                  </dgm:choose>
+                  <dgm:shape xmlns:r="http://schemas.openxmlformats.org/officeDocument/2006/relationships" type="rect" r:blip="">
+                    <dgm:adjLst/>
+                  </dgm:shape>
+                  <dgm:presOf axis="desOrSelf" ptType="node"/>
+                  <dgm:choose name="Name20">
+                    <dgm:if name="Name21" func="var" arg="dir" op="equ" val="norm">
+                      <dgm:constrLst>
+                        <dgm:constr type="rMarg"/>
+                        <dgm:constr type="tMarg"/>
+                        <dgm:constr type="bMarg"/>
+                      </dgm:constrLst>
+                    </dgm:if>
+                    <dgm:else name="Name22">
+                      <dgm:constrLst>
+                        <dgm:constr type="lMarg"/>
+                        <dgm:constr type="tMarg"/>
+                        <dgm:constr type="bMarg"/>
+                      </dgm:constrLst>
+                    </dgm:else>
+                  </dgm:choose>
+                  <dgm:ruleLst>
+                    <dgm:rule type="primFontSz" val="5" fact="NaN" max="NaN"/>
+                  </dgm:ruleLst>
+                </dgm:layoutNode>
+              </dgm:forEach>
+              <dgm:forEach name="Name23" axis="ch" ptType="node" st="2" cnt="1">
+                <dgm:layoutNode name="bullet2b" styleLbl="node1">
+                  <dgm:alg type="sp"/>
+                  <dgm:shape xmlns:r="http://schemas.openxmlformats.org/officeDocument/2006/relationships" type="ellipse" r:blip="">
+                    <dgm:adjLst/>
+                  </dgm:shape>
+                  <dgm:presOf/>
+                  <dgm:constrLst/>
+                  <dgm:ruleLst/>
+                </dgm:layoutNode>
+                <dgm:layoutNode name="textBox2b" styleLbl="revTx">
+                  <dgm:varLst>
+                    <dgm:bulletEnabled val="1"/>
+                  </dgm:varLst>
+                  <dgm:choose name="Name24">
+                    <dgm:if name="Name25" func="var" arg="dir" op="equ" val="norm">
+                      <dgm:choose name="Name26">
+                        <dgm:if name="Name27" axis="root des" ptType="all node" func="maxDepth" op="gt" val="1">
+                          <dgm:alg type="tx">
+                            <dgm:param type="txAnchorVert" val="t"/>
+                            <dgm:param type="parTxLTRAlign" val="l"/>
+                            <dgm:param type="parTxRTLAlign" val="r"/>
+                          </dgm:alg>
+                        </dgm:if>
+                        <dgm:else name="Name28">
+                          <dgm:alg type="tx">
+                            <dgm:param type="txAnchorVert" val="t"/>
+                            <dgm:param type="parTxLTRAlign" val="l"/>
+                            <dgm:param type="parTxRTLAlign" val="l"/>
+                          </dgm:alg>
+                        </dgm:else>
+                      </dgm:choose>
+                    </dgm:if>
+                    <dgm:else name="Name29">
+                      <dgm:choose name="Name30">
+                        <dgm:if name="Name31" axis="root des" ptType="all node" func="maxDepth" op="gt" val="1">
+                          <dgm:alg type="tx">
+                            <dgm:param type="txAnchorVert" val="b"/>
+                            <dgm:param type="txAnchorVertCh" val="b"/>
+                            <dgm:param type="parTxLTRAlign" val="l"/>
+                            <dgm:param type="parTxRTLAlign" val="r"/>
+                          </dgm:alg>
+                        </dgm:if>
+                        <dgm:else name="Name32">
+                          <dgm:alg type="tx">
+                            <dgm:param type="txAnchorVert" val="b"/>
+                            <dgm:param type="parTxLTRAlign" val="r"/>
+                            <dgm:param type="parTxRTLAlign" val="r"/>
+                          </dgm:alg>
+                        </dgm:else>
+                      </dgm:choose>
+                    </dgm:else>
+                  </dgm:choose>
+                  <dgm:shape xmlns:r="http://schemas.openxmlformats.org/officeDocument/2006/relationships" type="rect" r:blip="">
+                    <dgm:adjLst/>
+                  </dgm:shape>
+                  <dgm:presOf axis="desOrSelf" ptType="node"/>
+                  <dgm:choose name="Name33">
+                    <dgm:if name="Name34" func="var" arg="dir" op="equ" val="norm">
+                      <dgm:constrLst>
+                        <dgm:constr type="rMarg"/>
+                        <dgm:constr type="tMarg"/>
+                        <dgm:constr type="bMarg"/>
+                      </dgm:constrLst>
+                    </dgm:if>
+                    <dgm:else name="Name35">
+                      <dgm:constrLst>
+                        <dgm:constr type="lMarg"/>
+                        <dgm:constr type="tMarg"/>
+                        <dgm:constr type="bMarg"/>
+                      </dgm:constrLst>
+                    </dgm:else>
+                  </dgm:choose>
+                  <dgm:ruleLst>
+                    <dgm:rule type="primFontSz" val="5" fact="NaN" max="NaN"/>
+                  </dgm:ruleLst>
+                </dgm:layoutNode>
+              </dgm:forEach>
+            </dgm:layoutNode>
+          </dgm:if>
+          <dgm:if name="Name36" axis="ch" ptType="node" func="cnt" op="equ" val="3">
+            <dgm:layoutNode name="arrowDiagram3">
+              <dgm:alg type="composite">
+                <dgm:param type="vertAlign" val="none"/>
+                <dgm:param type="horzAlign" val="none"/>
+              </dgm:alg>
+              <dgm:shape xmlns:r="http://schemas.openxmlformats.org/officeDocument/2006/relationships" r:blip="">
+                <dgm:adjLst/>
+              </dgm:shape>
+              <dgm:presOf/>
+              <dgm:choose name="Name37">
+                <dgm:if name="Name38" func="var" arg="dir" op="equ" val="norm">
+                  <dgm:constrLst>
+                    <dgm:constr type="ctrX" for="ch" forName="bullet3a" refType="w" fact="0.14"/>
+                    <dgm:constr type="ctrY" for="ch" forName="bullet3a" refType="h" fact="0.711"/>
+                    <dgm:constr type="w" for="ch" forName="bullet3a" refType="w" fact="0.026"/>
+                    <dgm:constr type="h" for="ch" forName="bullet3a" refType="w" refFor="ch" refForName="bullet3a"/>
+                    <dgm:constr type="l" for="ch" forName="textBox3a" refType="ctrX" refFor="ch" refForName="bullet3a"/>
+                    <dgm:constr type="t" for="ch" forName="textBox3a" refType="ctrY" refFor="ch" refForName="bullet3a"/>
+                    <dgm:constr type="w" for="ch" forName="textBox3a" refType="w" fact="0.233"/>
+                    <dgm:constr type="h" for="ch" forName="textBox3a" refType="h" fact="0.289"/>
+                    <dgm:constr type="userA" refType="h" refFor="ch" refForName="bullet3a" fact="0.53"/>
+                    <dgm:constr type="lMarg" for="ch" forName="textBox3a" refType="userA" fact="2.834"/>
+                    <dgm:constr type="ctrX" for="ch" forName="bullet3b" refType="w" fact="0.38"/>
+                    <dgm:constr type="ctrY" for="ch" forName="bullet3b" refType="h" fact="0.456"/>
+                    <dgm:constr type="w" for="ch" forName="bullet3b" refType="w" fact="0.047"/>
+                    <dgm:constr type="h" for="ch" forName="bullet3b" refType="w" refFor="ch" refForName="bullet3b"/>
+                    <dgm:constr type="l" for="ch" forName="textBox3b" refType="ctrX" refFor="ch" refForName="bullet3b"/>
+                    <dgm:constr type="t" for="ch" forName="textBox3b" refType="ctrY" refFor="ch" refForName="bullet3b"/>
+                    <dgm:constr type="w" for="ch" forName="textBox3b" refType="w" fact="0.24"/>
+                    <dgm:constr type="h" for="ch" forName="textBox3b" refType="h" fact="0.544"/>
+                    <dgm:constr type="userB" refType="h" refFor="ch" refForName="bullet3b" fact="0.53"/>
+                    <dgm:constr type="lMarg" for="ch" forName="textBox3b" refType="userB" fact="2.834"/>
+                    <dgm:constr type="ctrX" for="ch" forName="bullet3c" refType="w" fact="0.665"/>
+                    <dgm:constr type="ctrY" for="ch" forName="bullet3c" refType="h" fact="0.305"/>
+                    <dgm:constr type="w" for="ch" forName="bullet3c" refType="w" fact="0.065"/>
+                    <dgm:constr type="h" for="ch" forName="bullet3c" refType="w" refFor="ch" refForName="bullet3c"/>
+                    <dgm:constr type="l" for="ch" forName="textBox3c" refType="ctrX" refFor="ch" refForName="bullet3c"/>
+                    <dgm:constr type="t" for="ch" forName="textBox3c" refType="ctrY" refFor="ch" refForName="bullet3c"/>
+                    <dgm:constr type="w" for="ch" forName="textBox3c" refType="w" fact="0.24"/>
+                    <dgm:constr type="h" for="ch" forName="textBox3c" refType="h" fact="0.695"/>
+                    <dgm:constr type="userC" refType="h" refFor="ch" refForName="bullet3c" fact="0.53"/>
+                    <dgm:constr type="lMarg" for="ch" forName="textBox3c" refType="userC" fact="2.834"/>
+                    <dgm:constr type="primFontSz" for="ch" ptType="node" op="equ" val="65"/>
+                  </dgm:constrLst>
+                </dgm:if>
+                <dgm:else name="Name39">
+                  <dgm:constrLst>
+                    <dgm:constr type="ctrX" for="ch" forName="bullet3a" refType="w" fact="0.14"/>
+                    <dgm:constr type="ctrY" for="ch" forName="bullet3a" refType="h" fact="0.711"/>
+                    <dgm:constr type="w" for="ch" forName="bullet3a" refType="w" fact="0.026"/>
+                    <dgm:constr type="h" for="ch" forName="bullet3a" refType="w" refFor="ch" refForName="bullet3a"/>
+                    <dgm:constr type="r" for="ch" forName="textBox3a" refType="ctrX" refFor="ch" refForName="bullet3a"/>
+                    <dgm:constr type="b" for="ch" forName="textBox3a" refType="ctrY" refFor="ch" refForName="bullet3a"/>
+                    <dgm:constr type="w" for="ch" forName="textBox3a" refType="w" fact="0.14"/>
+                    <dgm:constr type="h" for="ch" forName="textBox3a" refType="h" fact="0.711"/>
+                    <dgm:constr type="userA" refType="h" refFor="ch" refForName="bullet3a" fact="0.53"/>
+                    <dgm:constr type="rMarg" for="ch" forName="textBox3a" refType="userA" fact="2.834"/>
+                    <dgm:constr type="ctrX" for="ch" forName="bullet3b" refType="w" fact="0.38"/>
+                    <dgm:constr type="ctrY" for="ch" forName="bullet3b" refType="h" fact="0.456"/>
+                    <dgm:constr type="w" for="ch" forName="bullet3b" refType="w" fact="0.047"/>
+                    <dgm:constr type="h" for="ch" forName="bullet3b" refType="w" refFor="ch" refForName="bullet3b"/>
+                    <dgm:constr type="r" for="ch" forName="textBox3b" refType="ctrX" refFor="ch" refForName="bullet3b"/>
+                    <dgm:constr type="b" for="ch" forName="textBox3b" refType="ctrY" refFor="ch" refForName="bullet3b"/>
+                    <dgm:constr type="w" for="ch" forName="textBox3b" refType="w" fact="0.24"/>
+                    <dgm:constr type="h" for="ch" forName="textBox3b" refType="h" fact="0.456"/>
+                    <dgm:constr type="userB" refType="h" refFor="ch" refForName="bullet3b" fact="0.53"/>
+                    <dgm:constr type="rMarg" for="ch" forName="textBox3b" refType="userB" fact="2.834"/>
+                    <dgm:constr type="ctrX" for="ch" forName="bullet3c" refType="w" fact="0.665"/>
+                    <dgm:constr type="ctrY" for="ch" forName="bullet3c" refType="h" fact="0.305"/>
+                    <dgm:constr type="w" for="ch" forName="bullet3c" refType="w" fact="0.065"/>
+                    <dgm:constr type="h" for="ch" forName="bullet3c" refType="w" refFor="ch" refForName="bullet3c"/>
+                    <dgm:constr type="r" for="ch" forName="textBox3c" refType="ctrX" refFor="ch" refForName="bullet3c"/>
+                    <dgm:constr type="b" for="ch" forName="textBox3c" refType="ctrY" refFor="ch" refForName="bullet3c"/>
+                    <dgm:constr type="w" for="ch" forName="textBox3c" refType="w" fact="0.24"/>
+                    <dgm:constr type="h" for="ch" forName="textBox3c" refType="h" fact="0.305"/>
+                    <dgm:constr type="userC" refType="h" refFor="ch" refForName="bullet3c" fact="0.53"/>
+                    <dgm:constr type="rMarg" for="ch" forName="textBox3c" refType="userC" fact="2.834"/>
+                    <dgm:constr type="primFontSz" for="ch" ptType="node" op="equ" val="65"/>
+                  </dgm:constrLst>
+                </dgm:else>
+              </dgm:choose>
+              <dgm:ruleLst/>
+              <dgm:forEach name="Name40" axis="ch" ptType="node" cnt="1">
+                <dgm:layoutNode name="bullet3a" styleLbl="node1">
+                  <dgm:alg type="sp"/>
+                  <dgm:shape xmlns:r="http://schemas.openxmlformats.org/officeDocument/2006/relationships" type="ellipse" r:blip="">
+                    <dgm:adjLst/>
+                  </dgm:shape>
+                  <dgm:presOf/>
+                  <dgm:constrLst/>
+                  <dgm:ruleLst/>
+                </dgm:layoutNode>
+                <dgm:layoutNode name="textBox3a" styleLbl="revTx">
+                  <dgm:varLst>
+                    <dgm:bulletEnabled val="1"/>
+                  </dgm:varLst>
+                  <dgm:choose name="Name41">
+                    <dgm:if name="Name42" func="var" arg="dir" op="equ" val="norm">
+                      <dgm:choose name="Name43">
+                        <dgm:if name="Name44" axis="root des" ptType="all node" func="maxDepth" op="gt" val="1">
+                          <dgm:alg type="tx">
+                            <dgm:param type="txAnchorVert" val="t"/>
+                            <dgm:param type="parTxLTRAlign" val="l"/>
+                            <dgm:param type="parTxRTLAlign" val="r"/>
+                          </dgm:alg>
+                        </dgm:if>
+                        <dgm:else name="Name45">
+                          <dgm:alg type="tx">
+                            <dgm:param type="txAnchorVert" val="t"/>
+                            <dgm:param type="parTxLTRAlign" val="l"/>
+                            <dgm:param type="parTxRTLAlign" val="l"/>
+                          </dgm:alg>
+                        </dgm:else>
+                      </dgm:choose>
+                    </dgm:if>
+                    <dgm:else name="Name46">
+                      <dgm:choose name="Name47">
+                        <dgm:if name="Name48" axis="root des" ptType="all node" func="maxDepth" op="gt" val="1">
+                          <dgm:alg type="tx">
+                            <dgm:param type="txAnchorVert" val="b"/>
+                            <dgm:param type="txAnchorVertCh" val="b"/>
+                            <dgm:param type="parTxLTRAlign" val="l"/>
+                            <dgm:param type="parTxRTLAlign" val="r"/>
+                          </dgm:alg>
+                        </dgm:if>
+                        <dgm:else name="Name49">
+                          <dgm:alg type="tx">
+                            <dgm:param type="txAnchorVert" val="b"/>
+                            <dgm:param type="parTxLTRAlign" val="r"/>
+                            <dgm:param type="parTxRTLAlign" val="r"/>
+                          </dgm:alg>
+                        </dgm:else>
+                      </dgm:choose>
+                    </dgm:else>
+                  </dgm:choose>
+                  <dgm:shape xmlns:r="http://schemas.openxmlformats.org/officeDocument/2006/relationships" type="rect" r:blip="">
+                    <dgm:adjLst/>
+                  </dgm:shape>
+                  <dgm:presOf axis="desOrSelf" ptType="node"/>
+                  <dgm:choose name="Name50">
+                    <dgm:if name="Name51" func="var" arg="dir" op="equ" val="norm">
+                      <dgm:constrLst>
+                        <dgm:constr type="rMarg"/>
+                        <dgm:constr type="tMarg"/>
+                        <dgm:constr type="bMarg"/>
+                      </dgm:constrLst>
+                    </dgm:if>
+                    <dgm:else name="Name52">
+                      <dgm:constrLst>
+                        <dgm:constr type="lMarg"/>
+                        <dgm:constr type="tMarg"/>
+                        <dgm:constr type="bMarg"/>
+                      </dgm:constrLst>
+                    </dgm:else>
+                  </dgm:choose>
+                  <dgm:ruleLst>
+                    <dgm:rule type="primFontSz" val="5" fact="NaN" max="NaN"/>
+                  </dgm:ruleLst>
+                </dgm:layoutNode>
+              </dgm:forEach>
+              <dgm:forEach name="Name53" axis="ch" ptType="node" st="2" cnt="1">
+                <dgm:layoutNode name="bullet3b" styleLbl="node1">
+                  <dgm:alg type="sp"/>
+                  <dgm:shape xmlns:r="http://schemas.openxmlformats.org/officeDocument/2006/relationships" type="ellipse" r:blip="">
+                    <dgm:adjLst/>
+                  </dgm:shape>
+                  <dgm:presOf/>
+                  <dgm:constrLst/>
+                  <dgm:ruleLst/>
+                </dgm:layoutNode>
+                <dgm:layoutNode name="textBox3b" styleLbl="revTx">
+                  <dgm:varLst>
+                    <dgm:bulletEnabled val="1"/>
+                  </dgm:varLst>
+                  <dgm:choose name="Name54">
+                    <dgm:if name="Name55" func="var" arg="dir" op="equ" val="norm">
+                      <dgm:choose name="Name56">
+                        <dgm:if name="Name57" axis="root des" ptType="all node" func="maxDepth" op="gt" val="1">
+                          <dgm:alg type="tx">
+                            <dgm:param type="txAnchorVert" val="t"/>
+                            <dgm:param type="parTxLTRAlign" val="l"/>
+                            <dgm:param type="parTxRTLAlign" val="r"/>
+                          </dgm:alg>
+                        </dgm:if>
+                        <dgm:else name="Name58">
+                          <dgm:alg type="tx">
+                            <dgm:param type="txAnchorVert" val="t"/>
+                            <dgm:param type="parTxLTRAlign" val="l"/>
+                            <dgm:param type="parTxRTLAlign" val="l"/>
+                          </dgm:alg>
+                        </dgm:else>
+                      </dgm:choose>
+                    </dgm:if>
+                    <dgm:else name="Name59">
+                      <dgm:choose name="Name60">
+                        <dgm:if name="Name61" axis="root des" ptType="all node" func="maxDepth" op="gt" val="1">
+                          <dgm:alg type="tx">
+                            <dgm:param type="txAnchorVert" val="b"/>
+                            <dgm:param type="txAnchorVertCh" val="b"/>
+                            <dgm:param type="parTxLTRAlign" val="l"/>
+                            <dgm:param type="parTxRTLAlign" val="r"/>
+                          </dgm:alg>
+                        </dgm:if>
+                        <dgm:else name="Name62">
+                          <dgm:alg type="tx">
+                            <dgm:param type="txAnchorVert" val="b"/>
+                            <dgm:param type="parTxLTRAlign" val="r"/>
+                            <dgm:param type="parTxRTLAlign" val="r"/>
+                          </dgm:alg>
+                        </dgm:else>
+                      </dgm:choose>
+                    </dgm:else>
+                  </dgm:choose>
+                  <dgm:shape xmlns:r="http://schemas.openxmlformats.org/officeDocument/2006/relationships" type="rect" r:blip="">
+                    <dgm:adjLst/>
+                  </dgm:shape>
+                  <dgm:presOf axis="desOrSelf" ptType="node"/>
+                  <dgm:choose name="Name63">
+                    <dgm:if name="Name64" func="var" arg="dir" op="equ" val="norm">
+                      <dgm:constrLst>
+                        <dgm:constr type="rMarg"/>
+                        <dgm:constr type="tMarg"/>
+                        <dgm:constr type="bMarg"/>
+                      </dgm:constrLst>
+                    </dgm:if>
+                    <dgm:else name="Name65">
+                      <dgm:constrLst>
+                        <dgm:constr type="lMarg"/>
+                        <dgm:constr type="tMarg"/>
+                        <dgm:constr type="bMarg"/>
+                      </dgm:constrLst>
+                    </dgm:else>
+                  </dgm:choose>
+                  <dgm:ruleLst>
+                    <dgm:rule type="primFontSz" val="5" fact="NaN" max="NaN"/>
+                  </dgm:ruleLst>
+                </dgm:layoutNode>
+              </dgm:forEach>
+              <dgm:forEach name="Name66" axis="ch" ptType="node" st="3" cnt="1">
+                <dgm:layoutNode name="bullet3c" styleLbl="node1">
+                  <dgm:alg type="sp"/>
+                  <dgm:shape xmlns:r="http://schemas.openxmlformats.org/officeDocument/2006/relationships" type="ellipse" r:blip="">
+                    <dgm:adjLst/>
+                  </dgm:shape>
+                  <dgm:presOf/>
+                  <dgm:constrLst/>
+                  <dgm:ruleLst/>
+                </dgm:layoutNode>
+                <dgm:layoutNode name="textBox3c" styleLbl="revTx">
+                  <dgm:varLst>
+                    <dgm:bulletEnabled val="1"/>
+                  </dgm:varLst>
+                  <dgm:choose name="Name67">
+                    <dgm:if name="Name68" func="var" arg="dir" op="equ" val="norm">
+                      <dgm:choose name="Name69">
+                        <dgm:if name="Name70" axis="root des" ptType="all node" func="maxDepth" op="gt" val="1">
+                          <dgm:alg type="tx">
+                            <dgm:param type="txAnchorVert" val="t"/>
+                            <dgm:param type="parTxLTRAlign" val="l"/>
+                            <dgm:param type="parTxRTLAlign" val="r"/>
+                          </dgm:alg>
+                        </dgm:if>
+                        <dgm:else name="Name71">
+                          <dgm:alg type="tx">
+                            <dgm:param type="txAnchorVert" val="t"/>
+                            <dgm:param type="parTxLTRAlign" val="l"/>
+                            <dgm:param type="parTxRTLAlign" val="l"/>
+                          </dgm:alg>
+                        </dgm:else>
+                      </dgm:choose>
+                    </dgm:if>
+                    <dgm:else name="Name72">
+                      <dgm:choose name="Name73">
+                        <dgm:if name="Name74" axis="root des" ptType="all node" func="maxDepth" op="gt" val="1">
+                          <dgm:alg type="tx">
+                            <dgm:param type="txAnchorVert" val="b"/>
+                            <dgm:param type="txAnchorVertCh" val="b"/>
+                            <dgm:param type="parTxLTRAlign" val="l"/>
+                            <dgm:param type="parTxRTLAlign" val="r"/>
+                          </dgm:alg>
+                        </dgm:if>
+                        <dgm:else name="Name75">
+                          <dgm:alg type="tx">
+                            <dgm:param type="txAnchorVert" val="b"/>
+                            <dgm:param type="parTxLTRAlign" val="r"/>
+                            <dgm:param type="parTxRTLAlign" val="r"/>
+                          </dgm:alg>
+                        </dgm:else>
+                      </dgm:choose>
+                    </dgm:else>
+                  </dgm:choose>
+                  <dgm:shape xmlns:r="http://schemas.openxmlformats.org/officeDocument/2006/relationships" type="rect" r:blip="">
+                    <dgm:adjLst/>
+                  </dgm:shape>
+                  <dgm:presOf axis="desOrSelf" ptType="node"/>
+                  <dgm:choose name="Name76">
+                    <dgm:if name="Name77" func="var" arg="dir" op="equ" val="norm">
+                      <dgm:constrLst>
+                        <dgm:constr type="rMarg"/>
+                        <dgm:constr type="tMarg"/>
+                        <dgm:constr type="bMarg"/>
+                      </dgm:constrLst>
+                    </dgm:if>
+                    <dgm:else name="Name78">
+                      <dgm:constrLst>
+                        <dgm:constr type="lMarg"/>
+                        <dgm:constr type="tMarg"/>
+                        <dgm:constr type="bMarg"/>
+                      </dgm:constrLst>
+                    </dgm:else>
+                  </dgm:choose>
+                  <dgm:ruleLst>
+                    <dgm:rule type="primFontSz" val="5" fact="NaN" max="NaN"/>
+                  </dgm:ruleLst>
+                </dgm:layoutNode>
+              </dgm:forEach>
+            </dgm:layoutNode>
+          </dgm:if>
+          <dgm:if name="Name79" axis="ch" ptType="node" func="cnt" op="equ" val="4">
+            <dgm:layoutNode name="arrowDiagram4">
+              <dgm:alg type="composite">
+                <dgm:param type="vertAlign" val="none"/>
+                <dgm:param type="horzAlign" val="none"/>
+              </dgm:alg>
+              <dgm:shape xmlns:r="http://schemas.openxmlformats.org/officeDocument/2006/relationships" r:blip="">
+                <dgm:adjLst/>
+              </dgm:shape>
+              <dgm:presOf/>
+              <dgm:choose name="Name80">
+                <dgm:if name="Name81" func="var" arg="dir" op="equ" val="norm">
+                  <dgm:constrLst>
+                    <dgm:constr type="ctrX" for="ch" forName="bullet4a" refType="w" fact="0.11"/>
+                    <dgm:constr type="ctrY" for="ch" forName="bullet4a" refType="h" fact="0.762"/>
+                    <dgm:constr type="w" for="ch" forName="bullet4a" refType="w" fact="0.023"/>
+                    <dgm:constr type="h" for="ch" forName="bullet4a" refType="w" refFor="ch" refForName="bullet4a"/>
+                    <dgm:constr type="l" for="ch" forName="textBox4a" refType="ctrX" refFor="ch" refForName="bullet4a"/>
+                    <dgm:constr type="t" for="ch" forName="textBox4a" refType="ctrY" refFor="ch" refForName="bullet4a"/>
+                    <dgm:constr type="w" for="ch" forName="textBox4a" refType="w" fact="0.171"/>
+                    <dgm:constr type="h" for="ch" forName="textBox4a" refType="h" fact="0.238"/>
+                    <dgm:constr type="userA" refType="h" refFor="ch" refForName="bullet4a" fact="0.53"/>
+                    <dgm:constr type="lMarg" for="ch" forName="textBox4a" refType="userA" fact="2.834"/>
+                    <dgm:constr type="ctrX" for="ch" forName="bullet4b" refType="w" fact="0.281"/>
+                    <dgm:constr type="ctrY" for="ch" forName="bullet4b" refType="h" fact="0.543"/>
+                    <dgm:constr type="w" for="ch" forName="bullet4b" refType="w" fact="0.04"/>
+                    <dgm:constr type="h" for="ch" forName="bullet4b" refType="w" refFor="ch" refForName="bullet4b"/>
+                    <dgm:constr type="l" for="ch" forName="textBox4b" refType="ctrX" refFor="ch" refForName="bullet4b"/>
+                    <dgm:constr type="t" for="ch" forName="textBox4b" refType="ctrY" refFor="ch" refForName="bullet4b"/>
+                    <dgm:constr type="w" for="ch" forName="textBox4b" refType="w" fact="0.21"/>
+                    <dgm:constr type="h" for="ch" forName="textBox4b" refType="h" fact="0.457"/>
+                    <dgm:constr type="userB" refType="h" refFor="ch" refForName="bullet4b" fact="0.53"/>
+                    <dgm:constr type="lMarg" for="ch" forName="textBox4b" refType="userB" fact="2.834"/>
+                    <dgm:constr type="ctrX" for="ch" forName="bullet4c" refType="w" fact="0.495"/>
+                    <dgm:constr type="ctrY" for="ch" forName="bullet4c" refType="h" fact="0.382"/>
+                    <dgm:constr type="w" for="ch" forName="bullet4c" refType="w" fact="0.053"/>
+                    <dgm:constr type="h" for="ch" forName="bullet4c" refType="w" refFor="ch" refForName="bullet4c"/>
+                    <dgm:constr type="l" for="ch" forName="textBox4c" refType="ctrX" refFor="ch" refForName="bullet4c"/>
+                    <dgm:constr type="t" for="ch" forName="textBox4c" refType="ctrY" refFor="ch" refForName="bullet4c"/>
+                    <dgm:constr type="w" for="ch" forName="textBox4c" refType="w" fact="0.21"/>
+                    <dgm:constr type="h" for="ch" forName="textBox4c" refType="h" fact="0.618"/>
+                    <dgm:constr type="userC" refType="h" refFor="ch" refForName="bullet4c" fact="0.53"/>
+                    <dgm:constr type="lMarg" for="ch" forName="textBox4c" refType="userC" fact="2.834"/>
+                    <dgm:constr type="ctrX" for="ch" forName="bullet4d" refType="w" fact="0.73"/>
+                    <dgm:constr type="ctrY" for="ch" forName="bullet4d" refType="h" fact="0.283"/>
+                    <dgm:constr type="w" for="ch" forName="bullet4d" refType="w" fact="0.071"/>
+                    <dgm:constr type="h" for="ch" forName="bullet4d" refType="w" refFor="ch" refForName="bullet4d"/>
+                    <dgm:constr type="l" for="ch" forName="textBox4d" refType="ctrX" refFor="ch" refForName="bullet4d"/>
+                    <dgm:constr type="t" for="ch" forName="textBox4d" refType="ctrY" refFor="ch" refForName="bullet4d"/>
+                    <dgm:constr type="w" for="ch" forName="textBox4d" refType="w" fact="0.21"/>
+                    <dgm:constr type="h" for="ch" forName="textBox4d" refType="h" fact="0.717"/>
+                    <dgm:constr type="userD" refType="h" refFor="ch" refForName="bullet4d" fact="0.53"/>
+                    <dgm:constr type="lMarg" for="ch" forName="textBox4d" refType="userD" fact="2.834"/>
+                    <dgm:constr type="primFontSz" for="ch" ptType="node" op="equ" val="65"/>
+                  </dgm:constrLst>
+                </dgm:if>
+                <dgm:else name="Name82">
+                  <dgm:constrLst>
+                    <dgm:constr type="ctrX" for="ch" forName="bullet4a" refType="w" fact="0.11"/>
+                    <dgm:constr type="ctrY" for="ch" forName="bullet4a" refType="h" fact="0.762"/>
+                    <dgm:constr type="w" for="ch" forName="bullet4a" refType="w" fact="0.023"/>
+                    <dgm:constr type="h" for="ch" forName="bullet4a" refType="w" refFor="ch" refForName="bullet4a"/>
+                    <dgm:constr type="r" for="ch" forName="textBox4a" refType="ctrX" refFor="ch" refForName="bullet4a"/>
+                    <dgm:constr type="b" for="ch" forName="textBox4a" refType="ctrY" refFor="ch" refForName="bullet4a"/>
+                    <dgm:constr type="w" for="ch" forName="textBox4a" refType="w" fact="0.11"/>
+                    <dgm:constr type="h" for="ch" forName="textBox4a" refType="h" fact="0.762"/>
+                    <dgm:constr type="userA" refType="h" refFor="ch" refForName="bullet4a" fact="0.53"/>
+                    <dgm:constr type="rMarg" for="ch" forName="textBox4a" refType="userA" fact="2.834"/>
+                    <dgm:constr type="ctrX" for="ch" forName="bullet4b" refType="w" fact="0.281"/>
+                    <dgm:constr type="ctrY" for="ch" forName="bullet4b" refType="h" fact="0.543"/>
+                    <dgm:constr type="w" for="ch" forName="bullet4b" refType="w" fact="0.04"/>
+                    <dgm:constr type="h" for="ch" forName="bullet4b" refType="w" refFor="ch" refForName="bullet4b"/>
+                    <dgm:constr type="r" for="ch" forName="textBox4b" refType="ctrX" refFor="ch" refForName="bullet4b"/>
+                    <dgm:constr type="b" for="ch" forName="textBox4b" refType="ctrY" refFor="ch" refForName="bullet4b"/>
+                    <dgm:constr type="w" for="ch" forName="textBox4b" refType="w" fact="0.171"/>
+                    <dgm:constr type="h" for="ch" forName="textBox4b" refType="h" fact="0.543"/>
+                    <dgm:constr type="userB" refType="h" refFor="ch" refForName="bullet4b" fact="0.53"/>
+                    <dgm:constr type="rMarg" for="ch" forName="textBox4b" refType="userB" fact="2.834"/>
+                    <dgm:constr type="ctrX" for="ch" forName="bullet4c" refType="w" fact="0.495"/>
+                    <dgm:constr type="ctrY" for="ch" forName="bullet4c" refType="h" fact="0.382"/>
+                    <dgm:constr type="w" for="ch" forName="bullet4c" refType="w" fact="0.053"/>
+                    <dgm:constr type="h" for="ch" forName="bullet4c" refType="w" refFor="ch" refForName="bullet4c"/>
+                    <dgm:constr type="r" for="ch" forName="textBox4c" refType="ctrX" refFor="ch" refForName="bullet4c"/>
+                    <dgm:constr type="b" for="ch" forName="textBox4c" refType="ctrY" refFor="ch" refForName="bullet4c"/>
+                    <dgm:constr type="w" for="ch" forName="textBox4c" refType="w" fact="0.21"/>
+                    <dgm:constr type="h" for="ch" forName="textBox4c" refType="h" fact="0.382"/>
+                    <dgm:constr type="userC" refType="h" refFor="ch" refForName="bullet4c" fact="0.53"/>
+                    <dgm:constr type="rMarg" for="ch" forName="textBox4c" refType="userC" fact="2.834"/>
+                    <dgm:constr type="ctrX" for="ch" forName="bullet4d" refType="w" fact="0.73"/>
+                    <dgm:constr type="ctrY" for="ch" forName="bullet4d" refType="h" fact="0.283"/>
+                    <dgm:constr type="w" for="ch" forName="bullet4d" refType="w" fact="0.071"/>
+                    <dgm:constr type="h" for="ch" forName="bullet4d" refType="w" refFor="ch" refForName="bullet4d"/>
+                    <dgm:constr type="r" for="ch" forName="textBox4d" refType="ctrX" refFor="ch" refForName="bullet4d"/>
+                    <dgm:constr type="b" for="ch" forName="textBox4d" refType="ctrY" refFor="ch" refForName="bullet4d"/>
+                    <dgm:constr type="w" for="ch" forName="textBox4d" refType="w" fact="0.21"/>
+                    <dgm:constr type="h" for="ch" forName="textBox4d" refType="h" fact="0.283"/>
+                    <dgm:constr type="userD" refType="h" refFor="ch" refForName="bullet4d" fact="0.53"/>
+                    <dgm:constr type="rMarg" for="ch" forName="textBox4d" refType="userD" fact="2.834"/>
+                    <dgm:constr type="primFontSz" for="ch" ptType="node" op="equ" val="65"/>
+                  </dgm:constrLst>
+                </dgm:else>
+              </dgm:choose>
+              <dgm:ruleLst/>
+              <dgm:forEach name="Name83" axis="ch" ptType="node" cnt="1">
+                <dgm:layoutNode name="bullet4a" styleLbl="node1">
+                  <dgm:alg type="sp"/>
+                  <dgm:shape xmlns:r="http://schemas.openxmlformats.org/officeDocument/2006/relationships" type="ellipse" r:blip="">
+                    <dgm:adjLst/>
+                  </dgm:shape>
+                  <dgm:presOf/>
+                  <dgm:constrLst/>
+                  <dgm:ruleLst/>
+                </dgm:layoutNode>
+                <dgm:layoutNode name="textBox4a" styleLbl="revTx">
+                  <dgm:varLst>
+                    <dgm:bulletEnabled val="1"/>
+                  </dgm:varLst>
+                  <dgm:choose name="Name84">
+                    <dgm:if name="Name85" func="var" arg="dir" op="equ" val="norm">
+                      <dgm:choose name="Name86">
+                        <dgm:if name="Name87" axis="root des" ptType="all node" func="maxDepth" op="gt" val="1">
+                          <dgm:alg type="tx">
+                            <dgm:param type="txAnchorVert" val="t"/>
+                            <dgm:param type="parTxLTRAlign" val="l"/>
+                            <dgm:param type="parTxRTLAlign" val="r"/>
+                          </dgm:alg>
+                        </dgm:if>
+                        <dgm:else name="Name88">
+                          <dgm:alg type="tx">
+                            <dgm:param type="txAnchorVert" val="t"/>
+                            <dgm:param type="parTxLTRAlign" val="l"/>
+                            <dgm:param type="parTxRTLAlign" val="l"/>
+                          </dgm:alg>
+                        </dgm:else>
+                      </dgm:choose>
+                    </dgm:if>
+                    <dgm:else name="Name89">
+                      <dgm:choose name="Name90">
+                        <dgm:if name="Name91" axis="root des" ptType="all node" func="maxDepth" op="gt" val="1">
+                          <dgm:alg type="tx">
+                            <dgm:param type="txAnchorVert" val="b"/>
+                            <dgm:param type="txAnchorVertCh" val="b"/>
+                            <dgm:param type="parTxLTRAlign" val="l"/>
+                            <dgm:param type="parTxRTLAlign" val="r"/>
+                          </dgm:alg>
+                        </dgm:if>
+                        <dgm:else name="Name92">
+                          <dgm:alg type="tx">
+                            <dgm:param type="txAnchorVert" val="b"/>
+                            <dgm:param type="parTxLTRAlign" val="r"/>
+                            <dgm:param type="parTxRTLAlign" val="r"/>
+                          </dgm:alg>
+                        </dgm:else>
+                      </dgm:choose>
+                    </dgm:else>
+                  </dgm:choose>
+                  <dgm:shape xmlns:r="http://schemas.openxmlformats.org/officeDocument/2006/relationships" type="rect" r:blip="">
+                    <dgm:adjLst/>
+                  </dgm:shape>
+                  <dgm:presOf axis="desOrSelf" ptType="node"/>
+                  <dgm:choose name="Name93">
+                    <dgm:if name="Name94" func="var" arg="dir" op="equ" val="norm">
+                      <dgm:constrLst>
+                        <dgm:constr type="rMarg"/>
+                        <dgm:constr type="tMarg"/>
+                        <dgm:constr type="bMarg"/>
+                      </dgm:constrLst>
+                    </dgm:if>
+                    <dgm:else name="Name95">
+                      <dgm:constrLst>
+                        <dgm:constr type="lMarg"/>
+                        <dgm:constr type="tMarg"/>
+                        <dgm:constr type="bMarg"/>
+                      </dgm:constrLst>
+                    </dgm:else>
+                  </dgm:choose>
+                  <dgm:ruleLst>
+                    <dgm:rule type="primFontSz" val="5" fact="NaN" max="NaN"/>
+                  </dgm:ruleLst>
+                </dgm:layoutNode>
+              </dgm:forEach>
+              <dgm:forEach name="Name96" axis="ch" ptType="node" st="2" cnt="1">
+                <dgm:layoutNode name="bullet4b" styleLbl="node1">
+                  <dgm:alg type="sp"/>
+                  <dgm:shape xmlns:r="http://schemas.openxmlformats.org/officeDocument/2006/relationships" type="ellipse" r:blip="">
+                    <dgm:adjLst/>
+                  </dgm:shape>
+                  <dgm:presOf/>
+                  <dgm:constrLst/>
+                  <dgm:ruleLst/>
+                </dgm:layoutNode>
+                <dgm:layoutNode name="textBox4b" styleLbl="revTx">
+                  <dgm:varLst>
+                    <dgm:bulletEnabled val="1"/>
+                  </dgm:varLst>
+                  <dgm:choose name="Name97">
+                    <dgm:if name="Name98" func="var" arg="dir" op="equ" val="norm">
+                      <dgm:choose name="Name99">
+                        <dgm:if name="Name100" axis="root des" ptType="all node" func="maxDepth" op="gt" val="1">
+                          <dgm:alg type="tx">
+                            <dgm:param type="txAnchorVert" val="t"/>
+                            <dgm:param type="parTxLTRAlign" val="l"/>
+                            <dgm:param type="parTxRTLAlign" val="r"/>
+                          </dgm:alg>
+                        </dgm:if>
+                        <dgm:else name="Name101">
+                          <dgm:alg type="tx">
+                            <dgm:param type="txAnchorVert" val="t"/>
+                            <dgm:param type="parTxLTRAlign" val="l"/>
+                            <dgm:param type="parTxRTLAlign" val="l"/>
+                          </dgm:alg>
+                        </dgm:else>
+                      </dgm:choose>
+                    </dgm:if>
+                    <dgm:else name="Name102">
+                      <dgm:choose name="Name103">
+                        <dgm:if name="Name104" axis="root des" ptType="all node" func="maxDepth" op="gt" val="1">
+                          <dgm:alg type="tx">
+                            <dgm:param type="txAnchorVert" val="b"/>
+                            <dgm:param type="txAnchorVertCh" val="b"/>
+                            <dgm:param type="parTxLTRAlign" val="l"/>
+                            <dgm:param type="parTxRTLAlign" val="r"/>
+                          </dgm:alg>
+                        </dgm:if>
+                        <dgm:else name="Name105">
+                          <dgm:alg type="tx">
+                            <dgm:param type="txAnchorVert" val="b"/>
+                            <dgm:param type="parTxLTRAlign" val="r"/>
+                            <dgm:param type="parTxRTLAlign" val="r"/>
+                          </dgm:alg>
+                        </dgm:else>
+                      </dgm:choose>
+                    </dgm:else>
+                  </dgm:choose>
+                  <dgm:shape xmlns:r="http://schemas.openxmlformats.org/officeDocument/2006/relationships" type="rect" r:blip="">
+                    <dgm:adjLst/>
+                  </dgm:shape>
+                  <dgm:presOf axis="desOrSelf" ptType="node"/>
+                  <dgm:choose name="Name106">
+                    <dgm:if name="Name107" func="var" arg="dir" op="equ" val="norm">
+                      <dgm:constrLst>
+                        <dgm:constr type="rMarg"/>
+                        <dgm:constr type="tMarg"/>
+                        <dgm:constr type="bMarg"/>
+                      </dgm:constrLst>
+                    </dgm:if>
+                    <dgm:else name="Name108">
+                      <dgm:constrLst>
+                        <dgm:constr type="lMarg"/>
+                        <dgm:constr type="tMarg"/>
+                        <dgm:constr type="bMarg"/>
+                      </dgm:constrLst>
+                    </dgm:else>
+                  </dgm:choose>
+                  <dgm:ruleLst>
+                    <dgm:rule type="primFontSz" val="5" fact="NaN" max="NaN"/>
+                  </dgm:ruleLst>
+                </dgm:layoutNode>
+              </dgm:forEach>
+              <dgm:forEach name="Name109" axis="ch" ptType="node" st="3" cnt="1">
+                <dgm:layoutNode name="bullet4c" styleLbl="node1">
+                  <dgm:alg type="sp"/>
+                  <dgm:shape xmlns:r="http://schemas.openxmlformats.org/officeDocument/2006/relationships" type="ellipse" r:blip="">
+                    <dgm:adjLst/>
+                  </dgm:shape>
+                  <dgm:presOf/>
+                  <dgm:constrLst/>
+                  <dgm:ruleLst/>
+                </dgm:layoutNode>
+                <dgm:layoutNode name="textBox4c" styleLbl="revTx">
+                  <dgm:varLst>
+                    <dgm:bulletEnabled val="1"/>
+                  </dgm:varLst>
+                  <dgm:choose name="Name110">
+                    <dgm:if name="Name111" func="var" arg="dir" op="equ" val="norm">
+                      <dgm:choose name="Name112">
+                        <dgm:if name="Name113" axis="root des" ptType="all node" func="maxDepth" op="gt" val="1">
+                          <dgm:alg type="tx">
+                            <dgm:param type="txAnchorVert" val="t"/>
+                            <dgm:param type="parTxLTRAlign" val="l"/>
+                            <dgm:param type="parTxRTLAlign" val="r"/>
+                          </dgm:alg>
+                        </dgm:if>
+                        <dgm:else name="Name114">
+                          <dgm:alg type="tx">
+                            <dgm:param type="txAnchorVert" val="t"/>
+                            <dgm:param type="parTxLTRAlign" val="l"/>
+                            <dgm:param type="parTxRTLAlign" val="l"/>
+                          </dgm:alg>
+                        </dgm:else>
+                      </dgm:choose>
+                    </dgm:if>
+                    <dgm:else name="Name115">
+                      <dgm:choose name="Name116">
+                        <dgm:if name="Name117" axis="root des" ptType="all node" func="maxDepth" op="gt" val="1">
+                          <dgm:alg type="tx">
+                            <dgm:param type="txAnchorVert" val="b"/>
+                            <dgm:param type="txAnchorVertCh" val="b"/>
+                            <dgm:param type="parTxLTRAlign" val="l"/>
+                            <dgm:param type="parTxRTLAlign" val="r"/>
+                          </dgm:alg>
+                        </dgm:if>
+                        <dgm:else name="Name118">
+                          <dgm:alg type="tx">
+                            <dgm:param type="txAnchorVert" val="b"/>
+                            <dgm:param type="parTxLTRAlign" val="r"/>
+                            <dgm:param type="parTxRTLAlign" val="r"/>
+                          </dgm:alg>
+                        </dgm:else>
+                      </dgm:choose>
+                    </dgm:else>
+                  </dgm:choose>
+                  <dgm:shape xmlns:r="http://schemas.openxmlformats.org/officeDocument/2006/relationships" type="rect" r:blip="">
+                    <dgm:adjLst/>
+                  </dgm:shape>
+                  <dgm:presOf axis="desOrSelf" ptType="node"/>
+                  <dgm:choose name="Name119">
+                    <dgm:if name="Name120" func="var" arg="dir" op="equ" val="norm">
+                      <dgm:constrLst>
+                        <dgm:constr type="rMarg"/>
+                        <dgm:constr type="tMarg"/>
+                        <dgm:constr type="bMarg"/>
+                      </dgm:constrLst>
+                    </dgm:if>
+                    <dgm:else name="Name121">
+                      <dgm:constrLst>
+                        <dgm:constr type="lMarg"/>
+                        <dgm:constr type="tMarg"/>
+                        <dgm:constr type="bMarg"/>
+                      </dgm:constrLst>
+                    </dgm:else>
+                  </dgm:choose>
+                  <dgm:ruleLst>
+                    <dgm:rule type="primFontSz" val="5" fact="NaN" max="NaN"/>
+                  </dgm:ruleLst>
+                </dgm:layoutNode>
+              </dgm:forEach>
+              <dgm:forEach name="Name122" axis="ch" ptType="node" st="4" cnt="1">
+                <dgm:layoutNode name="bullet4d" styleLbl="node1">
+                  <dgm:alg type="sp"/>
+                  <dgm:shape xmlns:r="http://schemas.openxmlformats.org/officeDocument/2006/relationships" type="ellipse" r:blip="">
+                    <dgm:adjLst/>
+                  </dgm:shape>
+                  <dgm:presOf/>
+                  <dgm:constrLst/>
+                  <dgm:ruleLst/>
+                </dgm:layoutNode>
+                <dgm:layoutNode name="textBox4d" styleLbl="revTx">
+                  <dgm:varLst>
+                    <dgm:bulletEnabled val="1"/>
+                  </dgm:varLst>
+                  <dgm:choose name="Name123">
+                    <dgm:if name="Name124" func="var" arg="dir" op="equ" val="norm">
+                      <dgm:choose name="Name125">
+                        <dgm:if name="Name126" axis="root des" ptType="all node" func="maxDepth" op="gt" val="1">
+                          <dgm:alg type="tx">
+                            <dgm:param type="txAnchorVert" val="t"/>
+                            <dgm:param type="parTxLTRAlign" val="l"/>
+                            <dgm:param type="parTxRTLAlign" val="r"/>
+                          </dgm:alg>
+                        </dgm:if>
+                        <dgm:else name="Name127">
+                          <dgm:alg type="tx">
+                            <dgm:param type="txAnchorVert" val="t"/>
+                            <dgm:param type="parTxLTRAlign" val="l"/>
+                            <dgm:param type="parTxRTLAlign" val="l"/>
+                          </dgm:alg>
+                        </dgm:else>
+                      </dgm:choose>
+                    </dgm:if>
+                    <dgm:else name="Name128">
+                      <dgm:choose name="Name129">
+                        <dgm:if name="Name130" axis="root des" ptType="all node" func="maxDepth" op="gt" val="1">
+                          <dgm:alg type="tx">
+                            <dgm:param type="txAnchorVert" val="b"/>
+                            <dgm:param type="txAnchorVertCh" val="b"/>
+                            <dgm:param type="parTxLTRAlign" val="l"/>
+                            <dgm:param type="parTxRTLAlign" val="r"/>
+                          </dgm:alg>
+                        </dgm:if>
+                        <dgm:else name="Name131">
+                          <dgm:alg type="tx">
+                            <dgm:param type="txAnchorVert" val="b"/>
+                            <dgm:param type="parTxLTRAlign" val="r"/>
+                            <dgm:param type="parTxRTLAlign" val="r"/>
+                          </dgm:alg>
+                        </dgm:else>
+                      </dgm:choose>
+                    </dgm:else>
+                  </dgm:choose>
+                  <dgm:shape xmlns:r="http://schemas.openxmlformats.org/officeDocument/2006/relationships" type="rect" r:blip="">
+                    <dgm:adjLst/>
+                  </dgm:shape>
+                  <dgm:presOf axis="desOrSelf" ptType="node"/>
+                  <dgm:choose name="Name132">
+                    <dgm:if name="Name133" func="var" arg="dir" op="equ" val="norm">
+                      <dgm:constrLst>
+                        <dgm:constr type="rMarg"/>
+                        <dgm:constr type="tMarg"/>
+                        <dgm:constr type="bMarg"/>
+                      </dgm:constrLst>
+                    </dgm:if>
+                    <dgm:else name="Name134">
+                      <dgm:constrLst>
+                        <dgm:constr type="lMarg"/>
+                        <dgm:constr type="tMarg"/>
+                        <dgm:constr type="bMarg"/>
+                      </dgm:constrLst>
+                    </dgm:else>
+                  </dgm:choose>
+                  <dgm:ruleLst>
+                    <dgm:rule type="primFontSz" val="5" fact="NaN" max="NaN"/>
+                  </dgm:ruleLst>
+                </dgm:layoutNode>
+              </dgm:forEach>
+            </dgm:layoutNode>
+          </dgm:if>
+          <dgm:else name="Name135">
+            <dgm:layoutNode name="arrowDiagram5">
+              <dgm:alg type="composite">
+                <dgm:param type="vertAlign" val="none"/>
+                <dgm:param type="horzAlign" val="none"/>
+              </dgm:alg>
+              <dgm:shape xmlns:r="http://schemas.openxmlformats.org/officeDocument/2006/relationships" r:blip="">
+                <dgm:adjLst/>
+              </dgm:shape>
+              <dgm:presOf/>
+              <dgm:choose name="Name136">
+                <dgm:if name="Name137" func="var" arg="dir" op="equ" val="norm">
+                  <dgm:constrLst>
+                    <dgm:constr type="ctrX" for="ch" forName="bullet5a" refType="w" fact="0.11"/>
+                    <dgm:constr type="ctrY" for="ch" forName="bullet5a" refType="h" fact="0.762"/>
+                    <dgm:constr type="w" for="ch" forName="bullet5a" refType="w" fact="0.023"/>
+                    <dgm:constr type="h" for="ch" forName="bullet5a" refType="w" refFor="ch" refForName="bullet5a"/>
+                    <dgm:constr type="l" for="ch" forName="textBox5a" refType="ctrX" refFor="ch" refForName="bullet5a"/>
+                    <dgm:constr type="t" for="ch" forName="textBox5a" refType="ctrY" refFor="ch" refForName="bullet5a"/>
+                    <dgm:constr type="w" for="ch" forName="textBox5a" refType="w" fact="0.131"/>
+                    <dgm:constr type="h" for="ch" forName="textBox5a" refType="h" fact="0.238"/>
+                    <dgm:constr type="userA" refType="h" refFor="ch" refForName="bullet5a" fact="0.53"/>
+                    <dgm:constr type="lMarg" for="ch" forName="textBox5a" refType="userA" fact="2.834"/>
+                    <dgm:constr type="ctrX" for="ch" forName="bullet5b" refType="w" fact="0.241"/>
+                    <dgm:constr type="ctrY" for="ch" forName="bullet5b" refType="h" fact="0.581"/>
+                    <dgm:constr type="w" for="ch" forName="bullet5b" refType="w" fact="0.036"/>
+                    <dgm:constr type="h" for="ch" forName="bullet5b" refType="w" refFor="ch" refForName="bullet5b"/>
+                    <dgm:constr type="l" for="ch" forName="textBox5b" refType="ctrX" refFor="ch" refForName="bullet5b"/>
+                    <dgm:constr type="t" for="ch" forName="textBox5b" refType="ctrY" refFor="ch" refForName="bullet5b"/>
+                    <dgm:constr type="w" for="ch" forName="textBox5b" refType="w" fact="0.166"/>
+                    <dgm:constr type="h" for="ch" forName="textBox5b" refType="h" fact="0.419"/>
+                    <dgm:constr type="userB" refType="h" refFor="ch" refForName="bullet5b" fact="0.53"/>
+                    <dgm:constr type="lMarg" for="ch" forName="textBox5b" refType="userB" fact="2.834"/>
+                    <dgm:constr type="ctrX" for="ch" forName="bullet5c" refType="w" fact="0.407"/>
+                    <dgm:constr type="ctrY" for="ch" forName="bullet5c" refType="h" fact="0.438"/>
+                    <dgm:constr type="w" for="ch" forName="bullet5c" refType="w" fact="0.048"/>
+                    <dgm:constr type="h" for="ch" forName="bullet5c" refType="w" refFor="ch" refForName="bullet5c"/>
+                    <dgm:constr type="l" for="ch" forName="textBox5c" refType="ctrX" refFor="ch" refForName="bullet5c"/>
+                    <dgm:constr type="t" for="ch" forName="textBox5c" refType="ctrY" refFor="ch" refForName="bullet5c"/>
+                    <dgm:constr type="w" for="ch" forName="textBox5c" refType="w" fact="0.193"/>
+                    <dgm:constr type="h" for="ch" forName="textBox5c" refType="h" fact="0.562"/>
+                    <dgm:constr type="userC" refType="h" refFor="ch" refForName="bullet5c" fact="0.53"/>
+                    <dgm:constr type="lMarg" for="ch" forName="textBox5c" refType="userC" fact="2.834"/>
+                    <dgm:constr type="ctrX" for="ch" forName="bullet5d" refType="w" fact="0.6"/>
+                    <dgm:constr type="ctrY" for="ch" forName="bullet5d" refType="h" fact="0.33"/>
+                    <dgm:constr type="w" for="ch" forName="bullet5d" refType="w" fact="0.062"/>
+                    <dgm:constr type="h" for="ch" forName="bullet5d" refType="w" refFor="ch" refForName="bullet5d"/>
+                    <dgm:constr type="l" for="ch" forName="textBox5d" refType="ctrX" refFor="ch" refForName="bullet5d"/>
+                    <dgm:constr type="t" for="ch" forName="textBox5d" refType="ctrY" refFor="ch" refForName="bullet5d"/>
+                    <dgm:constr type="w" for="ch" forName="textBox5d" refType="w" fact="0.2"/>
+                    <dgm:constr type="h" for="ch" forName="textBox5d" refType="h" fact="0.67"/>
+                    <dgm:constr type="userD" refType="h" refFor="ch" refForName="bullet5d" fact="0.53"/>
+                    <dgm:constr type="lMarg" for="ch" forName="textBox5d" refType="userD" fact="2.834"/>
+                    <dgm:constr type="ctrX" for="ch" forName="bullet5e" refType="w" fact="0.8"/>
+                    <dgm:constr type="ctrY" for="ch" forName="bullet5e" refType="h" fact="0.264"/>
+                    <dgm:constr type="w" for="ch" forName="bullet5e" refType="w" fact="0.079"/>
+                    <dgm:constr type="h" for="ch" forName="bullet5e" refType="w" refFor="ch" refForName="bullet5e"/>
+                    <dgm:constr type="l" for="ch" forName="textBox5e" refType="ctrX" refFor="ch" refForName="bullet5e"/>
+                    <dgm:constr type="t" for="ch" forName="textBox5e" refType="ctrY" refFor="ch" refForName="bullet5e"/>
+                    <dgm:constr type="w" for="ch" forName="textBox5e" refType="w" fact="0.2"/>
+                    <dgm:constr type="h" for="ch" forName="textBox5e" refType="h" fact="0.736"/>
+                    <dgm:constr type="userE" refType="h" refFor="ch" refForName="bullet5e" fact="0.53"/>
+                    <dgm:constr type="lMarg" for="ch" forName="textBox5e" refType="userE" fact="2.834"/>
+                    <dgm:constr type="primFontSz" for="ch" ptType="node" op="equ" val="65"/>
+                  </dgm:constrLst>
+                </dgm:if>
+                <dgm:else name="Name138">
+                  <dgm:constrLst>
+                    <dgm:constr type="ctrX" for="ch" forName="bullet5a" refType="w" fact="0.11"/>
+                    <dgm:constr type="ctrY" for="ch" forName="bullet5a" refType="h" fact="0.762"/>
+                    <dgm:constr type="w" for="ch" forName="bullet5a" refType="w" fact="0.023"/>
+                    <dgm:constr type="h" for="ch" forName="bullet5a" refType="w" refFor="ch" refForName="bullet5a"/>
+                    <dgm:constr type="r" for="ch" forName="textBox5a" refType="ctrX" refFor="ch" refForName="bullet5a"/>
+                    <dgm:constr type="b" for="ch" forName="textBox5a" refType="ctrY" refFor="ch" refForName="bullet5a"/>
+                    <dgm:constr type="w" for="ch" forName="textBox5a" refType="w" fact="0.11"/>
+                    <dgm:constr type="h" for="ch" forName="textBox5a" refType="h" fact="0.762"/>
+                    <dgm:constr type="userA" refType="h" refFor="ch" refForName="bullet5a" fact="0.53"/>
+                    <dgm:constr type="rMarg" for="ch" forName="textBox5a" refType="userA" fact="2.834"/>
+                    <dgm:constr type="ctrX" for="ch" forName="bullet5b" refType="w" fact="0.241"/>
+                    <dgm:constr type="ctrY" for="ch" forName="bullet5b" refType="h" fact="0.581"/>
+                    <dgm:constr type="w" for="ch" forName="bullet5b" refType="w" fact="0.036"/>
+                    <dgm:constr type="h" for="ch" forName="bullet5b" refType="w" refFor="ch" refForName="bullet5b"/>
+                    <dgm:constr type="r" for="ch" forName="textBox5b" refType="ctrX" refFor="ch" refForName="bullet5b"/>
+                    <dgm:constr type="b" for="ch" forName="textBox5b" refType="ctrY" refFor="ch" refForName="bullet5b"/>
+                    <dgm:constr type="w" for="ch" forName="textBox5b" refType="w" fact="0.131"/>
+                    <dgm:constr type="h" for="ch" forName="textBox5b" refType="h" fact="0.581"/>
+                    <dgm:constr type="userB" refType="h" refFor="ch" refForName="bullet5b" fact="0.53"/>
+                    <dgm:constr type="rMarg" for="ch" forName="textBox5b" refType="userB" fact="2.834"/>
+                    <dgm:constr type="ctrX" for="ch" forName="bullet5c" refType="w" fact="0.407"/>
+                    <dgm:constr type="ctrY" for="ch" forName="bullet5c" refType="h" fact="0.438"/>
+                    <dgm:constr type="w" for="ch" forName="bullet5c" refType="w" fact="0.048"/>
+                    <dgm:constr type="h" for="ch" forName="bullet5c" refType="w" refFor="ch" refForName="bullet5c"/>
+                    <dgm:constr type="r" for="ch" forName="textBox5c" refType="ctrX" refFor="ch" refForName="bullet5c"/>
+                    <dgm:constr type="b" for="ch" forName="textBox5c" refType="ctrY" refFor="ch" refForName="bullet5c"/>
+                    <dgm:constr type="w" for="ch" forName="textBox5c" refType="w" fact="0.166"/>
+                    <dgm:constr type="h" for="ch" forName="textBox5c" refType="h" fact="0.438"/>
+                    <dgm:constr type="userC" refType="h" refFor="ch" refForName="bullet5c" fact="0.53"/>
+                    <dgm:constr type="rMarg" for="ch" forName="textBox5c" refType="userC" fact="2.834"/>
+                    <dgm:constr type="ctrX" for="ch" forName="bullet5d" refType="w" fact="0.6"/>
+                    <dgm:constr type="ctrY" for="ch" forName="bullet5d" refType="h" fact="0.33"/>
+                    <dgm:constr type="w" for="ch" forName="bullet5d" refType="w" fact="0.062"/>
+                    <dgm:constr type="h" for="ch" forName="bullet5d" refType="w" refFor="ch" refForName="bullet5d"/>
+                    <dgm:constr type="r" for="ch" forName="textBox5d" refType="ctrX" refFor="ch" refForName="bullet5d"/>
+                    <dgm:constr type="b" for="ch" forName="textBox5d" refType="ctrY" refFor="ch" refForName="bullet5d"/>
+                    <dgm:constr type="w" for="ch" forName="textBox5d" refType="w" fact="0.193"/>
+                    <dgm:constr type="h" for="ch" forName="textBox5d" refType="h" fact="0.33"/>
+                    <dgm:constr type="userD" refType="h" refFor="ch" refForName="bullet5d" fact="0.53"/>
+                    <dgm:constr type="rMarg" for="ch" forName="textBox5d" refType="userD" fact="2.834"/>
+                    <dgm:constr type="ctrX" for="ch" forName="bullet5e" refType="w" fact="0.8"/>
+                    <dgm:constr type="ctrY" for="ch" forName="bullet5e" refType="h" fact="0.264"/>
+                    <dgm:constr type="w" for="ch" forName="bullet5e" refType="w" fact="0.079"/>
+                    <dgm:constr type="h" for="ch" forName="bullet5e" refType="w" refFor="ch" refForName="bullet5e"/>
+                    <dgm:constr type="r" for="ch" forName="textBox5e" refType="ctrX" refFor="ch" refForName="bullet5e"/>
+                    <dgm:constr type="b" for="ch" forName="textBox5e" refType="ctrY" refFor="ch" refForName="bullet5e"/>
+                    <dgm:constr type="w" for="ch" forName="textBox5e" refType="w" fact="0.2"/>
+                    <dgm:constr type="h" for="ch" forName="textBox5e" refType="h" fact="0.264"/>
+                    <dgm:constr type="userE" refType="h" refFor="ch" refForName="bullet5e" fact="0.53"/>
+                    <dgm:constr type="rMarg" for="ch" forName="textBox5e" refType="userE" fact="2.834"/>
+                    <dgm:constr type="primFontSz" for="ch" ptType="node" op="equ" val="65"/>
+                  </dgm:constrLst>
+                </dgm:else>
+              </dgm:choose>
+              <dgm:ruleLst/>
+              <dgm:forEach name="Name139" axis="ch" ptType="node" cnt="1">
+                <dgm:layoutNode name="bullet5a" styleLbl="node1">
+                  <dgm:alg type="sp"/>
+                  <dgm:shape xmlns:r="http://schemas.openxmlformats.org/officeDocument/2006/relationships" type="ellipse" r:blip="">
+                    <dgm:adjLst/>
+                  </dgm:shape>
+                  <dgm:presOf/>
+                  <dgm:constrLst/>
+                  <dgm:ruleLst/>
+                </dgm:layoutNode>
+                <dgm:layoutNode name="textBox5a" styleLbl="revTx">
+                  <dgm:varLst>
+                    <dgm:bulletEnabled val="1"/>
+                  </dgm:varLst>
+                  <dgm:choose name="Name140">
+                    <dgm:if name="Name141" func="var" arg="dir" op="equ" val="norm">
+                      <dgm:choose name="Name142">
+                        <dgm:if name="Name143" axis="root des" ptType="all node" func="maxDepth" op="gt" val="1">
+                          <dgm:alg type="tx">
+                            <dgm:param type="txAnchorVert" val="t"/>
+                            <dgm:param type="parTxLTRAlign" val="l"/>
+                            <dgm:param type="parTxRTLAlign" val="r"/>
+                          </dgm:alg>
+                        </dgm:if>
+                        <dgm:else name="Name144">
+                          <dgm:alg type="tx">
+                            <dgm:param type="txAnchorVert" val="t"/>
+                            <dgm:param type="parTxLTRAlign" val="l"/>
+                            <dgm:param type="parTxRTLAlign" val="l"/>
+                          </dgm:alg>
+                        </dgm:else>
+                      </dgm:choose>
+                    </dgm:if>
+                    <dgm:else name="Name145">
+                      <dgm:choose name="Name146">
+                        <dgm:if name="Name147" axis="root des" ptType="all node" func="maxDepth" op="gt" val="1">
+                          <dgm:alg type="tx">
+                            <dgm:param type="txAnchorVert" val="b"/>
+                            <dgm:param type="txAnchorVertCh" val="b"/>
+                            <dgm:param type="parTxLTRAlign" val="l"/>
+                            <dgm:param type="parTxRTLAlign" val="r"/>
+                          </dgm:alg>
+                        </dgm:if>
+                        <dgm:else name="Name148">
+                          <dgm:alg type="tx">
+                            <dgm:param type="txAnchorVert" val="b"/>
+                            <dgm:param type="parTxLTRAlign" val="r"/>
+                            <dgm:param type="parTxRTLAlign" val="r"/>
+                          </dgm:alg>
+                        </dgm:else>
+                      </dgm:choose>
+                    </dgm:else>
+                  </dgm:choose>
+                  <dgm:shape xmlns:r="http://schemas.openxmlformats.org/officeDocument/2006/relationships" type="rect" r:blip="">
+                    <dgm:adjLst/>
+                  </dgm:shape>
+                  <dgm:presOf axis="desOrSelf" ptType="node"/>
+                  <dgm:choose name="Name149">
+                    <dgm:if name="Name150" func="var" arg="dir" op="equ" val="norm">
+                      <dgm:constrLst>
+                        <dgm:constr type="rMarg"/>
+                        <dgm:constr type="tMarg"/>
+                        <dgm:constr type="bMarg"/>
+                      </dgm:constrLst>
+                    </dgm:if>
+                    <dgm:else name="Name151">
+                      <dgm:constrLst>
+                        <dgm:constr type="lMarg"/>
+                        <dgm:constr type="tMarg"/>
+                        <dgm:constr type="bMarg"/>
+                      </dgm:constrLst>
+                    </dgm:else>
+                  </dgm:choose>
+                  <dgm:ruleLst>
+                    <dgm:rule type="primFontSz" val="5" fact="NaN" max="NaN"/>
+                  </dgm:ruleLst>
+                </dgm:layoutNode>
+              </dgm:forEach>
+              <dgm:forEach name="Name152" axis="ch" ptType="node" st="2" cnt="1">
+                <dgm:layoutNode name="bullet5b" styleLbl="node1">
+                  <dgm:alg type="sp"/>
+                  <dgm:shape xmlns:r="http://schemas.openxmlformats.org/officeDocument/2006/relationships" type="ellipse" r:blip="">
+                    <dgm:adjLst/>
+                  </dgm:shape>
+                  <dgm:presOf/>
+                  <dgm:constrLst/>
+                  <dgm:ruleLst/>
+                </dgm:layoutNode>
+                <dgm:layoutNode name="textBox5b" styleLbl="revTx">
+                  <dgm:varLst>
+                    <dgm:bulletEnabled val="1"/>
+                  </dgm:varLst>
+                  <dgm:choose name="Name153">
+                    <dgm:if name="Name154" func="var" arg="dir" op="equ" val="norm">
+                      <dgm:choose name="Name155">
+                        <dgm:if name="Name156" axis="root des" ptType="all node" func="maxDepth" op="gt" val="1">
+                          <dgm:alg type="tx">
+                            <dgm:param type="txAnchorVert" val="t"/>
+                            <dgm:param type="parTxLTRAlign" val="l"/>
+                            <dgm:param type="parTxRTLAlign" val="r"/>
+                          </dgm:alg>
+                        </dgm:if>
+                        <dgm:else name="Name157">
+                          <dgm:alg type="tx">
+                            <dgm:param type="txAnchorVert" val="t"/>
+                            <dgm:param type="parTxLTRAlign" val="l"/>
+                            <dgm:param type="parTxRTLAlign" val="l"/>
+                          </dgm:alg>
+                        </dgm:else>
+                      </dgm:choose>
+                    </dgm:if>
+                    <dgm:else name="Name158">
+                      <dgm:choose name="Name159">
+                        <dgm:if name="Name160" axis="root des" ptType="all node" func="maxDepth" op="gt" val="1">
+                          <dgm:alg type="tx">
+                            <dgm:param type="txAnchorVert" val="b"/>
+                            <dgm:param type="txAnchorVertCh" val="b"/>
+                            <dgm:param type="parTxLTRAlign" val="l"/>
+                            <dgm:param type="parTxRTLAlign" val="r"/>
+                          </dgm:alg>
+                        </dgm:if>
+                        <dgm:else name="Name161">
+                          <dgm:alg type="tx">
+                            <dgm:param type="txAnchorVert" val="b"/>
+                            <dgm:param type="parTxLTRAlign" val="r"/>
+                            <dgm:param type="parTxRTLAlign" val="r"/>
+                          </dgm:alg>
+                        </dgm:else>
+                      </dgm:choose>
+                    </dgm:else>
+                  </dgm:choose>
+                  <dgm:shape xmlns:r="http://schemas.openxmlformats.org/officeDocument/2006/relationships" type="rect" r:blip="">
+                    <dgm:adjLst/>
+                  </dgm:shape>
+                  <dgm:presOf axis="desOrSelf" ptType="node"/>
+                  <dgm:choose name="Name162">
+                    <dgm:if name="Name163" func="var" arg="dir" op="equ" val="norm">
+                      <dgm:constrLst>
+                        <dgm:constr type="rMarg"/>
+                        <dgm:constr type="tMarg"/>
+                        <dgm:constr type="bMarg"/>
+                      </dgm:constrLst>
+                    </dgm:if>
+                    <dgm:else name="Name164">
+                      <dgm:constrLst>
+                        <dgm:constr type="lMarg"/>
+                        <dgm:constr type="tMarg"/>
+                        <dgm:constr type="bMarg"/>
+                      </dgm:constrLst>
+                    </dgm:else>
+                  </dgm:choose>
+                  <dgm:ruleLst>
+                    <dgm:rule type="primFontSz" val="5" fact="NaN" max="NaN"/>
+                  </dgm:ruleLst>
+                </dgm:layoutNode>
+              </dgm:forEach>
+              <dgm:forEach name="Name165" axis="ch" ptType="node" st="3" cnt="1">
+                <dgm:layoutNode name="bullet5c" styleLbl="node1">
+                  <dgm:alg type="sp"/>
+                  <dgm:shape xmlns:r="http://schemas.openxmlformats.org/officeDocument/2006/relationships" type="ellipse" r:blip="">
+                    <dgm:adjLst/>
+                  </dgm:shape>
+                  <dgm:presOf/>
+                  <dgm:constrLst/>
+                  <dgm:ruleLst/>
+                </dgm:layoutNode>
+                <dgm:layoutNode name="textBox5c" styleLbl="revTx">
+                  <dgm:varLst>
+                    <dgm:bulletEnabled val="1"/>
+                  </dgm:varLst>
+                  <dgm:choose name="Name166">
+                    <dgm:if name="Name167" func="var" arg="dir" op="equ" val="norm">
+                      <dgm:choose name="Name168">
+                        <dgm:if name="Name169" axis="root des" ptType="all node" func="maxDepth" op="gt" val="1">
+                          <dgm:alg type="tx">
+                            <dgm:param type="txAnchorVert" val="t"/>
+                            <dgm:param type="parTxLTRAlign" val="l"/>
+                            <dgm:param type="parTxRTLAlign" val="r"/>
+                          </dgm:alg>
+                        </dgm:if>
+                        <dgm:else name="Name170">
+                          <dgm:alg type="tx">
+                            <dgm:param type="txAnchorVert" val="t"/>
+                            <dgm:param type="parTxLTRAlign" val="l"/>
+                            <dgm:param type="parTxRTLAlign" val="l"/>
+                          </dgm:alg>
+                        </dgm:else>
+                      </dgm:choose>
+                    </dgm:if>
+                    <dgm:else name="Name171">
+                      <dgm:choose name="Name172">
+                        <dgm:if name="Name173" axis="root des" ptType="all node" func="maxDepth" op="gt" val="1">
+                          <dgm:alg type="tx">
+                            <dgm:param type="txAnchorVert" val="b"/>
+                            <dgm:param type="txAnchorVertCh" val="b"/>
+                            <dgm:param type="parTxLTRAlign" val="l"/>
+                            <dgm:param type="parTxRTLAlign" val="r"/>
+                          </dgm:alg>
+                        </dgm:if>
+                        <dgm:else name="Name174">
+                          <dgm:alg type="tx">
+                            <dgm:param type="txAnchorVert" val="b"/>
+                            <dgm:param type="parTxLTRAlign" val="r"/>
+                            <dgm:param type="parTxRTLAlign" val="r"/>
+                          </dgm:alg>
+                        </dgm:else>
+                      </dgm:choose>
+                    </dgm:else>
+                  </dgm:choose>
+                  <dgm:shape xmlns:r="http://schemas.openxmlformats.org/officeDocument/2006/relationships" type="rect" r:blip="">
+                    <dgm:adjLst/>
+                  </dgm:shape>
+                  <dgm:presOf axis="desOrSelf" ptType="node"/>
+                  <dgm:choose name="Name175">
+                    <dgm:if name="Name176" func="var" arg="dir" op="equ" val="norm">
+                      <dgm:constrLst>
+                        <dgm:constr type="rMarg"/>
+                        <dgm:constr type="tMarg"/>
+                        <dgm:constr type="bMarg"/>
+                      </dgm:constrLst>
+                    </dgm:if>
+                    <dgm:else name="Name177">
+                      <dgm:constrLst>
+                        <dgm:constr type="lMarg"/>
+                        <dgm:constr type="tMarg"/>
+                        <dgm:constr type="bMarg"/>
+                      </dgm:constrLst>
+                    </dgm:else>
+                  </dgm:choose>
+                  <dgm:ruleLst>
+                    <dgm:rule type="primFontSz" val="5" fact="NaN" max="NaN"/>
+                  </dgm:ruleLst>
+                </dgm:layoutNode>
+              </dgm:forEach>
+              <dgm:forEach name="Name178" axis="ch" ptType="node" st="4" cnt="1">
+                <dgm:layoutNode name="bullet5d" styleLbl="node1">
+                  <dgm:alg type="sp"/>
+                  <dgm:shape xmlns:r="http://schemas.openxmlformats.org/officeDocument/2006/relationships" type="ellipse" r:blip="">
+                    <dgm:adjLst/>
+                  </dgm:shape>
+                  <dgm:presOf/>
+                  <dgm:constrLst/>
+                  <dgm:ruleLst/>
+                </dgm:layoutNode>
+                <dgm:layoutNode name="textBox5d" styleLbl="revTx">
+                  <dgm:varLst>
+                    <dgm:bulletEnabled val="1"/>
+                  </dgm:varLst>
+                  <dgm:choose name="Name179">
+                    <dgm:if name="Name180" func="var" arg="dir" op="equ" val="norm">
+                      <dgm:choose name="Name181">
+                        <dgm:if name="Name182" axis="root des" ptType="all node" func="maxDepth" op="gt" val="1">
+                          <dgm:alg type="tx">
+                            <dgm:param type="txAnchorVert" val="t"/>
+                            <dgm:param type="parTxLTRAlign" val="l"/>
+                            <dgm:param type="parTxRTLAlign" val="r"/>
+                          </dgm:alg>
+                        </dgm:if>
+                        <dgm:else name="Name183">
+                          <dgm:alg type="tx">
+                            <dgm:param type="txAnchorVert" val="t"/>
+                            <dgm:param type="parTxLTRAlign" val="l"/>
+                            <dgm:param type="parTxRTLAlign" val="l"/>
+                          </dgm:alg>
+                        </dgm:else>
+                      </dgm:choose>
+                    </dgm:if>
+                    <dgm:else name="Name184">
+                      <dgm:choose name="Name185">
+                        <dgm:if name="Name186" axis="root des" ptType="all node" func="maxDepth" op="gt" val="1">
+                          <dgm:alg type="tx">
+                            <dgm:param type="txAnchorVert" val="b"/>
+                            <dgm:param type="txAnchorVertCh" val="b"/>
+                            <dgm:param type="parTxLTRAlign" val="l"/>
+                            <dgm:param type="parTxRTLAlign" val="r"/>
+                          </dgm:alg>
+                        </dgm:if>
+                        <dgm:else name="Name187">
+                          <dgm:alg type="tx">
+                            <dgm:param type="txAnchorVert" val="b"/>
+                            <dgm:param type="parTxLTRAlign" val="r"/>
+                            <dgm:param type="parTxRTLAlign" val="r"/>
+                          </dgm:alg>
+                        </dgm:else>
+                      </dgm:choose>
+                    </dgm:else>
+                  </dgm:choose>
+                  <dgm:shape xmlns:r="http://schemas.openxmlformats.org/officeDocument/2006/relationships" type="rect" r:blip="">
+                    <dgm:adjLst/>
+                  </dgm:shape>
+                  <dgm:presOf axis="desOrSelf" ptType="node"/>
+                  <dgm:choose name="Name188">
+                    <dgm:if name="Name189" func="var" arg="dir" op="equ" val="norm">
+                      <dgm:constrLst>
+                        <dgm:constr type="rMarg"/>
+                        <dgm:constr type="tMarg"/>
+                        <dgm:constr type="bMarg"/>
+                      </dgm:constrLst>
+                    </dgm:if>
+                    <dgm:else name="Name190">
+                      <dgm:constrLst>
+                        <dgm:constr type="lMarg"/>
+                        <dgm:constr type="tMarg"/>
+                        <dgm:constr type="bMarg"/>
+                      </dgm:constrLst>
+                    </dgm:else>
+                  </dgm:choose>
+                  <dgm:ruleLst>
+                    <dgm:rule type="primFontSz" val="5" fact="NaN" max="NaN"/>
+                  </dgm:ruleLst>
+                </dgm:layoutNode>
+              </dgm:forEach>
+              <dgm:forEach name="Name191" axis="ch" ptType="node" st="5" cnt="1">
+                <dgm:layoutNode name="bullet5e" styleLbl="node1">
+                  <dgm:alg type="sp"/>
+                  <dgm:shape xmlns:r="http://schemas.openxmlformats.org/officeDocument/2006/relationships" type="ellipse" r:blip="">
+                    <dgm:adjLst/>
+                  </dgm:shape>
+                  <dgm:presOf/>
+                  <dgm:constrLst/>
+                  <dgm:ruleLst/>
+                </dgm:layoutNode>
+                <dgm:layoutNode name="textBox5e" styleLbl="revTx">
+                  <dgm:varLst>
+                    <dgm:bulletEnabled val="1"/>
+                  </dgm:varLst>
+                  <dgm:choose name="Name192">
+                    <dgm:if name="Name193" func="var" arg="dir" op="equ" val="norm">
+                      <dgm:choose name="Name194">
+                        <dgm:if name="Name195" axis="root des" ptType="all node" func="maxDepth" op="gt" val="1">
+                          <dgm:alg type="tx">
+                            <dgm:param type="txAnchorVert" val="t"/>
+                            <dgm:param type="parTxLTRAlign" val="l"/>
+                            <dgm:param type="parTxRTLAlign" val="r"/>
+                          </dgm:alg>
+                        </dgm:if>
+                        <dgm:else name="Name196">
+                          <dgm:alg type="tx">
+                            <dgm:param type="txAnchorVert" val="t"/>
+                            <dgm:param type="parTxLTRAlign" val="l"/>
+                            <dgm:param type="parTxRTLAlign" val="l"/>
+                          </dgm:alg>
+                        </dgm:else>
+                      </dgm:choose>
+                    </dgm:if>
+                    <dgm:else name="Name197">
+                      <dgm:choose name="Name198">
+                        <dgm:if name="Name199" axis="root des" ptType="all node" func="maxDepth" op="gt" val="1">
+                          <dgm:alg type="tx">
+                            <dgm:param type="txAnchorVert" val="b"/>
+                            <dgm:param type="txAnchorVertCh" val="b"/>
+                            <dgm:param type="parTxLTRAlign" val="l"/>
+                            <dgm:param type="parTxRTLAlign" val="r"/>
+                          </dgm:alg>
+                        </dgm:if>
+                        <dgm:else name="Name200">
+                          <dgm:alg type="tx">
+                            <dgm:param type="txAnchorVert" val="b"/>
+                            <dgm:param type="parTxLTRAlign" val="r"/>
+                            <dgm:param type="parTxRTLAlign" val="r"/>
+                          </dgm:alg>
+                        </dgm:else>
+                      </dgm:choose>
+                    </dgm:else>
+                  </dgm:choose>
+                  <dgm:shape xmlns:r="http://schemas.openxmlformats.org/officeDocument/2006/relationships" type="rect" r:blip="">
+                    <dgm:adjLst/>
+                  </dgm:shape>
+                  <dgm:presOf axis="desOrSelf" ptType="node"/>
+                  <dgm:choose name="Name201">
+                    <dgm:if name="Name202" func="var" arg="dir" op="equ" val="norm">
+                      <dgm:constrLst>
+                        <dgm:constr type="rMarg"/>
+                        <dgm:constr type="tMarg"/>
+                        <dgm:constr type="bMarg"/>
+                      </dgm:constrLst>
+                    </dgm:if>
+                    <dgm:else name="Name203">
+                      <dgm:constrLst>
+                        <dgm:constr type="lMarg"/>
+                        <dgm:constr type="tMarg"/>
+                        <dgm:constr type="bMarg"/>
+                      </dgm:constrLst>
+                    </dgm:else>
+                  </dgm:choose>
+                  <dgm:ruleLst>
+                    <dgm:rule type="primFontSz" val="5" fact="NaN" max="NaN"/>
+                  </dgm:ruleLst>
+                </dgm:layoutNode>
+              </dgm:forEach>
+            </dgm:layoutNode>
+          </dgm:else>
+        </dgm:choose>
+      </dgm:if>
+      <dgm:else name="Name204"/>
+    </dgm:choose>
+  </dgm:layoutNode>
+</dgm:layoutDef>
+</file>
+
 <file path=ppt/diagrams/quickStyle1.xml><?xml version="1.0" encoding="utf-8"?>
 <dgm:styleDef xmlns:dgm="http://schemas.openxmlformats.org/drawingml/2006/diagram" xmlns:a="http://schemas.openxmlformats.org/drawingml/2006/main" uniqueId="urn:microsoft.com/office/officeart/2005/8/quickstyle/simple1">
   <dgm:title val=""/>
@@ -21959,6 +25311,1040 @@
         <a:scrgbClr r="0" g="0" b="0"/>
       </a:fillRef>
       <a:effectRef idx="1">
+        <a:scrgbClr r="0" g="0" b="0"/>
+      </a:effectRef>
+      <a:fontRef idx="minor"/>
+    </dgm:style>
+  </dgm:styleLbl>
+  <dgm:styleLbl name="revTx">
+    <dgm:scene3d>
+      <a:camera prst="orthographicFront"/>
+      <a:lightRig rig="threePt" dir="t"/>
+    </dgm:scene3d>
+    <dgm:sp3d/>
+    <dgm:txPr/>
+    <dgm:style>
+      <a:lnRef idx="0">
+        <a:scrgbClr r="0" g="0" b="0"/>
+      </a:lnRef>
+      <a:fillRef idx="0">
+        <a:scrgbClr r="0" g="0" b="0"/>
+      </a:fillRef>
+      <a:effectRef idx="0">
+        <a:scrgbClr r="0" g="0" b="0"/>
+      </a:effectRef>
+      <a:fontRef idx="minor"/>
+    </dgm:style>
+  </dgm:styleLbl>
+</dgm:styleDef>
+</file>
+
+<file path=ppt/diagrams/quickStyle8.xml><?xml version="1.0" encoding="utf-8"?>
+<dgm:styleDef xmlns:dgm="http://schemas.openxmlformats.org/drawingml/2006/diagram" xmlns:a="http://schemas.openxmlformats.org/drawingml/2006/main" uniqueId="urn:microsoft.com/office/officeart/2005/8/quickstyle/simple1">
+  <dgm:title val=""/>
+  <dgm:desc val=""/>
+  <dgm:catLst>
+    <dgm:cat type="simple" pri="10100"/>
+  </dgm:catLst>
+  <dgm:scene3d>
+    <a:camera prst="orthographicFront"/>
+    <a:lightRig rig="threePt" dir="t"/>
+  </dgm:scene3d>
+  <dgm:styleLbl name="node0">
+    <dgm:scene3d>
+      <a:camera prst="orthographicFront"/>
+      <a:lightRig rig="threePt" dir="t"/>
+    </dgm:scene3d>
+    <dgm:sp3d/>
+    <dgm:txPr/>
+    <dgm:style>
+      <a:lnRef idx="2">
+        <a:scrgbClr r="0" g="0" b="0"/>
+      </a:lnRef>
+      <a:fillRef idx="1">
+        <a:scrgbClr r="0" g="0" b="0"/>
+      </a:fillRef>
+      <a:effectRef idx="0">
+        <a:scrgbClr r="0" g="0" b="0"/>
+      </a:effectRef>
+      <a:fontRef idx="minor">
+        <a:schemeClr val="lt1"/>
+      </a:fontRef>
+    </dgm:style>
+  </dgm:styleLbl>
+  <dgm:styleLbl name="lnNode1">
+    <dgm:scene3d>
+      <a:camera prst="orthographicFront"/>
+      <a:lightRig rig="threePt" dir="t"/>
+    </dgm:scene3d>
+    <dgm:sp3d/>
+    <dgm:txPr/>
+    <dgm:style>
+      <a:lnRef idx="2">
+        <a:scrgbClr r="0" g="0" b="0"/>
+      </a:lnRef>
+      <a:fillRef idx="1">
+        <a:scrgbClr r="0" g="0" b="0"/>
+      </a:fillRef>
+      <a:effectRef idx="0">
+        <a:scrgbClr r="0" g="0" b="0"/>
+      </a:effectRef>
+      <a:fontRef idx="minor">
+        <a:schemeClr val="lt1"/>
+      </a:fontRef>
+    </dgm:style>
+  </dgm:styleLbl>
+  <dgm:styleLbl name="vennNode1">
+    <dgm:scene3d>
+      <a:camera prst="orthographicFront"/>
+      <a:lightRig rig="threePt" dir="t"/>
+    </dgm:scene3d>
+    <dgm:sp3d/>
+    <dgm:txPr/>
+    <dgm:style>
+      <a:lnRef idx="2">
+        <a:scrgbClr r="0" g="0" b="0"/>
+      </a:lnRef>
+      <a:fillRef idx="1">
+        <a:scrgbClr r="0" g="0" b="0"/>
+      </a:fillRef>
+      <a:effectRef idx="0">
+        <a:scrgbClr r="0" g="0" b="0"/>
+      </a:effectRef>
+      <a:fontRef idx="minor">
+        <a:schemeClr val="tx1"/>
+      </a:fontRef>
+    </dgm:style>
+  </dgm:styleLbl>
+  <dgm:styleLbl name="alignNode1">
+    <dgm:scene3d>
+      <a:camera prst="orthographicFront"/>
+      <a:lightRig rig="threePt" dir="t"/>
+    </dgm:scene3d>
+    <dgm:sp3d/>
+    <dgm:txPr/>
+    <dgm:style>
+      <a:lnRef idx="2">
+        <a:scrgbClr r="0" g="0" b="0"/>
+      </a:lnRef>
+      <a:fillRef idx="1">
+        <a:scrgbClr r="0" g="0" b="0"/>
+      </a:fillRef>
+      <a:effectRef idx="0">
+        <a:scrgbClr r="0" g="0" b="0"/>
+      </a:effectRef>
+      <a:fontRef idx="minor">
+        <a:schemeClr val="lt1"/>
+      </a:fontRef>
+    </dgm:style>
+  </dgm:styleLbl>
+  <dgm:styleLbl name="node1">
+    <dgm:scene3d>
+      <a:camera prst="orthographicFront"/>
+      <a:lightRig rig="threePt" dir="t"/>
+    </dgm:scene3d>
+    <dgm:sp3d/>
+    <dgm:txPr/>
+    <dgm:style>
+      <a:lnRef idx="2">
+        <a:scrgbClr r="0" g="0" b="0"/>
+      </a:lnRef>
+      <a:fillRef idx="1">
+        <a:scrgbClr r="0" g="0" b="0"/>
+      </a:fillRef>
+      <a:effectRef idx="0">
+        <a:scrgbClr r="0" g="0" b="0"/>
+      </a:effectRef>
+      <a:fontRef idx="minor">
+        <a:schemeClr val="lt1"/>
+      </a:fontRef>
+    </dgm:style>
+  </dgm:styleLbl>
+  <dgm:styleLbl name="node2">
+    <dgm:scene3d>
+      <a:camera prst="orthographicFront"/>
+      <a:lightRig rig="threePt" dir="t"/>
+    </dgm:scene3d>
+    <dgm:sp3d/>
+    <dgm:txPr/>
+    <dgm:style>
+      <a:lnRef idx="2">
+        <a:scrgbClr r="0" g="0" b="0"/>
+      </a:lnRef>
+      <a:fillRef idx="1">
+        <a:scrgbClr r="0" g="0" b="0"/>
+      </a:fillRef>
+      <a:effectRef idx="0">
+        <a:scrgbClr r="0" g="0" b="0"/>
+      </a:effectRef>
+      <a:fontRef idx="minor">
+        <a:schemeClr val="lt1"/>
+      </a:fontRef>
+    </dgm:style>
+  </dgm:styleLbl>
+  <dgm:styleLbl name="node3">
+    <dgm:scene3d>
+      <a:camera prst="orthographicFront"/>
+      <a:lightRig rig="threePt" dir="t"/>
+    </dgm:scene3d>
+    <dgm:sp3d/>
+    <dgm:txPr/>
+    <dgm:style>
+      <a:lnRef idx="2">
+        <a:scrgbClr r="0" g="0" b="0"/>
+      </a:lnRef>
+      <a:fillRef idx="1">
+        <a:scrgbClr r="0" g="0" b="0"/>
+      </a:fillRef>
+      <a:effectRef idx="0">
+        <a:scrgbClr r="0" g="0" b="0"/>
+      </a:effectRef>
+      <a:fontRef idx="minor">
+        <a:schemeClr val="lt1"/>
+      </a:fontRef>
+    </dgm:style>
+  </dgm:styleLbl>
+  <dgm:styleLbl name="node4">
+    <dgm:scene3d>
+      <a:camera prst="orthographicFront"/>
+      <a:lightRig rig="threePt" dir="t"/>
+    </dgm:scene3d>
+    <dgm:sp3d/>
+    <dgm:txPr/>
+    <dgm:style>
+      <a:lnRef idx="2">
+        <a:scrgbClr r="0" g="0" b="0"/>
+      </a:lnRef>
+      <a:fillRef idx="1">
+        <a:scrgbClr r="0" g="0" b="0"/>
+      </a:fillRef>
+      <a:effectRef idx="0">
+        <a:scrgbClr r="0" g="0" b="0"/>
+      </a:effectRef>
+      <a:fontRef idx="minor">
+        <a:schemeClr val="lt1"/>
+      </a:fontRef>
+    </dgm:style>
+  </dgm:styleLbl>
+  <dgm:styleLbl name="fgImgPlace1">
+    <dgm:scene3d>
+      <a:camera prst="orthographicFront"/>
+      <a:lightRig rig="threePt" dir="t"/>
+    </dgm:scene3d>
+    <dgm:sp3d/>
+    <dgm:txPr/>
+    <dgm:style>
+      <a:lnRef idx="2">
+        <a:scrgbClr r="0" g="0" b="0"/>
+      </a:lnRef>
+      <a:fillRef idx="1">
+        <a:scrgbClr r="0" g="0" b="0"/>
+      </a:fillRef>
+      <a:effectRef idx="0">
+        <a:scrgbClr r="0" g="0" b="0"/>
+      </a:effectRef>
+      <a:fontRef idx="minor"/>
+    </dgm:style>
+  </dgm:styleLbl>
+  <dgm:styleLbl name="alignImgPlace1">
+    <dgm:scene3d>
+      <a:camera prst="orthographicFront"/>
+      <a:lightRig rig="threePt" dir="t"/>
+    </dgm:scene3d>
+    <dgm:sp3d/>
+    <dgm:txPr/>
+    <dgm:style>
+      <a:lnRef idx="2">
+        <a:scrgbClr r="0" g="0" b="0"/>
+      </a:lnRef>
+      <a:fillRef idx="1">
+        <a:scrgbClr r="0" g="0" b="0"/>
+      </a:fillRef>
+      <a:effectRef idx="0">
+        <a:scrgbClr r="0" g="0" b="0"/>
+      </a:effectRef>
+      <a:fontRef idx="minor"/>
+    </dgm:style>
+  </dgm:styleLbl>
+  <dgm:styleLbl name="bgImgPlace1">
+    <dgm:scene3d>
+      <a:camera prst="orthographicFront"/>
+      <a:lightRig rig="threePt" dir="t"/>
+    </dgm:scene3d>
+    <dgm:sp3d/>
+    <dgm:txPr/>
+    <dgm:style>
+      <a:lnRef idx="2">
+        <a:scrgbClr r="0" g="0" b="0"/>
+      </a:lnRef>
+      <a:fillRef idx="1">
+        <a:scrgbClr r="0" g="0" b="0"/>
+      </a:fillRef>
+      <a:effectRef idx="0">
+        <a:scrgbClr r="0" g="0" b="0"/>
+      </a:effectRef>
+      <a:fontRef idx="minor"/>
+    </dgm:style>
+  </dgm:styleLbl>
+  <dgm:styleLbl name="sibTrans2D1">
+    <dgm:scene3d>
+      <a:camera prst="orthographicFront"/>
+      <a:lightRig rig="threePt" dir="t"/>
+    </dgm:scene3d>
+    <dgm:sp3d/>
+    <dgm:txPr/>
+    <dgm:style>
+      <a:lnRef idx="0">
+        <a:scrgbClr r="0" g="0" b="0"/>
+      </a:lnRef>
+      <a:fillRef idx="1">
+        <a:scrgbClr r="0" g="0" b="0"/>
+      </a:fillRef>
+      <a:effectRef idx="0">
+        <a:scrgbClr r="0" g="0" b="0"/>
+      </a:effectRef>
+      <a:fontRef idx="minor">
+        <a:schemeClr val="lt1"/>
+      </a:fontRef>
+    </dgm:style>
+  </dgm:styleLbl>
+  <dgm:styleLbl name="fgSibTrans2D1">
+    <dgm:scene3d>
+      <a:camera prst="orthographicFront"/>
+      <a:lightRig rig="threePt" dir="t"/>
+    </dgm:scene3d>
+    <dgm:sp3d/>
+    <dgm:txPr/>
+    <dgm:style>
+      <a:lnRef idx="0">
+        <a:scrgbClr r="0" g="0" b="0"/>
+      </a:lnRef>
+      <a:fillRef idx="1">
+        <a:scrgbClr r="0" g="0" b="0"/>
+      </a:fillRef>
+      <a:effectRef idx="0">
+        <a:scrgbClr r="0" g="0" b="0"/>
+      </a:effectRef>
+      <a:fontRef idx="minor">
+        <a:schemeClr val="lt1"/>
+      </a:fontRef>
+    </dgm:style>
+  </dgm:styleLbl>
+  <dgm:styleLbl name="bgSibTrans2D1">
+    <dgm:scene3d>
+      <a:camera prst="orthographicFront"/>
+      <a:lightRig rig="threePt" dir="t"/>
+    </dgm:scene3d>
+    <dgm:sp3d/>
+    <dgm:txPr/>
+    <dgm:style>
+      <a:lnRef idx="0">
+        <a:scrgbClr r="0" g="0" b="0"/>
+      </a:lnRef>
+      <a:fillRef idx="1">
+        <a:scrgbClr r="0" g="0" b="0"/>
+      </a:fillRef>
+      <a:effectRef idx="0">
+        <a:scrgbClr r="0" g="0" b="0"/>
+      </a:effectRef>
+      <a:fontRef idx="minor">
+        <a:schemeClr val="lt1"/>
+      </a:fontRef>
+    </dgm:style>
+  </dgm:styleLbl>
+  <dgm:styleLbl name="sibTrans1D1">
+    <dgm:scene3d>
+      <a:camera prst="orthographicFront"/>
+      <a:lightRig rig="threePt" dir="t"/>
+    </dgm:scene3d>
+    <dgm:sp3d/>
+    <dgm:txPr/>
+    <dgm:style>
+      <a:lnRef idx="1">
+        <a:scrgbClr r="0" g="0" b="0"/>
+      </a:lnRef>
+      <a:fillRef idx="0">
+        <a:scrgbClr r="0" g="0" b="0"/>
+      </a:fillRef>
+      <a:effectRef idx="0">
+        <a:scrgbClr r="0" g="0" b="0"/>
+      </a:effectRef>
+      <a:fontRef idx="minor"/>
+    </dgm:style>
+  </dgm:styleLbl>
+  <dgm:styleLbl name="callout">
+    <dgm:scene3d>
+      <a:camera prst="orthographicFront"/>
+      <a:lightRig rig="threePt" dir="t"/>
+    </dgm:scene3d>
+    <dgm:sp3d/>
+    <dgm:txPr/>
+    <dgm:style>
+      <a:lnRef idx="2">
+        <a:scrgbClr r="0" g="0" b="0"/>
+      </a:lnRef>
+      <a:fillRef idx="1">
+        <a:scrgbClr r="0" g="0" b="0"/>
+      </a:fillRef>
+      <a:effectRef idx="0">
+        <a:scrgbClr r="0" g="0" b="0"/>
+      </a:effectRef>
+      <a:fontRef idx="minor"/>
+    </dgm:style>
+  </dgm:styleLbl>
+  <dgm:styleLbl name="asst0">
+    <dgm:scene3d>
+      <a:camera prst="orthographicFront"/>
+      <a:lightRig rig="threePt" dir="t"/>
+    </dgm:scene3d>
+    <dgm:sp3d/>
+    <dgm:txPr/>
+    <dgm:style>
+      <a:lnRef idx="2">
+        <a:scrgbClr r="0" g="0" b="0"/>
+      </a:lnRef>
+      <a:fillRef idx="1">
+        <a:scrgbClr r="0" g="0" b="0"/>
+      </a:fillRef>
+      <a:effectRef idx="0">
+        <a:scrgbClr r="0" g="0" b="0"/>
+      </a:effectRef>
+      <a:fontRef idx="minor">
+        <a:schemeClr val="lt1"/>
+      </a:fontRef>
+    </dgm:style>
+  </dgm:styleLbl>
+  <dgm:styleLbl name="asst1">
+    <dgm:scene3d>
+      <a:camera prst="orthographicFront"/>
+      <a:lightRig rig="threePt" dir="t"/>
+    </dgm:scene3d>
+    <dgm:sp3d/>
+    <dgm:txPr/>
+    <dgm:style>
+      <a:lnRef idx="2">
+        <a:scrgbClr r="0" g="0" b="0"/>
+      </a:lnRef>
+      <a:fillRef idx="1">
+        <a:scrgbClr r="0" g="0" b="0"/>
+      </a:fillRef>
+      <a:effectRef idx="0">
+        <a:scrgbClr r="0" g="0" b="0"/>
+      </a:effectRef>
+      <a:fontRef idx="minor">
+        <a:schemeClr val="lt1"/>
+      </a:fontRef>
+    </dgm:style>
+  </dgm:styleLbl>
+  <dgm:styleLbl name="asst2">
+    <dgm:scene3d>
+      <a:camera prst="orthographicFront"/>
+      <a:lightRig rig="threePt" dir="t"/>
+    </dgm:scene3d>
+    <dgm:sp3d/>
+    <dgm:txPr/>
+    <dgm:style>
+      <a:lnRef idx="2">
+        <a:scrgbClr r="0" g="0" b="0"/>
+      </a:lnRef>
+      <a:fillRef idx="1">
+        <a:scrgbClr r="0" g="0" b="0"/>
+      </a:fillRef>
+      <a:effectRef idx="0">
+        <a:scrgbClr r="0" g="0" b="0"/>
+      </a:effectRef>
+      <a:fontRef idx="minor">
+        <a:schemeClr val="lt1"/>
+      </a:fontRef>
+    </dgm:style>
+  </dgm:styleLbl>
+  <dgm:styleLbl name="asst3">
+    <dgm:scene3d>
+      <a:camera prst="orthographicFront"/>
+      <a:lightRig rig="threePt" dir="t"/>
+    </dgm:scene3d>
+    <dgm:sp3d/>
+    <dgm:txPr/>
+    <dgm:style>
+      <a:lnRef idx="2">
+        <a:scrgbClr r="0" g="0" b="0"/>
+      </a:lnRef>
+      <a:fillRef idx="1">
+        <a:scrgbClr r="0" g="0" b="0"/>
+      </a:fillRef>
+      <a:effectRef idx="0">
+        <a:scrgbClr r="0" g="0" b="0"/>
+      </a:effectRef>
+      <a:fontRef idx="minor">
+        <a:schemeClr val="lt1"/>
+      </a:fontRef>
+    </dgm:style>
+  </dgm:styleLbl>
+  <dgm:styleLbl name="asst4">
+    <dgm:scene3d>
+      <a:camera prst="orthographicFront"/>
+      <a:lightRig rig="threePt" dir="t"/>
+    </dgm:scene3d>
+    <dgm:sp3d/>
+    <dgm:txPr/>
+    <dgm:style>
+      <a:lnRef idx="2">
+        <a:scrgbClr r="0" g="0" b="0"/>
+      </a:lnRef>
+      <a:fillRef idx="1">
+        <a:scrgbClr r="0" g="0" b="0"/>
+      </a:fillRef>
+      <a:effectRef idx="0">
+        <a:scrgbClr r="0" g="0" b="0"/>
+      </a:effectRef>
+      <a:fontRef idx="minor">
+        <a:schemeClr val="lt1"/>
+      </a:fontRef>
+    </dgm:style>
+  </dgm:styleLbl>
+  <dgm:styleLbl name="parChTrans2D1">
+    <dgm:scene3d>
+      <a:camera prst="orthographicFront"/>
+      <a:lightRig rig="threePt" dir="t"/>
+    </dgm:scene3d>
+    <dgm:sp3d/>
+    <dgm:txPr/>
+    <dgm:style>
+      <a:lnRef idx="2">
+        <a:scrgbClr r="0" g="0" b="0"/>
+      </a:lnRef>
+      <a:fillRef idx="1">
+        <a:scrgbClr r="0" g="0" b="0"/>
+      </a:fillRef>
+      <a:effectRef idx="0">
+        <a:scrgbClr r="0" g="0" b="0"/>
+      </a:effectRef>
+      <a:fontRef idx="minor">
+        <a:schemeClr val="lt1"/>
+      </a:fontRef>
+    </dgm:style>
+  </dgm:styleLbl>
+  <dgm:styleLbl name="parChTrans2D2">
+    <dgm:scene3d>
+      <a:camera prst="orthographicFront"/>
+      <a:lightRig rig="threePt" dir="t"/>
+    </dgm:scene3d>
+    <dgm:sp3d/>
+    <dgm:txPr/>
+    <dgm:style>
+      <a:lnRef idx="2">
+        <a:scrgbClr r="0" g="0" b="0"/>
+      </a:lnRef>
+      <a:fillRef idx="1">
+        <a:scrgbClr r="0" g="0" b="0"/>
+      </a:fillRef>
+      <a:effectRef idx="0">
+        <a:scrgbClr r="0" g="0" b="0"/>
+      </a:effectRef>
+      <a:fontRef idx="minor">
+        <a:schemeClr val="lt1"/>
+      </a:fontRef>
+    </dgm:style>
+  </dgm:styleLbl>
+  <dgm:styleLbl name="parChTrans2D3">
+    <dgm:scene3d>
+      <a:camera prst="orthographicFront"/>
+      <a:lightRig rig="threePt" dir="t"/>
+    </dgm:scene3d>
+    <dgm:sp3d/>
+    <dgm:txPr/>
+    <dgm:style>
+      <a:lnRef idx="2">
+        <a:scrgbClr r="0" g="0" b="0"/>
+      </a:lnRef>
+      <a:fillRef idx="1">
+        <a:scrgbClr r="0" g="0" b="0"/>
+      </a:fillRef>
+      <a:effectRef idx="0">
+        <a:scrgbClr r="0" g="0" b="0"/>
+      </a:effectRef>
+      <a:fontRef idx="minor">
+        <a:schemeClr val="lt1"/>
+      </a:fontRef>
+    </dgm:style>
+  </dgm:styleLbl>
+  <dgm:styleLbl name="parChTrans2D4">
+    <dgm:scene3d>
+      <a:camera prst="orthographicFront"/>
+      <a:lightRig rig="threePt" dir="t"/>
+    </dgm:scene3d>
+    <dgm:sp3d/>
+    <dgm:txPr/>
+    <dgm:style>
+      <a:lnRef idx="2">
+        <a:scrgbClr r="0" g="0" b="0"/>
+      </a:lnRef>
+      <a:fillRef idx="1">
+        <a:scrgbClr r="0" g="0" b="0"/>
+      </a:fillRef>
+      <a:effectRef idx="0">
+        <a:scrgbClr r="0" g="0" b="0"/>
+      </a:effectRef>
+      <a:fontRef idx="minor">
+        <a:schemeClr val="lt1"/>
+      </a:fontRef>
+    </dgm:style>
+  </dgm:styleLbl>
+  <dgm:styleLbl name="parChTrans1D1">
+    <dgm:scene3d>
+      <a:camera prst="orthographicFront"/>
+      <a:lightRig rig="threePt" dir="t"/>
+    </dgm:scene3d>
+    <dgm:sp3d/>
+    <dgm:txPr/>
+    <dgm:style>
+      <a:lnRef idx="2">
+        <a:scrgbClr r="0" g="0" b="0"/>
+      </a:lnRef>
+      <a:fillRef idx="0">
+        <a:scrgbClr r="0" g="0" b="0"/>
+      </a:fillRef>
+      <a:effectRef idx="0">
+        <a:scrgbClr r="0" g="0" b="0"/>
+      </a:effectRef>
+      <a:fontRef idx="minor"/>
+    </dgm:style>
+  </dgm:styleLbl>
+  <dgm:styleLbl name="parChTrans1D2">
+    <dgm:scene3d>
+      <a:camera prst="orthographicFront"/>
+      <a:lightRig rig="threePt" dir="t"/>
+    </dgm:scene3d>
+    <dgm:sp3d/>
+    <dgm:txPr/>
+    <dgm:style>
+      <a:lnRef idx="2">
+        <a:scrgbClr r="0" g="0" b="0"/>
+      </a:lnRef>
+      <a:fillRef idx="0">
+        <a:scrgbClr r="0" g="0" b="0"/>
+      </a:fillRef>
+      <a:effectRef idx="0">
+        <a:scrgbClr r="0" g="0" b="0"/>
+      </a:effectRef>
+      <a:fontRef idx="minor"/>
+    </dgm:style>
+  </dgm:styleLbl>
+  <dgm:styleLbl name="parChTrans1D3">
+    <dgm:scene3d>
+      <a:camera prst="orthographicFront"/>
+      <a:lightRig rig="threePt" dir="t"/>
+    </dgm:scene3d>
+    <dgm:sp3d/>
+    <dgm:txPr/>
+    <dgm:style>
+      <a:lnRef idx="2">
+        <a:scrgbClr r="0" g="0" b="0"/>
+      </a:lnRef>
+      <a:fillRef idx="0">
+        <a:scrgbClr r="0" g="0" b="0"/>
+      </a:fillRef>
+      <a:effectRef idx="0">
+        <a:scrgbClr r="0" g="0" b="0"/>
+      </a:effectRef>
+      <a:fontRef idx="minor"/>
+    </dgm:style>
+  </dgm:styleLbl>
+  <dgm:styleLbl name="parChTrans1D4">
+    <dgm:scene3d>
+      <a:camera prst="orthographicFront"/>
+      <a:lightRig rig="threePt" dir="t"/>
+    </dgm:scene3d>
+    <dgm:sp3d/>
+    <dgm:txPr/>
+    <dgm:style>
+      <a:lnRef idx="2">
+        <a:scrgbClr r="0" g="0" b="0"/>
+      </a:lnRef>
+      <a:fillRef idx="0">
+        <a:scrgbClr r="0" g="0" b="0"/>
+      </a:fillRef>
+      <a:effectRef idx="0">
+        <a:scrgbClr r="0" g="0" b="0"/>
+      </a:effectRef>
+      <a:fontRef idx="minor"/>
+    </dgm:style>
+  </dgm:styleLbl>
+  <dgm:styleLbl name="fgAcc1">
+    <dgm:scene3d>
+      <a:camera prst="orthographicFront"/>
+      <a:lightRig rig="threePt" dir="t"/>
+    </dgm:scene3d>
+    <dgm:sp3d/>
+    <dgm:txPr/>
+    <dgm:style>
+      <a:lnRef idx="2">
+        <a:scrgbClr r="0" g="0" b="0"/>
+      </a:lnRef>
+      <a:fillRef idx="1">
+        <a:scrgbClr r="0" g="0" b="0"/>
+      </a:fillRef>
+      <a:effectRef idx="0">
+        <a:scrgbClr r="0" g="0" b="0"/>
+      </a:effectRef>
+      <a:fontRef idx="minor"/>
+    </dgm:style>
+  </dgm:styleLbl>
+  <dgm:styleLbl name="conFgAcc1">
+    <dgm:scene3d>
+      <a:camera prst="orthographicFront"/>
+      <a:lightRig rig="threePt" dir="t"/>
+    </dgm:scene3d>
+    <dgm:sp3d/>
+    <dgm:txPr/>
+    <dgm:style>
+      <a:lnRef idx="2">
+        <a:scrgbClr r="0" g="0" b="0"/>
+      </a:lnRef>
+      <a:fillRef idx="1">
+        <a:scrgbClr r="0" g="0" b="0"/>
+      </a:fillRef>
+      <a:effectRef idx="0">
+        <a:scrgbClr r="0" g="0" b="0"/>
+      </a:effectRef>
+      <a:fontRef idx="minor"/>
+    </dgm:style>
+  </dgm:styleLbl>
+  <dgm:styleLbl name="alignAcc1">
+    <dgm:scene3d>
+      <a:camera prst="orthographicFront"/>
+      <a:lightRig rig="threePt" dir="t"/>
+    </dgm:scene3d>
+    <dgm:sp3d/>
+    <dgm:txPr/>
+    <dgm:style>
+      <a:lnRef idx="2">
+        <a:scrgbClr r="0" g="0" b="0"/>
+      </a:lnRef>
+      <a:fillRef idx="1">
+        <a:scrgbClr r="0" g="0" b="0"/>
+      </a:fillRef>
+      <a:effectRef idx="0">
+        <a:scrgbClr r="0" g="0" b="0"/>
+      </a:effectRef>
+      <a:fontRef idx="minor"/>
+    </dgm:style>
+  </dgm:styleLbl>
+  <dgm:styleLbl name="trAlignAcc1">
+    <dgm:scene3d>
+      <a:camera prst="orthographicFront"/>
+      <a:lightRig rig="threePt" dir="t"/>
+    </dgm:scene3d>
+    <dgm:sp3d/>
+    <dgm:txPr/>
+    <dgm:style>
+      <a:lnRef idx="1">
+        <a:scrgbClr r="0" g="0" b="0"/>
+      </a:lnRef>
+      <a:fillRef idx="1">
+        <a:scrgbClr r="0" g="0" b="0"/>
+      </a:fillRef>
+      <a:effectRef idx="0">
+        <a:scrgbClr r="0" g="0" b="0"/>
+      </a:effectRef>
+      <a:fontRef idx="minor"/>
+    </dgm:style>
+  </dgm:styleLbl>
+  <dgm:styleLbl name="bgAcc1">
+    <dgm:scene3d>
+      <a:camera prst="orthographicFront"/>
+      <a:lightRig rig="threePt" dir="t"/>
+    </dgm:scene3d>
+    <dgm:sp3d/>
+    <dgm:txPr/>
+    <dgm:style>
+      <a:lnRef idx="2">
+        <a:scrgbClr r="0" g="0" b="0"/>
+      </a:lnRef>
+      <a:fillRef idx="1">
+        <a:scrgbClr r="0" g="0" b="0"/>
+      </a:fillRef>
+      <a:effectRef idx="0">
+        <a:scrgbClr r="0" g="0" b="0"/>
+      </a:effectRef>
+      <a:fontRef idx="minor"/>
+    </dgm:style>
+  </dgm:styleLbl>
+  <dgm:styleLbl name="solidFgAcc1">
+    <dgm:scene3d>
+      <a:camera prst="orthographicFront"/>
+      <a:lightRig rig="threePt" dir="t"/>
+    </dgm:scene3d>
+    <dgm:sp3d/>
+    <dgm:txPr/>
+    <dgm:style>
+      <a:lnRef idx="2">
+        <a:scrgbClr r="0" g="0" b="0"/>
+      </a:lnRef>
+      <a:fillRef idx="1">
+        <a:scrgbClr r="0" g="0" b="0"/>
+      </a:fillRef>
+      <a:effectRef idx="0">
+        <a:scrgbClr r="0" g="0" b="0"/>
+      </a:effectRef>
+      <a:fontRef idx="minor"/>
+    </dgm:style>
+  </dgm:styleLbl>
+  <dgm:styleLbl name="solidAlignAcc1">
+    <dgm:scene3d>
+      <a:camera prst="orthographicFront"/>
+      <a:lightRig rig="threePt" dir="t"/>
+    </dgm:scene3d>
+    <dgm:sp3d/>
+    <dgm:txPr/>
+    <dgm:style>
+      <a:lnRef idx="2">
+        <a:scrgbClr r="0" g="0" b="0"/>
+      </a:lnRef>
+      <a:fillRef idx="1">
+        <a:scrgbClr r="0" g="0" b="0"/>
+      </a:fillRef>
+      <a:effectRef idx="0">
+        <a:scrgbClr r="0" g="0" b="0"/>
+      </a:effectRef>
+      <a:fontRef idx="minor"/>
+    </dgm:style>
+  </dgm:styleLbl>
+  <dgm:styleLbl name="solidBgAcc1">
+    <dgm:scene3d>
+      <a:camera prst="orthographicFront"/>
+      <a:lightRig rig="threePt" dir="t"/>
+    </dgm:scene3d>
+    <dgm:sp3d/>
+    <dgm:txPr/>
+    <dgm:style>
+      <a:lnRef idx="2">
+        <a:scrgbClr r="0" g="0" b="0"/>
+      </a:lnRef>
+      <a:fillRef idx="1">
+        <a:scrgbClr r="0" g="0" b="0"/>
+      </a:fillRef>
+      <a:effectRef idx="0">
+        <a:scrgbClr r="0" g="0" b="0"/>
+      </a:effectRef>
+      <a:fontRef idx="minor"/>
+    </dgm:style>
+  </dgm:styleLbl>
+  <dgm:styleLbl name="fgAccFollowNode1">
+    <dgm:scene3d>
+      <a:camera prst="orthographicFront"/>
+      <a:lightRig rig="threePt" dir="t"/>
+    </dgm:scene3d>
+    <dgm:sp3d/>
+    <dgm:txPr/>
+    <dgm:style>
+      <a:lnRef idx="2">
+        <a:scrgbClr r="0" g="0" b="0"/>
+      </a:lnRef>
+      <a:fillRef idx="1">
+        <a:scrgbClr r="0" g="0" b="0"/>
+      </a:fillRef>
+      <a:effectRef idx="0">
+        <a:scrgbClr r="0" g="0" b="0"/>
+      </a:effectRef>
+      <a:fontRef idx="minor"/>
+    </dgm:style>
+  </dgm:styleLbl>
+  <dgm:styleLbl name="alignAccFollowNode1">
+    <dgm:scene3d>
+      <a:camera prst="orthographicFront"/>
+      <a:lightRig rig="threePt" dir="t"/>
+    </dgm:scene3d>
+    <dgm:sp3d/>
+    <dgm:txPr/>
+    <dgm:style>
+      <a:lnRef idx="2">
+        <a:scrgbClr r="0" g="0" b="0"/>
+      </a:lnRef>
+      <a:fillRef idx="1">
+        <a:scrgbClr r="0" g="0" b="0"/>
+      </a:fillRef>
+      <a:effectRef idx="0">
+        <a:scrgbClr r="0" g="0" b="0"/>
+      </a:effectRef>
+      <a:fontRef idx="minor"/>
+    </dgm:style>
+  </dgm:styleLbl>
+  <dgm:styleLbl name="bgAccFollowNode1">
+    <dgm:scene3d>
+      <a:camera prst="orthographicFront"/>
+      <a:lightRig rig="threePt" dir="t"/>
+    </dgm:scene3d>
+    <dgm:sp3d/>
+    <dgm:txPr/>
+    <dgm:style>
+      <a:lnRef idx="2">
+        <a:scrgbClr r="0" g="0" b="0"/>
+      </a:lnRef>
+      <a:fillRef idx="1">
+        <a:scrgbClr r="0" g="0" b="0"/>
+      </a:fillRef>
+      <a:effectRef idx="0">
+        <a:scrgbClr r="0" g="0" b="0"/>
+      </a:effectRef>
+      <a:fontRef idx="minor"/>
+    </dgm:style>
+  </dgm:styleLbl>
+  <dgm:styleLbl name="fgAcc0">
+    <dgm:scene3d>
+      <a:camera prst="orthographicFront"/>
+      <a:lightRig rig="threePt" dir="t"/>
+    </dgm:scene3d>
+    <dgm:sp3d/>
+    <dgm:txPr/>
+    <dgm:style>
+      <a:lnRef idx="2">
+        <a:scrgbClr r="0" g="0" b="0"/>
+      </a:lnRef>
+      <a:fillRef idx="1">
+        <a:scrgbClr r="0" g="0" b="0"/>
+      </a:fillRef>
+      <a:effectRef idx="0">
+        <a:scrgbClr r="0" g="0" b="0"/>
+      </a:effectRef>
+      <a:fontRef idx="minor"/>
+    </dgm:style>
+  </dgm:styleLbl>
+  <dgm:styleLbl name="fgAcc2">
+    <dgm:scene3d>
+      <a:camera prst="orthographicFront"/>
+      <a:lightRig rig="threePt" dir="t"/>
+    </dgm:scene3d>
+    <dgm:sp3d/>
+    <dgm:txPr/>
+    <dgm:style>
+      <a:lnRef idx="2">
+        <a:scrgbClr r="0" g="0" b="0"/>
+      </a:lnRef>
+      <a:fillRef idx="1">
+        <a:scrgbClr r="0" g="0" b="0"/>
+      </a:fillRef>
+      <a:effectRef idx="0">
+        <a:scrgbClr r="0" g="0" b="0"/>
+      </a:effectRef>
+      <a:fontRef idx="minor"/>
+    </dgm:style>
+  </dgm:styleLbl>
+  <dgm:styleLbl name="fgAcc3">
+    <dgm:scene3d>
+      <a:camera prst="orthographicFront"/>
+      <a:lightRig rig="threePt" dir="t"/>
+    </dgm:scene3d>
+    <dgm:sp3d/>
+    <dgm:txPr/>
+    <dgm:style>
+      <a:lnRef idx="2">
+        <a:scrgbClr r="0" g="0" b="0"/>
+      </a:lnRef>
+      <a:fillRef idx="1">
+        <a:scrgbClr r="0" g="0" b="0"/>
+      </a:fillRef>
+      <a:effectRef idx="0">
+        <a:scrgbClr r="0" g="0" b="0"/>
+      </a:effectRef>
+      <a:fontRef idx="minor"/>
+    </dgm:style>
+  </dgm:styleLbl>
+  <dgm:styleLbl name="fgAcc4">
+    <dgm:scene3d>
+      <a:camera prst="orthographicFront"/>
+      <a:lightRig rig="threePt" dir="t"/>
+    </dgm:scene3d>
+    <dgm:sp3d/>
+    <dgm:txPr/>
+    <dgm:style>
+      <a:lnRef idx="2">
+        <a:scrgbClr r="0" g="0" b="0"/>
+      </a:lnRef>
+      <a:fillRef idx="1">
+        <a:scrgbClr r="0" g="0" b="0"/>
+      </a:fillRef>
+      <a:effectRef idx="0">
+        <a:scrgbClr r="0" g="0" b="0"/>
+      </a:effectRef>
+      <a:fontRef idx="minor"/>
+    </dgm:style>
+  </dgm:styleLbl>
+  <dgm:styleLbl name="bgShp">
+    <dgm:scene3d>
+      <a:camera prst="orthographicFront"/>
+      <a:lightRig rig="threePt" dir="t"/>
+    </dgm:scene3d>
+    <dgm:sp3d/>
+    <dgm:txPr/>
+    <dgm:style>
+      <a:lnRef idx="0">
+        <a:scrgbClr r="0" g="0" b="0"/>
+      </a:lnRef>
+      <a:fillRef idx="1">
+        <a:scrgbClr r="0" g="0" b="0"/>
+      </a:fillRef>
+      <a:effectRef idx="0">
+        <a:scrgbClr r="0" g="0" b="0"/>
+      </a:effectRef>
+      <a:fontRef idx="minor"/>
+    </dgm:style>
+  </dgm:styleLbl>
+  <dgm:styleLbl name="dkBgShp">
+    <dgm:scene3d>
+      <a:camera prst="orthographicFront"/>
+      <a:lightRig rig="threePt" dir="t"/>
+    </dgm:scene3d>
+    <dgm:sp3d/>
+    <dgm:txPr/>
+    <dgm:style>
+      <a:lnRef idx="0">
+        <a:scrgbClr r="0" g="0" b="0"/>
+      </a:lnRef>
+      <a:fillRef idx="1">
+        <a:scrgbClr r="0" g="0" b="0"/>
+      </a:fillRef>
+      <a:effectRef idx="0">
+        <a:scrgbClr r="0" g="0" b="0"/>
+      </a:effectRef>
+      <a:fontRef idx="minor"/>
+    </dgm:style>
+  </dgm:styleLbl>
+  <dgm:styleLbl name="trBgShp">
+    <dgm:scene3d>
+      <a:camera prst="orthographicFront"/>
+      <a:lightRig rig="threePt" dir="t"/>
+    </dgm:scene3d>
+    <dgm:sp3d/>
+    <dgm:txPr/>
+    <dgm:style>
+      <a:lnRef idx="0">
+        <a:scrgbClr r="0" g="0" b="0"/>
+      </a:lnRef>
+      <a:fillRef idx="1">
+        <a:scrgbClr r="0" g="0" b="0"/>
+      </a:fillRef>
+      <a:effectRef idx="0">
+        <a:scrgbClr r="0" g="0" b="0"/>
+      </a:effectRef>
+      <a:fontRef idx="minor"/>
+    </dgm:style>
+  </dgm:styleLbl>
+  <dgm:styleLbl name="fgShp">
+    <dgm:scene3d>
+      <a:camera prst="orthographicFront"/>
+      <a:lightRig rig="threePt" dir="t"/>
+    </dgm:scene3d>
+    <dgm:sp3d/>
+    <dgm:txPr/>
+    <dgm:style>
+      <a:lnRef idx="2">
+        <a:scrgbClr r="0" g="0" b="0"/>
+      </a:lnRef>
+      <a:fillRef idx="1">
+        <a:scrgbClr r="0" g="0" b="0"/>
+      </a:fillRef>
+      <a:effectRef idx="0">
         <a:scrgbClr r="0" g="0" b="0"/>
       </a:effectRef>
       <a:fontRef idx="minor"/>
@@ -26405,11 +30791,11 @@
           <a:bodyPr/>
           <a:lstStyle/>
           <a:p>
-            <a:fld id="{F19C1B1D-A7C4-9E4C-8A70-3C6F57E929CF}" type="datetime1">
-              <a:rPr lang="fr-FR" smtClean="0"/>
-              <a:t>01/06/2015</a:t>
-            </a:fld>
-            <a:endParaRPr lang="fr-FR"/>
+            <a:r>
+              <a:rPr lang="fr-FR" dirty="0" smtClean="0"/>
+              <a:t>03/06/2015</a:t>
+            </a:r>
+            <a:endParaRPr lang="fr-FR" dirty="0"/>
           </a:p>
         </p:txBody>
       </p:sp>
@@ -26577,11 +30963,11 @@
           <a:bodyPr/>
           <a:lstStyle/>
           <a:p>
-            <a:fld id="{F19C1B1D-A7C4-9E4C-8A70-3C6F57E929CF}" type="datetime1">
-              <a:rPr lang="fr-FR" smtClean="0"/>
-              <a:t>01/06/2015</a:t>
-            </a:fld>
-            <a:endParaRPr lang="fr-FR"/>
+            <a:r>
+              <a:rPr lang="fr-FR" dirty="0" smtClean="0"/>
+              <a:t>03/06/2015</a:t>
+            </a:r>
+            <a:endParaRPr lang="fr-FR" dirty="0"/>
           </a:p>
         </p:txBody>
       </p:sp>
@@ -26691,7 +31077,7 @@
         </p:blipFill>
         <p:spPr bwMode="auto">
           <a:xfrm>
-            <a:off x="1530618" y="1954395"/>
+            <a:off x="1433512" y="1722234"/>
             <a:ext cx="6276975" cy="1638300"/>
           </a:xfrm>
           <a:prstGeom prst="rect">
@@ -26740,7 +31126,7 @@
         </p:nvSpPr>
         <p:spPr>
           <a:xfrm>
-            <a:off x="2257678" y="1417638"/>
+            <a:off x="2327041" y="1352902"/>
             <a:ext cx="3935886" cy="369332"/>
           </a:xfrm>
           <a:prstGeom prst="rect">
@@ -26774,9 +31160,63 @@
           </a:p>
         </p:txBody>
       </p:sp>
+      <p:sp>
+        <p:nvSpPr>
+          <p:cNvPr id="5" name="ZoneTexte 4"/>
+          <p:cNvSpPr txBox="1"/>
+          <p:nvPr/>
+        </p:nvSpPr>
+        <p:spPr>
+          <a:xfrm>
+            <a:off x="137565" y="3498661"/>
+            <a:ext cx="7670028" cy="369332"/>
+          </a:xfrm>
+          <a:prstGeom prst="rect">
+            <a:avLst/>
+          </a:prstGeom>
+          <a:noFill/>
+        </p:spPr>
+        <p:txBody>
+          <a:bodyPr wrap="square" rtlCol="0">
+            <a:spAutoFit/>
+          </a:bodyPr>
+          <a:lstStyle/>
+          <a:p>
+            <a:r>
+              <a:rPr lang="fr-FR" dirty="0" smtClean="0"/>
+              <a:t>L’application reconnait </a:t>
+            </a:r>
+            <a:r>
+              <a:rPr lang="fr-FR" dirty="0" smtClean="0"/>
+              <a:t>les </a:t>
+            </a:r>
+            <a:r>
+              <a:rPr lang="fr-FR" dirty="0" smtClean="0"/>
+              <a:t>mots du domaine </a:t>
+            </a:r>
+            <a:r>
+              <a:rPr lang="fr-FR" dirty="0" smtClean="0"/>
+              <a:t>animal en surlignant </a:t>
+            </a:r>
+            <a:r>
+              <a:rPr lang="fr-FR" dirty="0" smtClean="0">
+                <a:solidFill>
+                  <a:srgbClr val="00B050"/>
+                </a:solidFill>
+              </a:rPr>
+              <a:t>en vert </a:t>
+            </a:r>
+            <a:r>
+              <a:rPr lang="fr-FR" dirty="0" smtClean="0"/>
+              <a:t>! </a:t>
+            </a:r>
+            <a:endParaRPr lang="fr-FR" dirty="0"/>
+          </a:p>
+        </p:txBody>
+      </p:sp>
       <p:pic>
         <p:nvPicPr>
-          <p:cNvPr id="1029" name="Picture 5"/>
+          <p:cNvPr id="1027" name="Picture 3"/>
           <p:cNvPicPr>
             <a:picLocks noChangeAspect="1" noChangeArrowheads="1"/>
           </p:cNvPicPr>
@@ -26797,8 +31237,72 @@
         </p:blipFill>
         <p:spPr bwMode="auto">
           <a:xfrm>
-            <a:off x="0" y="4307913"/>
-            <a:ext cx="9124950" cy="1190625"/>
+            <a:off x="66674" y="3867993"/>
+            <a:ext cx="9010650" cy="923925"/>
+          </a:xfrm>
+          <a:prstGeom prst="rect">
+            <a:avLst/>
+          </a:prstGeom>
+          <a:noFill/>
+          <a:ln>
+            <a:noFill/>
+          </a:ln>
+          <a:effectLst/>
+          <a:extLst>
+            <a:ext uri="{909E8E84-426E-40DD-AFC4-6F175D3DCCD1}">
+              <a14:hiddenFill xmlns:a14="http://schemas.microsoft.com/office/drawing/2010/main">
+                <a:solidFill>
+                  <a:schemeClr val="accent1"/>
+                </a:solidFill>
+              </a14:hiddenFill>
+            </a:ext>
+            <a:ext uri="{91240B29-F687-4F45-9708-019B960494DF}">
+              <a14:hiddenLine xmlns:a14="http://schemas.microsoft.com/office/drawing/2010/main" w="9525">
+                <a:solidFill>
+                  <a:schemeClr val="tx1"/>
+                </a:solidFill>
+                <a:miter lim="800000"/>
+                <a:headEnd/>
+                <a:tailEnd/>
+              </a14:hiddenLine>
+            </a:ext>
+            <a:ext uri="{AF507438-7753-43E0-B8FC-AC1667EBCBE1}">
+              <a14:hiddenEffects xmlns:a14="http://schemas.microsoft.com/office/drawing/2010/main">
+                <a:effectLst>
+                  <a:outerShdw dist="35921" dir="2700000" algn="ctr" rotWithShape="0">
+                    <a:schemeClr val="bg2"/>
+                  </a:outerShdw>
+                </a:effectLst>
+              </a14:hiddenEffects>
+            </a:ext>
+          </a:extLst>
+        </p:spPr>
+      </p:pic>
+      <p:pic>
+        <p:nvPicPr>
+          <p:cNvPr id="1030" name="Picture 6"/>
+          <p:cNvPicPr>
+            <a:picLocks noChangeAspect="1" noChangeArrowheads="1"/>
+          </p:cNvPicPr>
+          <p:nvPr/>
+        </p:nvPicPr>
+        <p:blipFill>
+          <a:blip r:embed="rId4">
+            <a:extLst>
+              <a:ext uri="{28A0092B-C50C-407E-A947-70E740481C1C}">
+                <a14:useLocalDpi xmlns:a14="http://schemas.microsoft.com/office/drawing/2010/main" val="0"/>
+              </a:ext>
+            </a:extLst>
+          </a:blip>
+          <a:srcRect/>
+          <a:stretch>
+            <a:fillRect/>
+          </a:stretch>
+        </p:blipFill>
+        <p:spPr bwMode="auto">
+          <a:xfrm>
+            <a:off x="2057399" y="4926532"/>
+            <a:ext cx="7019925" cy="1714500"/>
           </a:xfrm>
           <a:prstGeom prst="rect">
             <a:avLst/>
@@ -26840,14 +31344,14 @@
       </p:pic>
       <p:sp>
         <p:nvSpPr>
-          <p:cNvPr id="5" name="ZoneTexte 4"/>
+          <p:cNvPr id="10" name="ZoneTexte 9"/>
           <p:cNvSpPr txBox="1"/>
           <p:nvPr/>
         </p:nvSpPr>
         <p:spPr>
           <a:xfrm>
-            <a:off x="137565" y="3867993"/>
-            <a:ext cx="7670028" cy="369332"/>
+            <a:off x="66673" y="5045118"/>
+            <a:ext cx="1990725" cy="1477328"/>
           </a:xfrm>
           <a:prstGeom prst="rect">
             <a:avLst/>
@@ -26862,7 +31366,13 @@
           <a:p>
             <a:r>
               <a:rPr lang="fr-FR" dirty="0" smtClean="0"/>
-              <a:t>L’application reconnait instantanément les mots du domaine animal ! </a:t>
+              <a:t>En cliquant sur le mot, l’annotation sémantique du mot apparait !</a:t>
+            </a:r>
+          </a:p>
+          <a:p>
+            <a:r>
+              <a:rPr lang="fr-FR" dirty="0" smtClean="0"/>
+              <a:t>(AJAX)</a:t>
             </a:r>
             <a:endParaRPr lang="fr-FR" dirty="0"/>
           </a:p>
@@ -26872,6 +31382,860 @@
     <p:extLst>
       <p:ext uri="{BB962C8B-B14F-4D97-AF65-F5344CB8AC3E}">
         <p14:creationId xmlns:p14="http://schemas.microsoft.com/office/powerpoint/2010/main" val="3009493668"/>
+      </p:ext>
+    </p:extLst>
+  </p:cSld>
+  <p:clrMapOvr>
+    <a:masterClrMapping/>
+  </p:clrMapOvr>
+  <p:timing>
+    <p:tnLst>
+      <p:par>
+        <p:cTn id="1" dur="indefinite" restart="never" nodeType="tmRoot"/>
+      </p:par>
+    </p:tnLst>
+  </p:timing>
+</p:sld>
+</file>
+
+<file path=ppt/slides/slide13.xml><?xml version="1.0" encoding="utf-8"?>
+<p:sld xmlns:a="http://schemas.openxmlformats.org/drawingml/2006/main" xmlns:r="http://schemas.openxmlformats.org/officeDocument/2006/relationships" xmlns:p="http://schemas.openxmlformats.org/presentationml/2006/main">
+  <p:cSld>
+    <p:spTree>
+      <p:nvGrpSpPr>
+        <p:cNvPr id="1" name=""/>
+        <p:cNvGrpSpPr/>
+        <p:nvPr/>
+      </p:nvGrpSpPr>
+      <p:grpSpPr>
+        <a:xfrm>
+          <a:off x="0" y="0"/>
+          <a:ext cx="0" cy="0"/>
+          <a:chOff x="0" y="0"/>
+          <a:chExt cx="0" cy="0"/>
+        </a:xfrm>
+      </p:grpSpPr>
+      <p:sp>
+        <p:nvSpPr>
+          <p:cNvPr id="2" name="Titre 1"/>
+          <p:cNvSpPr>
+            <a:spLocks noGrp="1"/>
+          </p:cNvSpPr>
+          <p:nvPr>
+            <p:ph type="title"/>
+          </p:nvPr>
+        </p:nvSpPr>
+        <p:spPr/>
+        <p:txBody>
+          <a:bodyPr>
+            <a:normAutofit/>
+          </a:bodyPr>
+          <a:lstStyle/>
+          <a:p>
+            <a:pPr lvl="0"/>
+            <a:r>
+              <a:rPr lang="fr-FR" sz="2800" b="0" dirty="0" smtClean="0">
+                <a:latin typeface="Times New Roman" pitchFamily="18" charset="0"/>
+                <a:cs typeface="Times New Roman" pitchFamily="18" charset="0"/>
+              </a:rPr>
+              <a:t>Analyse </a:t>
+            </a:r>
+            <a:r>
+              <a:rPr lang="fr-FR" sz="2800" b="0" dirty="0" smtClean="0">
+                <a:latin typeface="Times New Roman" pitchFamily="18" charset="0"/>
+                <a:cs typeface="Times New Roman" pitchFamily="18" charset="0"/>
+              </a:rPr>
+              <a:t>sémantique</a:t>
+            </a:r>
+            <a:endParaRPr lang="fr-FR" dirty="0"/>
+          </a:p>
+        </p:txBody>
+      </p:sp>
+      <p:sp>
+        <p:nvSpPr>
+          <p:cNvPr id="4" name="Espace réservé de la date 3"/>
+          <p:cNvSpPr>
+            <a:spLocks noGrp="1"/>
+          </p:cNvSpPr>
+          <p:nvPr>
+            <p:ph type="dt" sz="half" idx="10"/>
+          </p:nvPr>
+        </p:nvSpPr>
+        <p:spPr/>
+        <p:txBody>
+          <a:bodyPr/>
+          <a:lstStyle/>
+          <a:p>
+            <a:r>
+              <a:rPr lang="fr-FR" dirty="0" smtClean="0"/>
+              <a:t>03/06/2015</a:t>
+            </a:r>
+            <a:endParaRPr lang="fr-FR" dirty="0"/>
+          </a:p>
+        </p:txBody>
+      </p:sp>
+      <p:sp>
+        <p:nvSpPr>
+          <p:cNvPr id="6" name="Espace réservé du numéro de diapositive 5"/>
+          <p:cNvSpPr>
+            <a:spLocks noGrp="1"/>
+          </p:cNvSpPr>
+          <p:nvPr>
+            <p:ph type="sldNum" sz="quarter" idx="12"/>
+          </p:nvPr>
+        </p:nvSpPr>
+        <p:spPr/>
+        <p:txBody>
+          <a:bodyPr/>
+          <a:lstStyle/>
+          <a:p>
+            <a:fld id="{93843418-5D8F-0D41-BCF8-8D9702B58111}" type="slidenum">
+              <a:rPr lang="fr-FR" smtClean="0"/>
+              <a:t>13</a:t>
+            </a:fld>
+            <a:endParaRPr lang="fr-FR"/>
+          </a:p>
+        </p:txBody>
+      </p:sp>
+      <p:sp>
+        <p:nvSpPr>
+          <p:cNvPr id="7" name="Espace réservé du pied de page 4"/>
+          <p:cNvSpPr>
+            <a:spLocks noGrp="1"/>
+          </p:cNvSpPr>
+          <p:nvPr>
+            <p:ph type="ftr" sz="quarter" idx="11"/>
+          </p:nvPr>
+        </p:nvSpPr>
+        <p:spPr>
+          <a:xfrm>
+            <a:off x="2152513" y="6008"/>
+            <a:ext cx="4110414" cy="565492"/>
+          </a:xfrm>
+        </p:spPr>
+        <p:txBody>
+          <a:bodyPr/>
+          <a:lstStyle/>
+          <a:p>
+            <a:pPr algn="ctr"/>
+            <a:r>
+              <a:rPr lang="fr-FR" i="1" dirty="0" smtClean="0">
+                <a:effectLst>
+                  <a:outerShdw blurRad="38100" dist="38100" dir="2700000" algn="tl">
+                    <a:srgbClr val="000000">
+                      <a:alpha val="43137"/>
+                    </a:srgbClr>
+                  </a:outerShdw>
+                </a:effectLst>
+              </a:rPr>
+              <a:t>Sémantique et langue naturelle</a:t>
+            </a:r>
+          </a:p>
+          <a:p>
+            <a:pPr algn="ctr"/>
+            <a:r>
+              <a:rPr lang="fr-FR" i="1" dirty="0" err="1" smtClean="0">
+                <a:effectLst>
+                  <a:outerShdw blurRad="38100" dist="38100" dir="2700000" algn="tl">
+                    <a:srgbClr val="000000">
+                      <a:alpha val="43137"/>
+                    </a:srgbClr>
+                  </a:outerShdw>
+                </a:effectLst>
+              </a:rPr>
+              <a:t>Realisation</a:t>
+            </a:r>
+            <a:endParaRPr lang="fr-FR" i="1" dirty="0">
+              <a:effectLst>
+                <a:outerShdw blurRad="38100" dist="38100" dir="2700000" algn="tl">
+                  <a:srgbClr val="000000">
+                    <a:alpha val="43137"/>
+                  </a:srgbClr>
+                </a:outerShdw>
+              </a:effectLst>
+            </a:endParaRPr>
+          </a:p>
+        </p:txBody>
+      </p:sp>
+      <p:sp>
+        <p:nvSpPr>
+          <p:cNvPr id="3" name="ZoneTexte 2"/>
+          <p:cNvSpPr txBox="1"/>
+          <p:nvPr/>
+        </p:nvSpPr>
+        <p:spPr>
+          <a:xfrm>
+            <a:off x="3047232" y="1352902"/>
+            <a:ext cx="2579937" cy="369332"/>
+          </a:xfrm>
+          <a:prstGeom prst="rect">
+            <a:avLst/>
+          </a:prstGeom>
+          <a:noFill/>
+        </p:spPr>
+        <p:txBody>
+          <a:bodyPr wrap="none" rtlCol="0">
+            <a:spAutoFit/>
+          </a:bodyPr>
+          <a:lstStyle/>
+          <a:p>
+            <a:r>
+              <a:rPr lang="fr-FR" b="1" dirty="0" smtClean="0">
+                <a:effectLst>
+                  <a:outerShdw blurRad="38100" dist="38100" dir="2700000" algn="tl">
+                    <a:srgbClr val="000000">
+                      <a:alpha val="43137"/>
+                    </a:srgbClr>
+                  </a:outerShdw>
+                </a:effectLst>
+              </a:rPr>
+              <a:t>Exemple : </a:t>
+            </a:r>
+            <a:r>
+              <a:rPr lang="fr-FR" dirty="0" smtClean="0"/>
+              <a:t>Le chat miaule.</a:t>
+            </a:r>
+            <a:endParaRPr lang="fr-FR" dirty="0"/>
+          </a:p>
+        </p:txBody>
+      </p:sp>
+    </p:spTree>
+    <p:extLst>
+      <p:ext uri="{BB962C8B-B14F-4D97-AF65-F5344CB8AC3E}">
+        <p14:creationId xmlns:p14="http://schemas.microsoft.com/office/powerpoint/2010/main" val="2933442787"/>
+      </p:ext>
+    </p:extLst>
+  </p:cSld>
+  <p:clrMapOvr>
+    <a:masterClrMapping/>
+  </p:clrMapOvr>
+  <p:timing>
+    <p:tnLst>
+      <p:par>
+        <p:cTn id="1" dur="indefinite" restart="never" nodeType="tmRoot"/>
+      </p:par>
+    </p:tnLst>
+  </p:timing>
+</p:sld>
+</file>
+
+<file path=ppt/slides/slide14.xml><?xml version="1.0" encoding="utf-8"?>
+<p:sld xmlns:a="http://schemas.openxmlformats.org/drawingml/2006/main" xmlns:r="http://schemas.openxmlformats.org/officeDocument/2006/relationships" xmlns:p="http://schemas.openxmlformats.org/presentationml/2006/main">
+  <p:cSld>
+    <p:spTree>
+      <p:nvGrpSpPr>
+        <p:cNvPr id="1" name=""/>
+        <p:cNvGrpSpPr/>
+        <p:nvPr/>
+      </p:nvGrpSpPr>
+      <p:grpSpPr>
+        <a:xfrm>
+          <a:off x="0" y="0"/>
+          <a:ext cx="0" cy="0"/>
+          <a:chOff x="0" y="0"/>
+          <a:chExt cx="0" cy="0"/>
+        </a:xfrm>
+      </p:grpSpPr>
+      <p:sp>
+        <p:nvSpPr>
+          <p:cNvPr id="2" name="Titre 1"/>
+          <p:cNvSpPr>
+            <a:spLocks noGrp="1"/>
+          </p:cNvSpPr>
+          <p:nvPr>
+            <p:ph type="title"/>
+          </p:nvPr>
+        </p:nvSpPr>
+        <p:spPr/>
+        <p:txBody>
+          <a:bodyPr>
+            <a:normAutofit/>
+          </a:bodyPr>
+          <a:lstStyle/>
+          <a:p>
+            <a:pPr lvl="0"/>
+            <a:r>
+              <a:rPr lang="fr-FR" sz="2800" b="0" dirty="0" smtClean="0">
+                <a:latin typeface="Times New Roman" pitchFamily="18" charset="0"/>
+                <a:cs typeface="Times New Roman" pitchFamily="18" charset="0"/>
+              </a:rPr>
+              <a:t>Difficultés et améliorations futures</a:t>
+            </a:r>
+            <a:endParaRPr lang="fr-FR" dirty="0"/>
+          </a:p>
+        </p:txBody>
+      </p:sp>
+      <p:sp>
+        <p:nvSpPr>
+          <p:cNvPr id="4" name="Espace réservé de la date 3"/>
+          <p:cNvSpPr>
+            <a:spLocks noGrp="1"/>
+          </p:cNvSpPr>
+          <p:nvPr>
+            <p:ph type="dt" sz="half" idx="10"/>
+          </p:nvPr>
+        </p:nvSpPr>
+        <p:spPr/>
+        <p:txBody>
+          <a:bodyPr/>
+          <a:lstStyle/>
+          <a:p>
+            <a:r>
+              <a:rPr lang="fr-FR" dirty="0" smtClean="0"/>
+              <a:t>03/06/2015</a:t>
+            </a:r>
+            <a:endParaRPr lang="fr-FR" dirty="0"/>
+          </a:p>
+        </p:txBody>
+      </p:sp>
+      <p:sp>
+        <p:nvSpPr>
+          <p:cNvPr id="6" name="Espace réservé du numéro de diapositive 5"/>
+          <p:cNvSpPr>
+            <a:spLocks noGrp="1"/>
+          </p:cNvSpPr>
+          <p:nvPr>
+            <p:ph type="sldNum" sz="quarter" idx="12"/>
+          </p:nvPr>
+        </p:nvSpPr>
+        <p:spPr/>
+        <p:txBody>
+          <a:bodyPr/>
+          <a:lstStyle/>
+          <a:p>
+            <a:fld id="{93843418-5D8F-0D41-BCF8-8D9702B58111}" type="slidenum">
+              <a:rPr lang="fr-FR" smtClean="0"/>
+              <a:t>14</a:t>
+            </a:fld>
+            <a:endParaRPr lang="fr-FR"/>
+          </a:p>
+        </p:txBody>
+      </p:sp>
+      <p:sp>
+        <p:nvSpPr>
+          <p:cNvPr id="7" name="Espace réservé du pied de page 4"/>
+          <p:cNvSpPr>
+            <a:spLocks noGrp="1"/>
+          </p:cNvSpPr>
+          <p:nvPr>
+            <p:ph type="ftr" sz="quarter" idx="11"/>
+          </p:nvPr>
+        </p:nvSpPr>
+        <p:spPr>
+          <a:xfrm>
+            <a:off x="2152513" y="6008"/>
+            <a:ext cx="4110414" cy="565492"/>
+          </a:xfrm>
+        </p:spPr>
+        <p:txBody>
+          <a:bodyPr/>
+          <a:lstStyle/>
+          <a:p>
+            <a:pPr algn="ctr"/>
+            <a:r>
+              <a:rPr lang="fr-FR" i="1" dirty="0" smtClean="0">
+                <a:effectLst>
+                  <a:outerShdw blurRad="38100" dist="38100" dir="2700000" algn="tl">
+                    <a:srgbClr val="000000">
+                      <a:alpha val="43137"/>
+                    </a:srgbClr>
+                  </a:outerShdw>
+                </a:effectLst>
+              </a:rPr>
+              <a:t>Sémantique et langue naturelle</a:t>
+            </a:r>
+          </a:p>
+          <a:p>
+            <a:pPr algn="ctr"/>
+            <a:r>
+              <a:rPr lang="fr-FR" i="1" dirty="0" err="1" smtClean="0">
+                <a:effectLst>
+                  <a:outerShdw blurRad="38100" dist="38100" dir="2700000" algn="tl">
+                    <a:srgbClr val="000000">
+                      <a:alpha val="43137"/>
+                    </a:srgbClr>
+                  </a:outerShdw>
+                </a:effectLst>
+              </a:rPr>
+              <a:t>Realisation</a:t>
+            </a:r>
+            <a:endParaRPr lang="fr-FR" i="1" dirty="0">
+              <a:effectLst>
+                <a:outerShdw blurRad="38100" dist="38100" dir="2700000" algn="tl">
+                  <a:srgbClr val="000000">
+                    <a:alpha val="43137"/>
+                  </a:srgbClr>
+                </a:outerShdw>
+              </a:effectLst>
+            </a:endParaRPr>
+          </a:p>
+        </p:txBody>
+      </p:sp>
+    </p:spTree>
+    <p:extLst>
+      <p:ext uri="{BB962C8B-B14F-4D97-AF65-F5344CB8AC3E}">
+        <p14:creationId xmlns:p14="http://schemas.microsoft.com/office/powerpoint/2010/main" val="961234188"/>
+      </p:ext>
+    </p:extLst>
+  </p:cSld>
+  <p:clrMapOvr>
+    <a:masterClrMapping/>
+  </p:clrMapOvr>
+  <p:timing>
+    <p:tnLst>
+      <p:par>
+        <p:cTn id="1" dur="indefinite" restart="never" nodeType="tmRoot"/>
+      </p:par>
+    </p:tnLst>
+  </p:timing>
+</p:sld>
+</file>
+
+<file path=ppt/slides/slide15.xml><?xml version="1.0" encoding="utf-8"?>
+<p:sld xmlns:a="http://schemas.openxmlformats.org/drawingml/2006/main" xmlns:r="http://schemas.openxmlformats.org/officeDocument/2006/relationships" xmlns:p="http://schemas.openxmlformats.org/presentationml/2006/main">
+  <p:cSld>
+    <p:spTree>
+      <p:nvGrpSpPr>
+        <p:cNvPr id="1" name=""/>
+        <p:cNvGrpSpPr/>
+        <p:nvPr/>
+      </p:nvGrpSpPr>
+      <p:grpSpPr>
+        <a:xfrm>
+          <a:off x="0" y="0"/>
+          <a:ext cx="0" cy="0"/>
+          <a:chOff x="0" y="0"/>
+          <a:chExt cx="0" cy="0"/>
+        </a:xfrm>
+      </p:grpSpPr>
+      <p:sp>
+        <p:nvSpPr>
+          <p:cNvPr id="2" name="Titre 1"/>
+          <p:cNvSpPr>
+            <a:spLocks noGrp="1"/>
+          </p:cNvSpPr>
+          <p:nvPr>
+            <p:ph type="title"/>
+          </p:nvPr>
+        </p:nvSpPr>
+        <p:spPr/>
+        <p:txBody>
+          <a:bodyPr>
+            <a:normAutofit/>
+          </a:bodyPr>
+          <a:lstStyle/>
+          <a:p>
+            <a:pPr lvl="0"/>
+            <a:r>
+              <a:rPr lang="fr-FR" sz="2800" b="0" dirty="0" smtClean="0">
+                <a:latin typeface="Times New Roman" pitchFamily="18" charset="0"/>
+                <a:cs typeface="Times New Roman" pitchFamily="18" charset="0"/>
+              </a:rPr>
+              <a:t>Conclusion : Bilan du projet</a:t>
+            </a:r>
+            <a:endParaRPr lang="fr-FR" dirty="0"/>
+          </a:p>
+        </p:txBody>
+      </p:sp>
+      <p:sp>
+        <p:nvSpPr>
+          <p:cNvPr id="4" name="Espace réservé de la date 3"/>
+          <p:cNvSpPr>
+            <a:spLocks noGrp="1"/>
+          </p:cNvSpPr>
+          <p:nvPr>
+            <p:ph type="dt" sz="half" idx="10"/>
+          </p:nvPr>
+        </p:nvSpPr>
+        <p:spPr/>
+        <p:txBody>
+          <a:bodyPr/>
+          <a:lstStyle/>
+          <a:p>
+            <a:r>
+              <a:rPr lang="fr-FR" dirty="0" smtClean="0"/>
+              <a:t>03/06/2015</a:t>
+            </a:r>
+            <a:endParaRPr lang="fr-FR" dirty="0"/>
+          </a:p>
+        </p:txBody>
+      </p:sp>
+      <p:sp>
+        <p:nvSpPr>
+          <p:cNvPr id="6" name="Espace réservé du numéro de diapositive 5"/>
+          <p:cNvSpPr>
+            <a:spLocks noGrp="1"/>
+          </p:cNvSpPr>
+          <p:nvPr>
+            <p:ph type="sldNum" sz="quarter" idx="12"/>
+          </p:nvPr>
+        </p:nvSpPr>
+        <p:spPr/>
+        <p:txBody>
+          <a:bodyPr/>
+          <a:lstStyle/>
+          <a:p>
+            <a:fld id="{93843418-5D8F-0D41-BCF8-8D9702B58111}" type="slidenum">
+              <a:rPr lang="fr-FR" smtClean="0"/>
+              <a:t>15</a:t>
+            </a:fld>
+            <a:endParaRPr lang="fr-FR"/>
+          </a:p>
+        </p:txBody>
+      </p:sp>
+      <p:sp>
+        <p:nvSpPr>
+          <p:cNvPr id="7" name="Espace réservé du pied de page 4"/>
+          <p:cNvSpPr>
+            <a:spLocks noGrp="1"/>
+          </p:cNvSpPr>
+          <p:nvPr>
+            <p:ph type="ftr" sz="quarter" idx="11"/>
+          </p:nvPr>
+        </p:nvSpPr>
+        <p:spPr>
+          <a:xfrm>
+            <a:off x="2152513" y="6008"/>
+            <a:ext cx="4110414" cy="565492"/>
+          </a:xfrm>
+        </p:spPr>
+        <p:txBody>
+          <a:bodyPr/>
+          <a:lstStyle/>
+          <a:p>
+            <a:pPr algn="ctr"/>
+            <a:r>
+              <a:rPr lang="fr-FR" i="1" dirty="0" smtClean="0">
+                <a:effectLst>
+                  <a:outerShdw blurRad="38100" dist="38100" dir="2700000" algn="tl">
+                    <a:srgbClr val="000000">
+                      <a:alpha val="43137"/>
+                    </a:srgbClr>
+                  </a:outerShdw>
+                </a:effectLst>
+              </a:rPr>
+              <a:t>Sémantique et langue naturelle</a:t>
+            </a:r>
+          </a:p>
+          <a:p>
+            <a:pPr algn="ctr"/>
+            <a:r>
+              <a:rPr lang="fr-FR" i="1" dirty="0" err="1" smtClean="0">
+                <a:effectLst>
+                  <a:outerShdw blurRad="38100" dist="38100" dir="2700000" algn="tl">
+                    <a:srgbClr val="000000">
+                      <a:alpha val="43137"/>
+                    </a:srgbClr>
+                  </a:outerShdw>
+                </a:effectLst>
+              </a:rPr>
+              <a:t>Realisation</a:t>
+            </a:r>
+            <a:endParaRPr lang="fr-FR" i="1" dirty="0">
+              <a:effectLst>
+                <a:outerShdw blurRad="38100" dist="38100" dir="2700000" algn="tl">
+                  <a:srgbClr val="000000">
+                    <a:alpha val="43137"/>
+                  </a:srgbClr>
+                </a:outerShdw>
+              </a:effectLst>
+            </a:endParaRPr>
+          </a:p>
+        </p:txBody>
+      </p:sp>
+      <p:graphicFrame>
+        <p:nvGraphicFramePr>
+          <p:cNvPr id="8" name="Diagramme 7"/>
+          <p:cNvGraphicFramePr/>
+          <p:nvPr>
+            <p:extLst>
+              <p:ext uri="{D42A27DB-BD31-4B8C-83A1-F6EECF244321}">
+                <p14:modId xmlns:p14="http://schemas.microsoft.com/office/powerpoint/2010/main" val="2719068723"/>
+              </p:ext>
+            </p:extLst>
+          </p:nvPr>
+        </p:nvGraphicFramePr>
+        <p:xfrm>
+          <a:off x="1043872" y="1521303"/>
+          <a:ext cx="7642927" cy="3960871"/>
+        </p:xfrm>
+        <a:graphic>
+          <a:graphicData uri="http://schemas.openxmlformats.org/drawingml/2006/diagram">
+            <dgm:relIds xmlns:dgm="http://schemas.openxmlformats.org/drawingml/2006/diagram" xmlns:r="http://schemas.openxmlformats.org/officeDocument/2006/relationships" r:dm="rId2" r:lo="rId3" r:qs="rId4" r:cs="rId5"/>
+          </a:graphicData>
+        </a:graphic>
+      </p:graphicFrame>
+    </p:spTree>
+    <p:extLst>
+      <p:ext uri="{BB962C8B-B14F-4D97-AF65-F5344CB8AC3E}">
+        <p14:creationId xmlns:p14="http://schemas.microsoft.com/office/powerpoint/2010/main" val="3136209874"/>
+      </p:ext>
+    </p:extLst>
+  </p:cSld>
+  <p:clrMapOvr>
+    <a:masterClrMapping/>
+  </p:clrMapOvr>
+  <p:timing>
+    <p:tnLst>
+      <p:par>
+        <p:cTn id="1" dur="indefinite" restart="never" nodeType="tmRoot"/>
+      </p:par>
+    </p:tnLst>
+  </p:timing>
+</p:sld>
+</file>
+
+<file path=ppt/slides/slide16.xml><?xml version="1.0" encoding="utf-8"?>
+<p:sld xmlns:a="http://schemas.openxmlformats.org/drawingml/2006/main" xmlns:r="http://schemas.openxmlformats.org/officeDocument/2006/relationships" xmlns:p="http://schemas.openxmlformats.org/presentationml/2006/main">
+  <p:cSld>
+    <p:spTree>
+      <p:nvGrpSpPr>
+        <p:cNvPr id="1" name=""/>
+        <p:cNvGrpSpPr/>
+        <p:nvPr/>
+      </p:nvGrpSpPr>
+      <p:grpSpPr>
+        <a:xfrm>
+          <a:off x="0" y="0"/>
+          <a:ext cx="0" cy="0"/>
+          <a:chOff x="0" y="0"/>
+          <a:chExt cx="0" cy="0"/>
+        </a:xfrm>
+      </p:grpSpPr>
+      <p:sp>
+        <p:nvSpPr>
+          <p:cNvPr id="4" name="Espace réservé de la date 3"/>
+          <p:cNvSpPr>
+            <a:spLocks noGrp="1"/>
+          </p:cNvSpPr>
+          <p:nvPr>
+            <p:ph type="dt" sz="half" idx="10"/>
+          </p:nvPr>
+        </p:nvSpPr>
+        <p:spPr/>
+        <p:txBody>
+          <a:bodyPr/>
+          <a:lstStyle/>
+          <a:p>
+            <a:r>
+              <a:rPr lang="fr-FR" dirty="0" smtClean="0"/>
+              <a:t>03/06/2015</a:t>
+            </a:r>
+            <a:endParaRPr lang="fr-FR" dirty="0"/>
+          </a:p>
+        </p:txBody>
+      </p:sp>
+      <p:sp>
+        <p:nvSpPr>
+          <p:cNvPr id="6" name="Espace réservé du numéro de diapositive 5"/>
+          <p:cNvSpPr>
+            <a:spLocks noGrp="1"/>
+          </p:cNvSpPr>
+          <p:nvPr>
+            <p:ph type="sldNum" sz="quarter" idx="12"/>
+          </p:nvPr>
+        </p:nvSpPr>
+        <p:spPr/>
+        <p:txBody>
+          <a:bodyPr/>
+          <a:lstStyle/>
+          <a:p>
+            <a:fld id="{93843418-5D8F-0D41-BCF8-8D9702B58111}" type="slidenum">
+              <a:rPr lang="fr-FR" smtClean="0"/>
+              <a:t>16</a:t>
+            </a:fld>
+            <a:endParaRPr lang="fr-FR"/>
+          </a:p>
+        </p:txBody>
+      </p:sp>
+      <p:sp>
+        <p:nvSpPr>
+          <p:cNvPr id="7" name="Espace réservé du pied de page 4"/>
+          <p:cNvSpPr>
+            <a:spLocks noGrp="1"/>
+          </p:cNvSpPr>
+          <p:nvPr>
+            <p:ph type="ftr" sz="quarter" idx="11"/>
+          </p:nvPr>
+        </p:nvSpPr>
+        <p:spPr>
+          <a:xfrm>
+            <a:off x="2152513" y="6008"/>
+            <a:ext cx="4110414" cy="565492"/>
+          </a:xfrm>
+        </p:spPr>
+        <p:txBody>
+          <a:bodyPr/>
+          <a:lstStyle/>
+          <a:p>
+            <a:pPr algn="ctr"/>
+            <a:r>
+              <a:rPr lang="fr-FR" i="1" dirty="0" smtClean="0">
+                <a:effectLst>
+                  <a:outerShdw blurRad="38100" dist="38100" dir="2700000" algn="tl">
+                    <a:srgbClr val="000000">
+                      <a:alpha val="43137"/>
+                    </a:srgbClr>
+                  </a:outerShdw>
+                </a:effectLst>
+              </a:rPr>
+              <a:t>Sémantique et langue naturelle</a:t>
+            </a:r>
+          </a:p>
+          <a:p>
+            <a:pPr algn="ctr"/>
+            <a:r>
+              <a:rPr lang="fr-FR" i="1" dirty="0" err="1" smtClean="0">
+                <a:effectLst>
+                  <a:outerShdw blurRad="38100" dist="38100" dir="2700000" algn="tl">
+                    <a:srgbClr val="000000">
+                      <a:alpha val="43137"/>
+                    </a:srgbClr>
+                  </a:outerShdw>
+                </a:effectLst>
+              </a:rPr>
+              <a:t>Realisation</a:t>
+            </a:r>
+            <a:endParaRPr lang="fr-FR" i="1" dirty="0">
+              <a:effectLst>
+                <a:outerShdw blurRad="38100" dist="38100" dir="2700000" algn="tl">
+                  <a:srgbClr val="000000">
+                    <a:alpha val="43137"/>
+                  </a:srgbClr>
+                </a:outerShdw>
+              </a:effectLst>
+            </a:endParaRPr>
+          </a:p>
+        </p:txBody>
+      </p:sp>
+      <p:sp>
+        <p:nvSpPr>
+          <p:cNvPr id="5" name="ZoneTexte 4"/>
+          <p:cNvSpPr txBox="1"/>
+          <p:nvPr/>
+        </p:nvSpPr>
+        <p:spPr>
+          <a:xfrm>
+            <a:off x="1123655" y="2330505"/>
+            <a:ext cx="6756850" cy="584775"/>
+          </a:xfrm>
+          <a:prstGeom prst="rect">
+            <a:avLst/>
+          </a:prstGeom>
+          <a:noFill/>
+          <a:ln>
+            <a:solidFill>
+              <a:schemeClr val="tx1"/>
+            </a:solidFill>
+          </a:ln>
+        </p:spPr>
+        <p:txBody>
+          <a:bodyPr wrap="square" rtlCol="0">
+            <a:spAutoFit/>
+          </a:bodyPr>
+          <a:lstStyle/>
+          <a:p>
+            <a:pPr algn="ctr"/>
+            <a:r>
+              <a:rPr lang="fr-FR" sz="3200" dirty="0" smtClean="0"/>
+              <a:t>Questions / Réponses</a:t>
+            </a:r>
+            <a:endParaRPr lang="fr-FR" sz="3200" dirty="0"/>
+          </a:p>
+        </p:txBody>
+      </p:sp>
+      <p:pic>
+        <p:nvPicPr>
+          <p:cNvPr id="2050" name="Picture 2" descr="http://www.ccdh-paris.fr/wp-content/uploads/2014/03/85101838_p.png"/>
+          <p:cNvPicPr>
+            <a:picLocks noChangeAspect="1" noChangeArrowheads="1"/>
+          </p:cNvPicPr>
+          <p:nvPr/>
+        </p:nvPicPr>
+        <p:blipFill>
+          <a:blip r:embed="rId2">
+            <a:extLst>
+              <a:ext uri="{28A0092B-C50C-407E-A947-70E740481C1C}">
+                <a14:useLocalDpi xmlns:a14="http://schemas.microsoft.com/office/drawing/2010/main" val="0"/>
+              </a:ext>
+            </a:extLst>
+          </a:blip>
+          <a:srcRect/>
+          <a:stretch>
+            <a:fillRect/>
+          </a:stretch>
+        </p:blipFill>
+        <p:spPr bwMode="auto">
+          <a:xfrm>
+            <a:off x="3073331" y="3265136"/>
+            <a:ext cx="2857500" cy="2857500"/>
+          </a:xfrm>
+          <a:prstGeom prst="rect">
+            <a:avLst/>
+          </a:prstGeom>
+          <a:noFill/>
+          <a:extLst>
+            <a:ext uri="{909E8E84-426E-40DD-AFC4-6F175D3DCCD1}">
+              <a14:hiddenFill xmlns:a14="http://schemas.microsoft.com/office/drawing/2010/main">
+                <a:solidFill>
+                  <a:srgbClr val="FFFFFF"/>
+                </a:solidFill>
+              </a14:hiddenFill>
+            </a:ext>
+          </a:extLst>
+        </p:spPr>
+      </p:pic>
+      <p:sp>
+        <p:nvSpPr>
+          <p:cNvPr id="8" name="ZoneTexte 7"/>
+          <p:cNvSpPr txBox="1"/>
+          <p:nvPr/>
+        </p:nvSpPr>
+        <p:spPr>
+          <a:xfrm>
+            <a:off x="2353645" y="760846"/>
+            <a:ext cx="4296871" cy="1569660"/>
+          </a:xfrm>
+          <a:prstGeom prst="rect">
+            <a:avLst/>
+          </a:prstGeom>
+          <a:noFill/>
+        </p:spPr>
+        <p:txBody>
+          <a:bodyPr wrap="square" rtlCol="0">
+            <a:spAutoFit/>
+          </a:bodyPr>
+          <a:lstStyle/>
+          <a:p>
+            <a:pPr algn="ctr"/>
+            <a:r>
+              <a:rPr lang="fr-FR" sz="9600" b="1" i="1" dirty="0" smtClean="0">
+                <a:effectLst>
+                  <a:outerShdw blurRad="38100" dist="38100" dir="2700000" algn="tl">
+                    <a:srgbClr val="000000">
+                      <a:alpha val="43137"/>
+                    </a:srgbClr>
+                  </a:outerShdw>
+                </a:effectLst>
+              </a:rPr>
+              <a:t>MERCI</a:t>
+            </a:r>
+            <a:endParaRPr lang="fr-FR" sz="9600" b="1" i="1" dirty="0">
+              <a:effectLst>
+                <a:outerShdw blurRad="38100" dist="38100" dir="2700000" algn="tl">
+                  <a:srgbClr val="000000">
+                    <a:alpha val="43137"/>
+                  </a:srgbClr>
+                </a:outerShdw>
+              </a:effectLst>
+            </a:endParaRPr>
+          </a:p>
+        </p:txBody>
+      </p:sp>
+    </p:spTree>
+    <p:extLst>
+      <p:ext uri="{BB962C8B-B14F-4D97-AF65-F5344CB8AC3E}">
+        <p14:creationId xmlns:p14="http://schemas.microsoft.com/office/powerpoint/2010/main" val="240755160"/>
       </p:ext>
     </p:extLst>
   </p:cSld>
@@ -27018,7 +32382,7 @@
           <p:nvPr>
             <p:extLst>
               <p:ext uri="{D42A27DB-BD31-4B8C-83A1-F6EECF244321}">
-                <p14:modId xmlns:p14="http://schemas.microsoft.com/office/powerpoint/2010/main" val="1936143295"/>
+                <p14:modId xmlns:p14="http://schemas.microsoft.com/office/powerpoint/2010/main" val="1109454957"/>
               </p:ext>
             </p:extLst>
           </p:nvPr>
@@ -28494,14 +33858,7 @@
                 <a:latin typeface="Times New Roman" pitchFamily="18" charset="0"/>
                 <a:cs typeface="Times New Roman" pitchFamily="18" charset="0"/>
               </a:rPr>
-              <a:t>Base de </a:t>
-            </a:r>
-            <a:r>
-              <a:rPr lang="fr-FR" sz="2800" b="0" dirty="0" smtClean="0">
-                <a:latin typeface="Times New Roman" pitchFamily="18" charset="0"/>
-                <a:cs typeface="Times New Roman" pitchFamily="18" charset="0"/>
-              </a:rPr>
-              <a:t>données</a:t>
+              <a:t>Base de données</a:t>
             </a:r>
             <a:endParaRPr lang="fr-FR" dirty="0"/>
           </a:p>

--- a/Presentation_TER.pptx
+++ b/Presentation_TER.pptx
@@ -10282,10 +10282,6 @@
             </a:rPr>
             <a:t>Gestion de projet et applications des méthodes apprises</a:t>
           </a:r>
-          <a:endParaRPr lang="fr-FR" b="1" cap="none" spc="0" dirty="0" smtClean="0">
-            <a:ln w="50800"/>
-            <a:effectLst/>
-          </a:endParaRPr>
         </a:p>
       </dgm:t>
     </dgm:pt>
@@ -10324,7 +10320,14 @@
               <a:ln w="50800"/>
               <a:effectLst/>
             </a:rPr>
-            <a:t>Bonne expérience et projet intéressant</a:t>
+            <a:t>Bonne expérience et projet </a:t>
+          </a:r>
+          <a:r>
+            <a:rPr lang="fr-FR" b="1" cap="none" spc="0" dirty="0" smtClean="0">
+              <a:ln w="50800"/>
+              <a:effectLst/>
+            </a:rPr>
+            <a:t>séduisant</a:t>
           </a:r>
           <a:endParaRPr lang="fr-FR" b="1" cap="none" spc="0" dirty="0">
             <a:ln w="50800"/>
@@ -10355,7 +10358,7 @@
         </a:p>
       </dgm:t>
     </dgm:pt>
-    <dgm:pt modelId="{EEFF7A9D-8AB3-48FD-B259-38D69C5553FD}">
+    <dgm:pt modelId="{B83E304A-1CE6-4CE3-84BF-6DCF5E747C3D}">
       <dgm:prSet phldrT="[Texte]"/>
       <dgm:spPr/>
       <dgm:t>
@@ -10363,14 +10366,21 @@
         <a:lstStyle/>
         <a:p>
           <a:pPr algn="ctr"/>
-          <a:endParaRPr lang="fr-FR" b="1" cap="none" spc="0" dirty="0">
+          <a:r>
+            <a:rPr lang="fr-FR" b="1" cap="none" spc="0" dirty="0" smtClean="0">
+              <a:ln w="50800"/>
+              <a:effectLst/>
+            </a:rPr>
+            <a:t>Phase de recherches longue mais intéressant</a:t>
+          </a:r>
+          <a:endParaRPr lang="fr-FR" b="1" cap="none" spc="0" dirty="0" smtClean="0">
             <a:ln w="50800"/>
             <a:effectLst/>
           </a:endParaRPr>
         </a:p>
       </dgm:t>
     </dgm:pt>
-    <dgm:pt modelId="{5BA7E7F4-4279-48BF-8828-CD10CB737AB8}" type="parTrans" cxnId="{8490A41F-6150-411E-82F2-DAC1C7C96B94}">
+    <dgm:pt modelId="{975BB77B-814E-42F2-A5E8-8E1A0D82252B}" type="parTrans" cxnId="{4B5A9365-91C0-47A0-A484-FD0294ABA903}">
       <dgm:prSet/>
       <dgm:spPr/>
       <dgm:t>
@@ -10381,7 +10391,7 @@
         </a:p>
       </dgm:t>
     </dgm:pt>
-    <dgm:pt modelId="{006DDA0A-CEBE-41F1-BA36-3CAF020CCF06}" type="sibTrans" cxnId="{8490A41F-6150-411E-82F2-DAC1C7C96B94}">
+    <dgm:pt modelId="{9A982F2B-1BA7-4790-9A7A-63D5696902EF}" type="sibTrans" cxnId="{4B5A9365-91C0-47A0-A484-FD0294ABA903}">
       <dgm:prSet/>
       <dgm:spPr/>
       <dgm:t>
@@ -10448,12 +10458,12 @@
         </a:p>
       </dgm:t>
     </dgm:pt>
-    <dgm:pt modelId="{57A5E769-A117-4DEB-A87A-B62FB634E1E4}" type="pres">
-      <dgm:prSet presAssocID="{3ECA0D95-C29D-4278-8047-C19A5E721C13}" presName="bullet4c" presStyleLbl="node1" presStyleIdx="2" presStyleCnt="4"/>
+    <dgm:pt modelId="{AA893112-AFDA-4C73-91A0-1F9405E53880}" type="pres">
+      <dgm:prSet presAssocID="{B83E304A-1CE6-4CE3-84BF-6DCF5E747C3D}" presName="bullet4c" presStyleLbl="node1" presStyleIdx="2" presStyleCnt="4"/>
       <dgm:spPr/>
     </dgm:pt>
-    <dgm:pt modelId="{87B6E6CA-D00B-48CA-B1BB-57D6816B8AA3}" type="pres">
-      <dgm:prSet presAssocID="{3ECA0D95-C29D-4278-8047-C19A5E721C13}" presName="textBox4c" presStyleLbl="revTx" presStyleIdx="2" presStyleCnt="4">
+    <dgm:pt modelId="{DD341EF6-FF90-406F-9E2C-9AC14E659C89}" type="pres">
+      <dgm:prSet presAssocID="{B83E304A-1CE6-4CE3-84BF-6DCF5E747C3D}" presName="textBox4c" presStyleLbl="revTx" presStyleIdx="2" presStyleCnt="4">
         <dgm:presLayoutVars>
           <dgm:bulletEnabled val="1"/>
         </dgm:presLayoutVars>
@@ -10467,12 +10477,12 @@
         </a:p>
       </dgm:t>
     </dgm:pt>
-    <dgm:pt modelId="{ED8AA4DD-773E-4036-8344-F6E6EA209418}" type="pres">
-      <dgm:prSet presAssocID="{EEFF7A9D-8AB3-48FD-B259-38D69C5553FD}" presName="bullet4d" presStyleLbl="node1" presStyleIdx="3" presStyleCnt="4"/>
+    <dgm:pt modelId="{05496385-535D-4E86-8F08-1EDDC98B9363}" type="pres">
+      <dgm:prSet presAssocID="{3ECA0D95-C29D-4278-8047-C19A5E721C13}" presName="bullet4d" presStyleLbl="node1" presStyleIdx="3" presStyleCnt="4"/>
       <dgm:spPr/>
     </dgm:pt>
-    <dgm:pt modelId="{581B5264-1349-406E-A4C7-F974022EDCA9}" type="pres">
-      <dgm:prSet presAssocID="{EEFF7A9D-8AB3-48FD-B259-38D69C5553FD}" presName="textBox4d" presStyleLbl="revTx" presStyleIdx="3" presStyleCnt="4">
+    <dgm:pt modelId="{F9DC2284-66F5-45FA-9624-2CE55A25A377}" type="pres">
+      <dgm:prSet presAssocID="{3ECA0D95-C29D-4278-8047-C19A5E721C13}" presName="textBox4d" presStyleLbl="revTx" presStyleIdx="3" presStyleCnt="4">
         <dgm:presLayoutVars>
           <dgm:bulletEnabled val="1"/>
         </dgm:presLayoutVars>
@@ -10488,25 +10498,25 @@
     </dgm:pt>
   </dgm:ptLst>
   <dgm:cxnLst>
-    <dgm:cxn modelId="{28C0F686-2FAF-474C-9B33-42EB953744E9}" type="presOf" srcId="{D5949151-0910-47BF-A46D-3B9F5A48B26C}" destId="{A49D5F9B-3A19-4941-82A5-829827A7792C}" srcOrd="0" destOrd="0" presId="urn:microsoft.com/office/officeart/2005/8/layout/arrow2"/>
-    <dgm:cxn modelId="{8490A41F-6150-411E-82F2-DAC1C7C96B94}" srcId="{098EE6AC-C2CE-4F9E-A9FD-3C64907B2FE9}" destId="{EEFF7A9D-8AB3-48FD-B259-38D69C5553FD}" srcOrd="3" destOrd="0" parTransId="{5BA7E7F4-4279-48BF-8828-CD10CB737AB8}" sibTransId="{006DDA0A-CEBE-41F1-BA36-3CAF020CCF06}"/>
-    <dgm:cxn modelId="{72AF5094-1829-43A5-89C6-7D5573C57F34}" type="presOf" srcId="{EEFF7A9D-8AB3-48FD-B259-38D69C5553FD}" destId="{581B5264-1349-406E-A4C7-F974022EDCA9}" srcOrd="0" destOrd="0" presId="urn:microsoft.com/office/officeart/2005/8/layout/arrow2"/>
-    <dgm:cxn modelId="{B67AFE28-D6FD-478E-A8EF-9B96DA93FF48}" srcId="{098EE6AC-C2CE-4F9E-A9FD-3C64907B2FE9}" destId="{3ECA0D95-C29D-4278-8047-C19A5E721C13}" srcOrd="2" destOrd="0" parTransId="{FEB4857E-EAC3-4ECA-947A-C7E77960AF4C}" sibTransId="{13DCD248-B053-4895-AF6F-61BD779620B6}"/>
+    <dgm:cxn modelId="{ADAE0A96-D503-4028-B8A3-8F68E1322678}" type="presOf" srcId="{3ECA0D95-C29D-4278-8047-C19A5E721C13}" destId="{F9DC2284-66F5-45FA-9624-2CE55A25A377}" srcOrd="0" destOrd="0" presId="urn:microsoft.com/office/officeart/2005/8/layout/arrow2"/>
     <dgm:cxn modelId="{D37C0EBE-8775-4A61-BC58-4A10FC2EB375}" type="presOf" srcId="{098EE6AC-C2CE-4F9E-A9FD-3C64907B2FE9}" destId="{B51E6C07-469F-4677-A821-F71F2671DA51}" srcOrd="0" destOrd="0" presId="urn:microsoft.com/office/officeart/2005/8/layout/arrow2"/>
     <dgm:cxn modelId="{96ACFCD0-CDBB-4CFF-9092-BF6FF8E98B54}" srcId="{098EE6AC-C2CE-4F9E-A9FD-3C64907B2FE9}" destId="{040D10F7-7E6A-43CA-BA07-2D9628296D34}" srcOrd="1" destOrd="0" parTransId="{4F97F703-5790-40D5-A5EB-546472CC0735}" sibTransId="{25D57272-1ADC-495F-A8B1-96AA14210B01}"/>
-    <dgm:cxn modelId="{F8A63EC5-2226-400F-9676-2827D8565F07}" type="presOf" srcId="{3ECA0D95-C29D-4278-8047-C19A5E721C13}" destId="{87B6E6CA-D00B-48CA-B1BB-57D6816B8AA3}" srcOrd="0" destOrd="0" presId="urn:microsoft.com/office/officeart/2005/8/layout/arrow2"/>
+    <dgm:cxn modelId="{FEAC293B-8660-4B10-91FF-22EFBEE60218}" type="presOf" srcId="{040D10F7-7E6A-43CA-BA07-2D9628296D34}" destId="{51BA803F-379A-4CF5-B775-F9011077766B}" srcOrd="0" destOrd="0" presId="urn:microsoft.com/office/officeart/2005/8/layout/arrow2"/>
+    <dgm:cxn modelId="{B67AFE28-D6FD-478E-A8EF-9B96DA93FF48}" srcId="{098EE6AC-C2CE-4F9E-A9FD-3C64907B2FE9}" destId="{3ECA0D95-C29D-4278-8047-C19A5E721C13}" srcOrd="3" destOrd="0" parTransId="{FEB4857E-EAC3-4ECA-947A-C7E77960AF4C}" sibTransId="{13DCD248-B053-4895-AF6F-61BD779620B6}"/>
+    <dgm:cxn modelId="{E9752B89-6661-4A2D-94C7-9F5D0A3DDB08}" type="presOf" srcId="{D5949151-0910-47BF-A46D-3B9F5A48B26C}" destId="{A49D5F9B-3A19-4941-82A5-829827A7792C}" srcOrd="0" destOrd="0" presId="urn:microsoft.com/office/officeart/2005/8/layout/arrow2"/>
+    <dgm:cxn modelId="{7F290247-8CE4-49F3-8706-E045DE0BC7FA}" type="presOf" srcId="{B83E304A-1CE6-4CE3-84BF-6DCF5E747C3D}" destId="{DD341EF6-FF90-406F-9E2C-9AC14E659C89}" srcOrd="0" destOrd="0" presId="urn:microsoft.com/office/officeart/2005/8/layout/arrow2"/>
+    <dgm:cxn modelId="{4B5A9365-91C0-47A0-A484-FD0294ABA903}" srcId="{098EE6AC-C2CE-4F9E-A9FD-3C64907B2FE9}" destId="{B83E304A-1CE6-4CE3-84BF-6DCF5E747C3D}" srcOrd="2" destOrd="0" parTransId="{975BB77B-814E-42F2-A5E8-8E1A0D82252B}" sibTransId="{9A982F2B-1BA7-4790-9A7A-63D5696902EF}"/>
     <dgm:cxn modelId="{2349296E-4323-40D0-8935-7372DBD53188}" srcId="{098EE6AC-C2CE-4F9E-A9FD-3C64907B2FE9}" destId="{D5949151-0910-47BF-A46D-3B9F5A48B26C}" srcOrd="0" destOrd="0" parTransId="{EE73FD2C-96F8-43EE-9476-03F58B8F43CA}" sibTransId="{7920FF1E-30D3-435D-AC1D-EA1155327622}"/>
-    <dgm:cxn modelId="{4DF69B46-4BDE-4708-ADF4-7763EA70E518}" type="presOf" srcId="{040D10F7-7E6A-43CA-BA07-2D9628296D34}" destId="{51BA803F-379A-4CF5-B775-F9011077766B}" srcOrd="0" destOrd="0" presId="urn:microsoft.com/office/officeart/2005/8/layout/arrow2"/>
     <dgm:cxn modelId="{73A8098D-77BB-4730-8370-DFBE8A2A5B35}" type="presParOf" srcId="{B51E6C07-469F-4677-A821-F71F2671DA51}" destId="{DE9BB5CF-DA70-4209-A33B-F7B02E4462FA}" srcOrd="0" destOrd="0" presId="urn:microsoft.com/office/officeart/2005/8/layout/arrow2"/>
-    <dgm:cxn modelId="{0920DEA6-5D29-4155-8FCA-DB1698D93F81}" type="presParOf" srcId="{B51E6C07-469F-4677-A821-F71F2671DA51}" destId="{7A7C0ACA-3139-4850-9156-2B325B4B37A9}" srcOrd="1" destOrd="0" presId="urn:microsoft.com/office/officeart/2005/8/layout/arrow2"/>
-    <dgm:cxn modelId="{B5E270A8-3380-4E99-807A-6E2F6C554C23}" type="presParOf" srcId="{7A7C0ACA-3139-4850-9156-2B325B4B37A9}" destId="{53600868-B03F-4398-9FD3-6E28ABDFDCFF}" srcOrd="0" destOrd="0" presId="urn:microsoft.com/office/officeart/2005/8/layout/arrow2"/>
-    <dgm:cxn modelId="{37615A62-BB09-42AC-B4A0-5BF7FEDE1DD5}" type="presParOf" srcId="{7A7C0ACA-3139-4850-9156-2B325B4B37A9}" destId="{A49D5F9B-3A19-4941-82A5-829827A7792C}" srcOrd="1" destOrd="0" presId="urn:microsoft.com/office/officeart/2005/8/layout/arrow2"/>
-    <dgm:cxn modelId="{D3F02FAF-694B-4474-BF9A-F9F5FD20C5EC}" type="presParOf" srcId="{7A7C0ACA-3139-4850-9156-2B325B4B37A9}" destId="{2182B079-8537-483E-B15D-04DCA256F767}" srcOrd="2" destOrd="0" presId="urn:microsoft.com/office/officeart/2005/8/layout/arrow2"/>
-    <dgm:cxn modelId="{E370B8F8-FFEE-46F7-8B84-1D2A6968AB28}" type="presParOf" srcId="{7A7C0ACA-3139-4850-9156-2B325B4B37A9}" destId="{51BA803F-379A-4CF5-B775-F9011077766B}" srcOrd="3" destOrd="0" presId="urn:microsoft.com/office/officeart/2005/8/layout/arrow2"/>
-    <dgm:cxn modelId="{FAA9D1F1-ABD5-4E0C-85F7-55192FC54D92}" type="presParOf" srcId="{7A7C0ACA-3139-4850-9156-2B325B4B37A9}" destId="{57A5E769-A117-4DEB-A87A-B62FB634E1E4}" srcOrd="4" destOrd="0" presId="urn:microsoft.com/office/officeart/2005/8/layout/arrow2"/>
-    <dgm:cxn modelId="{8D3CEFD2-EB92-4305-A411-34EC032D7CD4}" type="presParOf" srcId="{7A7C0ACA-3139-4850-9156-2B325B4B37A9}" destId="{87B6E6CA-D00B-48CA-B1BB-57D6816B8AA3}" srcOrd="5" destOrd="0" presId="urn:microsoft.com/office/officeart/2005/8/layout/arrow2"/>
-    <dgm:cxn modelId="{2B04CF85-4479-430A-BECE-5ADAD87DC4BB}" type="presParOf" srcId="{7A7C0ACA-3139-4850-9156-2B325B4B37A9}" destId="{ED8AA4DD-773E-4036-8344-F6E6EA209418}" srcOrd="6" destOrd="0" presId="urn:microsoft.com/office/officeart/2005/8/layout/arrow2"/>
-    <dgm:cxn modelId="{2C13A402-2602-4127-B925-1929F9BE1D62}" type="presParOf" srcId="{7A7C0ACA-3139-4850-9156-2B325B4B37A9}" destId="{581B5264-1349-406E-A4C7-F974022EDCA9}" srcOrd="7" destOrd="0" presId="urn:microsoft.com/office/officeart/2005/8/layout/arrow2"/>
+    <dgm:cxn modelId="{AE684E5E-7511-4A8F-A6D9-FC9B30287A97}" type="presParOf" srcId="{B51E6C07-469F-4677-A821-F71F2671DA51}" destId="{7A7C0ACA-3139-4850-9156-2B325B4B37A9}" srcOrd="1" destOrd="0" presId="urn:microsoft.com/office/officeart/2005/8/layout/arrow2"/>
+    <dgm:cxn modelId="{B75E9204-5A86-4B34-A1CE-B4F2F22E26AD}" type="presParOf" srcId="{7A7C0ACA-3139-4850-9156-2B325B4B37A9}" destId="{53600868-B03F-4398-9FD3-6E28ABDFDCFF}" srcOrd="0" destOrd="0" presId="urn:microsoft.com/office/officeart/2005/8/layout/arrow2"/>
+    <dgm:cxn modelId="{23A54302-7CB9-4782-8A03-AAD8D95D0E0D}" type="presParOf" srcId="{7A7C0ACA-3139-4850-9156-2B325B4B37A9}" destId="{A49D5F9B-3A19-4941-82A5-829827A7792C}" srcOrd="1" destOrd="0" presId="urn:microsoft.com/office/officeart/2005/8/layout/arrow2"/>
+    <dgm:cxn modelId="{38C111C5-2A3E-4D89-BF47-4B54F6E850F6}" type="presParOf" srcId="{7A7C0ACA-3139-4850-9156-2B325B4B37A9}" destId="{2182B079-8537-483E-B15D-04DCA256F767}" srcOrd="2" destOrd="0" presId="urn:microsoft.com/office/officeart/2005/8/layout/arrow2"/>
+    <dgm:cxn modelId="{2EF7F0F4-A33E-41E7-BE4C-3D6DA1C717F6}" type="presParOf" srcId="{7A7C0ACA-3139-4850-9156-2B325B4B37A9}" destId="{51BA803F-379A-4CF5-B775-F9011077766B}" srcOrd="3" destOrd="0" presId="urn:microsoft.com/office/officeart/2005/8/layout/arrow2"/>
+    <dgm:cxn modelId="{9A498BE7-E51D-4A65-9195-498A471A0311}" type="presParOf" srcId="{7A7C0ACA-3139-4850-9156-2B325B4B37A9}" destId="{AA893112-AFDA-4C73-91A0-1F9405E53880}" srcOrd="4" destOrd="0" presId="urn:microsoft.com/office/officeart/2005/8/layout/arrow2"/>
+    <dgm:cxn modelId="{A269495C-9D93-44C4-9550-3D8D1261FFD6}" type="presParOf" srcId="{7A7C0ACA-3139-4850-9156-2B325B4B37A9}" destId="{DD341EF6-FF90-406F-9E2C-9AC14E659C89}" srcOrd="5" destOrd="0" presId="urn:microsoft.com/office/officeart/2005/8/layout/arrow2"/>
+    <dgm:cxn modelId="{AAE1F844-9468-4165-92BF-00A56D484F7B}" type="presParOf" srcId="{7A7C0ACA-3139-4850-9156-2B325B4B37A9}" destId="{05496385-535D-4E86-8F08-1EDDC98B9363}" srcOrd="6" destOrd="0" presId="urn:microsoft.com/office/officeart/2005/8/layout/arrow2"/>
+    <dgm:cxn modelId="{89C7D458-3817-449F-8824-E82D01B8720D}" type="presParOf" srcId="{7A7C0ACA-3139-4850-9156-2B325B4B37A9}" destId="{F9DC2284-66F5-45FA-9624-2CE55A25A377}" srcOrd="7" destOrd="0" presId="urn:microsoft.com/office/officeart/2005/8/layout/arrow2"/>
   </dgm:cxnLst>
   <dgm:bg/>
   <dgm:whole/>
@@ -14171,10 +14181,6 @@
             </a:rPr>
             <a:t>Gestion de projet et applications des méthodes apprises</a:t>
           </a:r>
-          <a:endParaRPr lang="fr-FR" sz="1500" b="1" kern="1200" cap="none" spc="0" dirty="0" smtClean="0">
-            <a:ln w="50800"/>
-            <a:effectLst/>
-          </a:endParaRPr>
         </a:p>
       </dsp:txBody>
       <dsp:txXfrm>
@@ -14182,7 +14188,7 @@
         <a:ext cx="1330852" cy="1810118"/>
       </dsp:txXfrm>
     </dsp:sp>
-    <dsp:sp modelId="{57A5E769-A117-4DEB-A87A-B62FB634E1E4}">
+    <dsp:sp modelId="{AA893112-AFDA-4C73-91A0-1F9405E53880}">
       <dsp:nvSpPr>
         <dsp:cNvPr id="0" name=""/>
         <dsp:cNvSpPr/>
@@ -14232,7 +14238,7 @@
         </a:fontRef>
       </dsp:style>
     </dsp:sp>
-    <dsp:sp modelId="{87B6E6CA-D00B-48CA-B1BB-57D6816B8AA3}">
+    <dsp:sp modelId="{DD341EF6-FF90-406F-9E2C-9AC14E659C89}">
       <dsp:nvSpPr>
         <dsp:cNvPr id="0" name=""/>
         <dsp:cNvSpPr/>
@@ -14285,9 +14291,9 @@
               <a:ln w="50800"/>
               <a:effectLst/>
             </a:rPr>
-            <a:t>Bonne expérience et projet intéressant</a:t>
+            <a:t>Phase de recherches longue mais intéressant</a:t>
           </a:r>
-          <a:endParaRPr lang="fr-FR" sz="1500" b="1" kern="1200" cap="none" spc="0" dirty="0">
+          <a:endParaRPr lang="fr-FR" sz="1500" b="1" kern="1200" cap="none" spc="0" dirty="0" smtClean="0">
             <a:ln w="50800"/>
             <a:effectLst/>
           </a:endParaRPr>
@@ -14298,7 +14304,7 @@
         <a:ext cx="1330852" cy="2447818"/>
       </dsp:txXfrm>
     </dsp:sp>
-    <dsp:sp modelId="{ED8AA4DD-773E-4036-8344-F6E6EA209418}">
+    <dsp:sp modelId="{05496385-535D-4E86-8F08-1EDDC98B9363}">
       <dsp:nvSpPr>
         <dsp:cNvPr id="0" name=""/>
         <dsp:cNvSpPr/>
@@ -14348,7 +14354,7 @@
         </a:fontRef>
       </dsp:style>
     </dsp:sp>
-    <dsp:sp modelId="{581B5264-1349-406E-A4C7-F974022EDCA9}">
+    <dsp:sp modelId="{F9DC2284-66F5-45FA-9624-2CE55A25A377}">
       <dsp:nvSpPr>
         <dsp:cNvPr id="0" name=""/>
         <dsp:cNvSpPr/>
@@ -14396,6 +14402,20 @@
               <a:spcPct val="35000"/>
             </a:spcAft>
           </a:pPr>
+          <a:r>
+            <a:rPr lang="fr-FR" sz="1500" b="1" kern="1200" cap="none" spc="0" dirty="0" smtClean="0">
+              <a:ln w="50800"/>
+              <a:effectLst/>
+            </a:rPr>
+            <a:t>Bonne expérience et projet </a:t>
+          </a:r>
+          <a:r>
+            <a:rPr lang="fr-FR" sz="1500" b="1" kern="1200" cap="none" spc="0" dirty="0" smtClean="0">
+              <a:ln w="50800"/>
+              <a:effectLst/>
+            </a:rPr>
+            <a:t>séduisant</a:t>
+          </a:r>
           <a:endParaRPr lang="fr-FR" sz="1500" b="1" kern="1200" cap="none" spc="0" dirty="0">
             <a:ln w="50800"/>
             <a:effectLst/>
@@ -31184,19 +31204,7 @@
           <a:p>
             <a:r>
               <a:rPr lang="fr-FR" dirty="0" smtClean="0"/>
-              <a:t>L’application reconnait </a:t>
-            </a:r>
-            <a:r>
-              <a:rPr lang="fr-FR" dirty="0" smtClean="0"/>
-              <a:t>les </a:t>
-            </a:r>
-            <a:r>
-              <a:rPr lang="fr-FR" dirty="0" smtClean="0"/>
-              <a:t>mots du domaine </a:t>
-            </a:r>
-            <a:r>
-              <a:rPr lang="fr-FR" dirty="0" smtClean="0"/>
-              <a:t>animal en surlignant </a:t>
+              <a:t>L’application reconnait les mots du domaine animal en surlignant </a:t>
             </a:r>
             <a:r>
               <a:rPr lang="fr-FR" dirty="0" smtClean="0">
@@ -31438,14 +31446,7 @@
                 <a:latin typeface="Times New Roman" pitchFamily="18" charset="0"/>
                 <a:cs typeface="Times New Roman" pitchFamily="18" charset="0"/>
               </a:rPr>
-              <a:t>Analyse </a:t>
-            </a:r>
-            <a:r>
-              <a:rPr lang="fr-FR" sz="2800" b="0" dirty="0" smtClean="0">
-                <a:latin typeface="Times New Roman" pitchFamily="18" charset="0"/>
-                <a:cs typeface="Times New Roman" pitchFamily="18" charset="0"/>
-              </a:rPr>
-              <a:t>sémantique</a:t>
+              <a:t>Analyse sémantique</a:t>
             </a:r>
             <a:endParaRPr lang="fr-FR" dirty="0"/>
           </a:p>
@@ -31950,13 +31951,13 @@
           <p:nvPr>
             <p:extLst>
               <p:ext uri="{D42A27DB-BD31-4B8C-83A1-F6EECF244321}">
-                <p14:modId xmlns:p14="http://schemas.microsoft.com/office/powerpoint/2010/main" val="2719068723"/>
+                <p14:modId xmlns:p14="http://schemas.microsoft.com/office/powerpoint/2010/main" val="3957058841"/>
               </p:ext>
             </p:extLst>
           </p:nvPr>
         </p:nvGraphicFramePr>
         <p:xfrm>
-          <a:off x="1043872" y="1521303"/>
+          <a:off x="623087" y="1521303"/>
           <a:ext cx="7642927" cy="3960871"/>
         </p:xfrm>
         <a:graphic>

--- a/Presentation_TER.pptx
+++ b/Presentation_TER.pptx
@@ -10320,14 +10320,7 @@
               <a:ln w="50800"/>
               <a:effectLst/>
             </a:rPr>
-            <a:t>Bonne expérience et projet </a:t>
-          </a:r>
-          <a:r>
-            <a:rPr lang="fr-FR" b="1" cap="none" spc="0" dirty="0" smtClean="0">
-              <a:ln w="50800"/>
-              <a:effectLst/>
-            </a:rPr>
-            <a:t>séduisant</a:t>
+            <a:t>Bonne expérience et projet séduisant</a:t>
           </a:r>
           <a:endParaRPr lang="fr-FR" b="1" cap="none" spc="0" dirty="0">
             <a:ln w="50800"/>
@@ -10371,7 +10364,21 @@
               <a:ln w="50800"/>
               <a:effectLst/>
             </a:rPr>
-            <a:t>Phase de recherches longue mais intéressant</a:t>
+            <a:t>Phase de recherches longue </a:t>
+          </a:r>
+          <a:r>
+            <a:rPr lang="fr-FR" b="1" cap="none" spc="0" smtClean="0">
+              <a:ln w="50800"/>
+              <a:effectLst/>
+            </a:rPr>
+            <a:t>mais </a:t>
+          </a:r>
+          <a:r>
+            <a:rPr lang="fr-FR" b="1" cap="none" spc="0" smtClean="0">
+              <a:ln w="50800"/>
+              <a:effectLst/>
+            </a:rPr>
+            <a:t>intéressante</a:t>
           </a:r>
           <a:endParaRPr lang="fr-FR" b="1" cap="none" spc="0" dirty="0" smtClean="0">
             <a:ln w="50800"/>
@@ -10498,15 +10505,15 @@
     </dgm:pt>
   </dgm:ptLst>
   <dgm:cxnLst>
+    <dgm:cxn modelId="{7F290247-8CE4-49F3-8706-E045DE0BC7FA}" type="presOf" srcId="{B83E304A-1CE6-4CE3-84BF-6DCF5E747C3D}" destId="{DD341EF6-FF90-406F-9E2C-9AC14E659C89}" srcOrd="0" destOrd="0" presId="urn:microsoft.com/office/officeart/2005/8/layout/arrow2"/>
+    <dgm:cxn modelId="{B67AFE28-D6FD-478E-A8EF-9B96DA93FF48}" srcId="{098EE6AC-C2CE-4F9E-A9FD-3C64907B2FE9}" destId="{3ECA0D95-C29D-4278-8047-C19A5E721C13}" srcOrd="3" destOrd="0" parTransId="{FEB4857E-EAC3-4ECA-947A-C7E77960AF4C}" sibTransId="{13DCD248-B053-4895-AF6F-61BD779620B6}"/>
+    <dgm:cxn modelId="{FEAC293B-8660-4B10-91FF-22EFBEE60218}" type="presOf" srcId="{040D10F7-7E6A-43CA-BA07-2D9628296D34}" destId="{51BA803F-379A-4CF5-B775-F9011077766B}" srcOrd="0" destOrd="0" presId="urn:microsoft.com/office/officeart/2005/8/layout/arrow2"/>
+    <dgm:cxn modelId="{96ACFCD0-CDBB-4CFF-9092-BF6FF8E98B54}" srcId="{098EE6AC-C2CE-4F9E-A9FD-3C64907B2FE9}" destId="{040D10F7-7E6A-43CA-BA07-2D9628296D34}" srcOrd="1" destOrd="0" parTransId="{4F97F703-5790-40D5-A5EB-546472CC0735}" sibTransId="{25D57272-1ADC-495F-A8B1-96AA14210B01}"/>
+    <dgm:cxn modelId="{4B5A9365-91C0-47A0-A484-FD0294ABA903}" srcId="{098EE6AC-C2CE-4F9E-A9FD-3C64907B2FE9}" destId="{B83E304A-1CE6-4CE3-84BF-6DCF5E747C3D}" srcOrd="2" destOrd="0" parTransId="{975BB77B-814E-42F2-A5E8-8E1A0D82252B}" sibTransId="{9A982F2B-1BA7-4790-9A7A-63D5696902EF}"/>
+    <dgm:cxn modelId="{D37C0EBE-8775-4A61-BC58-4A10FC2EB375}" type="presOf" srcId="{098EE6AC-C2CE-4F9E-A9FD-3C64907B2FE9}" destId="{B51E6C07-469F-4677-A821-F71F2671DA51}" srcOrd="0" destOrd="0" presId="urn:microsoft.com/office/officeart/2005/8/layout/arrow2"/>
     <dgm:cxn modelId="{ADAE0A96-D503-4028-B8A3-8F68E1322678}" type="presOf" srcId="{3ECA0D95-C29D-4278-8047-C19A5E721C13}" destId="{F9DC2284-66F5-45FA-9624-2CE55A25A377}" srcOrd="0" destOrd="0" presId="urn:microsoft.com/office/officeart/2005/8/layout/arrow2"/>
-    <dgm:cxn modelId="{D37C0EBE-8775-4A61-BC58-4A10FC2EB375}" type="presOf" srcId="{098EE6AC-C2CE-4F9E-A9FD-3C64907B2FE9}" destId="{B51E6C07-469F-4677-A821-F71F2671DA51}" srcOrd="0" destOrd="0" presId="urn:microsoft.com/office/officeart/2005/8/layout/arrow2"/>
-    <dgm:cxn modelId="{96ACFCD0-CDBB-4CFF-9092-BF6FF8E98B54}" srcId="{098EE6AC-C2CE-4F9E-A9FD-3C64907B2FE9}" destId="{040D10F7-7E6A-43CA-BA07-2D9628296D34}" srcOrd="1" destOrd="0" parTransId="{4F97F703-5790-40D5-A5EB-546472CC0735}" sibTransId="{25D57272-1ADC-495F-A8B1-96AA14210B01}"/>
-    <dgm:cxn modelId="{FEAC293B-8660-4B10-91FF-22EFBEE60218}" type="presOf" srcId="{040D10F7-7E6A-43CA-BA07-2D9628296D34}" destId="{51BA803F-379A-4CF5-B775-F9011077766B}" srcOrd="0" destOrd="0" presId="urn:microsoft.com/office/officeart/2005/8/layout/arrow2"/>
-    <dgm:cxn modelId="{B67AFE28-D6FD-478E-A8EF-9B96DA93FF48}" srcId="{098EE6AC-C2CE-4F9E-A9FD-3C64907B2FE9}" destId="{3ECA0D95-C29D-4278-8047-C19A5E721C13}" srcOrd="3" destOrd="0" parTransId="{FEB4857E-EAC3-4ECA-947A-C7E77960AF4C}" sibTransId="{13DCD248-B053-4895-AF6F-61BD779620B6}"/>
+    <dgm:cxn modelId="{2349296E-4323-40D0-8935-7372DBD53188}" srcId="{098EE6AC-C2CE-4F9E-A9FD-3C64907B2FE9}" destId="{D5949151-0910-47BF-A46D-3B9F5A48B26C}" srcOrd="0" destOrd="0" parTransId="{EE73FD2C-96F8-43EE-9476-03F58B8F43CA}" sibTransId="{7920FF1E-30D3-435D-AC1D-EA1155327622}"/>
     <dgm:cxn modelId="{E9752B89-6661-4A2D-94C7-9F5D0A3DDB08}" type="presOf" srcId="{D5949151-0910-47BF-A46D-3B9F5A48B26C}" destId="{A49D5F9B-3A19-4941-82A5-829827A7792C}" srcOrd="0" destOrd="0" presId="urn:microsoft.com/office/officeart/2005/8/layout/arrow2"/>
-    <dgm:cxn modelId="{7F290247-8CE4-49F3-8706-E045DE0BC7FA}" type="presOf" srcId="{B83E304A-1CE6-4CE3-84BF-6DCF5E747C3D}" destId="{DD341EF6-FF90-406F-9E2C-9AC14E659C89}" srcOrd="0" destOrd="0" presId="urn:microsoft.com/office/officeart/2005/8/layout/arrow2"/>
-    <dgm:cxn modelId="{4B5A9365-91C0-47A0-A484-FD0294ABA903}" srcId="{098EE6AC-C2CE-4F9E-A9FD-3C64907B2FE9}" destId="{B83E304A-1CE6-4CE3-84BF-6DCF5E747C3D}" srcOrd="2" destOrd="0" parTransId="{975BB77B-814E-42F2-A5E8-8E1A0D82252B}" sibTransId="{9A982F2B-1BA7-4790-9A7A-63D5696902EF}"/>
-    <dgm:cxn modelId="{2349296E-4323-40D0-8935-7372DBD53188}" srcId="{098EE6AC-C2CE-4F9E-A9FD-3C64907B2FE9}" destId="{D5949151-0910-47BF-A46D-3B9F5A48B26C}" srcOrd="0" destOrd="0" parTransId="{EE73FD2C-96F8-43EE-9476-03F58B8F43CA}" sibTransId="{7920FF1E-30D3-435D-AC1D-EA1155327622}"/>
     <dgm:cxn modelId="{73A8098D-77BB-4730-8370-DFBE8A2A5B35}" type="presParOf" srcId="{B51E6C07-469F-4677-A821-F71F2671DA51}" destId="{DE9BB5CF-DA70-4209-A33B-F7B02E4462FA}" srcOrd="0" destOrd="0" presId="urn:microsoft.com/office/officeart/2005/8/layout/arrow2"/>
     <dgm:cxn modelId="{AE684E5E-7511-4A8F-A6D9-FC9B30287A97}" type="presParOf" srcId="{B51E6C07-469F-4677-A821-F71F2671DA51}" destId="{7A7C0ACA-3139-4850-9156-2B325B4B37A9}" srcOrd="1" destOrd="0" presId="urn:microsoft.com/office/officeart/2005/8/layout/arrow2"/>
     <dgm:cxn modelId="{B75E9204-5A86-4B34-A1CE-B4F2F22E26AD}" type="presParOf" srcId="{7A7C0ACA-3139-4850-9156-2B325B4B37A9}" destId="{53600868-B03F-4398-9FD3-6E28ABDFDCFF}" srcOrd="0" destOrd="0" presId="urn:microsoft.com/office/officeart/2005/8/layout/arrow2"/>
@@ -14291,7 +14298,21 @@
               <a:ln w="50800"/>
               <a:effectLst/>
             </a:rPr>
-            <a:t>Phase de recherches longue mais intéressant</a:t>
+            <a:t>Phase de recherches longue </a:t>
+          </a:r>
+          <a:r>
+            <a:rPr lang="fr-FR" sz="1500" b="1" kern="1200" cap="none" spc="0" smtClean="0">
+              <a:ln w="50800"/>
+              <a:effectLst/>
+            </a:rPr>
+            <a:t>mais </a:t>
+          </a:r>
+          <a:r>
+            <a:rPr lang="fr-FR" sz="1500" b="1" kern="1200" cap="none" spc="0" smtClean="0">
+              <a:ln w="50800"/>
+              <a:effectLst/>
+            </a:rPr>
+            <a:t>intéressante</a:t>
           </a:r>
           <a:endParaRPr lang="fr-FR" sz="1500" b="1" kern="1200" cap="none" spc="0" dirty="0" smtClean="0">
             <a:ln w="50800"/>
@@ -14407,14 +14428,7 @@
               <a:ln w="50800"/>
               <a:effectLst/>
             </a:rPr>
-            <a:t>Bonne expérience et projet </a:t>
-          </a:r>
-          <a:r>
-            <a:rPr lang="fr-FR" sz="1500" b="1" kern="1200" cap="none" spc="0" dirty="0" smtClean="0">
-              <a:ln w="50800"/>
-              <a:effectLst/>
-            </a:rPr>
-            <a:t>séduisant</a:t>
+            <a:t>Bonne expérience et projet séduisant</a:t>
           </a:r>
           <a:endParaRPr lang="fr-FR" sz="1500" b="1" kern="1200" cap="none" spc="0" dirty="0">
             <a:ln w="50800"/>
@@ -26475,7 +26489,7 @@
           <a:p>
             <a:fld id="{BD84FBA9-7F07-2D4B-997B-1AB299F3667F}" type="datetime1">
               <a:rPr lang="fr-FR" smtClean="0"/>
-              <a:t>01/06/2015</a:t>
+              <a:t>02/06/2015</a:t>
             </a:fld>
             <a:endParaRPr lang="fr-FR"/>
           </a:p>
@@ -26641,7 +26655,7 @@
           <a:p>
             <a:fld id="{4FD68C41-009D-AC41-AAB8-47F731F70028}" type="datetime1">
               <a:rPr lang="fr-FR" smtClean="0"/>
-              <a:t>01/06/2015</a:t>
+              <a:t>02/06/2015</a:t>
             </a:fld>
             <a:endParaRPr lang="fr-FR"/>
           </a:p>
@@ -27205,7 +27219,7 @@
           <a:p>
             <a:fld id="{37B1EA5A-E272-CA42-869A-5E371E10845E}" type="datetime1">
               <a:rPr lang="fr-FR" smtClean="0"/>
-              <a:t>01/06/2015</a:t>
+              <a:t>02/06/2015</a:t>
             </a:fld>
             <a:endParaRPr lang="fr-FR"/>
           </a:p>
@@ -27395,7 +27409,7 @@
           <a:p>
             <a:fld id="{7C0F0774-8641-1F41-BEFD-51BA9BA65782}" type="datetime1">
               <a:rPr lang="fr-FR" smtClean="0"/>
-              <a:t>01/06/2015</a:t>
+              <a:t>02/06/2015</a:t>
             </a:fld>
             <a:endParaRPr lang="fr-FR"/>
           </a:p>
@@ -27612,7 +27626,7 @@
           <a:p>
             <a:fld id="{F19C1B1D-A7C4-9E4C-8A70-3C6F57E929CF}" type="datetime1">
               <a:rPr lang="fr-FR" smtClean="0"/>
-              <a:t>01/06/2015</a:t>
+              <a:t>02/06/2015</a:t>
             </a:fld>
             <a:endParaRPr lang="fr-FR"/>
           </a:p>
@@ -27868,7 +27882,7 @@
           <a:p>
             <a:fld id="{EF30ADAF-CF71-414A-A601-A1BB1AB84F45}" type="datetime1">
               <a:rPr lang="fr-FR" smtClean="0"/>
-              <a:t>01/06/2015</a:t>
+              <a:t>02/06/2015</a:t>
             </a:fld>
             <a:endParaRPr lang="fr-FR"/>
           </a:p>
@@ -28168,7 +28182,7 @@
           <a:p>
             <a:fld id="{90771B48-5BB9-4F4B-B9F5-FA150DB15153}" type="datetime1">
               <a:rPr lang="fr-FR" smtClean="0"/>
-              <a:t>01/06/2015</a:t>
+              <a:t>02/06/2015</a:t>
             </a:fld>
             <a:endParaRPr lang="fr-FR"/>
           </a:p>
@@ -28608,7 +28622,7 @@
           <a:p>
             <a:fld id="{B451EE7F-DABE-544A-8E73-7C1BB4B790B8}" type="datetime1">
               <a:rPr lang="fr-FR" smtClean="0"/>
-              <a:t>01/06/2015</a:t>
+              <a:t>02/06/2015</a:t>
             </a:fld>
             <a:endParaRPr lang="fr-FR"/>
           </a:p>
@@ -28736,7 +28750,7 @@
           <a:p>
             <a:fld id="{0BA49B11-4312-0040-8C1F-E7648001D311}" type="datetime1">
               <a:rPr lang="fr-FR" smtClean="0"/>
-              <a:t>01/06/2015</a:t>
+              <a:t>02/06/2015</a:t>
             </a:fld>
             <a:endParaRPr lang="fr-FR"/>
           </a:p>
@@ -28835,7 +28849,7 @@
           <a:p>
             <a:fld id="{E1FE1A02-330E-A541-B4A6-A3883AEFFB7D}" type="datetime1">
               <a:rPr lang="fr-FR" smtClean="0"/>
-              <a:t>01/06/2015</a:t>
+              <a:t>02/06/2015</a:t>
             </a:fld>
             <a:endParaRPr lang="fr-FR"/>
           </a:p>
@@ -29124,7 +29138,7 @@
           <a:p>
             <a:fld id="{5BCEDFFF-E8D4-D945-84C4-CD7F5E352941}" type="datetime1">
               <a:rPr lang="fr-FR" smtClean="0"/>
-              <a:t>01/06/2015</a:t>
+              <a:t>02/06/2015</a:t>
             </a:fld>
             <a:endParaRPr lang="fr-FR"/>
           </a:p>
@@ -29391,7 +29405,7 @@
           <a:p>
             <a:fld id="{AEE31612-BCFD-704A-A2D0-CB1615667452}" type="datetime1">
               <a:rPr lang="fr-FR" smtClean="0"/>
-              <a:t>01/06/2015</a:t>
+              <a:t>02/06/2015</a:t>
             </a:fld>
             <a:endParaRPr lang="fr-FR"/>
           </a:p>
@@ -29655,7 +29669,7 @@
           <a:p>
             <a:fld id="{C5E9EA15-80E1-ED4C-9857-3F4A2B21326C}" type="datetime1">
               <a:rPr lang="fr-FR" smtClean="0"/>
-              <a:t>01/06/2015</a:t>
+              <a:t>02/06/2015</a:t>
             </a:fld>
             <a:endParaRPr lang="fr-FR" dirty="0"/>
           </a:p>
@@ -31951,7 +31965,7 @@
           <p:nvPr>
             <p:extLst>
               <p:ext uri="{D42A27DB-BD31-4B8C-83A1-F6EECF244321}">
-                <p14:modId xmlns:p14="http://schemas.microsoft.com/office/powerpoint/2010/main" val="3957058841"/>
+                <p14:modId xmlns:p14="http://schemas.microsoft.com/office/powerpoint/2010/main" val="3910855357"/>
               </p:ext>
             </p:extLst>
           </p:nvPr>

--- a/Presentation_TER.pptx
+++ b/Presentation_TER.pptx
@@ -10320,7 +10320,14 @@
               <a:ln w="50800"/>
               <a:effectLst/>
             </a:rPr>
-            <a:t>Bonne expérience et projet séduisant</a:t>
+            <a:t>Bonne expérience et projet </a:t>
+          </a:r>
+          <a:r>
+            <a:rPr lang="fr-FR" b="1" cap="none" spc="0" dirty="0" smtClean="0">
+              <a:ln w="50800"/>
+              <a:effectLst/>
+            </a:rPr>
+            <a:t>séduisant</a:t>
           </a:r>
           <a:endParaRPr lang="fr-FR" b="1" cap="none" spc="0" dirty="0">
             <a:ln w="50800"/>
@@ -10364,21 +10371,7 @@
               <a:ln w="50800"/>
               <a:effectLst/>
             </a:rPr>
-            <a:t>Phase de recherches longue </a:t>
-          </a:r>
-          <a:r>
-            <a:rPr lang="fr-FR" b="1" cap="none" spc="0" smtClean="0">
-              <a:ln w="50800"/>
-              <a:effectLst/>
-            </a:rPr>
-            <a:t>mais </a:t>
-          </a:r>
-          <a:r>
-            <a:rPr lang="fr-FR" b="1" cap="none" spc="0" smtClean="0">
-              <a:ln w="50800"/>
-              <a:effectLst/>
-            </a:rPr>
-            <a:t>intéressante</a:t>
+            <a:t>Phase de recherches longue mais intéressant</a:t>
           </a:r>
           <a:endParaRPr lang="fr-FR" b="1" cap="none" spc="0" dirty="0" smtClean="0">
             <a:ln w="50800"/>
@@ -10505,15 +10498,15 @@
     </dgm:pt>
   </dgm:ptLst>
   <dgm:cxnLst>
+    <dgm:cxn modelId="{ADAE0A96-D503-4028-B8A3-8F68E1322678}" type="presOf" srcId="{3ECA0D95-C29D-4278-8047-C19A5E721C13}" destId="{F9DC2284-66F5-45FA-9624-2CE55A25A377}" srcOrd="0" destOrd="0" presId="urn:microsoft.com/office/officeart/2005/8/layout/arrow2"/>
+    <dgm:cxn modelId="{D37C0EBE-8775-4A61-BC58-4A10FC2EB375}" type="presOf" srcId="{098EE6AC-C2CE-4F9E-A9FD-3C64907B2FE9}" destId="{B51E6C07-469F-4677-A821-F71F2671DA51}" srcOrd="0" destOrd="0" presId="urn:microsoft.com/office/officeart/2005/8/layout/arrow2"/>
+    <dgm:cxn modelId="{96ACFCD0-CDBB-4CFF-9092-BF6FF8E98B54}" srcId="{098EE6AC-C2CE-4F9E-A9FD-3C64907B2FE9}" destId="{040D10F7-7E6A-43CA-BA07-2D9628296D34}" srcOrd="1" destOrd="0" parTransId="{4F97F703-5790-40D5-A5EB-546472CC0735}" sibTransId="{25D57272-1ADC-495F-A8B1-96AA14210B01}"/>
+    <dgm:cxn modelId="{FEAC293B-8660-4B10-91FF-22EFBEE60218}" type="presOf" srcId="{040D10F7-7E6A-43CA-BA07-2D9628296D34}" destId="{51BA803F-379A-4CF5-B775-F9011077766B}" srcOrd="0" destOrd="0" presId="urn:microsoft.com/office/officeart/2005/8/layout/arrow2"/>
+    <dgm:cxn modelId="{B67AFE28-D6FD-478E-A8EF-9B96DA93FF48}" srcId="{098EE6AC-C2CE-4F9E-A9FD-3C64907B2FE9}" destId="{3ECA0D95-C29D-4278-8047-C19A5E721C13}" srcOrd="3" destOrd="0" parTransId="{FEB4857E-EAC3-4ECA-947A-C7E77960AF4C}" sibTransId="{13DCD248-B053-4895-AF6F-61BD779620B6}"/>
+    <dgm:cxn modelId="{E9752B89-6661-4A2D-94C7-9F5D0A3DDB08}" type="presOf" srcId="{D5949151-0910-47BF-A46D-3B9F5A48B26C}" destId="{A49D5F9B-3A19-4941-82A5-829827A7792C}" srcOrd="0" destOrd="0" presId="urn:microsoft.com/office/officeart/2005/8/layout/arrow2"/>
     <dgm:cxn modelId="{7F290247-8CE4-49F3-8706-E045DE0BC7FA}" type="presOf" srcId="{B83E304A-1CE6-4CE3-84BF-6DCF5E747C3D}" destId="{DD341EF6-FF90-406F-9E2C-9AC14E659C89}" srcOrd="0" destOrd="0" presId="urn:microsoft.com/office/officeart/2005/8/layout/arrow2"/>
-    <dgm:cxn modelId="{B67AFE28-D6FD-478E-A8EF-9B96DA93FF48}" srcId="{098EE6AC-C2CE-4F9E-A9FD-3C64907B2FE9}" destId="{3ECA0D95-C29D-4278-8047-C19A5E721C13}" srcOrd="3" destOrd="0" parTransId="{FEB4857E-EAC3-4ECA-947A-C7E77960AF4C}" sibTransId="{13DCD248-B053-4895-AF6F-61BD779620B6}"/>
-    <dgm:cxn modelId="{FEAC293B-8660-4B10-91FF-22EFBEE60218}" type="presOf" srcId="{040D10F7-7E6A-43CA-BA07-2D9628296D34}" destId="{51BA803F-379A-4CF5-B775-F9011077766B}" srcOrd="0" destOrd="0" presId="urn:microsoft.com/office/officeart/2005/8/layout/arrow2"/>
-    <dgm:cxn modelId="{96ACFCD0-CDBB-4CFF-9092-BF6FF8E98B54}" srcId="{098EE6AC-C2CE-4F9E-A9FD-3C64907B2FE9}" destId="{040D10F7-7E6A-43CA-BA07-2D9628296D34}" srcOrd="1" destOrd="0" parTransId="{4F97F703-5790-40D5-A5EB-546472CC0735}" sibTransId="{25D57272-1ADC-495F-A8B1-96AA14210B01}"/>
     <dgm:cxn modelId="{4B5A9365-91C0-47A0-A484-FD0294ABA903}" srcId="{098EE6AC-C2CE-4F9E-A9FD-3C64907B2FE9}" destId="{B83E304A-1CE6-4CE3-84BF-6DCF5E747C3D}" srcOrd="2" destOrd="0" parTransId="{975BB77B-814E-42F2-A5E8-8E1A0D82252B}" sibTransId="{9A982F2B-1BA7-4790-9A7A-63D5696902EF}"/>
-    <dgm:cxn modelId="{D37C0EBE-8775-4A61-BC58-4A10FC2EB375}" type="presOf" srcId="{098EE6AC-C2CE-4F9E-A9FD-3C64907B2FE9}" destId="{B51E6C07-469F-4677-A821-F71F2671DA51}" srcOrd="0" destOrd="0" presId="urn:microsoft.com/office/officeart/2005/8/layout/arrow2"/>
-    <dgm:cxn modelId="{ADAE0A96-D503-4028-B8A3-8F68E1322678}" type="presOf" srcId="{3ECA0D95-C29D-4278-8047-C19A5E721C13}" destId="{F9DC2284-66F5-45FA-9624-2CE55A25A377}" srcOrd="0" destOrd="0" presId="urn:microsoft.com/office/officeart/2005/8/layout/arrow2"/>
     <dgm:cxn modelId="{2349296E-4323-40D0-8935-7372DBD53188}" srcId="{098EE6AC-C2CE-4F9E-A9FD-3C64907B2FE9}" destId="{D5949151-0910-47BF-A46D-3B9F5A48B26C}" srcOrd="0" destOrd="0" parTransId="{EE73FD2C-96F8-43EE-9476-03F58B8F43CA}" sibTransId="{7920FF1E-30D3-435D-AC1D-EA1155327622}"/>
-    <dgm:cxn modelId="{E9752B89-6661-4A2D-94C7-9F5D0A3DDB08}" type="presOf" srcId="{D5949151-0910-47BF-A46D-3B9F5A48B26C}" destId="{A49D5F9B-3A19-4941-82A5-829827A7792C}" srcOrd="0" destOrd="0" presId="urn:microsoft.com/office/officeart/2005/8/layout/arrow2"/>
     <dgm:cxn modelId="{73A8098D-77BB-4730-8370-DFBE8A2A5B35}" type="presParOf" srcId="{B51E6C07-469F-4677-A821-F71F2671DA51}" destId="{DE9BB5CF-DA70-4209-A33B-F7B02E4462FA}" srcOrd="0" destOrd="0" presId="urn:microsoft.com/office/officeart/2005/8/layout/arrow2"/>
     <dgm:cxn modelId="{AE684E5E-7511-4A8F-A6D9-FC9B30287A97}" type="presParOf" srcId="{B51E6C07-469F-4677-A821-F71F2671DA51}" destId="{7A7C0ACA-3139-4850-9156-2B325B4B37A9}" srcOrd="1" destOrd="0" presId="urn:microsoft.com/office/officeart/2005/8/layout/arrow2"/>
     <dgm:cxn modelId="{B75E9204-5A86-4B34-A1CE-B4F2F22E26AD}" type="presParOf" srcId="{7A7C0ACA-3139-4850-9156-2B325B4B37A9}" destId="{53600868-B03F-4398-9FD3-6E28ABDFDCFF}" srcOrd="0" destOrd="0" presId="urn:microsoft.com/office/officeart/2005/8/layout/arrow2"/>
@@ -14298,21 +14291,7 @@
               <a:ln w="50800"/>
               <a:effectLst/>
             </a:rPr>
-            <a:t>Phase de recherches longue </a:t>
-          </a:r>
-          <a:r>
-            <a:rPr lang="fr-FR" sz="1500" b="1" kern="1200" cap="none" spc="0" smtClean="0">
-              <a:ln w="50800"/>
-              <a:effectLst/>
-            </a:rPr>
-            <a:t>mais </a:t>
-          </a:r>
-          <a:r>
-            <a:rPr lang="fr-FR" sz="1500" b="1" kern="1200" cap="none" spc="0" smtClean="0">
-              <a:ln w="50800"/>
-              <a:effectLst/>
-            </a:rPr>
-            <a:t>intéressante</a:t>
+            <a:t>Phase de recherches longue mais intéressant</a:t>
           </a:r>
           <a:endParaRPr lang="fr-FR" sz="1500" b="1" kern="1200" cap="none" spc="0" dirty="0" smtClean="0">
             <a:ln w="50800"/>
@@ -14428,7 +14407,14 @@
               <a:ln w="50800"/>
               <a:effectLst/>
             </a:rPr>
-            <a:t>Bonne expérience et projet séduisant</a:t>
+            <a:t>Bonne expérience et projet </a:t>
+          </a:r>
+          <a:r>
+            <a:rPr lang="fr-FR" sz="1500" b="1" kern="1200" cap="none" spc="0" dirty="0" smtClean="0">
+              <a:ln w="50800"/>
+              <a:effectLst/>
+            </a:rPr>
+            <a:t>séduisant</a:t>
           </a:r>
           <a:endParaRPr lang="fr-FR" sz="1500" b="1" kern="1200" cap="none" spc="0" dirty="0">
             <a:ln w="50800"/>
@@ -26489,7 +26475,7 @@
           <a:p>
             <a:fld id="{BD84FBA9-7F07-2D4B-997B-1AB299F3667F}" type="datetime1">
               <a:rPr lang="fr-FR" smtClean="0"/>
-              <a:t>02/06/2015</a:t>
+              <a:t>01/06/2015</a:t>
             </a:fld>
             <a:endParaRPr lang="fr-FR"/>
           </a:p>
@@ -26655,7 +26641,7 @@
           <a:p>
             <a:fld id="{4FD68C41-009D-AC41-AAB8-47F731F70028}" type="datetime1">
               <a:rPr lang="fr-FR" smtClean="0"/>
-              <a:t>02/06/2015</a:t>
+              <a:t>01/06/2015</a:t>
             </a:fld>
             <a:endParaRPr lang="fr-FR"/>
           </a:p>
@@ -27219,7 +27205,7 @@
           <a:p>
             <a:fld id="{37B1EA5A-E272-CA42-869A-5E371E10845E}" type="datetime1">
               <a:rPr lang="fr-FR" smtClean="0"/>
-              <a:t>02/06/2015</a:t>
+              <a:t>01/06/2015</a:t>
             </a:fld>
             <a:endParaRPr lang="fr-FR"/>
           </a:p>
@@ -27409,7 +27395,7 @@
           <a:p>
             <a:fld id="{7C0F0774-8641-1F41-BEFD-51BA9BA65782}" type="datetime1">
               <a:rPr lang="fr-FR" smtClean="0"/>
-              <a:t>02/06/2015</a:t>
+              <a:t>01/06/2015</a:t>
             </a:fld>
             <a:endParaRPr lang="fr-FR"/>
           </a:p>
@@ -27626,7 +27612,7 @@
           <a:p>
             <a:fld id="{F19C1B1D-A7C4-9E4C-8A70-3C6F57E929CF}" type="datetime1">
               <a:rPr lang="fr-FR" smtClean="0"/>
-              <a:t>02/06/2015</a:t>
+              <a:t>01/06/2015</a:t>
             </a:fld>
             <a:endParaRPr lang="fr-FR"/>
           </a:p>
@@ -27882,7 +27868,7 @@
           <a:p>
             <a:fld id="{EF30ADAF-CF71-414A-A601-A1BB1AB84F45}" type="datetime1">
               <a:rPr lang="fr-FR" smtClean="0"/>
-              <a:t>02/06/2015</a:t>
+              <a:t>01/06/2015</a:t>
             </a:fld>
             <a:endParaRPr lang="fr-FR"/>
           </a:p>
@@ -28182,7 +28168,7 @@
           <a:p>
             <a:fld id="{90771B48-5BB9-4F4B-B9F5-FA150DB15153}" type="datetime1">
               <a:rPr lang="fr-FR" smtClean="0"/>
-              <a:t>02/06/2015</a:t>
+              <a:t>01/06/2015</a:t>
             </a:fld>
             <a:endParaRPr lang="fr-FR"/>
           </a:p>
@@ -28622,7 +28608,7 @@
           <a:p>
             <a:fld id="{B451EE7F-DABE-544A-8E73-7C1BB4B790B8}" type="datetime1">
               <a:rPr lang="fr-FR" smtClean="0"/>
-              <a:t>02/06/2015</a:t>
+              <a:t>01/06/2015</a:t>
             </a:fld>
             <a:endParaRPr lang="fr-FR"/>
           </a:p>
@@ -28750,7 +28736,7 @@
           <a:p>
             <a:fld id="{0BA49B11-4312-0040-8C1F-E7648001D311}" type="datetime1">
               <a:rPr lang="fr-FR" smtClean="0"/>
-              <a:t>02/06/2015</a:t>
+              <a:t>01/06/2015</a:t>
             </a:fld>
             <a:endParaRPr lang="fr-FR"/>
           </a:p>
@@ -28849,7 +28835,7 @@
           <a:p>
             <a:fld id="{E1FE1A02-330E-A541-B4A6-A3883AEFFB7D}" type="datetime1">
               <a:rPr lang="fr-FR" smtClean="0"/>
-              <a:t>02/06/2015</a:t>
+              <a:t>01/06/2015</a:t>
             </a:fld>
             <a:endParaRPr lang="fr-FR"/>
           </a:p>
@@ -29138,7 +29124,7 @@
           <a:p>
             <a:fld id="{5BCEDFFF-E8D4-D945-84C4-CD7F5E352941}" type="datetime1">
               <a:rPr lang="fr-FR" smtClean="0"/>
-              <a:t>02/06/2015</a:t>
+              <a:t>01/06/2015</a:t>
             </a:fld>
             <a:endParaRPr lang="fr-FR"/>
           </a:p>
@@ -29405,7 +29391,7 @@
           <a:p>
             <a:fld id="{AEE31612-BCFD-704A-A2D0-CB1615667452}" type="datetime1">
               <a:rPr lang="fr-FR" smtClean="0"/>
-              <a:t>02/06/2015</a:t>
+              <a:t>01/06/2015</a:t>
             </a:fld>
             <a:endParaRPr lang="fr-FR"/>
           </a:p>
@@ -29669,7 +29655,7 @@
           <a:p>
             <a:fld id="{C5E9EA15-80E1-ED4C-9857-3F4A2B21326C}" type="datetime1">
               <a:rPr lang="fr-FR" smtClean="0"/>
-              <a:t>02/06/2015</a:t>
+              <a:t>01/06/2015</a:t>
             </a:fld>
             <a:endParaRPr lang="fr-FR" dirty="0"/>
           </a:p>
@@ -31965,7 +31951,7 @@
           <p:nvPr>
             <p:extLst>
               <p:ext uri="{D42A27DB-BD31-4B8C-83A1-F6EECF244321}">
-                <p14:modId xmlns:p14="http://schemas.microsoft.com/office/powerpoint/2010/main" val="3910855357"/>
+                <p14:modId xmlns:p14="http://schemas.microsoft.com/office/powerpoint/2010/main" val="3957058841"/>
               </p:ext>
             </p:extLst>
           </p:nvPr>

--- a/Presentation_TER.pptx
+++ b/Presentation_TER.pptx
@@ -7645,7 +7645,15 @@
               <a:latin typeface="Times New Roman" pitchFamily="18" charset="0"/>
               <a:cs typeface="Times New Roman" pitchFamily="18" charset="0"/>
             </a:rPr>
-            <a:t>Analyse sémantique</a:t>
+            <a:t>Analyse </a:t>
+          </a:r>
+          <a:r>
+            <a:rPr lang="fr-FR" sz="2000" b="0" i="0" dirty="0" smtClean="0">
+              <a:effectLst/>
+              <a:latin typeface="Times New Roman" pitchFamily="18" charset="0"/>
+              <a:cs typeface="Times New Roman" pitchFamily="18" charset="0"/>
+            </a:rPr>
+            <a:t>sémantique/Lemme</a:t>
           </a:r>
           <a:endParaRPr lang="fr-FR" sz="2000" b="1" i="1" dirty="0" smtClean="0">
             <a:effectLst>
@@ -10364,26 +10372,8 @@
               <a:ln w="50800"/>
               <a:effectLst/>
             </a:rPr>
-            <a:t>Phase de recherches longue </a:t>
+            <a:t>Phase de recherches longue mais intéressante</a:t>
           </a:r>
-          <a:r>
-            <a:rPr lang="fr-FR" b="1" cap="none" spc="0" smtClean="0">
-              <a:ln w="50800"/>
-              <a:effectLst/>
-            </a:rPr>
-            <a:t>mais </a:t>
-          </a:r>
-          <a:r>
-            <a:rPr lang="fr-FR" b="1" cap="none" spc="0" smtClean="0">
-              <a:ln w="50800"/>
-              <a:effectLst/>
-            </a:rPr>
-            <a:t>intéressante</a:t>
-          </a:r>
-          <a:endParaRPr lang="fr-FR" b="1" cap="none" spc="0" dirty="0" smtClean="0">
-            <a:ln w="50800"/>
-            <a:effectLst/>
-          </a:endParaRPr>
         </a:p>
       </dgm:t>
     </dgm:pt>
@@ -10428,11 +10418,11 @@
       <dgm:spPr/>
     </dgm:pt>
     <dgm:pt modelId="{53600868-B03F-4398-9FD3-6E28ABDFDCFF}" type="pres">
-      <dgm:prSet presAssocID="{D5949151-0910-47BF-A46D-3B9F5A48B26C}" presName="bullet4a" presStyleLbl="node1" presStyleIdx="0" presStyleCnt="4"/>
+      <dgm:prSet presAssocID="{D5949151-0910-47BF-A46D-3B9F5A48B26C}" presName="bullet4a" presStyleLbl="node1" presStyleIdx="0" presStyleCnt="4" custLinFactX="-44342" custLinFactY="-100000" custLinFactNeighborX="-100000" custLinFactNeighborY="-155374"/>
       <dgm:spPr/>
     </dgm:pt>
     <dgm:pt modelId="{A49D5F9B-3A19-4941-82A5-829827A7792C}" type="pres">
-      <dgm:prSet presAssocID="{D5949151-0910-47BF-A46D-3B9F5A48B26C}" presName="textBox4a" presStyleLbl="revTx" presStyleIdx="0" presStyleCnt="4">
+      <dgm:prSet presAssocID="{D5949151-0910-47BF-A46D-3B9F5A48B26C}" presName="textBox4a" presStyleLbl="revTx" presStyleIdx="0" presStyleCnt="4" custLinFactNeighborX="-9707" custLinFactNeighborY="-16310">
         <dgm:presLayoutVars>
           <dgm:bulletEnabled val="1"/>
         </dgm:presLayoutVars>
@@ -10447,7 +10437,7 @@
       </dgm:t>
     </dgm:pt>
     <dgm:pt modelId="{2182B079-8537-483E-B15D-04DCA256F767}" type="pres">
-      <dgm:prSet presAssocID="{040D10F7-7E6A-43CA-BA07-2D9628296D34}" presName="bullet4b" presStyleLbl="node1" presStyleIdx="1" presStyleCnt="4"/>
+      <dgm:prSet presAssocID="{040D10F7-7E6A-43CA-BA07-2D9628296D34}" presName="bullet4b" presStyleLbl="node1" presStyleIdx="1" presStyleCnt="4" custLinFactNeighborX="35114" custLinFactNeighborY="-76612"/>
       <dgm:spPr/>
     </dgm:pt>
     <dgm:pt modelId="{51BA803F-379A-4CF5-B775-F9011077766B}" type="pres">
@@ -10466,11 +10456,11 @@
       </dgm:t>
     </dgm:pt>
     <dgm:pt modelId="{AA893112-AFDA-4C73-91A0-1F9405E53880}" type="pres">
-      <dgm:prSet presAssocID="{B83E304A-1CE6-4CE3-84BF-6DCF5E747C3D}" presName="bullet4c" presStyleLbl="node1" presStyleIdx="2" presStyleCnt="4"/>
+      <dgm:prSet presAssocID="{B83E304A-1CE6-4CE3-84BF-6DCF5E747C3D}" presName="bullet4c" presStyleLbl="node1" presStyleIdx="2" presStyleCnt="4" custLinFactNeighborX="48184" custLinFactNeighborY="-14455"/>
       <dgm:spPr/>
     </dgm:pt>
     <dgm:pt modelId="{DD341EF6-FF90-406F-9E2C-9AC14E659C89}" type="pres">
-      <dgm:prSet presAssocID="{B83E304A-1CE6-4CE3-84BF-6DCF5E747C3D}" presName="textBox4c" presStyleLbl="revTx" presStyleIdx="2" presStyleCnt="4">
+      <dgm:prSet presAssocID="{B83E304A-1CE6-4CE3-84BF-6DCF5E747C3D}" presName="textBox4c" presStyleLbl="revTx" presStyleIdx="2" presStyleCnt="4" custLinFactNeighborX="8513" custLinFactNeighborY="8926">
         <dgm:presLayoutVars>
           <dgm:bulletEnabled val="1"/>
         </dgm:presLayoutVars>
@@ -10485,11 +10475,11 @@
       </dgm:t>
     </dgm:pt>
     <dgm:pt modelId="{05496385-535D-4E86-8F08-1EDDC98B9363}" type="pres">
-      <dgm:prSet presAssocID="{3ECA0D95-C29D-4278-8047-C19A5E721C13}" presName="bullet4d" presStyleLbl="node1" presStyleIdx="3" presStyleCnt="4"/>
+      <dgm:prSet presAssocID="{3ECA0D95-C29D-4278-8047-C19A5E721C13}" presName="bullet4d" presStyleLbl="node1" presStyleIdx="3" presStyleCnt="4" custLinFactNeighborX="59347" custLinFactNeighborY="-17984"/>
       <dgm:spPr/>
     </dgm:pt>
     <dgm:pt modelId="{F9DC2284-66F5-45FA-9624-2CE55A25A377}" type="pres">
-      <dgm:prSet presAssocID="{3ECA0D95-C29D-4278-8047-C19A5E721C13}" presName="textBox4d" presStyleLbl="revTx" presStyleIdx="3" presStyleCnt="4">
+      <dgm:prSet presAssocID="{3ECA0D95-C29D-4278-8047-C19A5E721C13}" presName="textBox4d" presStyleLbl="revTx" presStyleIdx="3" presStyleCnt="4" custLinFactNeighborX="7296" custLinFactNeighborY="6269">
         <dgm:presLayoutVars>
           <dgm:bulletEnabled val="1"/>
         </dgm:presLayoutVars>
@@ -11253,7 +11243,15 @@
               <a:latin typeface="Times New Roman" pitchFamily="18" charset="0"/>
               <a:cs typeface="Times New Roman" pitchFamily="18" charset="0"/>
             </a:rPr>
-            <a:t>Analyse sémantique</a:t>
+            <a:t>Analyse </a:t>
+          </a:r>
+          <a:r>
+            <a:rPr lang="fr-FR" sz="2000" b="0" i="0" kern="1200" dirty="0" smtClean="0">
+              <a:effectLst/>
+              <a:latin typeface="Times New Roman" pitchFamily="18" charset="0"/>
+              <a:cs typeface="Times New Roman" pitchFamily="18" charset="0"/>
+            </a:rPr>
+            <a:t>sémantique/Lemme</a:t>
           </a:r>
           <a:endParaRPr lang="fr-FR" sz="2000" b="1" i="1" kern="1200" dirty="0" smtClean="0">
             <a:effectLst>
@@ -13974,7 +13972,7 @@
       </dsp:nvSpPr>
       <dsp:spPr>
         <a:xfrm>
-          <a:off x="1276999" y="2945303"/>
+          <a:off x="1066606" y="2573070"/>
           <a:ext cx="145760" cy="145760"/>
         </a:xfrm>
         <a:prstGeom prst="ellipse">
@@ -14024,7 +14022,7 @@
       </dsp:nvSpPr>
       <dsp:spPr>
         <a:xfrm>
-          <a:off x="1349879" y="3018183"/>
+          <a:off x="1244685" y="2864431"/>
           <a:ext cx="1083694" cy="942687"/>
         </a:xfrm>
         <a:prstGeom prst="rect">
@@ -14079,7 +14077,7 @@
         </a:p>
       </dsp:txBody>
       <dsp:txXfrm>
-        <a:off x="1349879" y="3018183"/>
+        <a:off x="1244685" y="2864431"/>
         <a:ext cx="1083694" cy="942687"/>
       </dsp:txXfrm>
     </dsp:sp>
@@ -14090,7 +14088,7 @@
       </dsp:nvSpPr>
       <dsp:spPr>
         <a:xfrm>
-          <a:off x="2306826" y="2024005"/>
+          <a:off x="2395838" y="1829796"/>
           <a:ext cx="253495" cy="253495"/>
         </a:xfrm>
         <a:prstGeom prst="ellipse">
@@ -14202,7 +14200,7 @@
       </dsp:nvSpPr>
       <dsp:spPr>
         <a:xfrm>
-          <a:off x="3621835" y="1345111"/>
+          <a:off x="3783676" y="1296560"/>
           <a:ext cx="335881" cy="335881"/>
         </a:xfrm>
         <a:prstGeom prst="ellipse">
@@ -14252,7 +14250,7 @@
       </dsp:nvSpPr>
       <dsp:spPr>
         <a:xfrm>
-          <a:off x="3789776" y="1513052"/>
+          <a:off x="3903072" y="1513052"/>
           <a:ext cx="1330852" cy="2447818"/>
         </a:xfrm>
         <a:prstGeom prst="rect">
@@ -14298,30 +14296,12 @@
               <a:ln w="50800"/>
               <a:effectLst/>
             </a:rPr>
-            <a:t>Phase de recherches longue </a:t>
+            <a:t>Phase de recherches longue mais intéressante</a:t>
           </a:r>
-          <a:r>
-            <a:rPr lang="fr-FR" sz="1500" b="1" kern="1200" cap="none" spc="0" smtClean="0">
-              <a:ln w="50800"/>
-              <a:effectLst/>
-            </a:rPr>
-            <a:t>mais </a:t>
-          </a:r>
-          <a:r>
-            <a:rPr lang="fr-FR" sz="1500" b="1" kern="1200" cap="none" spc="0" smtClean="0">
-              <a:ln w="50800"/>
-              <a:effectLst/>
-            </a:rPr>
-            <a:t>intéressante</a:t>
-          </a:r>
-          <a:endParaRPr lang="fr-FR" sz="1500" b="1" kern="1200" cap="none" spc="0" dirty="0" smtClean="0">
-            <a:ln w="50800"/>
-            <a:effectLst/>
-          </a:endParaRPr>
         </a:p>
       </dsp:txBody>
       <dsp:txXfrm>
-        <a:off x="3789776" y="1513052"/>
+        <a:off x="3903072" y="1513052"/>
         <a:ext cx="1330852" cy="2447818"/>
       </dsp:txXfrm>
     </dsp:sp>
@@ -14332,7 +14312,7 @@
       </dsp:nvSpPr>
       <dsp:spPr>
         <a:xfrm>
-          <a:off x="5054086" y="895949"/>
+          <a:off x="5321121" y="815029"/>
           <a:ext cx="449954" cy="449954"/>
         </a:xfrm>
         <a:prstGeom prst="ellipse">
@@ -14382,7 +14362,7 @@
       </dsp:nvSpPr>
       <dsp:spPr>
         <a:xfrm>
-          <a:off x="5279064" y="1120926"/>
+          <a:off x="5376163" y="1120926"/>
           <a:ext cx="1330852" cy="2839944"/>
         </a:xfrm>
         <a:prstGeom prst="rect">
@@ -14437,7 +14417,7 @@
         </a:p>
       </dsp:txBody>
       <dsp:txXfrm>
-        <a:off x="5279064" y="1120926"/>
+        <a:off x="5376163" y="1120926"/>
         <a:ext cx="1330852" cy="2839944"/>
       </dsp:txXfrm>
     </dsp:sp>
@@ -31965,7 +31945,7 @@
           <p:nvPr>
             <p:extLst>
               <p:ext uri="{D42A27DB-BD31-4B8C-83A1-F6EECF244321}">
-                <p14:modId xmlns:p14="http://schemas.microsoft.com/office/powerpoint/2010/main" val="3910855357"/>
+                <p14:modId xmlns:p14="http://schemas.microsoft.com/office/powerpoint/2010/main" val="2446273685"/>
               </p:ext>
             </p:extLst>
           </p:nvPr>
@@ -32397,7 +32377,7 @@
           <p:nvPr>
             <p:extLst>
               <p:ext uri="{D42A27DB-BD31-4B8C-83A1-F6EECF244321}">
-                <p14:modId xmlns:p14="http://schemas.microsoft.com/office/powerpoint/2010/main" val="1109454957"/>
+                <p14:modId xmlns:p14="http://schemas.microsoft.com/office/powerpoint/2010/main" val="2023401985"/>
               </p:ext>
             </p:extLst>
           </p:nvPr>
